--- a/Serminar.pptx
+++ b/Serminar.pptx
@@ -264,38 +264,37 @@
           <a:p>
             <a:pPr lvl="0"/>
             <a:r>
-              <a:rPr lang="en-US" smtClean="0"/>
+              <a:rPr lang="en-US"/>
               <a:t>Click to edit Master text styles</a:t>
             </a:r>
           </a:p>
           <a:p>
             <a:pPr lvl="1"/>
             <a:r>
-              <a:rPr lang="en-US" smtClean="0"/>
+              <a:rPr lang="en-US"/>
               <a:t>Second level</a:t>
             </a:r>
           </a:p>
           <a:p>
             <a:pPr lvl="2"/>
             <a:r>
-              <a:rPr lang="en-US" smtClean="0"/>
+              <a:rPr lang="en-US"/>
               <a:t>Third level</a:t>
             </a:r>
           </a:p>
           <a:p>
             <a:pPr lvl="3"/>
             <a:r>
-              <a:rPr lang="en-US" smtClean="0"/>
+              <a:rPr lang="en-US"/>
               <a:t>Fourth level</a:t>
             </a:r>
           </a:p>
           <a:p>
             <a:pPr lvl="4"/>
             <a:r>
-              <a:rPr lang="en-US" smtClean="0"/>
+              <a:rPr lang="en-US"/>
               <a:t>Fifth level</a:t>
             </a:r>
-            <a:endParaRPr lang="en-US"/>
           </a:p>
         </p:txBody>
       </p:sp>
@@ -596,7 +595,7 @@
           <a:bodyPr/>
           <a:lstStyle/>
           <a:p>
-            <a:endParaRPr lang="en-US"/>
+            <a:endParaRPr lang="en-US" dirty="0"/>
           </a:p>
         </p:txBody>
       </p:sp>
@@ -680,7 +679,7 @@
           <a:bodyPr/>
           <a:lstStyle/>
           <a:p>
-            <a:endParaRPr lang="vi-VN" sz="1200" b="0" i="0" kern="1200" smtClean="0">
+            <a:endParaRPr lang="vi-VN" sz="1200" b="0" i="0" kern="1200">
               <a:solidFill>
                 <a:schemeClr val="tx1"/>
               </a:solidFill>
@@ -770,7 +769,7 @@
           </a:lstStyle>
           <a:p>
             <a:r>
-              <a:rPr lang="en-US" smtClean="0"/>
+              <a:rPr lang="en-US"/>
               <a:t>Click to edit Master title style</a:t>
             </a:r>
             <a:endParaRPr lang="en-US" dirty="0"/>
@@ -835,7 +834,7 @@
           </a:lstStyle>
           <a:p>
             <a:r>
-              <a:rPr lang="en-US" smtClean="0"/>
+              <a:rPr lang="en-US"/>
               <a:t>Click to edit Master subtitle style</a:t>
             </a:r>
             <a:endParaRPr lang="en-US" dirty="0"/>
@@ -953,7 +952,7 @@
           <a:lstStyle/>
           <a:p>
             <a:r>
-              <a:rPr lang="en-US" smtClean="0"/>
+              <a:rPr lang="en-US"/>
               <a:t>Click to edit Master title style</a:t>
             </a:r>
             <a:endParaRPr lang="en-US" dirty="0"/>
@@ -977,35 +976,35 @@
           <a:p>
             <a:pPr lvl="0"/>
             <a:r>
-              <a:rPr lang="en-US" smtClean="0"/>
+              <a:rPr lang="en-US"/>
               <a:t>Click to edit Master text styles</a:t>
             </a:r>
           </a:p>
           <a:p>
             <a:pPr lvl="1"/>
             <a:r>
-              <a:rPr lang="en-US" smtClean="0"/>
+              <a:rPr lang="en-US"/>
               <a:t>Second level</a:t>
             </a:r>
           </a:p>
           <a:p>
             <a:pPr lvl="2"/>
             <a:r>
-              <a:rPr lang="en-US" smtClean="0"/>
+              <a:rPr lang="en-US"/>
               <a:t>Third level</a:t>
             </a:r>
           </a:p>
           <a:p>
             <a:pPr lvl="3"/>
             <a:r>
-              <a:rPr lang="en-US" smtClean="0"/>
+              <a:rPr lang="en-US"/>
               <a:t>Fourth level</a:t>
             </a:r>
           </a:p>
           <a:p>
             <a:pPr lvl="4"/>
             <a:r>
-              <a:rPr lang="en-US" smtClean="0"/>
+              <a:rPr lang="en-US"/>
               <a:t>Fifth level</a:t>
             </a:r>
             <a:endParaRPr lang="en-US" dirty="0"/>
@@ -1128,7 +1127,7 @@
           <a:lstStyle/>
           <a:p>
             <a:r>
-              <a:rPr lang="en-US" smtClean="0"/>
+              <a:rPr lang="en-US"/>
               <a:t>Click to edit Master title style</a:t>
             </a:r>
             <a:endParaRPr lang="en-US" dirty="0"/>
@@ -1157,35 +1156,35 @@
           <a:p>
             <a:pPr lvl="0"/>
             <a:r>
-              <a:rPr lang="en-US" smtClean="0"/>
+              <a:rPr lang="en-US"/>
               <a:t>Click to edit Master text styles</a:t>
             </a:r>
           </a:p>
           <a:p>
             <a:pPr lvl="1"/>
             <a:r>
-              <a:rPr lang="en-US" smtClean="0"/>
+              <a:rPr lang="en-US"/>
               <a:t>Second level</a:t>
             </a:r>
           </a:p>
           <a:p>
             <a:pPr lvl="2"/>
             <a:r>
-              <a:rPr lang="en-US" smtClean="0"/>
+              <a:rPr lang="en-US"/>
               <a:t>Third level</a:t>
             </a:r>
           </a:p>
           <a:p>
             <a:pPr lvl="3"/>
             <a:r>
-              <a:rPr lang="en-US" smtClean="0"/>
+              <a:rPr lang="en-US"/>
               <a:t>Fourth level</a:t>
             </a:r>
           </a:p>
           <a:p>
             <a:pPr lvl="4"/>
             <a:r>
-              <a:rPr lang="en-US" smtClean="0"/>
+              <a:rPr lang="en-US"/>
               <a:t>Fifth level</a:t>
             </a:r>
             <a:endParaRPr lang="en-US" dirty="0"/>
@@ -1303,7 +1302,7 @@
           <a:lstStyle/>
           <a:p>
             <a:r>
-              <a:rPr lang="en-US" smtClean="0"/>
+              <a:rPr lang="en-US"/>
               <a:t>Click to edit Master title style</a:t>
             </a:r>
             <a:endParaRPr lang="en-US" dirty="0"/>
@@ -1327,35 +1326,35 @@
           <a:p>
             <a:pPr lvl="0"/>
             <a:r>
-              <a:rPr lang="en-US" smtClean="0"/>
+              <a:rPr lang="en-US"/>
               <a:t>Click to edit Master text styles</a:t>
             </a:r>
           </a:p>
           <a:p>
             <a:pPr lvl="1"/>
             <a:r>
-              <a:rPr lang="en-US" smtClean="0"/>
+              <a:rPr lang="en-US"/>
               <a:t>Second level</a:t>
             </a:r>
           </a:p>
           <a:p>
             <a:pPr lvl="2"/>
             <a:r>
-              <a:rPr lang="en-US" smtClean="0"/>
+              <a:rPr lang="en-US"/>
               <a:t>Third level</a:t>
             </a:r>
           </a:p>
           <a:p>
             <a:pPr lvl="3"/>
             <a:r>
-              <a:rPr lang="en-US" smtClean="0"/>
+              <a:rPr lang="en-US"/>
               <a:t>Fourth level</a:t>
             </a:r>
           </a:p>
           <a:p>
             <a:pPr lvl="4"/>
             <a:r>
-              <a:rPr lang="en-US" smtClean="0"/>
+              <a:rPr lang="en-US"/>
               <a:t>Fifth level</a:t>
             </a:r>
             <a:endParaRPr lang="en-US" dirty="0"/>
@@ -1482,7 +1481,7 @@
           </a:lstStyle>
           <a:p>
             <a:r>
-              <a:rPr lang="en-US" smtClean="0"/>
+              <a:rPr lang="en-US"/>
               <a:t>Click to edit Master title style</a:t>
             </a:r>
             <a:endParaRPr lang="en-US" dirty="0"/>
@@ -1602,7 +1601,7 @@
           <a:p>
             <a:pPr lvl="0"/>
             <a:r>
-              <a:rPr lang="en-US" smtClean="0"/>
+              <a:rPr lang="en-US"/>
               <a:t>Click to edit Master text styles</a:t>
             </a:r>
           </a:p>
@@ -1719,7 +1718,7 @@
           <a:lstStyle/>
           <a:p>
             <a:r>
-              <a:rPr lang="en-US" smtClean="0"/>
+              <a:rPr lang="en-US"/>
               <a:t>Click to edit Master title style</a:t>
             </a:r>
             <a:endParaRPr lang="en-US" dirty="0"/>
@@ -1748,35 +1747,35 @@
           <a:p>
             <a:pPr lvl="0"/>
             <a:r>
-              <a:rPr lang="en-US" smtClean="0"/>
+              <a:rPr lang="en-US"/>
               <a:t>Click to edit Master text styles</a:t>
             </a:r>
           </a:p>
           <a:p>
             <a:pPr lvl="1"/>
             <a:r>
-              <a:rPr lang="en-US" smtClean="0"/>
+              <a:rPr lang="en-US"/>
               <a:t>Second level</a:t>
             </a:r>
           </a:p>
           <a:p>
             <a:pPr lvl="2"/>
             <a:r>
-              <a:rPr lang="en-US" smtClean="0"/>
+              <a:rPr lang="en-US"/>
               <a:t>Third level</a:t>
             </a:r>
           </a:p>
           <a:p>
             <a:pPr lvl="3"/>
             <a:r>
-              <a:rPr lang="en-US" smtClean="0"/>
+              <a:rPr lang="en-US"/>
               <a:t>Fourth level</a:t>
             </a:r>
           </a:p>
           <a:p>
             <a:pPr lvl="4"/>
             <a:r>
-              <a:rPr lang="en-US" smtClean="0"/>
+              <a:rPr lang="en-US"/>
               <a:t>Fifth level</a:t>
             </a:r>
             <a:endParaRPr lang="en-US" dirty="0"/>
@@ -1805,35 +1804,35 @@
           <a:p>
             <a:pPr lvl="0"/>
             <a:r>
-              <a:rPr lang="en-US" smtClean="0"/>
+              <a:rPr lang="en-US"/>
               <a:t>Click to edit Master text styles</a:t>
             </a:r>
           </a:p>
           <a:p>
             <a:pPr lvl="1"/>
             <a:r>
-              <a:rPr lang="en-US" smtClean="0"/>
+              <a:rPr lang="en-US"/>
               <a:t>Second level</a:t>
             </a:r>
           </a:p>
           <a:p>
             <a:pPr lvl="2"/>
             <a:r>
-              <a:rPr lang="en-US" smtClean="0"/>
+              <a:rPr lang="en-US"/>
               <a:t>Third level</a:t>
             </a:r>
           </a:p>
           <a:p>
             <a:pPr lvl="3"/>
             <a:r>
-              <a:rPr lang="en-US" smtClean="0"/>
+              <a:rPr lang="en-US"/>
               <a:t>Fourth level</a:t>
             </a:r>
           </a:p>
           <a:p>
             <a:pPr lvl="4"/>
             <a:r>
-              <a:rPr lang="en-US" smtClean="0"/>
+              <a:rPr lang="en-US"/>
               <a:t>Fifth level</a:t>
             </a:r>
             <a:endParaRPr lang="en-US" dirty="0"/>
@@ -1956,7 +1955,7 @@
           <a:lstStyle/>
           <a:p>
             <a:r>
-              <a:rPr lang="en-US" smtClean="0"/>
+              <a:rPr lang="en-US"/>
               <a:t>Click to edit Master title style</a:t>
             </a:r>
             <a:endParaRPr lang="en-US" dirty="0"/>
@@ -2022,7 +2021,7 @@
           <a:p>
             <a:pPr lvl="0"/>
             <a:r>
-              <a:rPr lang="en-US" smtClean="0"/>
+              <a:rPr lang="en-US"/>
               <a:t>Click to edit Master text styles</a:t>
             </a:r>
           </a:p>
@@ -2050,35 +2049,35 @@
           <a:p>
             <a:pPr lvl="0"/>
             <a:r>
-              <a:rPr lang="en-US" smtClean="0"/>
+              <a:rPr lang="en-US"/>
               <a:t>Click to edit Master text styles</a:t>
             </a:r>
           </a:p>
           <a:p>
             <a:pPr lvl="1"/>
             <a:r>
-              <a:rPr lang="en-US" smtClean="0"/>
+              <a:rPr lang="en-US"/>
               <a:t>Second level</a:t>
             </a:r>
           </a:p>
           <a:p>
             <a:pPr lvl="2"/>
             <a:r>
-              <a:rPr lang="en-US" smtClean="0"/>
+              <a:rPr lang="en-US"/>
               <a:t>Third level</a:t>
             </a:r>
           </a:p>
           <a:p>
             <a:pPr lvl="3"/>
             <a:r>
-              <a:rPr lang="en-US" smtClean="0"/>
+              <a:rPr lang="en-US"/>
               <a:t>Fourth level</a:t>
             </a:r>
           </a:p>
           <a:p>
             <a:pPr lvl="4"/>
             <a:r>
-              <a:rPr lang="en-US" smtClean="0"/>
+              <a:rPr lang="en-US"/>
               <a:t>Fifth level</a:t>
             </a:r>
             <a:endParaRPr lang="en-US" dirty="0"/>
@@ -2144,7 +2143,7 @@
           <a:p>
             <a:pPr lvl="0"/>
             <a:r>
-              <a:rPr lang="en-US" smtClean="0"/>
+              <a:rPr lang="en-US"/>
               <a:t>Click to edit Master text styles</a:t>
             </a:r>
           </a:p>
@@ -2172,35 +2171,35 @@
           <a:p>
             <a:pPr lvl="0"/>
             <a:r>
-              <a:rPr lang="en-US" smtClean="0"/>
+              <a:rPr lang="en-US"/>
               <a:t>Click to edit Master text styles</a:t>
             </a:r>
           </a:p>
           <a:p>
             <a:pPr lvl="1"/>
             <a:r>
-              <a:rPr lang="en-US" smtClean="0"/>
+              <a:rPr lang="en-US"/>
               <a:t>Second level</a:t>
             </a:r>
           </a:p>
           <a:p>
             <a:pPr lvl="2"/>
             <a:r>
-              <a:rPr lang="en-US" smtClean="0"/>
+              <a:rPr lang="en-US"/>
               <a:t>Third level</a:t>
             </a:r>
           </a:p>
           <a:p>
             <a:pPr lvl="3"/>
             <a:r>
-              <a:rPr lang="en-US" smtClean="0"/>
+              <a:rPr lang="en-US"/>
               <a:t>Fourth level</a:t>
             </a:r>
           </a:p>
           <a:p>
             <a:pPr lvl="4"/>
             <a:r>
-              <a:rPr lang="en-US" smtClean="0"/>
+              <a:rPr lang="en-US"/>
               <a:t>Fifth level</a:t>
             </a:r>
             <a:endParaRPr lang="en-US" dirty="0"/>
@@ -2318,7 +2317,7 @@
           <a:lstStyle/>
           <a:p>
             <a:r>
-              <a:rPr lang="en-US" smtClean="0"/>
+              <a:rPr lang="en-US"/>
               <a:t>Click to edit Master title style</a:t>
             </a:r>
             <a:endParaRPr lang="en-US" dirty="0"/>
@@ -2540,7 +2539,7 @@
           </a:lstStyle>
           <a:p>
             <a:r>
-              <a:rPr lang="en-US" smtClean="0"/>
+              <a:rPr lang="en-US"/>
               <a:t>Click to edit Master title style</a:t>
             </a:r>
             <a:endParaRPr lang="en-US" dirty="0"/>
@@ -2597,35 +2596,35 @@
           <a:p>
             <a:pPr lvl="0"/>
             <a:r>
-              <a:rPr lang="en-US" smtClean="0"/>
+              <a:rPr lang="en-US"/>
               <a:t>Click to edit Master text styles</a:t>
             </a:r>
           </a:p>
           <a:p>
             <a:pPr lvl="1"/>
             <a:r>
-              <a:rPr lang="en-US" smtClean="0"/>
+              <a:rPr lang="en-US"/>
               <a:t>Second level</a:t>
             </a:r>
           </a:p>
           <a:p>
             <a:pPr lvl="2"/>
             <a:r>
-              <a:rPr lang="en-US" smtClean="0"/>
+              <a:rPr lang="en-US"/>
               <a:t>Third level</a:t>
             </a:r>
           </a:p>
           <a:p>
             <a:pPr lvl="3"/>
             <a:r>
-              <a:rPr lang="en-US" smtClean="0"/>
+              <a:rPr lang="en-US"/>
               <a:t>Fourth level</a:t>
             </a:r>
           </a:p>
           <a:p>
             <a:pPr lvl="4"/>
             <a:r>
-              <a:rPr lang="en-US" smtClean="0"/>
+              <a:rPr lang="en-US"/>
               <a:t>Fifth level</a:t>
             </a:r>
             <a:endParaRPr lang="en-US" dirty="0"/>
@@ -2691,7 +2690,7 @@
           <a:p>
             <a:pPr lvl="0"/>
             <a:r>
-              <a:rPr lang="en-US" smtClean="0"/>
+              <a:rPr lang="en-US"/>
               <a:t>Click to edit Master text styles</a:t>
             </a:r>
           </a:p>
@@ -2817,7 +2816,7 @@
           </a:lstStyle>
           <a:p>
             <a:r>
-              <a:rPr lang="en-US" smtClean="0"/>
+              <a:rPr lang="en-US"/>
               <a:t>Click to edit Master title style</a:t>
             </a:r>
             <a:endParaRPr lang="en-US" dirty="0"/>
@@ -2882,10 +2881,9 @@
           </a:lstStyle>
           <a:p>
             <a:r>
-              <a:rPr lang="en-US" smtClean="0"/>
+              <a:rPr lang="en-US"/>
               <a:t>Click icon to add picture</a:t>
             </a:r>
-            <a:endParaRPr lang="en-US"/>
           </a:p>
         </p:txBody>
       </p:sp>
@@ -2948,7 +2946,7 @@
           <a:p>
             <a:pPr lvl="0"/>
             <a:r>
-              <a:rPr lang="en-US" smtClean="0"/>
+              <a:rPr lang="en-US"/>
               <a:t>Click to edit Master text styles</a:t>
             </a:r>
           </a:p>
@@ -3080,7 +3078,7 @@
           <a:lstStyle/>
           <a:p>
             <a:r>
-              <a:rPr lang="en-US" smtClean="0"/>
+              <a:rPr lang="en-US"/>
               <a:t>Click to edit Master title style</a:t>
             </a:r>
             <a:endParaRPr lang="en-US" dirty="0"/>
@@ -3114,35 +3112,35 @@
           <a:p>
             <a:pPr lvl="0"/>
             <a:r>
-              <a:rPr lang="en-US" smtClean="0"/>
+              <a:rPr lang="en-US"/>
               <a:t>Click to edit Master text styles</a:t>
             </a:r>
           </a:p>
           <a:p>
             <a:pPr lvl="1"/>
             <a:r>
-              <a:rPr lang="en-US" smtClean="0"/>
+              <a:rPr lang="en-US"/>
               <a:t>Second level</a:t>
             </a:r>
           </a:p>
           <a:p>
             <a:pPr lvl="2"/>
             <a:r>
-              <a:rPr lang="en-US" smtClean="0"/>
+              <a:rPr lang="en-US"/>
               <a:t>Third level</a:t>
             </a:r>
           </a:p>
           <a:p>
             <a:pPr lvl="3"/>
             <a:r>
-              <a:rPr lang="en-US" smtClean="0"/>
+              <a:rPr lang="en-US"/>
               <a:t>Fourth level</a:t>
             </a:r>
           </a:p>
           <a:p>
             <a:pPr lvl="4"/>
             <a:r>
-              <a:rPr lang="en-US" smtClean="0"/>
+              <a:rPr lang="en-US"/>
               <a:t>Fifth level</a:t>
             </a:r>
             <a:endParaRPr lang="en-US" dirty="0"/>
@@ -3657,7 +3655,7 @@
           <a:p>
             <a:pPr algn="ctr"/>
             <a:r>
-              <a:rPr lang="en-US" sz="4000" u="sng" dirty="0" smtClean="0">
+              <a:rPr lang="en-US" sz="4000" u="sng" dirty="0">
                 <a:ln w="0"/>
                 <a:solidFill>
                   <a:schemeClr val="bg1"/>
@@ -3674,21 +3672,6 @@
               </a:rPr>
               <a:t>SERMINAR</a:t>
             </a:r>
-            <a:endParaRPr lang="en-US" sz="4000" u="sng" dirty="0">
-              <a:ln w="0"/>
-              <a:solidFill>
-                <a:schemeClr val="bg1"/>
-              </a:solidFill>
-              <a:effectLst>
-                <a:outerShdw blurRad="38100" dist="19050" dir="2700000" algn="tl" rotWithShape="0">
-                  <a:schemeClr val="dk1">
-                    <a:alpha val="40000"/>
-                  </a:schemeClr>
-                </a:outerShdw>
-              </a:effectLst>
-              <a:latin typeface="Segoe UI Light" panose="020B0502040204020203" pitchFamily="34" charset="0"/>
-              <a:cs typeface="Segoe UI Light" panose="020B0502040204020203" pitchFamily="34" charset="0"/>
-            </a:endParaRPr>
           </a:p>
         </p:txBody>
       </p:sp>
@@ -3754,41 +3737,8 @@
                 <a:latin typeface="Segoe UI Light" panose="020B0502040204020203" pitchFamily="34" charset="0"/>
                 <a:cs typeface="Segoe UI Light" panose="020B0502040204020203" pitchFamily="34" charset="0"/>
               </a:rPr>
-              <a:t>NHÓM </a:t>
-            </a:r>
-            <a:r>
-              <a:rPr lang="en-US" sz="2400" dirty="0" smtClean="0">
-                <a:ln w="0"/>
-                <a:solidFill>
-                  <a:schemeClr val="bg1"/>
-                </a:solidFill>
-                <a:effectLst>
-                  <a:outerShdw blurRad="38100" dist="19050" dir="2700000" algn="tl" rotWithShape="0">
-                    <a:schemeClr val="dk1">
-                      <a:alpha val="40000"/>
-                    </a:schemeClr>
-                  </a:outerShdw>
-                </a:effectLst>
-                <a:latin typeface="Segoe UI Light" panose="020B0502040204020203" pitchFamily="34" charset="0"/>
-                <a:cs typeface="Segoe UI Light" panose="020B0502040204020203" pitchFamily="34" charset="0"/>
-              </a:rPr>
-              <a:t>G20</a:t>
-            </a:r>
-            <a:endParaRPr lang="en-US" sz="2400" dirty="0">
-              <a:ln w="0"/>
-              <a:solidFill>
-                <a:schemeClr val="bg1"/>
-              </a:solidFill>
-              <a:effectLst>
-                <a:outerShdw blurRad="38100" dist="19050" dir="2700000" algn="tl" rotWithShape="0">
-                  <a:schemeClr val="dk1">
-                    <a:alpha val="40000"/>
-                  </a:schemeClr>
-                </a:outerShdw>
-              </a:effectLst>
-              <a:latin typeface="Segoe UI Light" panose="020B0502040204020203" pitchFamily="34" charset="0"/>
-              <a:cs typeface="Segoe UI Light" panose="020B0502040204020203" pitchFamily="34" charset="0"/>
-            </a:endParaRPr>
+              <a:t>NHÓM G20</a:t>
+            </a:r>
           </a:p>
         </p:txBody>
       </p:sp>
@@ -3857,7 +3807,7 @@
           <a:p>
             <a:pPr algn="ctr"/>
             <a:r>
-              <a:rPr lang="en-US" sz="4000" b="1" dirty="0" smtClean="0">
+              <a:rPr lang="en-US" sz="4000" b="1" dirty="0">
                 <a:ln w="0"/>
                 <a:solidFill>
                   <a:schemeClr val="bg1"/>
@@ -3874,21 +3824,6 @@
               </a:rPr>
               <a:t>CÔNG NGHỆ PHẦN MỀM CHUYÊN SÂU</a:t>
             </a:r>
-            <a:endParaRPr lang="en-US" sz="4000" b="1" dirty="0">
-              <a:ln w="0"/>
-              <a:solidFill>
-                <a:schemeClr val="bg1"/>
-              </a:solidFill>
-              <a:effectLst>
-                <a:outerShdw blurRad="38100" dist="19050" dir="2700000" algn="tl" rotWithShape="0">
-                  <a:schemeClr val="dk1">
-                    <a:alpha val="40000"/>
-                  </a:schemeClr>
-                </a:outerShdw>
-              </a:effectLst>
-              <a:latin typeface="Segoe UI Light" panose="020B0502040204020203" pitchFamily="34" charset="0"/>
-              <a:cs typeface="Segoe UI Light" panose="020B0502040204020203" pitchFamily="34" charset="0"/>
-            </a:endParaRPr>
           </a:p>
         </p:txBody>
       </p:sp>
@@ -3995,21 +3930,7 @@
                 <a:latin typeface="Times New Roman" panose="02020603050405020304" pitchFamily="18" charset="0"/>
                 <a:cs typeface="Times New Roman" panose="02020603050405020304" pitchFamily="18" charset="0"/>
               </a:rPr>
-              <a:t>GV: </a:t>
-            </a:r>
-            <a:r>
-              <a:rPr lang="en-US" sz="3000" dirty="0" smtClean="0">
-                <a:effectLst>
-                  <a:outerShdw blurRad="38100" dist="38100" dir="2700000" algn="tl">
-                    <a:srgbClr val="000000">
-                      <a:alpha val="43137"/>
-                    </a:srgbClr>
-                  </a:outerShdw>
-                </a:effectLst>
-                <a:latin typeface="Times New Roman" panose="02020603050405020304" pitchFamily="18" charset="0"/>
-                <a:cs typeface="Times New Roman" panose="02020603050405020304" pitchFamily="18" charset="0"/>
-              </a:rPr>
-              <a:t>ThS. PHAN TRUNG HIẾU</a:t>
+              <a:t>GV: ThS. PHAN TRUNG HIẾU</a:t>
             </a:r>
           </a:p>
           <a:p>
@@ -4029,7 +3950,7 @@
           <a:p>
             <a:pPr algn="ctr"/>
             <a:r>
-              <a:rPr lang="en-US" sz="3000" dirty="0" smtClean="0">
+              <a:rPr lang="en-US" sz="3000" dirty="0">
                 <a:effectLst>
                   <a:outerShdw blurRad="38100" dist="38100" dir="2700000" algn="tl">
                     <a:srgbClr val="000000">
@@ -4040,8 +3961,11 @@
                 <a:latin typeface="Times New Roman" panose="02020603050405020304" pitchFamily="18" charset="0"/>
                 <a:cs typeface="Times New Roman" panose="02020603050405020304" pitchFamily="18" charset="0"/>
               </a:rPr>
-              <a:t>Đỗ </a:t>
-            </a:r>
+              <a:t>Đỗ Trung Hiếu              12520135</a:t>
+            </a:r>
+          </a:p>
+          <a:p>
+            <a:pPr algn="ctr"/>
             <a:r>
               <a:rPr lang="en-US" sz="3000" dirty="0">
                 <a:effectLst>
@@ -4054,10 +3978,13 @@
                 <a:latin typeface="Times New Roman" panose="02020603050405020304" pitchFamily="18" charset="0"/>
                 <a:cs typeface="Times New Roman" panose="02020603050405020304" pitchFamily="18" charset="0"/>
               </a:rPr>
-              <a:t>Trung </a:t>
-            </a:r>
-            <a:r>
-              <a:rPr lang="en-US" sz="3000" dirty="0" smtClean="0">
+              <a:t>Nguyễn Hoàng Khang  12520188</a:t>
+            </a:r>
+          </a:p>
+          <a:p>
+            <a:pPr algn="ctr"/>
+            <a:r>
+              <a:rPr lang="en-US" sz="3000" dirty="0">
                 <a:effectLst>
                   <a:outerShdw blurRad="38100" dist="38100" dir="2700000" algn="tl">
                     <a:srgbClr val="000000">
@@ -4068,7 +3995,7 @@
                 <a:latin typeface="Times New Roman" panose="02020603050405020304" pitchFamily="18" charset="0"/>
                 <a:cs typeface="Times New Roman" panose="02020603050405020304" pitchFamily="18" charset="0"/>
               </a:rPr>
-              <a:t>Hiếu              12520135</a:t>
+              <a:t>Nguyễn Hữu Lộc          12520234 </a:t>
             </a:r>
           </a:p>
           <a:p>
@@ -4085,10 +4012,13 @@
                 <a:latin typeface="Times New Roman" panose="02020603050405020304" pitchFamily="18" charset="0"/>
                 <a:cs typeface="Times New Roman" panose="02020603050405020304" pitchFamily="18" charset="0"/>
               </a:rPr>
-              <a:t>Nguyễn Hoàng Khang </a:t>
-            </a:r>
-            <a:r>
-              <a:rPr lang="en-US" sz="3000" dirty="0" smtClean="0">
+              <a:t>Đặng Thành Nhân        12520298</a:t>
+            </a:r>
+          </a:p>
+          <a:p>
+            <a:pPr algn="ctr"/>
+            <a:r>
+              <a:rPr lang="en-US" sz="3000" dirty="0">
                 <a:effectLst>
                   <a:outerShdw blurRad="38100" dist="38100" dir="2700000" algn="tl">
                     <a:srgbClr val="000000">
@@ -4099,7 +4029,7 @@
                 <a:latin typeface="Times New Roman" panose="02020603050405020304" pitchFamily="18" charset="0"/>
                 <a:cs typeface="Times New Roman" panose="02020603050405020304" pitchFamily="18" charset="0"/>
               </a:rPr>
-              <a:t> 12520188</a:t>
+              <a:t>Nguyễn Văn Tân          12520377</a:t>
             </a:r>
           </a:p>
           <a:p>
@@ -4116,151 +4046,8 @@
                 <a:latin typeface="Times New Roman" panose="02020603050405020304" pitchFamily="18" charset="0"/>
                 <a:cs typeface="Times New Roman" panose="02020603050405020304" pitchFamily="18" charset="0"/>
               </a:rPr>
-              <a:t>Nguyễn Hữu </a:t>
-            </a:r>
-            <a:r>
-              <a:rPr lang="en-US" sz="3000" dirty="0" smtClean="0">
-                <a:effectLst>
-                  <a:outerShdw blurRad="38100" dist="38100" dir="2700000" algn="tl">
-                    <a:srgbClr val="000000">
-                      <a:alpha val="43137"/>
-                    </a:srgbClr>
-                  </a:outerShdw>
-                </a:effectLst>
-                <a:latin typeface="Times New Roman" panose="02020603050405020304" pitchFamily="18" charset="0"/>
-                <a:cs typeface="Times New Roman" panose="02020603050405020304" pitchFamily="18" charset="0"/>
-              </a:rPr>
-              <a:t>Lộc          12520234 </a:t>
-            </a:r>
-            <a:endParaRPr lang="en-US" sz="3000" dirty="0">
-              <a:effectLst>
-                <a:outerShdw blurRad="38100" dist="38100" dir="2700000" algn="tl">
-                  <a:srgbClr val="000000">
-                    <a:alpha val="43137"/>
-                  </a:srgbClr>
-                </a:outerShdw>
-              </a:effectLst>
-              <a:latin typeface="Times New Roman" panose="02020603050405020304" pitchFamily="18" charset="0"/>
-              <a:cs typeface="Times New Roman" panose="02020603050405020304" pitchFamily="18" charset="0"/>
-            </a:endParaRPr>
-          </a:p>
-          <a:p>
-            <a:pPr algn="ctr"/>
-            <a:r>
-              <a:rPr lang="en-US" sz="3000" dirty="0" smtClean="0">
-                <a:effectLst>
-                  <a:outerShdw blurRad="38100" dist="38100" dir="2700000" algn="tl">
-                    <a:srgbClr val="000000">
-                      <a:alpha val="43137"/>
-                    </a:srgbClr>
-                  </a:outerShdw>
-                </a:effectLst>
-                <a:latin typeface="Times New Roman" panose="02020603050405020304" pitchFamily="18" charset="0"/>
-                <a:cs typeface="Times New Roman" panose="02020603050405020304" pitchFamily="18" charset="0"/>
-              </a:rPr>
-              <a:t>Đặng </a:t>
-            </a:r>
-            <a:r>
-              <a:rPr lang="en-US" sz="3000" dirty="0">
-                <a:effectLst>
-                  <a:outerShdw blurRad="38100" dist="38100" dir="2700000" algn="tl">
-                    <a:srgbClr val="000000">
-                      <a:alpha val="43137"/>
-                    </a:srgbClr>
-                  </a:outerShdw>
-                </a:effectLst>
-                <a:latin typeface="Times New Roman" panose="02020603050405020304" pitchFamily="18" charset="0"/>
-                <a:cs typeface="Times New Roman" panose="02020603050405020304" pitchFamily="18" charset="0"/>
-              </a:rPr>
-              <a:t>Thành Nhân </a:t>
-            </a:r>
-            <a:r>
-              <a:rPr lang="en-US" sz="3000" dirty="0" smtClean="0">
-                <a:effectLst>
-                  <a:outerShdw blurRad="38100" dist="38100" dir="2700000" algn="tl">
-                    <a:srgbClr val="000000">
-                      <a:alpha val="43137"/>
-                    </a:srgbClr>
-                  </a:outerShdw>
-                </a:effectLst>
-                <a:latin typeface="Times New Roman" panose="02020603050405020304" pitchFamily="18" charset="0"/>
-                <a:cs typeface="Times New Roman" panose="02020603050405020304" pitchFamily="18" charset="0"/>
-              </a:rPr>
-              <a:t>       12520298</a:t>
-            </a:r>
-          </a:p>
-          <a:p>
-            <a:pPr algn="ctr"/>
-            <a:r>
-              <a:rPr lang="en-US" sz="3000" dirty="0">
-                <a:effectLst>
-                  <a:outerShdw blurRad="38100" dist="38100" dir="2700000" algn="tl">
-                    <a:srgbClr val="000000">
-                      <a:alpha val="43137"/>
-                    </a:srgbClr>
-                  </a:outerShdw>
-                </a:effectLst>
-                <a:latin typeface="Times New Roman" panose="02020603050405020304" pitchFamily="18" charset="0"/>
-                <a:cs typeface="Times New Roman" panose="02020603050405020304" pitchFamily="18" charset="0"/>
-              </a:rPr>
-              <a:t>Nguyễn Văn Tân </a:t>
-            </a:r>
-            <a:r>
-              <a:rPr lang="en-US" sz="3000" dirty="0" smtClean="0">
-                <a:effectLst>
-                  <a:outerShdw blurRad="38100" dist="38100" dir="2700000" algn="tl">
-                    <a:srgbClr val="000000">
-                      <a:alpha val="43137"/>
-                    </a:srgbClr>
-                  </a:outerShdw>
-                </a:effectLst>
-                <a:latin typeface="Times New Roman" panose="02020603050405020304" pitchFamily="18" charset="0"/>
-                <a:cs typeface="Times New Roman" panose="02020603050405020304" pitchFamily="18" charset="0"/>
-              </a:rPr>
-              <a:t>         12520377</a:t>
-            </a:r>
-          </a:p>
-          <a:p>
-            <a:pPr algn="ctr"/>
-            <a:r>
-              <a:rPr lang="en-US" sz="3000" dirty="0">
-                <a:effectLst>
-                  <a:outerShdw blurRad="38100" dist="38100" dir="2700000" algn="tl">
-                    <a:srgbClr val="000000">
-                      <a:alpha val="43137"/>
-                    </a:srgbClr>
-                  </a:outerShdw>
-                </a:effectLst>
-                <a:latin typeface="Times New Roman" panose="02020603050405020304" pitchFamily="18" charset="0"/>
-                <a:cs typeface="Times New Roman" panose="02020603050405020304" pitchFamily="18" charset="0"/>
-              </a:rPr>
-              <a:t>Hoàng Xuân Thiên </a:t>
-            </a:r>
-            <a:r>
-              <a:rPr lang="en-US" sz="3000" dirty="0" smtClean="0">
-                <a:effectLst>
-                  <a:outerShdw blurRad="38100" dist="38100" dir="2700000" algn="tl">
-                    <a:srgbClr val="000000">
-                      <a:alpha val="43137"/>
-                    </a:srgbClr>
-                  </a:outerShdw>
-                </a:effectLst>
-                <a:latin typeface="Times New Roman" panose="02020603050405020304" pitchFamily="18" charset="0"/>
-                <a:cs typeface="Times New Roman" panose="02020603050405020304" pitchFamily="18" charset="0"/>
-              </a:rPr>
-              <a:t>      12520411</a:t>
-            </a:r>
-            <a:endParaRPr lang="en-US" sz="3000" dirty="0">
-              <a:effectLst>
-                <a:outerShdw blurRad="38100" dist="38100" dir="2700000" algn="tl">
-                  <a:srgbClr val="000000">
-                    <a:alpha val="43137"/>
-                  </a:srgbClr>
-                </a:outerShdw>
-              </a:effectLst>
-              <a:latin typeface="Times New Roman" panose="02020603050405020304" pitchFamily="18" charset="0"/>
-              <a:cs typeface="Times New Roman" panose="02020603050405020304" pitchFamily="18" charset="0"/>
-            </a:endParaRPr>
+              <a:t>Hoàng Xuân Thiên       12520411</a:t>
+            </a:r>
           </a:p>
         </p:txBody>
       </p:sp>
@@ -4286,18 +4073,13 @@
           <a:lstStyle/>
           <a:p>
             <a:r>
-              <a:rPr lang="en-US" sz="6000" dirty="0" smtClean="0">
+              <a:rPr lang="en-US" sz="6000" dirty="0">
                 <a:solidFill>
                   <a:schemeClr val="bg1"/>
                 </a:solidFill>
               </a:rPr>
               <a:t>QUY TRÌNH PHÁT TRIỂN PHẦN MỀM</a:t>
             </a:r>
-            <a:endParaRPr lang="en-US" sz="6000" dirty="0">
-              <a:solidFill>
-                <a:schemeClr val="bg1"/>
-              </a:solidFill>
-            </a:endParaRPr>
           </a:p>
         </p:txBody>
       </p:sp>
@@ -4606,8 +4388,8 @@
         </p:nvSpPr>
         <p:spPr>
           <a:xfrm>
-            <a:off x="613350" y="319158"/>
-            <a:ext cx="2906565" cy="707886"/>
+            <a:off x="296912" y="319157"/>
+            <a:ext cx="11598175" cy="707886"/>
           </a:xfrm>
           <a:prstGeom prst="rect">
             <a:avLst/>
@@ -4621,7 +4403,7 @@
           <a:lstStyle/>
           <a:p>
             <a:r>
-              <a:rPr lang="en-US" sz="4000" dirty="0" smtClean="0">
+              <a:rPr lang="en-US" sz="4000" dirty="0">
                 <a:ln w="0"/>
                 <a:solidFill>
                   <a:schemeClr val="bg1"/>
@@ -4636,23 +4418,8 @@
                 <a:latin typeface="Segoe UI Light" panose="020B0502040204020203" pitchFamily="34" charset="0"/>
                 <a:cs typeface="Segoe UI Light" panose="020B0502040204020203" pitchFamily="34" charset="0"/>
               </a:rPr>
-              <a:t>NỘI DUNG 1</a:t>
-            </a:r>
-            <a:endParaRPr lang="en-US" sz="4000" dirty="0">
-              <a:ln w="0"/>
-              <a:solidFill>
-                <a:schemeClr val="bg1"/>
-              </a:solidFill>
-              <a:effectLst>
-                <a:outerShdw blurRad="38100" dist="19050" dir="2700000" algn="tl" rotWithShape="0">
-                  <a:schemeClr val="dk1">
-                    <a:alpha val="40000"/>
-                  </a:schemeClr>
-                </a:outerShdw>
-              </a:effectLst>
-              <a:latin typeface="Segoe UI Light" panose="020B0502040204020203" pitchFamily="34" charset="0"/>
-              <a:cs typeface="Segoe UI Light" panose="020B0502040204020203" pitchFamily="34" charset="0"/>
-            </a:endParaRPr>
+              <a:t>QUY TRÌNH : MICROSOFT SOLUTIONS FRAMEWORK</a:t>
+            </a:r>
           </a:p>
         </p:txBody>
       </p:sp>
@@ -4687,8 +4454,8 @@
         </p:nvSpPr>
         <p:spPr>
           <a:xfrm>
-            <a:off x="103239" y="1665358"/>
-            <a:ext cx="4499026" cy="584775"/>
+            <a:off x="103238" y="1665358"/>
+            <a:ext cx="11978833" cy="5509200"/>
           </a:xfrm>
           <a:prstGeom prst="rect">
             <a:avLst/>
@@ -4702,26 +4469,4529 @@
           <a:lstStyle/>
           <a:p>
             <a:r>
-              <a:rPr lang="en-US" sz="3200" dirty="0" smtClean="0">
-                <a:ln w="0"/>
-                <a:solidFill>
-                  <a:schemeClr val="bg1">
-                    <a:lumMod val="50000"/>
-                  </a:schemeClr>
-                </a:solidFill>
-                <a:effectLst>
-                  <a:outerShdw blurRad="38100" dist="19050" dir="2700000" algn="tl" rotWithShape="0">
-                    <a:schemeClr val="dk1">
-                      <a:alpha val="40000"/>
-                    </a:schemeClr>
-                  </a:outerShdw>
-                </a:effectLst>
-                <a:latin typeface="Segoe UI Light" panose="020B0502040204020203" pitchFamily="34" charset="0"/>
-                <a:cs typeface="Segoe UI Light" panose="020B0502040204020203" pitchFamily="34" charset="0"/>
-              </a:rPr>
-              <a:t>Các ý chính</a:t>
-            </a:r>
-            <a:endParaRPr lang="en-US" sz="3200" dirty="0">
+              <a:rPr lang="en-US" sz="2200" dirty="0">
+                <a:ln w="0"/>
+                <a:solidFill>
+                  <a:schemeClr val="bg1">
+                    <a:lumMod val="50000"/>
+                  </a:schemeClr>
+                </a:solidFill>
+                <a:effectLst>
+                  <a:outerShdw blurRad="38100" dist="19050" dir="2700000" algn="tl" rotWithShape="0">
+                    <a:schemeClr val="dk1">
+                      <a:alpha val="40000"/>
+                    </a:schemeClr>
+                  </a:outerShdw>
+                </a:effectLst>
+                <a:latin typeface="Segoe UI Light" panose="020B0502040204020203" pitchFamily="34" charset="0"/>
+                <a:cs typeface="Segoe UI Light" panose="020B0502040204020203" pitchFamily="34" charset="0"/>
+              </a:rPr>
+              <a:t>-</a:t>
+            </a:r>
+            <a:r>
+              <a:rPr lang="en-US" sz="2200" dirty="0" err="1">
+                <a:ln w="0"/>
+                <a:solidFill>
+                  <a:schemeClr val="bg1">
+                    <a:lumMod val="50000"/>
+                  </a:schemeClr>
+                </a:solidFill>
+                <a:effectLst>
+                  <a:outerShdw blurRad="38100" dist="19050" dir="2700000" algn="tl" rotWithShape="0">
+                    <a:schemeClr val="dk1">
+                      <a:alpha val="40000"/>
+                    </a:schemeClr>
+                  </a:outerShdw>
+                </a:effectLst>
+                <a:latin typeface="Segoe UI Light" panose="020B0502040204020203" pitchFamily="34" charset="0"/>
+                <a:cs typeface="Segoe UI Light" panose="020B0502040204020203" pitchFamily="34" charset="0"/>
+              </a:rPr>
+              <a:t>Cung</a:t>
+            </a:r>
+            <a:r>
+              <a:rPr lang="en-US" sz="2200" dirty="0">
+                <a:ln w="0"/>
+                <a:solidFill>
+                  <a:schemeClr val="bg1">
+                    <a:lumMod val="50000"/>
+                  </a:schemeClr>
+                </a:solidFill>
+                <a:effectLst>
+                  <a:outerShdw blurRad="38100" dist="19050" dir="2700000" algn="tl" rotWithShape="0">
+                    <a:schemeClr val="dk1">
+                      <a:alpha val="40000"/>
+                    </a:schemeClr>
+                  </a:outerShdw>
+                </a:effectLst>
+                <a:latin typeface="Segoe UI Light" panose="020B0502040204020203" pitchFamily="34" charset="0"/>
+                <a:cs typeface="Segoe UI Light" panose="020B0502040204020203" pitchFamily="34" charset="0"/>
+              </a:rPr>
+              <a:t> </a:t>
+            </a:r>
+            <a:r>
+              <a:rPr lang="en-US" sz="2200" dirty="0" err="1">
+                <a:ln w="0"/>
+                <a:solidFill>
+                  <a:schemeClr val="bg1">
+                    <a:lumMod val="50000"/>
+                  </a:schemeClr>
+                </a:solidFill>
+                <a:effectLst>
+                  <a:outerShdw blurRad="38100" dist="19050" dir="2700000" algn="tl" rotWithShape="0">
+                    <a:schemeClr val="dk1">
+                      <a:alpha val="40000"/>
+                    </a:schemeClr>
+                  </a:outerShdw>
+                </a:effectLst>
+                <a:latin typeface="Segoe UI Light" panose="020B0502040204020203" pitchFamily="34" charset="0"/>
+                <a:cs typeface="Segoe UI Light" panose="020B0502040204020203" pitchFamily="34" charset="0"/>
+              </a:rPr>
+              <a:t>cấp</a:t>
+            </a:r>
+            <a:r>
+              <a:rPr lang="en-US" sz="2200" dirty="0">
+                <a:ln w="0"/>
+                <a:solidFill>
+                  <a:schemeClr val="bg1">
+                    <a:lumMod val="50000"/>
+                  </a:schemeClr>
+                </a:solidFill>
+                <a:effectLst>
+                  <a:outerShdw blurRad="38100" dist="19050" dir="2700000" algn="tl" rotWithShape="0">
+                    <a:schemeClr val="dk1">
+                      <a:alpha val="40000"/>
+                    </a:schemeClr>
+                  </a:outerShdw>
+                </a:effectLst>
+                <a:latin typeface="Segoe UI Light" panose="020B0502040204020203" pitchFamily="34" charset="0"/>
+                <a:cs typeface="Segoe UI Light" panose="020B0502040204020203" pitchFamily="34" charset="0"/>
+              </a:rPr>
+              <a:t> </a:t>
+            </a:r>
+            <a:r>
+              <a:rPr lang="en-US" sz="2200" dirty="0" err="1">
+                <a:ln w="0"/>
+                <a:solidFill>
+                  <a:schemeClr val="bg1">
+                    <a:lumMod val="50000"/>
+                  </a:schemeClr>
+                </a:solidFill>
+                <a:effectLst>
+                  <a:outerShdw blurRad="38100" dist="19050" dir="2700000" algn="tl" rotWithShape="0">
+                    <a:schemeClr val="dk1">
+                      <a:alpha val="40000"/>
+                    </a:schemeClr>
+                  </a:outerShdw>
+                </a:effectLst>
+                <a:latin typeface="Segoe UI Light" panose="020B0502040204020203" pitchFamily="34" charset="0"/>
+                <a:cs typeface="Segoe UI Light" panose="020B0502040204020203" pitchFamily="34" charset="0"/>
+              </a:rPr>
+              <a:t>khuôn</a:t>
+            </a:r>
+            <a:r>
+              <a:rPr lang="en-US" sz="2200" dirty="0">
+                <a:ln w="0"/>
+                <a:solidFill>
+                  <a:schemeClr val="bg1">
+                    <a:lumMod val="50000"/>
+                  </a:schemeClr>
+                </a:solidFill>
+                <a:effectLst>
+                  <a:outerShdw blurRad="38100" dist="19050" dir="2700000" algn="tl" rotWithShape="0">
+                    <a:schemeClr val="dk1">
+                      <a:alpha val="40000"/>
+                    </a:schemeClr>
+                  </a:outerShdw>
+                </a:effectLst>
+                <a:latin typeface="Segoe UI Light" panose="020B0502040204020203" pitchFamily="34" charset="0"/>
+                <a:cs typeface="Segoe UI Light" panose="020B0502040204020203" pitchFamily="34" charset="0"/>
+              </a:rPr>
+              <a:t> </a:t>
+            </a:r>
+            <a:r>
+              <a:rPr lang="en-US" sz="2200" dirty="0" err="1">
+                <a:ln w="0"/>
+                <a:solidFill>
+                  <a:schemeClr val="bg1">
+                    <a:lumMod val="50000"/>
+                  </a:schemeClr>
+                </a:solidFill>
+                <a:effectLst>
+                  <a:outerShdw blurRad="38100" dist="19050" dir="2700000" algn="tl" rotWithShape="0">
+                    <a:schemeClr val="dk1">
+                      <a:alpha val="40000"/>
+                    </a:schemeClr>
+                  </a:outerShdw>
+                </a:effectLst>
+                <a:latin typeface="Segoe UI Light" panose="020B0502040204020203" pitchFamily="34" charset="0"/>
+                <a:cs typeface="Segoe UI Light" panose="020B0502040204020203" pitchFamily="34" charset="0"/>
+              </a:rPr>
+              <a:t>khổ</a:t>
+            </a:r>
+            <a:r>
+              <a:rPr lang="en-US" sz="2200" dirty="0">
+                <a:ln w="0"/>
+                <a:solidFill>
+                  <a:schemeClr val="bg1">
+                    <a:lumMod val="50000"/>
+                  </a:schemeClr>
+                </a:solidFill>
+                <a:effectLst>
+                  <a:outerShdw blurRad="38100" dist="19050" dir="2700000" algn="tl" rotWithShape="0">
+                    <a:schemeClr val="dk1">
+                      <a:alpha val="40000"/>
+                    </a:schemeClr>
+                  </a:outerShdw>
+                </a:effectLst>
+                <a:latin typeface="Segoe UI Light" panose="020B0502040204020203" pitchFamily="34" charset="0"/>
+                <a:cs typeface="Segoe UI Light" panose="020B0502040204020203" pitchFamily="34" charset="0"/>
+              </a:rPr>
+              <a:t> </a:t>
+            </a:r>
+            <a:r>
+              <a:rPr lang="en-US" sz="2200" dirty="0" err="1">
+                <a:ln w="0"/>
+                <a:solidFill>
+                  <a:schemeClr val="bg1">
+                    <a:lumMod val="50000"/>
+                  </a:schemeClr>
+                </a:solidFill>
+                <a:effectLst>
+                  <a:outerShdw blurRad="38100" dist="19050" dir="2700000" algn="tl" rotWithShape="0">
+                    <a:schemeClr val="dk1">
+                      <a:alpha val="40000"/>
+                    </a:schemeClr>
+                  </a:outerShdw>
+                </a:effectLst>
+                <a:latin typeface="Segoe UI Light" panose="020B0502040204020203" pitchFamily="34" charset="0"/>
+                <a:cs typeface="Segoe UI Light" panose="020B0502040204020203" pitchFamily="34" charset="0"/>
+              </a:rPr>
+              <a:t>và</a:t>
+            </a:r>
+            <a:r>
+              <a:rPr lang="en-US" sz="2200" dirty="0">
+                <a:ln w="0"/>
+                <a:solidFill>
+                  <a:schemeClr val="bg1">
+                    <a:lumMod val="50000"/>
+                  </a:schemeClr>
+                </a:solidFill>
+                <a:effectLst>
+                  <a:outerShdw blurRad="38100" dist="19050" dir="2700000" algn="tl" rotWithShape="0">
+                    <a:schemeClr val="dk1">
+                      <a:alpha val="40000"/>
+                    </a:schemeClr>
+                  </a:outerShdw>
+                </a:effectLst>
+                <a:latin typeface="Segoe UI Light" panose="020B0502040204020203" pitchFamily="34" charset="0"/>
+                <a:cs typeface="Segoe UI Light" panose="020B0502040204020203" pitchFamily="34" charset="0"/>
+              </a:rPr>
+              <a:t> </a:t>
+            </a:r>
+            <a:r>
+              <a:rPr lang="en-US" sz="2200" dirty="0" err="1">
+                <a:ln w="0"/>
+                <a:solidFill>
+                  <a:schemeClr val="bg1">
+                    <a:lumMod val="50000"/>
+                  </a:schemeClr>
+                </a:solidFill>
+                <a:effectLst>
+                  <a:outerShdw blurRad="38100" dist="19050" dir="2700000" algn="tl" rotWithShape="0">
+                    <a:schemeClr val="dk1">
+                      <a:alpha val="40000"/>
+                    </a:schemeClr>
+                  </a:outerShdw>
+                </a:effectLst>
+                <a:latin typeface="Segoe UI Light" panose="020B0502040204020203" pitchFamily="34" charset="0"/>
+                <a:cs typeface="Segoe UI Light" panose="020B0502040204020203" pitchFamily="34" charset="0"/>
+              </a:rPr>
+              <a:t>khả</a:t>
+            </a:r>
+            <a:r>
+              <a:rPr lang="en-US" sz="2200" dirty="0">
+                <a:ln w="0"/>
+                <a:solidFill>
+                  <a:schemeClr val="bg1">
+                    <a:lumMod val="50000"/>
+                  </a:schemeClr>
+                </a:solidFill>
+                <a:effectLst>
+                  <a:outerShdw blurRad="38100" dist="19050" dir="2700000" algn="tl" rotWithShape="0">
+                    <a:schemeClr val="dk1">
+                      <a:alpha val="40000"/>
+                    </a:schemeClr>
+                  </a:outerShdw>
+                </a:effectLst>
+                <a:latin typeface="Segoe UI Light" panose="020B0502040204020203" pitchFamily="34" charset="0"/>
+                <a:cs typeface="Segoe UI Light" panose="020B0502040204020203" pitchFamily="34" charset="0"/>
+              </a:rPr>
+              <a:t> </a:t>
+            </a:r>
+            <a:r>
+              <a:rPr lang="en-US" sz="2200" dirty="0" err="1">
+                <a:ln w="0"/>
+                <a:solidFill>
+                  <a:schemeClr val="bg1">
+                    <a:lumMod val="50000"/>
+                  </a:schemeClr>
+                </a:solidFill>
+                <a:effectLst>
+                  <a:outerShdw blurRad="38100" dist="19050" dir="2700000" algn="tl" rotWithShape="0">
+                    <a:schemeClr val="dk1">
+                      <a:alpha val="40000"/>
+                    </a:schemeClr>
+                  </a:outerShdw>
+                </a:effectLst>
+                <a:latin typeface="Segoe UI Light" panose="020B0502040204020203" pitchFamily="34" charset="0"/>
+                <a:cs typeface="Segoe UI Light" panose="020B0502040204020203" pitchFamily="34" charset="0"/>
+              </a:rPr>
+              <a:t>năng</a:t>
+            </a:r>
+            <a:r>
+              <a:rPr lang="en-US" sz="2200" dirty="0">
+                <a:ln w="0"/>
+                <a:solidFill>
+                  <a:schemeClr val="bg1">
+                    <a:lumMod val="50000"/>
+                  </a:schemeClr>
+                </a:solidFill>
+                <a:effectLst>
+                  <a:outerShdw blurRad="38100" dist="19050" dir="2700000" algn="tl" rotWithShape="0">
+                    <a:schemeClr val="dk1">
+                      <a:alpha val="40000"/>
+                    </a:schemeClr>
+                  </a:outerShdw>
+                </a:effectLst>
+                <a:latin typeface="Segoe UI Light" panose="020B0502040204020203" pitchFamily="34" charset="0"/>
+                <a:cs typeface="Segoe UI Light" panose="020B0502040204020203" pitchFamily="34" charset="0"/>
+              </a:rPr>
+              <a:t> </a:t>
+            </a:r>
+            <a:r>
+              <a:rPr lang="en-US" sz="2200" dirty="0" err="1">
+                <a:ln w="0"/>
+                <a:solidFill>
+                  <a:schemeClr val="bg1">
+                    <a:lumMod val="50000"/>
+                  </a:schemeClr>
+                </a:solidFill>
+                <a:effectLst>
+                  <a:outerShdw blurRad="38100" dist="19050" dir="2700000" algn="tl" rotWithShape="0">
+                    <a:schemeClr val="dk1">
+                      <a:alpha val="40000"/>
+                    </a:schemeClr>
+                  </a:outerShdw>
+                </a:effectLst>
+                <a:latin typeface="Segoe UI Light" panose="020B0502040204020203" pitchFamily="34" charset="0"/>
+                <a:cs typeface="Segoe UI Light" panose="020B0502040204020203" pitchFamily="34" charset="0"/>
+              </a:rPr>
+              <a:t>mở</a:t>
+            </a:r>
+            <a:r>
+              <a:rPr lang="en-US" sz="2200" dirty="0">
+                <a:ln w="0"/>
+                <a:solidFill>
+                  <a:schemeClr val="bg1">
+                    <a:lumMod val="50000"/>
+                  </a:schemeClr>
+                </a:solidFill>
+                <a:effectLst>
+                  <a:outerShdw blurRad="38100" dist="19050" dir="2700000" algn="tl" rotWithShape="0">
+                    <a:schemeClr val="dk1">
+                      <a:alpha val="40000"/>
+                    </a:schemeClr>
+                  </a:outerShdw>
+                </a:effectLst>
+                <a:latin typeface="Segoe UI Light" panose="020B0502040204020203" pitchFamily="34" charset="0"/>
+                <a:cs typeface="Segoe UI Light" panose="020B0502040204020203" pitchFamily="34" charset="0"/>
+              </a:rPr>
+              <a:t> </a:t>
+            </a:r>
+            <a:r>
+              <a:rPr lang="en-US" sz="2200" dirty="0" err="1">
+                <a:ln w="0"/>
+                <a:solidFill>
+                  <a:schemeClr val="bg1">
+                    <a:lumMod val="50000"/>
+                  </a:schemeClr>
+                </a:solidFill>
+                <a:effectLst>
+                  <a:outerShdw blurRad="38100" dist="19050" dir="2700000" algn="tl" rotWithShape="0">
+                    <a:schemeClr val="dk1">
+                      <a:alpha val="40000"/>
+                    </a:schemeClr>
+                  </a:outerShdw>
+                </a:effectLst>
+                <a:latin typeface="Segoe UI Light" panose="020B0502040204020203" pitchFamily="34" charset="0"/>
+                <a:cs typeface="Segoe UI Light" panose="020B0502040204020203" pitchFamily="34" charset="0"/>
+              </a:rPr>
+              <a:t>rộng</a:t>
+            </a:r>
+            <a:r>
+              <a:rPr lang="en-US" sz="2200" dirty="0">
+                <a:ln w="0"/>
+                <a:solidFill>
+                  <a:schemeClr val="bg1">
+                    <a:lumMod val="50000"/>
+                  </a:schemeClr>
+                </a:solidFill>
+                <a:effectLst>
+                  <a:outerShdw blurRad="38100" dist="19050" dir="2700000" algn="tl" rotWithShape="0">
+                    <a:schemeClr val="dk1">
+                      <a:alpha val="40000"/>
+                    </a:schemeClr>
+                  </a:outerShdw>
+                </a:effectLst>
+                <a:latin typeface="Segoe UI Light" panose="020B0502040204020203" pitchFamily="34" charset="0"/>
+                <a:cs typeface="Segoe UI Light" panose="020B0502040204020203" pitchFamily="34" charset="0"/>
+              </a:rPr>
+              <a:t> </a:t>
+            </a:r>
+            <a:r>
+              <a:rPr lang="en-US" sz="2200" dirty="0" err="1">
+                <a:ln w="0"/>
+                <a:solidFill>
+                  <a:schemeClr val="bg1">
+                    <a:lumMod val="50000"/>
+                  </a:schemeClr>
+                </a:solidFill>
+                <a:effectLst>
+                  <a:outerShdw blurRad="38100" dist="19050" dir="2700000" algn="tl" rotWithShape="0">
+                    <a:schemeClr val="dk1">
+                      <a:alpha val="40000"/>
+                    </a:schemeClr>
+                  </a:outerShdw>
+                </a:effectLst>
+                <a:latin typeface="Segoe UI Light" panose="020B0502040204020203" pitchFamily="34" charset="0"/>
+                <a:cs typeface="Segoe UI Light" panose="020B0502040204020203" pitchFamily="34" charset="0"/>
+              </a:rPr>
+              <a:t>cao</a:t>
+            </a:r>
+            <a:r>
+              <a:rPr lang="en-US" sz="2200" dirty="0">
+                <a:ln w="0"/>
+                <a:solidFill>
+                  <a:schemeClr val="bg1">
+                    <a:lumMod val="50000"/>
+                  </a:schemeClr>
+                </a:solidFill>
+                <a:effectLst>
+                  <a:outerShdw blurRad="38100" dist="19050" dir="2700000" algn="tl" rotWithShape="0">
+                    <a:schemeClr val="dk1">
+                      <a:alpha val="40000"/>
+                    </a:schemeClr>
+                  </a:outerShdw>
+                </a:effectLst>
+                <a:latin typeface="Segoe UI Light" panose="020B0502040204020203" pitchFamily="34" charset="0"/>
+                <a:cs typeface="Segoe UI Light" panose="020B0502040204020203" pitchFamily="34" charset="0"/>
+              </a:rPr>
+              <a:t> </a:t>
+            </a:r>
+            <a:r>
+              <a:rPr lang="en-US" sz="2200" dirty="0" err="1">
+                <a:ln w="0"/>
+                <a:solidFill>
+                  <a:schemeClr val="bg1">
+                    <a:lumMod val="50000"/>
+                  </a:schemeClr>
+                </a:solidFill>
+                <a:effectLst>
+                  <a:outerShdw blurRad="38100" dist="19050" dir="2700000" algn="tl" rotWithShape="0">
+                    <a:schemeClr val="dk1">
+                      <a:alpha val="40000"/>
+                    </a:schemeClr>
+                  </a:outerShdw>
+                </a:effectLst>
+                <a:latin typeface="Segoe UI Light" panose="020B0502040204020203" pitchFamily="34" charset="0"/>
+                <a:cs typeface="Segoe UI Light" panose="020B0502040204020203" pitchFamily="34" charset="0"/>
+              </a:rPr>
+              <a:t>để</a:t>
+            </a:r>
+            <a:r>
+              <a:rPr lang="en-US" sz="2200" dirty="0">
+                <a:ln w="0"/>
+                <a:solidFill>
+                  <a:schemeClr val="bg1">
+                    <a:lumMod val="50000"/>
+                  </a:schemeClr>
+                </a:solidFill>
+                <a:effectLst>
+                  <a:outerShdw blurRad="38100" dist="19050" dir="2700000" algn="tl" rotWithShape="0">
+                    <a:schemeClr val="dk1">
+                      <a:alpha val="40000"/>
+                    </a:schemeClr>
+                  </a:outerShdw>
+                </a:effectLst>
+                <a:latin typeface="Segoe UI Light" panose="020B0502040204020203" pitchFamily="34" charset="0"/>
+                <a:cs typeface="Segoe UI Light" panose="020B0502040204020203" pitchFamily="34" charset="0"/>
+              </a:rPr>
+              <a:t> </a:t>
+            </a:r>
+            <a:r>
+              <a:rPr lang="en-US" sz="2200" dirty="0" err="1">
+                <a:ln w="0"/>
+                <a:solidFill>
+                  <a:schemeClr val="bg1">
+                    <a:lumMod val="50000"/>
+                  </a:schemeClr>
+                </a:solidFill>
+                <a:effectLst>
+                  <a:outerShdw blurRad="38100" dist="19050" dir="2700000" algn="tl" rotWithShape="0">
+                    <a:schemeClr val="dk1">
+                      <a:alpha val="40000"/>
+                    </a:schemeClr>
+                  </a:outerShdw>
+                </a:effectLst>
+                <a:latin typeface="Segoe UI Light" panose="020B0502040204020203" pitchFamily="34" charset="0"/>
+                <a:cs typeface="Segoe UI Light" panose="020B0502040204020203" pitchFamily="34" charset="0"/>
+              </a:rPr>
+              <a:t>đáp</a:t>
+            </a:r>
+            <a:r>
+              <a:rPr lang="en-US" sz="2200" dirty="0">
+                <a:ln w="0"/>
+                <a:solidFill>
+                  <a:schemeClr val="bg1">
+                    <a:lumMod val="50000"/>
+                  </a:schemeClr>
+                </a:solidFill>
+                <a:effectLst>
+                  <a:outerShdw blurRad="38100" dist="19050" dir="2700000" algn="tl" rotWithShape="0">
+                    <a:schemeClr val="dk1">
+                      <a:alpha val="40000"/>
+                    </a:schemeClr>
+                  </a:outerShdw>
+                </a:effectLst>
+                <a:latin typeface="Segoe UI Light" panose="020B0502040204020203" pitchFamily="34" charset="0"/>
+                <a:cs typeface="Segoe UI Light" panose="020B0502040204020203" pitchFamily="34" charset="0"/>
+              </a:rPr>
+              <a:t> </a:t>
+            </a:r>
+            <a:r>
+              <a:rPr lang="en-US" sz="2200" dirty="0" err="1">
+                <a:ln w="0"/>
+                <a:solidFill>
+                  <a:schemeClr val="bg1">
+                    <a:lumMod val="50000"/>
+                  </a:schemeClr>
+                </a:solidFill>
+                <a:effectLst>
+                  <a:outerShdw blurRad="38100" dist="19050" dir="2700000" algn="tl" rotWithShape="0">
+                    <a:schemeClr val="dk1">
+                      <a:alpha val="40000"/>
+                    </a:schemeClr>
+                  </a:outerShdw>
+                </a:effectLst>
+                <a:latin typeface="Segoe UI Light" panose="020B0502040204020203" pitchFamily="34" charset="0"/>
+                <a:cs typeface="Segoe UI Light" panose="020B0502040204020203" pitchFamily="34" charset="0"/>
+              </a:rPr>
+              <a:t>ứng</a:t>
+            </a:r>
+            <a:r>
+              <a:rPr lang="en-US" sz="2200" dirty="0">
+                <a:ln w="0"/>
+                <a:solidFill>
+                  <a:schemeClr val="bg1">
+                    <a:lumMod val="50000"/>
+                  </a:schemeClr>
+                </a:solidFill>
+                <a:effectLst>
+                  <a:outerShdw blurRad="38100" dist="19050" dir="2700000" algn="tl" rotWithShape="0">
+                    <a:schemeClr val="dk1">
+                      <a:alpha val="40000"/>
+                    </a:schemeClr>
+                  </a:outerShdw>
+                </a:effectLst>
+                <a:latin typeface="Segoe UI Light" panose="020B0502040204020203" pitchFamily="34" charset="0"/>
+                <a:cs typeface="Segoe UI Light" panose="020B0502040204020203" pitchFamily="34" charset="0"/>
+              </a:rPr>
+              <a:t> </a:t>
+            </a:r>
+            <a:r>
+              <a:rPr lang="en-US" sz="2200" dirty="0" err="1">
+                <a:ln w="0"/>
+                <a:solidFill>
+                  <a:schemeClr val="bg1">
+                    <a:lumMod val="50000"/>
+                  </a:schemeClr>
+                </a:solidFill>
+                <a:effectLst>
+                  <a:outerShdw blurRad="38100" dist="19050" dir="2700000" algn="tl" rotWithShape="0">
+                    <a:schemeClr val="dk1">
+                      <a:alpha val="40000"/>
+                    </a:schemeClr>
+                  </a:outerShdw>
+                </a:effectLst>
+                <a:latin typeface="Segoe UI Light" panose="020B0502040204020203" pitchFamily="34" charset="0"/>
+                <a:cs typeface="Segoe UI Light" panose="020B0502040204020203" pitchFamily="34" charset="0"/>
+              </a:rPr>
+              <a:t>nhu</a:t>
+            </a:r>
+            <a:r>
+              <a:rPr lang="en-US" sz="2200" dirty="0">
+                <a:ln w="0"/>
+                <a:solidFill>
+                  <a:schemeClr val="bg1">
+                    <a:lumMod val="50000"/>
+                  </a:schemeClr>
+                </a:solidFill>
+                <a:effectLst>
+                  <a:outerShdw blurRad="38100" dist="19050" dir="2700000" algn="tl" rotWithShape="0">
+                    <a:schemeClr val="dk1">
+                      <a:alpha val="40000"/>
+                    </a:schemeClr>
+                  </a:outerShdw>
+                </a:effectLst>
+                <a:latin typeface="Segoe UI Light" panose="020B0502040204020203" pitchFamily="34" charset="0"/>
+                <a:cs typeface="Segoe UI Light" panose="020B0502040204020203" pitchFamily="34" charset="0"/>
+              </a:rPr>
+              <a:t> </a:t>
+            </a:r>
+            <a:r>
+              <a:rPr lang="en-US" sz="2200" dirty="0" err="1">
+                <a:ln w="0"/>
+                <a:solidFill>
+                  <a:schemeClr val="bg1">
+                    <a:lumMod val="50000"/>
+                  </a:schemeClr>
+                </a:solidFill>
+                <a:effectLst>
+                  <a:outerShdw blurRad="38100" dist="19050" dir="2700000" algn="tl" rotWithShape="0">
+                    <a:schemeClr val="dk1">
+                      <a:alpha val="40000"/>
+                    </a:schemeClr>
+                  </a:outerShdw>
+                </a:effectLst>
+                <a:latin typeface="Segoe UI Light" panose="020B0502040204020203" pitchFamily="34" charset="0"/>
+                <a:cs typeface="Segoe UI Light" panose="020B0502040204020203" pitchFamily="34" charset="0"/>
+              </a:rPr>
+              <a:t>cầu</a:t>
+            </a:r>
+            <a:r>
+              <a:rPr lang="en-US" sz="2200" dirty="0">
+                <a:ln w="0"/>
+                <a:solidFill>
+                  <a:schemeClr val="bg1">
+                    <a:lumMod val="50000"/>
+                  </a:schemeClr>
+                </a:solidFill>
+                <a:effectLst>
+                  <a:outerShdw blurRad="38100" dist="19050" dir="2700000" algn="tl" rotWithShape="0">
+                    <a:schemeClr val="dk1">
+                      <a:alpha val="40000"/>
+                    </a:schemeClr>
+                  </a:outerShdw>
+                </a:effectLst>
+                <a:latin typeface="Segoe UI Light" panose="020B0502040204020203" pitchFamily="34" charset="0"/>
+                <a:cs typeface="Segoe UI Light" panose="020B0502040204020203" pitchFamily="34" charset="0"/>
+              </a:rPr>
+              <a:t> </a:t>
+            </a:r>
+            <a:r>
+              <a:rPr lang="en-US" sz="2200" dirty="0" err="1">
+                <a:ln w="0"/>
+                <a:solidFill>
+                  <a:schemeClr val="bg1">
+                    <a:lumMod val="50000"/>
+                  </a:schemeClr>
+                </a:solidFill>
+                <a:effectLst>
+                  <a:outerShdw blurRad="38100" dist="19050" dir="2700000" algn="tl" rotWithShape="0">
+                    <a:schemeClr val="dk1">
+                      <a:alpha val="40000"/>
+                    </a:schemeClr>
+                  </a:outerShdw>
+                </a:effectLst>
+                <a:latin typeface="Segoe UI Light" panose="020B0502040204020203" pitchFamily="34" charset="0"/>
+                <a:cs typeface="Segoe UI Light" panose="020B0502040204020203" pitchFamily="34" charset="0"/>
+              </a:rPr>
+              <a:t>của</a:t>
+            </a:r>
+            <a:r>
+              <a:rPr lang="en-US" sz="2200" dirty="0">
+                <a:ln w="0"/>
+                <a:solidFill>
+                  <a:schemeClr val="bg1">
+                    <a:lumMod val="50000"/>
+                  </a:schemeClr>
+                </a:solidFill>
+                <a:effectLst>
+                  <a:outerShdw blurRad="38100" dist="19050" dir="2700000" algn="tl" rotWithShape="0">
+                    <a:schemeClr val="dk1">
+                      <a:alpha val="40000"/>
+                    </a:schemeClr>
+                  </a:outerShdw>
+                </a:effectLst>
+                <a:latin typeface="Segoe UI Light" panose="020B0502040204020203" pitchFamily="34" charset="0"/>
+                <a:cs typeface="Segoe UI Light" panose="020B0502040204020203" pitchFamily="34" charset="0"/>
+              </a:rPr>
+              <a:t> </a:t>
+            </a:r>
+            <a:r>
+              <a:rPr lang="en-US" sz="2200" dirty="0" err="1">
+                <a:ln w="0"/>
+                <a:solidFill>
+                  <a:schemeClr val="bg1">
+                    <a:lumMod val="50000"/>
+                  </a:schemeClr>
+                </a:solidFill>
+                <a:effectLst>
+                  <a:outerShdw blurRad="38100" dist="19050" dir="2700000" algn="tl" rotWithShape="0">
+                    <a:schemeClr val="dk1">
+                      <a:alpha val="40000"/>
+                    </a:schemeClr>
+                  </a:outerShdw>
+                </a:effectLst>
+                <a:latin typeface="Segoe UI Light" panose="020B0502040204020203" pitchFamily="34" charset="0"/>
+                <a:cs typeface="Segoe UI Light" panose="020B0502040204020203" pitchFamily="34" charset="0"/>
+              </a:rPr>
+              <a:t>bất</a:t>
+            </a:r>
+            <a:r>
+              <a:rPr lang="en-US" sz="2200" dirty="0">
+                <a:ln w="0"/>
+                <a:solidFill>
+                  <a:schemeClr val="bg1">
+                    <a:lumMod val="50000"/>
+                  </a:schemeClr>
+                </a:solidFill>
+                <a:effectLst>
+                  <a:outerShdw blurRad="38100" dist="19050" dir="2700000" algn="tl" rotWithShape="0">
+                    <a:schemeClr val="dk1">
+                      <a:alpha val="40000"/>
+                    </a:schemeClr>
+                  </a:outerShdw>
+                </a:effectLst>
+                <a:latin typeface="Segoe UI Light" panose="020B0502040204020203" pitchFamily="34" charset="0"/>
+                <a:cs typeface="Segoe UI Light" panose="020B0502040204020203" pitchFamily="34" charset="0"/>
+              </a:rPr>
+              <a:t> </a:t>
+            </a:r>
+            <a:r>
+              <a:rPr lang="en-US" sz="2200" dirty="0" err="1">
+                <a:ln w="0"/>
+                <a:solidFill>
+                  <a:schemeClr val="bg1">
+                    <a:lumMod val="50000"/>
+                  </a:schemeClr>
+                </a:solidFill>
+                <a:effectLst>
+                  <a:outerShdw blurRad="38100" dist="19050" dir="2700000" algn="tl" rotWithShape="0">
+                    <a:schemeClr val="dk1">
+                      <a:alpha val="40000"/>
+                    </a:schemeClr>
+                  </a:outerShdw>
+                </a:effectLst>
+                <a:latin typeface="Segoe UI Light" panose="020B0502040204020203" pitchFamily="34" charset="0"/>
+                <a:cs typeface="Segoe UI Light" panose="020B0502040204020203" pitchFamily="34" charset="0"/>
+              </a:rPr>
+              <a:t>kì</a:t>
+            </a:r>
+            <a:r>
+              <a:rPr lang="en-US" sz="2200" dirty="0">
+                <a:ln w="0"/>
+                <a:solidFill>
+                  <a:schemeClr val="bg1">
+                    <a:lumMod val="50000"/>
+                  </a:schemeClr>
+                </a:solidFill>
+                <a:effectLst>
+                  <a:outerShdw blurRad="38100" dist="19050" dir="2700000" algn="tl" rotWithShape="0">
+                    <a:schemeClr val="dk1">
+                      <a:alpha val="40000"/>
+                    </a:schemeClr>
+                  </a:outerShdw>
+                </a:effectLst>
+                <a:latin typeface="Segoe UI Light" panose="020B0502040204020203" pitchFamily="34" charset="0"/>
+                <a:cs typeface="Segoe UI Light" panose="020B0502040204020203" pitchFamily="34" charset="0"/>
+              </a:rPr>
+              <a:t> </a:t>
+            </a:r>
+            <a:r>
+              <a:rPr lang="en-US" sz="2200" dirty="0" err="1">
+                <a:ln w="0"/>
+                <a:solidFill>
+                  <a:schemeClr val="bg1">
+                    <a:lumMod val="50000"/>
+                  </a:schemeClr>
+                </a:solidFill>
+                <a:effectLst>
+                  <a:outerShdw blurRad="38100" dist="19050" dir="2700000" algn="tl" rotWithShape="0">
+                    <a:schemeClr val="dk1">
+                      <a:alpha val="40000"/>
+                    </a:schemeClr>
+                  </a:outerShdw>
+                </a:effectLst>
+                <a:latin typeface="Segoe UI Light" panose="020B0502040204020203" pitchFamily="34" charset="0"/>
+                <a:cs typeface="Segoe UI Light" panose="020B0502040204020203" pitchFamily="34" charset="0"/>
+              </a:rPr>
+              <a:t>tổ</a:t>
+            </a:r>
+            <a:r>
+              <a:rPr lang="en-US" sz="2200" dirty="0">
+                <a:ln w="0"/>
+                <a:solidFill>
+                  <a:schemeClr val="bg1">
+                    <a:lumMod val="50000"/>
+                  </a:schemeClr>
+                </a:solidFill>
+                <a:effectLst>
+                  <a:outerShdw blurRad="38100" dist="19050" dir="2700000" algn="tl" rotWithShape="0">
+                    <a:schemeClr val="dk1">
+                      <a:alpha val="40000"/>
+                    </a:schemeClr>
+                  </a:outerShdw>
+                </a:effectLst>
+                <a:latin typeface="Segoe UI Light" panose="020B0502040204020203" pitchFamily="34" charset="0"/>
+                <a:cs typeface="Segoe UI Light" panose="020B0502040204020203" pitchFamily="34" charset="0"/>
+              </a:rPr>
+              <a:t> </a:t>
+            </a:r>
+            <a:r>
+              <a:rPr lang="en-US" sz="2200" dirty="0" err="1">
+                <a:ln w="0"/>
+                <a:solidFill>
+                  <a:schemeClr val="bg1">
+                    <a:lumMod val="50000"/>
+                  </a:schemeClr>
+                </a:solidFill>
+                <a:effectLst>
+                  <a:outerShdw blurRad="38100" dist="19050" dir="2700000" algn="tl" rotWithShape="0">
+                    <a:schemeClr val="dk1">
+                      <a:alpha val="40000"/>
+                    </a:schemeClr>
+                  </a:outerShdw>
+                </a:effectLst>
+                <a:latin typeface="Segoe UI Light" panose="020B0502040204020203" pitchFamily="34" charset="0"/>
+                <a:cs typeface="Segoe UI Light" panose="020B0502040204020203" pitchFamily="34" charset="0"/>
+              </a:rPr>
+              <a:t>chức</a:t>
+            </a:r>
+            <a:r>
+              <a:rPr lang="en-US" sz="2200" dirty="0">
+                <a:ln w="0"/>
+                <a:solidFill>
+                  <a:schemeClr val="bg1">
+                    <a:lumMod val="50000"/>
+                  </a:schemeClr>
+                </a:solidFill>
+                <a:effectLst>
+                  <a:outerShdw blurRad="38100" dist="19050" dir="2700000" algn="tl" rotWithShape="0">
+                    <a:schemeClr val="dk1">
+                      <a:alpha val="40000"/>
+                    </a:schemeClr>
+                  </a:outerShdw>
+                </a:effectLst>
+                <a:latin typeface="Segoe UI Light" panose="020B0502040204020203" pitchFamily="34" charset="0"/>
+                <a:cs typeface="Segoe UI Light" panose="020B0502040204020203" pitchFamily="34" charset="0"/>
+              </a:rPr>
+              <a:t> </a:t>
+            </a:r>
+            <a:r>
+              <a:rPr lang="en-US" sz="2200" dirty="0" err="1">
+                <a:ln w="0"/>
+                <a:solidFill>
+                  <a:schemeClr val="bg1">
+                    <a:lumMod val="50000"/>
+                  </a:schemeClr>
+                </a:solidFill>
+                <a:effectLst>
+                  <a:outerShdw blurRad="38100" dist="19050" dir="2700000" algn="tl" rotWithShape="0">
+                    <a:schemeClr val="dk1">
+                      <a:alpha val="40000"/>
+                    </a:schemeClr>
+                  </a:outerShdw>
+                </a:effectLst>
+                <a:latin typeface="Segoe UI Light" panose="020B0502040204020203" pitchFamily="34" charset="0"/>
+                <a:cs typeface="Segoe UI Light" panose="020B0502040204020203" pitchFamily="34" charset="0"/>
+              </a:rPr>
+              <a:t>và</a:t>
+            </a:r>
+            <a:r>
+              <a:rPr lang="en-US" sz="2200" dirty="0">
+                <a:ln w="0"/>
+                <a:solidFill>
+                  <a:schemeClr val="bg1">
+                    <a:lumMod val="50000"/>
+                  </a:schemeClr>
+                </a:solidFill>
+                <a:effectLst>
+                  <a:outerShdw blurRad="38100" dist="19050" dir="2700000" algn="tl" rotWithShape="0">
+                    <a:schemeClr val="dk1">
+                      <a:alpha val="40000"/>
+                    </a:schemeClr>
+                  </a:outerShdw>
+                </a:effectLst>
+                <a:latin typeface="Segoe UI Light" panose="020B0502040204020203" pitchFamily="34" charset="0"/>
+                <a:cs typeface="Segoe UI Light" panose="020B0502040204020203" pitchFamily="34" charset="0"/>
+              </a:rPr>
+              <a:t> </a:t>
+            </a:r>
+            <a:r>
+              <a:rPr lang="en-US" sz="2200" dirty="0" err="1">
+                <a:ln w="0"/>
+                <a:solidFill>
+                  <a:schemeClr val="bg1">
+                    <a:lumMod val="50000"/>
+                  </a:schemeClr>
+                </a:solidFill>
+                <a:effectLst>
+                  <a:outerShdw blurRad="38100" dist="19050" dir="2700000" algn="tl" rotWithShape="0">
+                    <a:schemeClr val="dk1">
+                      <a:alpha val="40000"/>
+                    </a:schemeClr>
+                  </a:outerShdw>
+                </a:effectLst>
+                <a:latin typeface="Segoe UI Light" panose="020B0502040204020203" pitchFamily="34" charset="0"/>
+                <a:cs typeface="Segoe UI Light" panose="020B0502040204020203" pitchFamily="34" charset="0"/>
+              </a:rPr>
+              <a:t>nhóm</a:t>
+            </a:r>
+            <a:r>
+              <a:rPr lang="en-US" sz="2200" dirty="0">
+                <a:ln w="0"/>
+                <a:solidFill>
+                  <a:schemeClr val="bg1">
+                    <a:lumMod val="50000"/>
+                  </a:schemeClr>
+                </a:solidFill>
+                <a:effectLst>
+                  <a:outerShdw blurRad="38100" dist="19050" dir="2700000" algn="tl" rotWithShape="0">
+                    <a:schemeClr val="dk1">
+                      <a:alpha val="40000"/>
+                    </a:schemeClr>
+                  </a:outerShdw>
+                </a:effectLst>
+                <a:latin typeface="Segoe UI Light" panose="020B0502040204020203" pitchFamily="34" charset="0"/>
+                <a:cs typeface="Segoe UI Light" panose="020B0502040204020203" pitchFamily="34" charset="0"/>
+              </a:rPr>
+              <a:t> </a:t>
+            </a:r>
+            <a:r>
+              <a:rPr lang="en-US" sz="2200" dirty="0" err="1">
+                <a:ln w="0"/>
+                <a:solidFill>
+                  <a:schemeClr val="bg1">
+                    <a:lumMod val="50000"/>
+                  </a:schemeClr>
+                </a:solidFill>
+                <a:effectLst>
+                  <a:outerShdw blurRad="38100" dist="19050" dir="2700000" algn="tl" rotWithShape="0">
+                    <a:schemeClr val="dk1">
+                      <a:alpha val="40000"/>
+                    </a:schemeClr>
+                  </a:outerShdw>
+                </a:effectLst>
+                <a:latin typeface="Segoe UI Light" panose="020B0502040204020203" pitchFamily="34" charset="0"/>
+                <a:cs typeface="Segoe UI Light" panose="020B0502040204020203" pitchFamily="34" charset="0"/>
+              </a:rPr>
+              <a:t>dự</a:t>
+            </a:r>
+            <a:r>
+              <a:rPr lang="en-US" sz="2200" dirty="0">
+                <a:ln w="0"/>
+                <a:solidFill>
+                  <a:schemeClr val="bg1">
+                    <a:lumMod val="50000"/>
+                  </a:schemeClr>
+                </a:solidFill>
+                <a:effectLst>
+                  <a:outerShdw blurRad="38100" dist="19050" dir="2700000" algn="tl" rotWithShape="0">
+                    <a:schemeClr val="dk1">
+                      <a:alpha val="40000"/>
+                    </a:schemeClr>
+                  </a:outerShdw>
+                </a:effectLst>
+                <a:latin typeface="Segoe UI Light" panose="020B0502040204020203" pitchFamily="34" charset="0"/>
+                <a:cs typeface="Segoe UI Light" panose="020B0502040204020203" pitchFamily="34" charset="0"/>
+              </a:rPr>
+              <a:t> </a:t>
+            </a:r>
+            <a:r>
+              <a:rPr lang="en-US" sz="2200" dirty="0" err="1">
+                <a:ln w="0"/>
+                <a:solidFill>
+                  <a:schemeClr val="bg1">
+                    <a:lumMod val="50000"/>
+                  </a:schemeClr>
+                </a:solidFill>
+                <a:effectLst>
+                  <a:outerShdw blurRad="38100" dist="19050" dir="2700000" algn="tl" rotWithShape="0">
+                    <a:schemeClr val="dk1">
+                      <a:alpha val="40000"/>
+                    </a:schemeClr>
+                  </a:outerShdw>
+                </a:effectLst>
+                <a:latin typeface="Segoe UI Light" panose="020B0502040204020203" pitchFamily="34" charset="0"/>
+                <a:cs typeface="Segoe UI Light" panose="020B0502040204020203" pitchFamily="34" charset="0"/>
+              </a:rPr>
+              <a:t>án</a:t>
+            </a:r>
+            <a:r>
+              <a:rPr lang="en-US" sz="2200" dirty="0">
+                <a:ln w="0"/>
+                <a:solidFill>
+                  <a:schemeClr val="bg1">
+                    <a:lumMod val="50000"/>
+                  </a:schemeClr>
+                </a:solidFill>
+                <a:effectLst>
+                  <a:outerShdw blurRad="38100" dist="19050" dir="2700000" algn="tl" rotWithShape="0">
+                    <a:schemeClr val="dk1">
+                      <a:alpha val="40000"/>
+                    </a:schemeClr>
+                  </a:outerShdw>
+                </a:effectLst>
+                <a:latin typeface="Segoe UI Light" panose="020B0502040204020203" pitchFamily="34" charset="0"/>
+                <a:cs typeface="Segoe UI Light" panose="020B0502040204020203" pitchFamily="34" charset="0"/>
+              </a:rPr>
+              <a:t> </a:t>
+            </a:r>
+            <a:r>
+              <a:rPr lang="en-US" sz="2200" dirty="0" err="1">
+                <a:ln w="0"/>
+                <a:solidFill>
+                  <a:schemeClr val="bg1">
+                    <a:lumMod val="50000"/>
+                  </a:schemeClr>
+                </a:solidFill>
+                <a:effectLst>
+                  <a:outerShdw blurRad="38100" dist="19050" dir="2700000" algn="tl" rotWithShape="0">
+                    <a:schemeClr val="dk1">
+                      <a:alpha val="40000"/>
+                    </a:schemeClr>
+                  </a:outerShdw>
+                </a:effectLst>
+                <a:latin typeface="Segoe UI Light" panose="020B0502040204020203" pitchFamily="34" charset="0"/>
+                <a:cs typeface="Segoe UI Light" panose="020B0502040204020203" pitchFamily="34" charset="0"/>
+              </a:rPr>
+              <a:t>nào</a:t>
+            </a:r>
+            <a:r>
+              <a:rPr lang="en-US" sz="2200" dirty="0">
+                <a:ln w="0"/>
+                <a:solidFill>
+                  <a:schemeClr val="bg1">
+                    <a:lumMod val="50000"/>
+                  </a:schemeClr>
+                </a:solidFill>
+                <a:effectLst>
+                  <a:outerShdw blurRad="38100" dist="19050" dir="2700000" algn="tl" rotWithShape="0">
+                    <a:schemeClr val="dk1">
+                      <a:alpha val="40000"/>
+                    </a:schemeClr>
+                  </a:outerShdw>
+                </a:effectLst>
+                <a:latin typeface="Segoe UI Light" panose="020B0502040204020203" pitchFamily="34" charset="0"/>
+                <a:cs typeface="Segoe UI Light" panose="020B0502040204020203" pitchFamily="34" charset="0"/>
+              </a:rPr>
+              <a:t>. </a:t>
+            </a:r>
+          </a:p>
+          <a:p>
+            <a:r>
+              <a:rPr lang="en-US" sz="2200" dirty="0">
+                <a:ln w="0"/>
+                <a:solidFill>
+                  <a:schemeClr val="bg1">
+                    <a:lumMod val="50000"/>
+                  </a:schemeClr>
+                </a:solidFill>
+                <a:effectLst>
+                  <a:outerShdw blurRad="38100" dist="19050" dir="2700000" algn="tl" rotWithShape="0">
+                    <a:schemeClr val="dk1">
+                      <a:alpha val="40000"/>
+                    </a:schemeClr>
+                  </a:outerShdw>
+                </a:effectLst>
+                <a:latin typeface="Segoe UI Light" panose="020B0502040204020203" pitchFamily="34" charset="0"/>
+                <a:cs typeface="Segoe UI Light" panose="020B0502040204020203" pitchFamily="34" charset="0"/>
+              </a:rPr>
+              <a:t>-</a:t>
+            </a:r>
+            <a:r>
+              <a:rPr lang="en-US" sz="2200" dirty="0" err="1">
+                <a:ln w="0"/>
+                <a:solidFill>
+                  <a:schemeClr val="bg1">
+                    <a:lumMod val="50000"/>
+                  </a:schemeClr>
+                </a:solidFill>
+                <a:effectLst>
+                  <a:outerShdw blurRad="38100" dist="19050" dir="2700000" algn="tl" rotWithShape="0">
+                    <a:schemeClr val="dk1">
+                      <a:alpha val="40000"/>
+                    </a:schemeClr>
+                  </a:outerShdw>
+                </a:effectLst>
+                <a:latin typeface="Segoe UI Light" panose="020B0502040204020203" pitchFamily="34" charset="0"/>
+                <a:cs typeface="Segoe UI Light" panose="020B0502040204020203" pitchFamily="34" charset="0"/>
+              </a:rPr>
+              <a:t>Hướng</a:t>
+            </a:r>
+            <a:r>
+              <a:rPr lang="en-US" sz="2200" dirty="0">
+                <a:ln w="0"/>
+                <a:solidFill>
+                  <a:schemeClr val="bg1">
+                    <a:lumMod val="50000"/>
+                  </a:schemeClr>
+                </a:solidFill>
+                <a:effectLst>
+                  <a:outerShdw blurRad="38100" dist="19050" dir="2700000" algn="tl" rotWithShape="0">
+                    <a:schemeClr val="dk1">
+                      <a:alpha val="40000"/>
+                    </a:schemeClr>
+                  </a:outerShdw>
+                </a:effectLst>
+                <a:latin typeface="Segoe UI Light" panose="020B0502040204020203" pitchFamily="34" charset="0"/>
+                <a:cs typeface="Segoe UI Light" panose="020B0502040204020203" pitchFamily="34" charset="0"/>
+              </a:rPr>
+              <a:t> </a:t>
+            </a:r>
+            <a:r>
+              <a:rPr lang="en-US" sz="2200" dirty="0" err="1">
+                <a:ln w="0"/>
+                <a:solidFill>
+                  <a:schemeClr val="bg1">
+                    <a:lumMod val="50000"/>
+                  </a:schemeClr>
+                </a:solidFill>
+                <a:effectLst>
+                  <a:outerShdw blurRad="38100" dist="19050" dir="2700000" algn="tl" rotWithShape="0">
+                    <a:schemeClr val="dk1">
+                      <a:alpha val="40000"/>
+                    </a:schemeClr>
+                  </a:outerShdw>
+                </a:effectLst>
+                <a:latin typeface="Segoe UI Light" panose="020B0502040204020203" pitchFamily="34" charset="0"/>
+                <a:cs typeface="Segoe UI Light" panose="020B0502040204020203" pitchFamily="34" charset="0"/>
+              </a:rPr>
+              <a:t>dẫn</a:t>
+            </a:r>
+            <a:r>
+              <a:rPr lang="en-US" sz="2200" dirty="0">
+                <a:ln w="0"/>
+                <a:solidFill>
+                  <a:schemeClr val="bg1">
+                    <a:lumMod val="50000"/>
+                  </a:schemeClr>
+                </a:solidFill>
+                <a:effectLst>
+                  <a:outerShdw blurRad="38100" dist="19050" dir="2700000" algn="tl" rotWithShape="0">
+                    <a:schemeClr val="dk1">
+                      <a:alpha val="40000"/>
+                    </a:schemeClr>
+                  </a:outerShdw>
+                </a:effectLst>
+                <a:latin typeface="Segoe UI Light" panose="020B0502040204020203" pitchFamily="34" charset="0"/>
+                <a:cs typeface="Segoe UI Light" panose="020B0502040204020203" pitchFamily="34" charset="0"/>
+              </a:rPr>
+              <a:t> MSF </a:t>
+            </a:r>
+            <a:r>
+              <a:rPr lang="en-US" sz="2200" dirty="0" err="1">
+                <a:ln w="0"/>
+                <a:solidFill>
+                  <a:schemeClr val="bg1">
+                    <a:lumMod val="50000"/>
+                  </a:schemeClr>
+                </a:solidFill>
+                <a:effectLst>
+                  <a:outerShdw blurRad="38100" dist="19050" dir="2700000" algn="tl" rotWithShape="0">
+                    <a:schemeClr val="dk1">
+                      <a:alpha val="40000"/>
+                    </a:schemeClr>
+                  </a:outerShdw>
+                </a:effectLst>
+                <a:latin typeface="Segoe UI Light" panose="020B0502040204020203" pitchFamily="34" charset="0"/>
+                <a:cs typeface="Segoe UI Light" panose="020B0502040204020203" pitchFamily="34" charset="0"/>
+              </a:rPr>
+              <a:t>bao</a:t>
+            </a:r>
+            <a:r>
+              <a:rPr lang="en-US" sz="2200" dirty="0">
+                <a:ln w="0"/>
+                <a:solidFill>
+                  <a:schemeClr val="bg1">
+                    <a:lumMod val="50000"/>
+                  </a:schemeClr>
+                </a:solidFill>
+                <a:effectLst>
+                  <a:outerShdw blurRad="38100" dist="19050" dir="2700000" algn="tl" rotWithShape="0">
+                    <a:schemeClr val="dk1">
+                      <a:alpha val="40000"/>
+                    </a:schemeClr>
+                  </a:outerShdw>
+                </a:effectLst>
+                <a:latin typeface="Segoe UI Light" panose="020B0502040204020203" pitchFamily="34" charset="0"/>
+                <a:cs typeface="Segoe UI Light" panose="020B0502040204020203" pitchFamily="34" charset="0"/>
+              </a:rPr>
+              <a:t> </a:t>
+            </a:r>
+            <a:r>
+              <a:rPr lang="en-US" sz="2200" dirty="0" err="1">
+                <a:ln w="0"/>
+                <a:solidFill>
+                  <a:schemeClr val="bg1">
+                    <a:lumMod val="50000"/>
+                  </a:schemeClr>
+                </a:solidFill>
+                <a:effectLst>
+                  <a:outerShdw blurRad="38100" dist="19050" dir="2700000" algn="tl" rotWithShape="0">
+                    <a:schemeClr val="dk1">
+                      <a:alpha val="40000"/>
+                    </a:schemeClr>
+                  </a:outerShdw>
+                </a:effectLst>
+                <a:latin typeface="Segoe UI Light" panose="020B0502040204020203" pitchFamily="34" charset="0"/>
+                <a:cs typeface="Segoe UI Light" panose="020B0502040204020203" pitchFamily="34" charset="0"/>
+              </a:rPr>
+              <a:t>gồm</a:t>
+            </a:r>
+            <a:r>
+              <a:rPr lang="en-US" sz="2200" dirty="0">
+                <a:ln w="0"/>
+                <a:solidFill>
+                  <a:schemeClr val="bg1">
+                    <a:lumMod val="50000"/>
+                  </a:schemeClr>
+                </a:solidFill>
+                <a:effectLst>
+                  <a:outerShdw blurRad="38100" dist="19050" dir="2700000" algn="tl" rotWithShape="0">
+                    <a:schemeClr val="dk1">
+                      <a:alpha val="40000"/>
+                    </a:schemeClr>
+                  </a:outerShdw>
+                </a:effectLst>
+                <a:latin typeface="Segoe UI Light" panose="020B0502040204020203" pitchFamily="34" charset="0"/>
+                <a:cs typeface="Segoe UI Light" panose="020B0502040204020203" pitchFamily="34" charset="0"/>
+              </a:rPr>
+              <a:t> </a:t>
+            </a:r>
+            <a:r>
+              <a:rPr lang="en-US" sz="2200" dirty="0" err="1">
+                <a:ln w="0"/>
+                <a:solidFill>
+                  <a:schemeClr val="bg1">
+                    <a:lumMod val="50000"/>
+                  </a:schemeClr>
+                </a:solidFill>
+                <a:effectLst>
+                  <a:outerShdw blurRad="38100" dist="19050" dir="2700000" algn="tl" rotWithShape="0">
+                    <a:schemeClr val="dk1">
+                      <a:alpha val="40000"/>
+                    </a:schemeClr>
+                  </a:outerShdw>
+                </a:effectLst>
+                <a:latin typeface="Segoe UI Light" panose="020B0502040204020203" pitchFamily="34" charset="0"/>
+                <a:cs typeface="Segoe UI Light" panose="020B0502040204020203" pitchFamily="34" charset="0"/>
+              </a:rPr>
+              <a:t>các</a:t>
+            </a:r>
+            <a:r>
+              <a:rPr lang="en-US" sz="2200" dirty="0">
+                <a:ln w="0"/>
+                <a:solidFill>
+                  <a:schemeClr val="bg1">
+                    <a:lumMod val="50000"/>
+                  </a:schemeClr>
+                </a:solidFill>
+                <a:effectLst>
+                  <a:outerShdw blurRad="38100" dist="19050" dir="2700000" algn="tl" rotWithShape="0">
+                    <a:schemeClr val="dk1">
+                      <a:alpha val="40000"/>
+                    </a:schemeClr>
+                  </a:outerShdw>
+                </a:effectLst>
+                <a:latin typeface="Segoe UI Light" panose="020B0502040204020203" pitchFamily="34" charset="0"/>
+                <a:cs typeface="Segoe UI Light" panose="020B0502040204020203" pitchFamily="34" charset="0"/>
+              </a:rPr>
+              <a:t> </a:t>
+            </a:r>
+            <a:r>
+              <a:rPr lang="en-US" sz="2200" dirty="0" err="1">
+                <a:ln w="0"/>
+                <a:solidFill>
+                  <a:schemeClr val="bg1">
+                    <a:lumMod val="50000"/>
+                  </a:schemeClr>
+                </a:solidFill>
+                <a:effectLst>
+                  <a:outerShdw blurRad="38100" dist="19050" dir="2700000" algn="tl" rotWithShape="0">
+                    <a:schemeClr val="dk1">
+                      <a:alpha val="40000"/>
+                    </a:schemeClr>
+                  </a:outerShdw>
+                </a:effectLst>
+                <a:latin typeface="Segoe UI Light" panose="020B0502040204020203" pitchFamily="34" charset="0"/>
+                <a:cs typeface="Segoe UI Light" panose="020B0502040204020203" pitchFamily="34" charset="0"/>
+              </a:rPr>
+              <a:t>nguyên</a:t>
+            </a:r>
+            <a:r>
+              <a:rPr lang="en-US" sz="2200" dirty="0">
+                <a:ln w="0"/>
+                <a:solidFill>
+                  <a:schemeClr val="bg1">
+                    <a:lumMod val="50000"/>
+                  </a:schemeClr>
+                </a:solidFill>
+                <a:effectLst>
+                  <a:outerShdw blurRad="38100" dist="19050" dir="2700000" algn="tl" rotWithShape="0">
+                    <a:schemeClr val="dk1">
+                      <a:alpha val="40000"/>
+                    </a:schemeClr>
+                  </a:outerShdw>
+                </a:effectLst>
+                <a:latin typeface="Segoe UI Light" panose="020B0502040204020203" pitchFamily="34" charset="0"/>
+                <a:cs typeface="Segoe UI Light" panose="020B0502040204020203" pitchFamily="34" charset="0"/>
+              </a:rPr>
+              <a:t> </a:t>
+            </a:r>
+            <a:r>
+              <a:rPr lang="en-US" sz="2200" dirty="0" err="1">
+                <a:ln w="0"/>
+                <a:solidFill>
+                  <a:schemeClr val="bg1">
+                    <a:lumMod val="50000"/>
+                  </a:schemeClr>
+                </a:solidFill>
+                <a:effectLst>
+                  <a:outerShdw blurRad="38100" dist="19050" dir="2700000" algn="tl" rotWithShape="0">
+                    <a:schemeClr val="dk1">
+                      <a:alpha val="40000"/>
+                    </a:schemeClr>
+                  </a:outerShdw>
+                </a:effectLst>
+                <a:latin typeface="Segoe UI Light" panose="020B0502040204020203" pitchFamily="34" charset="0"/>
+                <a:cs typeface="Segoe UI Light" panose="020B0502040204020203" pitchFamily="34" charset="0"/>
+              </a:rPr>
+              <a:t>tắc,mô</a:t>
+            </a:r>
+            <a:r>
+              <a:rPr lang="en-US" sz="2200" dirty="0">
+                <a:ln w="0"/>
+                <a:solidFill>
+                  <a:schemeClr val="bg1">
+                    <a:lumMod val="50000"/>
+                  </a:schemeClr>
+                </a:solidFill>
+                <a:effectLst>
+                  <a:outerShdw blurRad="38100" dist="19050" dir="2700000" algn="tl" rotWithShape="0">
+                    <a:schemeClr val="dk1">
+                      <a:alpha val="40000"/>
+                    </a:schemeClr>
+                  </a:outerShdw>
+                </a:effectLst>
+                <a:latin typeface="Segoe UI Light" panose="020B0502040204020203" pitchFamily="34" charset="0"/>
+                <a:cs typeface="Segoe UI Light" panose="020B0502040204020203" pitchFamily="34" charset="0"/>
+              </a:rPr>
+              <a:t> </a:t>
+            </a:r>
+            <a:r>
+              <a:rPr lang="en-US" sz="2200" dirty="0" err="1">
+                <a:ln w="0"/>
+                <a:solidFill>
+                  <a:schemeClr val="bg1">
+                    <a:lumMod val="50000"/>
+                  </a:schemeClr>
+                </a:solidFill>
+                <a:effectLst>
+                  <a:outerShdw blurRad="38100" dist="19050" dir="2700000" algn="tl" rotWithShape="0">
+                    <a:schemeClr val="dk1">
+                      <a:alpha val="40000"/>
+                    </a:schemeClr>
+                  </a:outerShdw>
+                </a:effectLst>
+                <a:latin typeface="Segoe UI Light" panose="020B0502040204020203" pitchFamily="34" charset="0"/>
+                <a:cs typeface="Segoe UI Light" panose="020B0502040204020203" pitchFamily="34" charset="0"/>
+              </a:rPr>
+              <a:t>hình</a:t>
+            </a:r>
+            <a:r>
+              <a:rPr lang="en-US" sz="2200" dirty="0">
+                <a:ln w="0"/>
+                <a:solidFill>
+                  <a:schemeClr val="bg1">
+                    <a:lumMod val="50000"/>
+                  </a:schemeClr>
+                </a:solidFill>
+                <a:effectLst>
+                  <a:outerShdw blurRad="38100" dist="19050" dir="2700000" algn="tl" rotWithShape="0">
+                    <a:schemeClr val="dk1">
+                      <a:alpha val="40000"/>
+                    </a:schemeClr>
+                  </a:outerShdw>
+                </a:effectLst>
+                <a:latin typeface="Segoe UI Light" panose="020B0502040204020203" pitchFamily="34" charset="0"/>
+                <a:cs typeface="Segoe UI Light" panose="020B0502040204020203" pitchFamily="34" charset="0"/>
+              </a:rPr>
+              <a:t>, </a:t>
+            </a:r>
+            <a:r>
+              <a:rPr lang="en-US" sz="2200" dirty="0" err="1">
+                <a:ln w="0"/>
+                <a:solidFill>
+                  <a:schemeClr val="bg1">
+                    <a:lumMod val="50000"/>
+                  </a:schemeClr>
+                </a:solidFill>
+                <a:effectLst>
+                  <a:outerShdw blurRad="38100" dist="19050" dir="2700000" algn="tl" rotWithShape="0">
+                    <a:schemeClr val="dk1">
+                      <a:alpha val="40000"/>
+                    </a:schemeClr>
+                  </a:outerShdw>
+                </a:effectLst>
+                <a:latin typeface="Segoe UI Light" panose="020B0502040204020203" pitchFamily="34" charset="0"/>
+                <a:cs typeface="Segoe UI Light" panose="020B0502040204020203" pitchFamily="34" charset="0"/>
+              </a:rPr>
+              <a:t>và</a:t>
+            </a:r>
+            <a:r>
+              <a:rPr lang="en-US" sz="2200" dirty="0">
+                <a:ln w="0"/>
+                <a:solidFill>
+                  <a:schemeClr val="bg1">
+                    <a:lumMod val="50000"/>
+                  </a:schemeClr>
+                </a:solidFill>
+                <a:effectLst>
+                  <a:outerShdw blurRad="38100" dist="19050" dir="2700000" algn="tl" rotWithShape="0">
+                    <a:schemeClr val="dk1">
+                      <a:alpha val="40000"/>
+                    </a:schemeClr>
+                  </a:outerShdw>
+                </a:effectLst>
+                <a:latin typeface="Segoe UI Light" panose="020B0502040204020203" pitchFamily="34" charset="0"/>
+                <a:cs typeface="Segoe UI Light" panose="020B0502040204020203" pitchFamily="34" charset="0"/>
+              </a:rPr>
+              <a:t> </a:t>
+            </a:r>
+            <a:r>
+              <a:rPr lang="en-US" sz="2200" dirty="0" err="1">
+                <a:ln w="0"/>
+                <a:solidFill>
+                  <a:schemeClr val="bg1">
+                    <a:lumMod val="50000"/>
+                  </a:schemeClr>
+                </a:solidFill>
+                <a:effectLst>
+                  <a:outerShdw blurRad="38100" dist="19050" dir="2700000" algn="tl" rotWithShape="0">
+                    <a:schemeClr val="dk1">
+                      <a:alpha val="40000"/>
+                    </a:schemeClr>
+                  </a:outerShdw>
+                </a:effectLst>
+                <a:latin typeface="Segoe UI Light" panose="020B0502040204020203" pitchFamily="34" charset="0"/>
+                <a:cs typeface="Segoe UI Light" panose="020B0502040204020203" pitchFamily="34" charset="0"/>
+              </a:rPr>
+              <a:t>kỉ</a:t>
+            </a:r>
+            <a:r>
+              <a:rPr lang="en-US" sz="2200" dirty="0">
+                <a:ln w="0"/>
+                <a:solidFill>
+                  <a:schemeClr val="bg1">
+                    <a:lumMod val="50000"/>
+                  </a:schemeClr>
+                </a:solidFill>
+                <a:effectLst>
+                  <a:outerShdw blurRad="38100" dist="19050" dir="2700000" algn="tl" rotWithShape="0">
+                    <a:schemeClr val="dk1">
+                      <a:alpha val="40000"/>
+                    </a:schemeClr>
+                  </a:outerShdw>
+                </a:effectLst>
+                <a:latin typeface="Segoe UI Light" panose="020B0502040204020203" pitchFamily="34" charset="0"/>
+                <a:cs typeface="Segoe UI Light" panose="020B0502040204020203" pitchFamily="34" charset="0"/>
+              </a:rPr>
+              <a:t> </a:t>
+            </a:r>
+            <a:r>
+              <a:rPr lang="en-US" sz="2200" dirty="0" err="1">
+                <a:ln w="0"/>
+                <a:solidFill>
+                  <a:schemeClr val="bg1">
+                    <a:lumMod val="50000"/>
+                  </a:schemeClr>
+                </a:solidFill>
+                <a:effectLst>
+                  <a:outerShdw blurRad="38100" dist="19050" dir="2700000" algn="tl" rotWithShape="0">
+                    <a:schemeClr val="dk1">
+                      <a:alpha val="40000"/>
+                    </a:schemeClr>
+                  </a:outerShdw>
+                </a:effectLst>
+                <a:latin typeface="Segoe UI Light" panose="020B0502040204020203" pitchFamily="34" charset="0"/>
+                <a:cs typeface="Segoe UI Light" panose="020B0502040204020203" pitchFamily="34" charset="0"/>
+              </a:rPr>
+              <a:t>luật</a:t>
+            </a:r>
+            <a:r>
+              <a:rPr lang="en-US" sz="2200" dirty="0">
+                <a:ln w="0"/>
+                <a:solidFill>
+                  <a:schemeClr val="bg1">
+                    <a:lumMod val="50000"/>
+                  </a:schemeClr>
+                </a:solidFill>
+                <a:effectLst>
+                  <a:outerShdw blurRad="38100" dist="19050" dir="2700000" algn="tl" rotWithShape="0">
+                    <a:schemeClr val="dk1">
+                      <a:alpha val="40000"/>
+                    </a:schemeClr>
+                  </a:outerShdw>
+                </a:effectLst>
+                <a:latin typeface="Segoe UI Light" panose="020B0502040204020203" pitchFamily="34" charset="0"/>
+                <a:cs typeface="Segoe UI Light" panose="020B0502040204020203" pitchFamily="34" charset="0"/>
+              </a:rPr>
+              <a:t> </a:t>
+            </a:r>
+            <a:r>
+              <a:rPr lang="en-US" sz="2200" dirty="0" err="1">
+                <a:ln w="0"/>
+                <a:solidFill>
+                  <a:schemeClr val="bg1">
+                    <a:lumMod val="50000"/>
+                  </a:schemeClr>
+                </a:solidFill>
+                <a:effectLst>
+                  <a:outerShdw blurRad="38100" dist="19050" dir="2700000" algn="tl" rotWithShape="0">
+                    <a:schemeClr val="dk1">
+                      <a:alpha val="40000"/>
+                    </a:schemeClr>
+                  </a:outerShdw>
+                </a:effectLst>
+                <a:latin typeface="Segoe UI Light" panose="020B0502040204020203" pitchFamily="34" charset="0"/>
+                <a:cs typeface="Segoe UI Light" panose="020B0502040204020203" pitchFamily="34" charset="0"/>
+              </a:rPr>
+              <a:t>đối</a:t>
+            </a:r>
+            <a:r>
+              <a:rPr lang="en-US" sz="2200" dirty="0">
+                <a:ln w="0"/>
+                <a:solidFill>
+                  <a:schemeClr val="bg1">
+                    <a:lumMod val="50000"/>
+                  </a:schemeClr>
+                </a:solidFill>
+                <a:effectLst>
+                  <a:outerShdw blurRad="38100" dist="19050" dir="2700000" algn="tl" rotWithShape="0">
+                    <a:schemeClr val="dk1">
+                      <a:alpha val="40000"/>
+                    </a:schemeClr>
+                  </a:outerShdw>
+                </a:effectLst>
+                <a:latin typeface="Segoe UI Light" panose="020B0502040204020203" pitchFamily="34" charset="0"/>
+                <a:cs typeface="Segoe UI Light" panose="020B0502040204020203" pitchFamily="34" charset="0"/>
+              </a:rPr>
+              <a:t> </a:t>
+            </a:r>
+            <a:r>
+              <a:rPr lang="en-US" sz="2200" dirty="0" err="1">
+                <a:ln w="0"/>
+                <a:solidFill>
+                  <a:schemeClr val="bg1">
+                    <a:lumMod val="50000"/>
+                  </a:schemeClr>
+                </a:solidFill>
+                <a:effectLst>
+                  <a:outerShdw blurRad="38100" dist="19050" dir="2700000" algn="tl" rotWithShape="0">
+                    <a:schemeClr val="dk1">
+                      <a:alpha val="40000"/>
+                    </a:schemeClr>
+                  </a:outerShdw>
+                </a:effectLst>
+                <a:latin typeface="Segoe UI Light" panose="020B0502040204020203" pitchFamily="34" charset="0"/>
+                <a:cs typeface="Segoe UI Light" panose="020B0502040204020203" pitchFamily="34" charset="0"/>
+              </a:rPr>
+              <a:t>với</a:t>
+            </a:r>
+            <a:r>
+              <a:rPr lang="en-US" sz="2200" dirty="0">
+                <a:ln w="0"/>
+                <a:solidFill>
+                  <a:schemeClr val="bg1">
+                    <a:lumMod val="50000"/>
+                  </a:schemeClr>
+                </a:solidFill>
+                <a:effectLst>
+                  <a:outerShdw blurRad="38100" dist="19050" dir="2700000" algn="tl" rotWithShape="0">
+                    <a:schemeClr val="dk1">
+                      <a:alpha val="40000"/>
+                    </a:schemeClr>
+                  </a:outerShdw>
+                </a:effectLst>
+                <a:latin typeface="Segoe UI Light" panose="020B0502040204020203" pitchFamily="34" charset="0"/>
+                <a:cs typeface="Segoe UI Light" panose="020B0502040204020203" pitchFamily="34" charset="0"/>
+              </a:rPr>
+              <a:t> </a:t>
+            </a:r>
+            <a:r>
+              <a:rPr lang="en-US" sz="2200" dirty="0" err="1">
+                <a:ln w="0"/>
+                <a:solidFill>
+                  <a:schemeClr val="bg1">
+                    <a:lumMod val="50000"/>
+                  </a:schemeClr>
+                </a:solidFill>
+                <a:effectLst>
+                  <a:outerShdw blurRad="38100" dist="19050" dir="2700000" algn="tl" rotWithShape="0">
+                    <a:schemeClr val="dk1">
+                      <a:alpha val="40000"/>
+                    </a:schemeClr>
+                  </a:outerShdw>
+                </a:effectLst>
+                <a:latin typeface="Segoe UI Light" panose="020B0502040204020203" pitchFamily="34" charset="0"/>
+                <a:cs typeface="Segoe UI Light" panose="020B0502040204020203" pitchFamily="34" charset="0"/>
+              </a:rPr>
+              <a:t>việc</a:t>
+            </a:r>
+            <a:r>
+              <a:rPr lang="en-US" sz="2200" dirty="0">
+                <a:ln w="0"/>
+                <a:solidFill>
+                  <a:schemeClr val="bg1">
+                    <a:lumMod val="50000"/>
+                  </a:schemeClr>
+                </a:solidFill>
+                <a:effectLst>
+                  <a:outerShdw blurRad="38100" dist="19050" dir="2700000" algn="tl" rotWithShape="0">
+                    <a:schemeClr val="dk1">
+                      <a:alpha val="40000"/>
+                    </a:schemeClr>
+                  </a:outerShdw>
+                </a:effectLst>
+                <a:latin typeface="Segoe UI Light" panose="020B0502040204020203" pitchFamily="34" charset="0"/>
+                <a:cs typeface="Segoe UI Light" panose="020B0502040204020203" pitchFamily="34" charset="0"/>
+              </a:rPr>
+              <a:t> </a:t>
+            </a:r>
+            <a:r>
+              <a:rPr lang="en-US" sz="2200" dirty="0" err="1">
+                <a:ln w="0"/>
+                <a:solidFill>
+                  <a:schemeClr val="bg1">
+                    <a:lumMod val="50000"/>
+                  </a:schemeClr>
+                </a:solidFill>
+                <a:effectLst>
+                  <a:outerShdw blurRad="38100" dist="19050" dir="2700000" algn="tl" rotWithShape="0">
+                    <a:schemeClr val="dk1">
+                      <a:alpha val="40000"/>
+                    </a:schemeClr>
+                  </a:outerShdw>
+                </a:effectLst>
+                <a:latin typeface="Segoe UI Light" panose="020B0502040204020203" pitchFamily="34" charset="0"/>
+                <a:cs typeface="Segoe UI Light" panose="020B0502040204020203" pitchFamily="34" charset="0"/>
+              </a:rPr>
+              <a:t>quản</a:t>
+            </a:r>
+            <a:r>
+              <a:rPr lang="en-US" sz="2200" dirty="0">
+                <a:ln w="0"/>
+                <a:solidFill>
+                  <a:schemeClr val="bg1">
+                    <a:lumMod val="50000"/>
+                  </a:schemeClr>
+                </a:solidFill>
+                <a:effectLst>
+                  <a:outerShdw blurRad="38100" dist="19050" dir="2700000" algn="tl" rotWithShape="0">
+                    <a:schemeClr val="dk1">
+                      <a:alpha val="40000"/>
+                    </a:schemeClr>
+                  </a:outerShdw>
+                </a:effectLst>
+                <a:latin typeface="Segoe UI Light" panose="020B0502040204020203" pitchFamily="34" charset="0"/>
+                <a:cs typeface="Segoe UI Light" panose="020B0502040204020203" pitchFamily="34" charset="0"/>
+              </a:rPr>
+              <a:t> </a:t>
+            </a:r>
+            <a:r>
+              <a:rPr lang="en-US" sz="2200" dirty="0" err="1">
+                <a:ln w="0"/>
+                <a:solidFill>
+                  <a:schemeClr val="bg1">
+                    <a:lumMod val="50000"/>
+                  </a:schemeClr>
+                </a:solidFill>
+                <a:effectLst>
+                  <a:outerShdw blurRad="38100" dist="19050" dir="2700000" algn="tl" rotWithShape="0">
+                    <a:schemeClr val="dk1">
+                      <a:alpha val="40000"/>
+                    </a:schemeClr>
+                  </a:outerShdw>
+                </a:effectLst>
+                <a:latin typeface="Segoe UI Light" panose="020B0502040204020203" pitchFamily="34" charset="0"/>
+                <a:cs typeface="Segoe UI Light" panose="020B0502040204020203" pitchFamily="34" charset="0"/>
+              </a:rPr>
+              <a:t>lý</a:t>
+            </a:r>
+            <a:r>
+              <a:rPr lang="en-US" sz="2200" dirty="0">
+                <a:ln w="0"/>
+                <a:solidFill>
+                  <a:schemeClr val="bg1">
+                    <a:lumMod val="50000"/>
+                  </a:schemeClr>
+                </a:solidFill>
+                <a:effectLst>
+                  <a:outerShdw blurRad="38100" dist="19050" dir="2700000" algn="tl" rotWithShape="0">
+                    <a:schemeClr val="dk1">
+                      <a:alpha val="40000"/>
+                    </a:schemeClr>
+                  </a:outerShdw>
+                </a:effectLst>
+                <a:latin typeface="Segoe UI Light" panose="020B0502040204020203" pitchFamily="34" charset="0"/>
+                <a:cs typeface="Segoe UI Light" panose="020B0502040204020203" pitchFamily="34" charset="0"/>
+              </a:rPr>
+              <a:t> con </a:t>
+            </a:r>
+            <a:r>
+              <a:rPr lang="en-US" sz="2200" dirty="0" err="1">
+                <a:ln w="0"/>
+                <a:solidFill>
+                  <a:schemeClr val="bg1">
+                    <a:lumMod val="50000"/>
+                  </a:schemeClr>
+                </a:solidFill>
+                <a:effectLst>
+                  <a:outerShdw blurRad="38100" dist="19050" dir="2700000" algn="tl" rotWithShape="0">
+                    <a:schemeClr val="dk1">
+                      <a:alpha val="40000"/>
+                    </a:schemeClr>
+                  </a:outerShdw>
+                </a:effectLst>
+                <a:latin typeface="Segoe UI Light" panose="020B0502040204020203" pitchFamily="34" charset="0"/>
+                <a:cs typeface="Segoe UI Light" panose="020B0502040204020203" pitchFamily="34" charset="0"/>
+              </a:rPr>
+              <a:t>người</a:t>
+            </a:r>
+            <a:r>
+              <a:rPr lang="en-US" sz="2200" dirty="0">
+                <a:ln w="0"/>
+                <a:solidFill>
+                  <a:schemeClr val="bg1">
+                    <a:lumMod val="50000"/>
+                  </a:schemeClr>
+                </a:solidFill>
+                <a:effectLst>
+                  <a:outerShdw blurRad="38100" dist="19050" dir="2700000" algn="tl" rotWithShape="0">
+                    <a:schemeClr val="dk1">
+                      <a:alpha val="40000"/>
+                    </a:schemeClr>
+                  </a:outerShdw>
+                </a:effectLst>
+                <a:latin typeface="Segoe UI Light" panose="020B0502040204020203" pitchFamily="34" charset="0"/>
+                <a:cs typeface="Segoe UI Light" panose="020B0502040204020203" pitchFamily="34" charset="0"/>
+              </a:rPr>
+              <a:t>, </a:t>
+            </a:r>
+            <a:r>
+              <a:rPr lang="en-US" sz="2200" dirty="0" err="1">
+                <a:ln w="0"/>
+                <a:solidFill>
+                  <a:schemeClr val="bg1">
+                    <a:lumMod val="50000"/>
+                  </a:schemeClr>
+                </a:solidFill>
+                <a:effectLst>
+                  <a:outerShdw blurRad="38100" dist="19050" dir="2700000" algn="tl" rotWithShape="0">
+                    <a:schemeClr val="dk1">
+                      <a:alpha val="40000"/>
+                    </a:schemeClr>
+                  </a:outerShdw>
+                </a:effectLst>
+                <a:latin typeface="Segoe UI Light" panose="020B0502040204020203" pitchFamily="34" charset="0"/>
+                <a:cs typeface="Segoe UI Light" panose="020B0502040204020203" pitchFamily="34" charset="0"/>
+              </a:rPr>
+              <a:t>yếu</a:t>
+            </a:r>
+            <a:r>
+              <a:rPr lang="en-US" sz="2200" dirty="0">
+                <a:ln w="0"/>
+                <a:solidFill>
+                  <a:schemeClr val="bg1">
+                    <a:lumMod val="50000"/>
+                  </a:schemeClr>
+                </a:solidFill>
+                <a:effectLst>
+                  <a:outerShdw blurRad="38100" dist="19050" dir="2700000" algn="tl" rotWithShape="0">
+                    <a:schemeClr val="dk1">
+                      <a:alpha val="40000"/>
+                    </a:schemeClr>
+                  </a:outerShdw>
+                </a:effectLst>
+                <a:latin typeface="Segoe UI Light" panose="020B0502040204020203" pitchFamily="34" charset="0"/>
+                <a:cs typeface="Segoe UI Light" panose="020B0502040204020203" pitchFamily="34" charset="0"/>
+              </a:rPr>
+              <a:t> </a:t>
+            </a:r>
+            <a:r>
+              <a:rPr lang="en-US" sz="2200" dirty="0" err="1">
+                <a:ln w="0"/>
+                <a:solidFill>
+                  <a:schemeClr val="bg1">
+                    <a:lumMod val="50000"/>
+                  </a:schemeClr>
+                </a:solidFill>
+                <a:effectLst>
+                  <a:outerShdw blurRad="38100" dist="19050" dir="2700000" algn="tl" rotWithShape="0">
+                    <a:schemeClr val="dk1">
+                      <a:alpha val="40000"/>
+                    </a:schemeClr>
+                  </a:outerShdw>
+                </a:effectLst>
+                <a:latin typeface="Segoe UI Light" panose="020B0502040204020203" pitchFamily="34" charset="0"/>
+                <a:cs typeface="Segoe UI Light" panose="020B0502040204020203" pitchFamily="34" charset="0"/>
+              </a:rPr>
+              <a:t>tố</a:t>
+            </a:r>
+            <a:r>
+              <a:rPr lang="en-US" sz="2200" dirty="0">
+                <a:ln w="0"/>
+                <a:solidFill>
+                  <a:schemeClr val="bg1">
+                    <a:lumMod val="50000"/>
+                  </a:schemeClr>
+                </a:solidFill>
+                <a:effectLst>
+                  <a:outerShdw blurRad="38100" dist="19050" dir="2700000" algn="tl" rotWithShape="0">
+                    <a:schemeClr val="dk1">
+                      <a:alpha val="40000"/>
+                    </a:schemeClr>
+                  </a:outerShdw>
+                </a:effectLst>
+                <a:latin typeface="Segoe UI Light" panose="020B0502040204020203" pitchFamily="34" charset="0"/>
+                <a:cs typeface="Segoe UI Light" panose="020B0502040204020203" pitchFamily="34" charset="0"/>
+              </a:rPr>
+              <a:t> </a:t>
+            </a:r>
+            <a:r>
+              <a:rPr lang="en-US" sz="2200" dirty="0" err="1">
+                <a:ln w="0"/>
+                <a:solidFill>
+                  <a:schemeClr val="bg1">
+                    <a:lumMod val="50000"/>
+                  </a:schemeClr>
+                </a:solidFill>
+                <a:effectLst>
+                  <a:outerShdw blurRad="38100" dist="19050" dir="2700000" algn="tl" rotWithShape="0">
+                    <a:schemeClr val="dk1">
+                      <a:alpha val="40000"/>
+                    </a:schemeClr>
+                  </a:outerShdw>
+                </a:effectLst>
+                <a:latin typeface="Segoe UI Light" panose="020B0502040204020203" pitchFamily="34" charset="0"/>
+                <a:cs typeface="Segoe UI Light" panose="020B0502040204020203" pitchFamily="34" charset="0"/>
+              </a:rPr>
+              <a:t>quy</a:t>
+            </a:r>
+            <a:r>
+              <a:rPr lang="en-US" sz="2200" dirty="0">
+                <a:ln w="0"/>
+                <a:solidFill>
+                  <a:schemeClr val="bg1">
+                    <a:lumMod val="50000"/>
+                  </a:schemeClr>
+                </a:solidFill>
+                <a:effectLst>
+                  <a:outerShdw blurRad="38100" dist="19050" dir="2700000" algn="tl" rotWithShape="0">
+                    <a:schemeClr val="dk1">
+                      <a:alpha val="40000"/>
+                    </a:schemeClr>
+                  </a:outerShdw>
+                </a:effectLst>
+                <a:latin typeface="Segoe UI Light" panose="020B0502040204020203" pitchFamily="34" charset="0"/>
+                <a:cs typeface="Segoe UI Light" panose="020B0502040204020203" pitchFamily="34" charset="0"/>
+              </a:rPr>
+              <a:t> </a:t>
+            </a:r>
+            <a:r>
+              <a:rPr lang="en-US" sz="2200" dirty="0" err="1">
+                <a:ln w="0"/>
+                <a:solidFill>
+                  <a:schemeClr val="bg1">
+                    <a:lumMod val="50000"/>
+                  </a:schemeClr>
+                </a:solidFill>
+                <a:effectLst>
+                  <a:outerShdw blurRad="38100" dist="19050" dir="2700000" algn="tl" rotWithShape="0">
+                    <a:schemeClr val="dk1">
+                      <a:alpha val="40000"/>
+                    </a:schemeClr>
+                  </a:outerShdw>
+                </a:effectLst>
+                <a:latin typeface="Segoe UI Light" panose="020B0502040204020203" pitchFamily="34" charset="0"/>
+                <a:cs typeface="Segoe UI Light" panose="020B0502040204020203" pitchFamily="34" charset="0"/>
+              </a:rPr>
+              <a:t>trình</a:t>
+            </a:r>
+            <a:r>
+              <a:rPr lang="en-US" sz="2200" dirty="0">
+                <a:ln w="0"/>
+                <a:solidFill>
+                  <a:schemeClr val="bg1">
+                    <a:lumMod val="50000"/>
+                  </a:schemeClr>
+                </a:solidFill>
+                <a:effectLst>
+                  <a:outerShdw blurRad="38100" dist="19050" dir="2700000" algn="tl" rotWithShape="0">
+                    <a:schemeClr val="dk1">
+                      <a:alpha val="40000"/>
+                    </a:schemeClr>
+                  </a:outerShdw>
+                </a:effectLst>
+                <a:latin typeface="Segoe UI Light" panose="020B0502040204020203" pitchFamily="34" charset="0"/>
+                <a:cs typeface="Segoe UI Light" panose="020B0502040204020203" pitchFamily="34" charset="0"/>
+              </a:rPr>
+              <a:t> </a:t>
+            </a:r>
+            <a:r>
+              <a:rPr lang="en-US" sz="2200" dirty="0" err="1">
+                <a:ln w="0"/>
+                <a:solidFill>
+                  <a:schemeClr val="bg1">
+                    <a:lumMod val="50000"/>
+                  </a:schemeClr>
+                </a:solidFill>
+                <a:effectLst>
+                  <a:outerShdw blurRad="38100" dist="19050" dir="2700000" algn="tl" rotWithShape="0">
+                    <a:schemeClr val="dk1">
+                      <a:alpha val="40000"/>
+                    </a:schemeClr>
+                  </a:outerShdw>
+                </a:effectLst>
+                <a:latin typeface="Segoe UI Light" panose="020B0502040204020203" pitchFamily="34" charset="0"/>
+                <a:cs typeface="Segoe UI Light" panose="020B0502040204020203" pitchFamily="34" charset="0"/>
+              </a:rPr>
+              <a:t>và</a:t>
+            </a:r>
+            <a:r>
+              <a:rPr lang="en-US" sz="2200" dirty="0">
+                <a:ln w="0"/>
+                <a:solidFill>
+                  <a:schemeClr val="bg1">
+                    <a:lumMod val="50000"/>
+                  </a:schemeClr>
+                </a:solidFill>
+                <a:effectLst>
+                  <a:outerShdw blurRad="38100" dist="19050" dir="2700000" algn="tl" rotWithShape="0">
+                    <a:schemeClr val="dk1">
+                      <a:alpha val="40000"/>
+                    </a:schemeClr>
+                  </a:outerShdw>
+                </a:effectLst>
+                <a:latin typeface="Segoe UI Light" panose="020B0502040204020203" pitchFamily="34" charset="0"/>
+                <a:cs typeface="Segoe UI Light" panose="020B0502040204020203" pitchFamily="34" charset="0"/>
+              </a:rPr>
+              <a:t> </a:t>
+            </a:r>
+            <a:r>
+              <a:rPr lang="en-US" sz="2200" dirty="0" err="1">
+                <a:ln w="0"/>
+                <a:solidFill>
+                  <a:schemeClr val="bg1">
+                    <a:lumMod val="50000"/>
+                  </a:schemeClr>
+                </a:solidFill>
+                <a:effectLst>
+                  <a:outerShdw blurRad="38100" dist="19050" dir="2700000" algn="tl" rotWithShape="0">
+                    <a:schemeClr val="dk1">
+                      <a:alpha val="40000"/>
+                    </a:schemeClr>
+                  </a:outerShdw>
+                </a:effectLst>
+                <a:latin typeface="Segoe UI Light" panose="020B0502040204020203" pitchFamily="34" charset="0"/>
+                <a:cs typeface="Segoe UI Light" panose="020B0502040204020203" pitchFamily="34" charset="0"/>
+              </a:rPr>
+              <a:t>công</a:t>
+            </a:r>
+            <a:r>
+              <a:rPr lang="en-US" sz="2200" dirty="0">
+                <a:ln w="0"/>
+                <a:solidFill>
+                  <a:schemeClr val="bg1">
+                    <a:lumMod val="50000"/>
+                  </a:schemeClr>
+                </a:solidFill>
+                <a:effectLst>
+                  <a:outerShdw blurRad="38100" dist="19050" dir="2700000" algn="tl" rotWithShape="0">
+                    <a:schemeClr val="dk1">
+                      <a:alpha val="40000"/>
+                    </a:schemeClr>
+                  </a:outerShdw>
+                </a:effectLst>
+                <a:latin typeface="Segoe UI Light" panose="020B0502040204020203" pitchFamily="34" charset="0"/>
+                <a:cs typeface="Segoe UI Light" panose="020B0502040204020203" pitchFamily="34" charset="0"/>
+              </a:rPr>
+              <a:t> </a:t>
+            </a:r>
+            <a:r>
+              <a:rPr lang="en-US" sz="2200" dirty="0" err="1">
+                <a:ln w="0"/>
+                <a:solidFill>
+                  <a:schemeClr val="bg1">
+                    <a:lumMod val="50000"/>
+                  </a:schemeClr>
+                </a:solidFill>
+                <a:effectLst>
+                  <a:outerShdw blurRad="38100" dist="19050" dir="2700000" algn="tl" rotWithShape="0">
+                    <a:schemeClr val="dk1">
+                      <a:alpha val="40000"/>
+                    </a:schemeClr>
+                  </a:outerShdw>
+                </a:effectLst>
+                <a:latin typeface="Segoe UI Light" panose="020B0502040204020203" pitchFamily="34" charset="0"/>
+                <a:cs typeface="Segoe UI Light" panose="020B0502040204020203" pitchFamily="34" charset="0"/>
+              </a:rPr>
+              <a:t>nghệ</a:t>
+            </a:r>
+            <a:r>
+              <a:rPr lang="en-US" sz="2200" dirty="0">
+                <a:ln w="0"/>
+                <a:solidFill>
+                  <a:schemeClr val="bg1">
+                    <a:lumMod val="50000"/>
+                  </a:schemeClr>
+                </a:solidFill>
+                <a:effectLst>
+                  <a:outerShdw blurRad="38100" dist="19050" dir="2700000" algn="tl" rotWithShape="0">
+                    <a:schemeClr val="dk1">
+                      <a:alpha val="40000"/>
+                    </a:schemeClr>
+                  </a:outerShdw>
+                </a:effectLst>
+                <a:latin typeface="Segoe UI Light" panose="020B0502040204020203" pitchFamily="34" charset="0"/>
+                <a:cs typeface="Segoe UI Light" panose="020B0502040204020203" pitchFamily="34" charset="0"/>
+              </a:rPr>
+              <a:t> </a:t>
+            </a:r>
+            <a:r>
+              <a:rPr lang="en-US" sz="2200" dirty="0" err="1">
+                <a:ln w="0"/>
+                <a:solidFill>
+                  <a:schemeClr val="bg1">
+                    <a:lumMod val="50000"/>
+                  </a:schemeClr>
+                </a:solidFill>
+                <a:effectLst>
+                  <a:outerShdw blurRad="38100" dist="19050" dir="2700000" algn="tl" rotWithShape="0">
+                    <a:schemeClr val="dk1">
+                      <a:alpha val="40000"/>
+                    </a:schemeClr>
+                  </a:outerShdw>
+                </a:effectLst>
+                <a:latin typeface="Segoe UI Light" panose="020B0502040204020203" pitchFamily="34" charset="0"/>
+                <a:cs typeface="Segoe UI Light" panose="020B0502040204020203" pitchFamily="34" charset="0"/>
+              </a:rPr>
+              <a:t>mà</a:t>
+            </a:r>
+            <a:r>
+              <a:rPr lang="en-US" sz="2200" dirty="0">
+                <a:ln w="0"/>
+                <a:solidFill>
+                  <a:schemeClr val="bg1">
+                    <a:lumMod val="50000"/>
+                  </a:schemeClr>
+                </a:solidFill>
+                <a:effectLst>
+                  <a:outerShdw blurRad="38100" dist="19050" dir="2700000" algn="tl" rotWithShape="0">
+                    <a:schemeClr val="dk1">
+                      <a:alpha val="40000"/>
+                    </a:schemeClr>
+                  </a:outerShdw>
+                </a:effectLst>
+                <a:latin typeface="Segoe UI Light" panose="020B0502040204020203" pitchFamily="34" charset="0"/>
+                <a:cs typeface="Segoe UI Light" panose="020B0502040204020203" pitchFamily="34" charset="0"/>
+              </a:rPr>
+              <a:t> </a:t>
+            </a:r>
+            <a:r>
+              <a:rPr lang="en-US" sz="2200" dirty="0" err="1">
+                <a:ln w="0"/>
+                <a:solidFill>
+                  <a:schemeClr val="bg1">
+                    <a:lumMod val="50000"/>
+                  </a:schemeClr>
+                </a:solidFill>
+                <a:effectLst>
+                  <a:outerShdw blurRad="38100" dist="19050" dir="2700000" algn="tl" rotWithShape="0">
+                    <a:schemeClr val="dk1">
+                      <a:alpha val="40000"/>
+                    </a:schemeClr>
+                  </a:outerShdw>
+                </a:effectLst>
+                <a:latin typeface="Segoe UI Light" panose="020B0502040204020203" pitchFamily="34" charset="0"/>
+                <a:cs typeface="Segoe UI Light" panose="020B0502040204020203" pitchFamily="34" charset="0"/>
+              </a:rPr>
+              <a:t>hầu</a:t>
+            </a:r>
+            <a:r>
+              <a:rPr lang="en-US" sz="2200" dirty="0">
+                <a:ln w="0"/>
+                <a:solidFill>
+                  <a:schemeClr val="bg1">
+                    <a:lumMod val="50000"/>
+                  </a:schemeClr>
+                </a:solidFill>
+                <a:effectLst>
+                  <a:outerShdw blurRad="38100" dist="19050" dir="2700000" algn="tl" rotWithShape="0">
+                    <a:schemeClr val="dk1">
+                      <a:alpha val="40000"/>
+                    </a:schemeClr>
+                  </a:outerShdw>
+                </a:effectLst>
+                <a:latin typeface="Segoe UI Light" panose="020B0502040204020203" pitchFamily="34" charset="0"/>
+                <a:cs typeface="Segoe UI Light" panose="020B0502040204020203" pitchFamily="34" charset="0"/>
+              </a:rPr>
+              <a:t> </a:t>
+            </a:r>
+            <a:r>
+              <a:rPr lang="en-US" sz="2200" dirty="0" err="1">
+                <a:ln w="0"/>
+                <a:solidFill>
+                  <a:schemeClr val="bg1">
+                    <a:lumMod val="50000"/>
+                  </a:schemeClr>
+                </a:solidFill>
+                <a:effectLst>
+                  <a:outerShdw blurRad="38100" dist="19050" dir="2700000" algn="tl" rotWithShape="0">
+                    <a:schemeClr val="dk1">
+                      <a:alpha val="40000"/>
+                    </a:schemeClr>
+                  </a:outerShdw>
+                </a:effectLst>
+                <a:latin typeface="Segoe UI Light" panose="020B0502040204020203" pitchFamily="34" charset="0"/>
+                <a:cs typeface="Segoe UI Light" panose="020B0502040204020203" pitchFamily="34" charset="0"/>
+              </a:rPr>
+              <a:t>hết</a:t>
+            </a:r>
+            <a:r>
+              <a:rPr lang="en-US" sz="2200" dirty="0">
+                <a:ln w="0"/>
+                <a:solidFill>
+                  <a:schemeClr val="bg1">
+                    <a:lumMod val="50000"/>
+                  </a:schemeClr>
+                </a:solidFill>
+                <a:effectLst>
+                  <a:outerShdw blurRad="38100" dist="19050" dir="2700000" algn="tl" rotWithShape="0">
+                    <a:schemeClr val="dk1">
+                      <a:alpha val="40000"/>
+                    </a:schemeClr>
+                  </a:outerShdw>
+                </a:effectLst>
+                <a:latin typeface="Segoe UI Light" panose="020B0502040204020203" pitchFamily="34" charset="0"/>
+                <a:cs typeface="Segoe UI Light" panose="020B0502040204020203" pitchFamily="34" charset="0"/>
+              </a:rPr>
+              <a:t> </a:t>
+            </a:r>
+            <a:r>
+              <a:rPr lang="en-US" sz="2200" dirty="0" err="1">
+                <a:ln w="0"/>
+                <a:solidFill>
+                  <a:schemeClr val="bg1">
+                    <a:lumMod val="50000"/>
+                  </a:schemeClr>
+                </a:solidFill>
+                <a:effectLst>
+                  <a:outerShdw blurRad="38100" dist="19050" dir="2700000" algn="tl" rotWithShape="0">
+                    <a:schemeClr val="dk1">
+                      <a:alpha val="40000"/>
+                    </a:schemeClr>
+                  </a:outerShdw>
+                </a:effectLst>
+                <a:latin typeface="Segoe UI Light" panose="020B0502040204020203" pitchFamily="34" charset="0"/>
+                <a:cs typeface="Segoe UI Light" panose="020B0502040204020203" pitchFamily="34" charset="0"/>
+              </a:rPr>
+              <a:t>các</a:t>
+            </a:r>
+            <a:r>
+              <a:rPr lang="en-US" sz="2200" dirty="0">
+                <a:ln w="0"/>
+                <a:solidFill>
+                  <a:schemeClr val="bg1">
+                    <a:lumMod val="50000"/>
+                  </a:schemeClr>
+                </a:solidFill>
+                <a:effectLst>
+                  <a:outerShdw blurRad="38100" dist="19050" dir="2700000" algn="tl" rotWithShape="0">
+                    <a:schemeClr val="dk1">
+                      <a:alpha val="40000"/>
+                    </a:schemeClr>
+                  </a:outerShdw>
+                </a:effectLst>
+                <a:latin typeface="Segoe UI Light" panose="020B0502040204020203" pitchFamily="34" charset="0"/>
+                <a:cs typeface="Segoe UI Light" panose="020B0502040204020203" pitchFamily="34" charset="0"/>
+              </a:rPr>
+              <a:t> </a:t>
+            </a:r>
+            <a:r>
+              <a:rPr lang="en-US" sz="2200" dirty="0" err="1">
+                <a:ln w="0"/>
+                <a:solidFill>
+                  <a:schemeClr val="bg1">
+                    <a:lumMod val="50000"/>
+                  </a:schemeClr>
+                </a:solidFill>
+                <a:effectLst>
+                  <a:outerShdw blurRad="38100" dist="19050" dir="2700000" algn="tl" rotWithShape="0">
+                    <a:schemeClr val="dk1">
+                      <a:alpha val="40000"/>
+                    </a:schemeClr>
+                  </a:outerShdw>
+                </a:effectLst>
+                <a:latin typeface="Segoe UI Light" panose="020B0502040204020203" pitchFamily="34" charset="0"/>
+                <a:cs typeface="Segoe UI Light" panose="020B0502040204020203" pitchFamily="34" charset="0"/>
+              </a:rPr>
+              <a:t>dự</a:t>
+            </a:r>
+            <a:r>
+              <a:rPr lang="en-US" sz="2200" dirty="0">
+                <a:ln w="0"/>
+                <a:solidFill>
+                  <a:schemeClr val="bg1">
+                    <a:lumMod val="50000"/>
+                  </a:schemeClr>
+                </a:solidFill>
+                <a:effectLst>
+                  <a:outerShdw blurRad="38100" dist="19050" dir="2700000" algn="tl" rotWithShape="0">
+                    <a:schemeClr val="dk1">
+                      <a:alpha val="40000"/>
+                    </a:schemeClr>
+                  </a:outerShdw>
+                </a:effectLst>
+                <a:latin typeface="Segoe UI Light" panose="020B0502040204020203" pitchFamily="34" charset="0"/>
+                <a:cs typeface="Segoe UI Light" panose="020B0502040204020203" pitchFamily="34" charset="0"/>
+              </a:rPr>
+              <a:t> </a:t>
+            </a:r>
+            <a:r>
+              <a:rPr lang="en-US" sz="2200" dirty="0" err="1">
+                <a:ln w="0"/>
+                <a:solidFill>
+                  <a:schemeClr val="bg1">
+                    <a:lumMod val="50000"/>
+                  </a:schemeClr>
+                </a:solidFill>
+                <a:effectLst>
+                  <a:outerShdw blurRad="38100" dist="19050" dir="2700000" algn="tl" rotWithShape="0">
+                    <a:schemeClr val="dk1">
+                      <a:alpha val="40000"/>
+                    </a:schemeClr>
+                  </a:outerShdw>
+                </a:effectLst>
+                <a:latin typeface="Segoe UI Light" panose="020B0502040204020203" pitchFamily="34" charset="0"/>
+                <a:cs typeface="Segoe UI Light" panose="020B0502040204020203" pitchFamily="34" charset="0"/>
+              </a:rPr>
+              <a:t>án</a:t>
+            </a:r>
+            <a:r>
+              <a:rPr lang="en-US" sz="2200" dirty="0">
+                <a:ln w="0"/>
+                <a:solidFill>
+                  <a:schemeClr val="bg1">
+                    <a:lumMod val="50000"/>
+                  </a:schemeClr>
+                </a:solidFill>
+                <a:effectLst>
+                  <a:outerShdw blurRad="38100" dist="19050" dir="2700000" algn="tl" rotWithShape="0">
+                    <a:schemeClr val="dk1">
+                      <a:alpha val="40000"/>
+                    </a:schemeClr>
+                  </a:outerShdw>
+                </a:effectLst>
+                <a:latin typeface="Segoe UI Light" panose="020B0502040204020203" pitchFamily="34" charset="0"/>
+                <a:cs typeface="Segoe UI Light" panose="020B0502040204020203" pitchFamily="34" charset="0"/>
+              </a:rPr>
+              <a:t> </a:t>
+            </a:r>
+            <a:r>
+              <a:rPr lang="en-US" sz="2200" dirty="0" err="1">
+                <a:ln w="0"/>
+                <a:solidFill>
+                  <a:schemeClr val="bg1">
+                    <a:lumMod val="50000"/>
+                  </a:schemeClr>
+                </a:solidFill>
+                <a:effectLst>
+                  <a:outerShdw blurRad="38100" dist="19050" dir="2700000" algn="tl" rotWithShape="0">
+                    <a:schemeClr val="dk1">
+                      <a:alpha val="40000"/>
+                    </a:schemeClr>
+                  </a:outerShdw>
+                </a:effectLst>
+                <a:latin typeface="Segoe UI Light" panose="020B0502040204020203" pitchFamily="34" charset="0"/>
+                <a:cs typeface="Segoe UI Light" panose="020B0502040204020203" pitchFamily="34" charset="0"/>
+              </a:rPr>
+              <a:t>gặp</a:t>
+            </a:r>
+            <a:r>
+              <a:rPr lang="en-US" sz="2200" dirty="0">
+                <a:ln w="0"/>
+                <a:solidFill>
+                  <a:schemeClr val="bg1">
+                    <a:lumMod val="50000"/>
+                  </a:schemeClr>
+                </a:solidFill>
+                <a:effectLst>
+                  <a:outerShdw blurRad="38100" dist="19050" dir="2700000" algn="tl" rotWithShape="0">
+                    <a:schemeClr val="dk1">
+                      <a:alpha val="40000"/>
+                    </a:schemeClr>
+                  </a:outerShdw>
+                </a:effectLst>
+                <a:latin typeface="Segoe UI Light" panose="020B0502040204020203" pitchFamily="34" charset="0"/>
+                <a:cs typeface="Segoe UI Light" panose="020B0502040204020203" pitchFamily="34" charset="0"/>
+              </a:rPr>
+              <a:t> </a:t>
+            </a:r>
+            <a:r>
+              <a:rPr lang="en-US" sz="2200" dirty="0" err="1">
+                <a:ln w="0"/>
+                <a:solidFill>
+                  <a:schemeClr val="bg1">
+                    <a:lumMod val="50000"/>
+                  </a:schemeClr>
+                </a:solidFill>
+                <a:effectLst>
+                  <a:outerShdw blurRad="38100" dist="19050" dir="2700000" algn="tl" rotWithShape="0">
+                    <a:schemeClr val="dk1">
+                      <a:alpha val="40000"/>
+                    </a:schemeClr>
+                  </a:outerShdw>
+                </a:effectLst>
+                <a:latin typeface="Segoe UI Light" panose="020B0502040204020203" pitchFamily="34" charset="0"/>
+                <a:cs typeface="Segoe UI Light" panose="020B0502040204020203" pitchFamily="34" charset="0"/>
+              </a:rPr>
+              <a:t>phải</a:t>
+            </a:r>
+            <a:r>
+              <a:rPr lang="vi-VN" sz="2200" dirty="0"/>
+              <a:t> </a:t>
+            </a:r>
+            <a:endParaRPr lang="en-US" sz="2200" dirty="0"/>
+          </a:p>
+          <a:p>
+            <a:r>
+              <a:rPr lang="en-US" sz="2200" dirty="0">
+                <a:ln w="0"/>
+                <a:solidFill>
+                  <a:schemeClr val="bg1">
+                    <a:lumMod val="50000"/>
+                  </a:schemeClr>
+                </a:solidFill>
+                <a:effectLst>
+                  <a:outerShdw blurRad="38100" dist="19050" dir="2700000" algn="tl" rotWithShape="0">
+                    <a:schemeClr val="dk1">
+                      <a:alpha val="40000"/>
+                    </a:schemeClr>
+                  </a:outerShdw>
+                </a:effectLst>
+                <a:latin typeface="Segoe UI Light" panose="020B0502040204020203" pitchFamily="34" charset="0"/>
+                <a:cs typeface="Segoe UI Light" panose="020B0502040204020203" pitchFamily="34" charset="0"/>
+              </a:rPr>
+              <a:t>-</a:t>
+            </a:r>
+            <a:r>
+              <a:rPr lang="en-US" sz="2200" dirty="0" err="1">
+                <a:ln w="0"/>
+                <a:solidFill>
+                  <a:schemeClr val="bg1">
+                    <a:lumMod val="50000"/>
+                  </a:schemeClr>
+                </a:solidFill>
+                <a:effectLst>
+                  <a:outerShdw blurRad="38100" dist="19050" dir="2700000" algn="tl" rotWithShape="0">
+                    <a:schemeClr val="dk1">
+                      <a:alpha val="40000"/>
+                    </a:schemeClr>
+                  </a:outerShdw>
+                </a:effectLst>
+                <a:latin typeface="Segoe UI Light" panose="020B0502040204020203" pitchFamily="34" charset="0"/>
+                <a:cs typeface="Segoe UI Light" panose="020B0502040204020203" pitchFamily="34" charset="0"/>
+              </a:rPr>
+              <a:t>Cốt</a:t>
+            </a:r>
+            <a:r>
+              <a:rPr lang="en-US" sz="2200" dirty="0">
+                <a:ln w="0"/>
+                <a:solidFill>
+                  <a:schemeClr val="bg1">
+                    <a:lumMod val="50000"/>
+                  </a:schemeClr>
+                </a:solidFill>
+                <a:effectLst>
+                  <a:outerShdw blurRad="38100" dist="19050" dir="2700000" algn="tl" rotWithShape="0">
+                    <a:schemeClr val="dk1">
+                      <a:alpha val="40000"/>
+                    </a:schemeClr>
+                  </a:outerShdw>
+                </a:effectLst>
+                <a:latin typeface="Segoe UI Light" panose="020B0502040204020203" pitchFamily="34" charset="0"/>
+                <a:cs typeface="Segoe UI Light" panose="020B0502040204020203" pitchFamily="34" charset="0"/>
+              </a:rPr>
+              <a:t> </a:t>
+            </a:r>
+            <a:r>
+              <a:rPr lang="en-US" sz="2200" dirty="0" err="1">
+                <a:ln w="0"/>
+                <a:solidFill>
+                  <a:schemeClr val="bg1">
+                    <a:lumMod val="50000"/>
+                  </a:schemeClr>
+                </a:solidFill>
+                <a:effectLst>
+                  <a:outerShdw blurRad="38100" dist="19050" dir="2700000" algn="tl" rotWithShape="0">
+                    <a:schemeClr val="dk1">
+                      <a:alpha val="40000"/>
+                    </a:schemeClr>
+                  </a:outerShdw>
+                </a:effectLst>
+                <a:latin typeface="Segoe UI Light" panose="020B0502040204020203" pitchFamily="34" charset="0"/>
+                <a:cs typeface="Segoe UI Light" panose="020B0502040204020203" pitchFamily="34" charset="0"/>
+              </a:rPr>
+              <a:t>lõi</a:t>
+            </a:r>
+            <a:r>
+              <a:rPr lang="en-US" sz="2200" dirty="0">
+                <a:ln w="0"/>
+                <a:solidFill>
+                  <a:schemeClr val="bg1">
+                    <a:lumMod val="50000"/>
+                  </a:schemeClr>
+                </a:solidFill>
+                <a:effectLst>
+                  <a:outerShdw blurRad="38100" dist="19050" dir="2700000" algn="tl" rotWithShape="0">
+                    <a:schemeClr val="dk1">
+                      <a:alpha val="40000"/>
+                    </a:schemeClr>
+                  </a:outerShdw>
+                </a:effectLst>
+                <a:latin typeface="Segoe UI Light" panose="020B0502040204020203" pitchFamily="34" charset="0"/>
+                <a:cs typeface="Segoe UI Light" panose="020B0502040204020203" pitchFamily="34" charset="0"/>
+              </a:rPr>
+              <a:t> </a:t>
+            </a:r>
+            <a:r>
+              <a:rPr lang="en-US" sz="2200" dirty="0" err="1">
+                <a:ln w="0"/>
+                <a:solidFill>
+                  <a:schemeClr val="bg1">
+                    <a:lumMod val="50000"/>
+                  </a:schemeClr>
+                </a:solidFill>
+                <a:effectLst>
+                  <a:outerShdw blurRad="38100" dist="19050" dir="2700000" algn="tl" rotWithShape="0">
+                    <a:schemeClr val="dk1">
+                      <a:alpha val="40000"/>
+                    </a:schemeClr>
+                  </a:outerShdw>
+                </a:effectLst>
+                <a:latin typeface="Segoe UI Light" panose="020B0502040204020203" pitchFamily="34" charset="0"/>
+                <a:cs typeface="Segoe UI Light" panose="020B0502040204020203" pitchFamily="34" charset="0"/>
+              </a:rPr>
+              <a:t>của</a:t>
+            </a:r>
+            <a:r>
+              <a:rPr lang="en-US" sz="2200" dirty="0">
+                <a:ln w="0"/>
+                <a:solidFill>
+                  <a:schemeClr val="bg1">
+                    <a:lumMod val="50000"/>
+                  </a:schemeClr>
+                </a:solidFill>
+                <a:effectLst>
+                  <a:outerShdw blurRad="38100" dist="19050" dir="2700000" algn="tl" rotWithShape="0">
+                    <a:schemeClr val="dk1">
+                      <a:alpha val="40000"/>
+                    </a:schemeClr>
+                  </a:outerShdw>
+                </a:effectLst>
+                <a:latin typeface="Segoe UI Light" panose="020B0502040204020203" pitchFamily="34" charset="0"/>
+                <a:cs typeface="Segoe UI Light" panose="020B0502040204020203" pitchFamily="34" charset="0"/>
+              </a:rPr>
+              <a:t> </a:t>
+            </a:r>
+            <a:r>
+              <a:rPr lang="en-US" sz="2200" dirty="0" err="1">
+                <a:ln w="0"/>
+                <a:solidFill>
+                  <a:schemeClr val="bg1">
+                    <a:lumMod val="50000"/>
+                  </a:schemeClr>
+                </a:solidFill>
+                <a:effectLst>
+                  <a:outerShdw blurRad="38100" dist="19050" dir="2700000" algn="tl" rotWithShape="0">
+                    <a:schemeClr val="dk1">
+                      <a:alpha val="40000"/>
+                    </a:schemeClr>
+                  </a:outerShdw>
+                </a:effectLst>
+                <a:latin typeface="Segoe UI Light" panose="020B0502040204020203" pitchFamily="34" charset="0"/>
+                <a:cs typeface="Segoe UI Light" panose="020B0502040204020203" pitchFamily="34" charset="0"/>
+              </a:rPr>
+              <a:t>quy</a:t>
+            </a:r>
+            <a:r>
+              <a:rPr lang="en-US" sz="2200" dirty="0">
+                <a:ln w="0"/>
+                <a:solidFill>
+                  <a:schemeClr val="bg1">
+                    <a:lumMod val="50000"/>
+                  </a:schemeClr>
+                </a:solidFill>
+                <a:effectLst>
+                  <a:outerShdw blurRad="38100" dist="19050" dir="2700000" algn="tl" rotWithShape="0">
+                    <a:schemeClr val="dk1">
+                      <a:alpha val="40000"/>
+                    </a:schemeClr>
+                  </a:outerShdw>
+                </a:effectLst>
+                <a:latin typeface="Segoe UI Light" panose="020B0502040204020203" pitchFamily="34" charset="0"/>
+                <a:cs typeface="Segoe UI Light" panose="020B0502040204020203" pitchFamily="34" charset="0"/>
+              </a:rPr>
+              <a:t> </a:t>
+            </a:r>
+            <a:r>
+              <a:rPr lang="en-US" sz="2200" dirty="0" err="1">
+                <a:ln w="0"/>
+                <a:solidFill>
+                  <a:schemeClr val="bg1">
+                    <a:lumMod val="50000"/>
+                  </a:schemeClr>
+                </a:solidFill>
+                <a:effectLst>
+                  <a:outerShdw blurRad="38100" dist="19050" dir="2700000" algn="tl" rotWithShape="0">
+                    <a:schemeClr val="dk1">
+                      <a:alpha val="40000"/>
+                    </a:schemeClr>
+                  </a:outerShdw>
+                </a:effectLst>
+                <a:latin typeface="Segoe UI Light" panose="020B0502040204020203" pitchFamily="34" charset="0"/>
+                <a:cs typeface="Segoe UI Light" panose="020B0502040204020203" pitchFamily="34" charset="0"/>
+              </a:rPr>
+              <a:t>trình</a:t>
+            </a:r>
+            <a:r>
+              <a:rPr lang="en-US" sz="2200" dirty="0">
+                <a:ln w="0"/>
+                <a:solidFill>
+                  <a:schemeClr val="bg1">
+                    <a:lumMod val="50000"/>
+                  </a:schemeClr>
+                </a:solidFill>
+                <a:effectLst>
+                  <a:outerShdw blurRad="38100" dist="19050" dir="2700000" algn="tl" rotWithShape="0">
+                    <a:schemeClr val="dk1">
+                      <a:alpha val="40000"/>
+                    </a:schemeClr>
+                  </a:outerShdw>
+                </a:effectLst>
+                <a:latin typeface="Segoe UI Light" panose="020B0502040204020203" pitchFamily="34" charset="0"/>
+                <a:cs typeface="Segoe UI Light" panose="020B0502040204020203" pitchFamily="34" charset="0"/>
+              </a:rPr>
+              <a:t> </a:t>
+            </a:r>
+            <a:r>
+              <a:rPr lang="en-US" sz="2200" dirty="0" err="1">
+                <a:ln w="0"/>
+                <a:solidFill>
+                  <a:schemeClr val="bg1">
+                    <a:lumMod val="50000"/>
+                  </a:schemeClr>
+                </a:solidFill>
+                <a:effectLst>
+                  <a:outerShdw blurRad="38100" dist="19050" dir="2700000" algn="tl" rotWithShape="0">
+                    <a:schemeClr val="dk1">
+                      <a:alpha val="40000"/>
+                    </a:schemeClr>
+                  </a:outerShdw>
+                </a:effectLst>
+                <a:latin typeface="Segoe UI Light" panose="020B0502040204020203" pitchFamily="34" charset="0"/>
+                <a:cs typeface="Segoe UI Light" panose="020B0502040204020203" pitchFamily="34" charset="0"/>
+              </a:rPr>
+              <a:t>là</a:t>
+            </a:r>
+            <a:r>
+              <a:rPr lang="en-US" sz="2200" dirty="0">
+                <a:ln w="0"/>
+                <a:solidFill>
+                  <a:schemeClr val="bg1">
+                    <a:lumMod val="50000"/>
+                  </a:schemeClr>
+                </a:solidFill>
+                <a:effectLst>
+                  <a:outerShdw blurRad="38100" dist="19050" dir="2700000" algn="tl" rotWithShape="0">
+                    <a:schemeClr val="dk1">
+                      <a:alpha val="40000"/>
+                    </a:schemeClr>
+                  </a:outerShdw>
+                </a:effectLst>
+                <a:latin typeface="Segoe UI Light" panose="020B0502040204020203" pitchFamily="34" charset="0"/>
+                <a:cs typeface="Segoe UI Light" panose="020B0502040204020203" pitchFamily="34" charset="0"/>
+              </a:rPr>
+              <a:t> 8 </a:t>
+            </a:r>
+            <a:r>
+              <a:rPr lang="en-US" sz="2200" dirty="0" err="1">
+                <a:ln w="0"/>
+                <a:solidFill>
+                  <a:schemeClr val="bg1">
+                    <a:lumMod val="50000"/>
+                  </a:schemeClr>
+                </a:solidFill>
+                <a:effectLst>
+                  <a:outerShdw blurRad="38100" dist="19050" dir="2700000" algn="tl" rotWithShape="0">
+                    <a:schemeClr val="dk1">
+                      <a:alpha val="40000"/>
+                    </a:schemeClr>
+                  </a:outerShdw>
+                </a:effectLst>
+                <a:latin typeface="Segoe UI Light" panose="020B0502040204020203" pitchFamily="34" charset="0"/>
+                <a:cs typeface="Segoe UI Light" panose="020B0502040204020203" pitchFamily="34" charset="0"/>
+              </a:rPr>
+              <a:t>nguyên</a:t>
+            </a:r>
+            <a:r>
+              <a:rPr lang="en-US" sz="2200" dirty="0">
+                <a:ln w="0"/>
+                <a:solidFill>
+                  <a:schemeClr val="bg1">
+                    <a:lumMod val="50000"/>
+                  </a:schemeClr>
+                </a:solidFill>
+                <a:effectLst>
+                  <a:outerShdw blurRad="38100" dist="19050" dir="2700000" algn="tl" rotWithShape="0">
+                    <a:schemeClr val="dk1">
+                      <a:alpha val="40000"/>
+                    </a:schemeClr>
+                  </a:outerShdw>
+                </a:effectLst>
+                <a:latin typeface="Segoe UI Light" panose="020B0502040204020203" pitchFamily="34" charset="0"/>
+                <a:cs typeface="Segoe UI Light" panose="020B0502040204020203" pitchFamily="34" charset="0"/>
+              </a:rPr>
+              <a:t> </a:t>
+            </a:r>
+            <a:r>
+              <a:rPr lang="en-US" sz="2200" dirty="0" err="1">
+                <a:ln w="0"/>
+                <a:solidFill>
+                  <a:schemeClr val="bg1">
+                    <a:lumMod val="50000"/>
+                  </a:schemeClr>
+                </a:solidFill>
+                <a:effectLst>
+                  <a:outerShdw blurRad="38100" dist="19050" dir="2700000" algn="tl" rotWithShape="0">
+                    <a:schemeClr val="dk1">
+                      <a:alpha val="40000"/>
+                    </a:schemeClr>
+                  </a:outerShdw>
+                </a:effectLst>
+                <a:latin typeface="Segoe UI Light" panose="020B0502040204020203" pitchFamily="34" charset="0"/>
+                <a:cs typeface="Segoe UI Light" panose="020B0502040204020203" pitchFamily="34" charset="0"/>
+              </a:rPr>
+              <a:t>tắc</a:t>
+            </a:r>
+            <a:r>
+              <a:rPr lang="en-US" sz="2200" dirty="0">
+                <a:ln w="0"/>
+                <a:solidFill>
+                  <a:schemeClr val="bg1">
+                    <a:lumMod val="50000"/>
+                  </a:schemeClr>
+                </a:solidFill>
+                <a:effectLst>
+                  <a:outerShdw blurRad="38100" dist="19050" dir="2700000" algn="tl" rotWithShape="0">
+                    <a:schemeClr val="dk1">
+                      <a:alpha val="40000"/>
+                    </a:schemeClr>
+                  </a:outerShdw>
+                </a:effectLst>
+                <a:latin typeface="Segoe UI Light" panose="020B0502040204020203" pitchFamily="34" charset="0"/>
+                <a:cs typeface="Segoe UI Light" panose="020B0502040204020203" pitchFamily="34" charset="0"/>
+              </a:rPr>
+              <a:t> </a:t>
+            </a:r>
+            <a:r>
+              <a:rPr lang="en-US" sz="2200" dirty="0" err="1">
+                <a:ln w="0"/>
+                <a:solidFill>
+                  <a:schemeClr val="bg1">
+                    <a:lumMod val="50000"/>
+                  </a:schemeClr>
+                </a:solidFill>
+                <a:effectLst>
+                  <a:outerShdw blurRad="38100" dist="19050" dir="2700000" algn="tl" rotWithShape="0">
+                    <a:schemeClr val="dk1">
+                      <a:alpha val="40000"/>
+                    </a:schemeClr>
+                  </a:outerShdw>
+                </a:effectLst>
+                <a:latin typeface="Segoe UI Light" panose="020B0502040204020203" pitchFamily="34" charset="0"/>
+                <a:cs typeface="Segoe UI Light" panose="020B0502040204020203" pitchFamily="34" charset="0"/>
+              </a:rPr>
+              <a:t>cơ</a:t>
+            </a:r>
+            <a:r>
+              <a:rPr lang="en-US" sz="2200" dirty="0">
+                <a:ln w="0"/>
+                <a:solidFill>
+                  <a:schemeClr val="bg1">
+                    <a:lumMod val="50000"/>
+                  </a:schemeClr>
+                </a:solidFill>
+                <a:effectLst>
+                  <a:outerShdw blurRad="38100" dist="19050" dir="2700000" algn="tl" rotWithShape="0">
+                    <a:schemeClr val="dk1">
+                      <a:alpha val="40000"/>
+                    </a:schemeClr>
+                  </a:outerShdw>
+                </a:effectLst>
+                <a:latin typeface="Segoe UI Light" panose="020B0502040204020203" pitchFamily="34" charset="0"/>
+                <a:cs typeface="Segoe UI Light" panose="020B0502040204020203" pitchFamily="34" charset="0"/>
+              </a:rPr>
+              <a:t> </a:t>
+            </a:r>
+            <a:r>
+              <a:rPr lang="en-US" sz="2200" dirty="0" err="1">
+                <a:ln w="0"/>
+                <a:solidFill>
+                  <a:schemeClr val="bg1">
+                    <a:lumMod val="50000"/>
+                  </a:schemeClr>
+                </a:solidFill>
+                <a:effectLst>
+                  <a:outerShdw blurRad="38100" dist="19050" dir="2700000" algn="tl" rotWithShape="0">
+                    <a:schemeClr val="dk1">
+                      <a:alpha val="40000"/>
+                    </a:schemeClr>
+                  </a:outerShdw>
+                </a:effectLst>
+                <a:latin typeface="Segoe UI Light" panose="020B0502040204020203" pitchFamily="34" charset="0"/>
+                <a:cs typeface="Segoe UI Light" panose="020B0502040204020203" pitchFamily="34" charset="0"/>
+              </a:rPr>
+              <a:t>bản</a:t>
+            </a:r>
+            <a:r>
+              <a:rPr lang="en-US" sz="2200" dirty="0">
+                <a:ln w="0"/>
+                <a:solidFill>
+                  <a:schemeClr val="bg1">
+                    <a:lumMod val="50000"/>
+                  </a:schemeClr>
+                </a:solidFill>
+                <a:effectLst>
+                  <a:outerShdw blurRad="38100" dist="19050" dir="2700000" algn="tl" rotWithShape="0">
+                    <a:schemeClr val="dk1">
+                      <a:alpha val="40000"/>
+                    </a:schemeClr>
+                  </a:outerShdw>
+                </a:effectLst>
+                <a:latin typeface="Segoe UI Light" panose="020B0502040204020203" pitchFamily="34" charset="0"/>
+                <a:cs typeface="Segoe UI Light" panose="020B0502040204020203" pitchFamily="34" charset="0"/>
+              </a:rPr>
+              <a:t> </a:t>
+            </a:r>
+            <a:r>
+              <a:rPr lang="en-US" sz="2200" dirty="0" err="1">
+                <a:ln w="0"/>
+                <a:solidFill>
+                  <a:schemeClr val="bg1">
+                    <a:lumMod val="50000"/>
+                  </a:schemeClr>
+                </a:solidFill>
+                <a:effectLst>
+                  <a:outerShdw blurRad="38100" dist="19050" dir="2700000" algn="tl" rotWithShape="0">
+                    <a:schemeClr val="dk1">
+                      <a:alpha val="40000"/>
+                    </a:schemeClr>
+                  </a:outerShdw>
+                </a:effectLst>
+                <a:latin typeface="Segoe UI Light" panose="020B0502040204020203" pitchFamily="34" charset="0"/>
+                <a:cs typeface="Segoe UI Light" panose="020B0502040204020203" pitchFamily="34" charset="0"/>
+              </a:rPr>
+              <a:t>sau</a:t>
+            </a:r>
+            <a:r>
+              <a:rPr lang="en-US" sz="2200" dirty="0">
+                <a:ln w="0"/>
+                <a:solidFill>
+                  <a:schemeClr val="bg1">
+                    <a:lumMod val="50000"/>
+                  </a:schemeClr>
+                </a:solidFill>
+                <a:effectLst>
+                  <a:outerShdw blurRad="38100" dist="19050" dir="2700000" algn="tl" rotWithShape="0">
+                    <a:schemeClr val="dk1">
+                      <a:alpha val="40000"/>
+                    </a:schemeClr>
+                  </a:outerShdw>
+                </a:effectLst>
+                <a:latin typeface="Segoe UI Light" panose="020B0502040204020203" pitchFamily="34" charset="0"/>
+                <a:cs typeface="Segoe UI Light" panose="020B0502040204020203" pitchFamily="34" charset="0"/>
+              </a:rPr>
+              <a:t> : </a:t>
+            </a:r>
+          </a:p>
+          <a:p>
+            <a:pPr lvl="1"/>
+            <a:r>
+              <a:rPr lang="en-US" sz="2200" dirty="0">
+                <a:ln w="0"/>
+                <a:solidFill>
+                  <a:schemeClr val="bg1">
+                    <a:lumMod val="50000"/>
+                  </a:schemeClr>
+                </a:solidFill>
+                <a:effectLst>
+                  <a:outerShdw blurRad="38100" dist="19050" dir="2700000" algn="tl" rotWithShape="0">
+                    <a:schemeClr val="dk1">
+                      <a:alpha val="40000"/>
+                    </a:schemeClr>
+                  </a:outerShdw>
+                </a:effectLst>
+                <a:latin typeface="Segoe UI Light" panose="020B0502040204020203" pitchFamily="34" charset="0"/>
+                <a:cs typeface="Segoe UI Light" panose="020B0502040204020203" pitchFamily="34" charset="0"/>
+              </a:rPr>
+              <a:t>+ Foster open communications</a:t>
+            </a:r>
+          </a:p>
+          <a:p>
+            <a:pPr lvl="1"/>
+            <a:r>
+              <a:rPr lang="en-US" sz="2200" dirty="0">
+                <a:ln w="0"/>
+                <a:solidFill>
+                  <a:schemeClr val="bg1">
+                    <a:lumMod val="50000"/>
+                  </a:schemeClr>
+                </a:solidFill>
+                <a:effectLst>
+                  <a:outerShdw blurRad="38100" dist="19050" dir="2700000" algn="tl" rotWithShape="0">
+                    <a:schemeClr val="dk1">
+                      <a:alpha val="40000"/>
+                    </a:schemeClr>
+                  </a:outerShdw>
+                </a:effectLst>
+                <a:latin typeface="Segoe UI Light" panose="020B0502040204020203" pitchFamily="34" charset="0"/>
+                <a:cs typeface="Segoe UI Light" panose="020B0502040204020203" pitchFamily="34" charset="0"/>
+              </a:rPr>
+              <a:t>+ Work to toward a shared vision( </a:t>
+            </a:r>
+            <a:r>
+              <a:rPr lang="en-US" sz="2200" dirty="0" err="1">
+                <a:ln w="0"/>
+                <a:solidFill>
+                  <a:schemeClr val="bg1">
+                    <a:lumMod val="50000"/>
+                  </a:schemeClr>
+                </a:solidFill>
+                <a:effectLst>
+                  <a:outerShdw blurRad="38100" dist="19050" dir="2700000" algn="tl" rotWithShape="0">
+                    <a:schemeClr val="dk1">
+                      <a:alpha val="40000"/>
+                    </a:schemeClr>
+                  </a:outerShdw>
+                </a:effectLst>
+                <a:latin typeface="Segoe UI Light" panose="020B0502040204020203" pitchFamily="34" charset="0"/>
+                <a:cs typeface="Segoe UI Light" panose="020B0502040204020203" pitchFamily="34" charset="0"/>
+              </a:rPr>
+              <a:t>Làm</a:t>
+            </a:r>
+            <a:r>
+              <a:rPr lang="en-US" sz="2200" dirty="0">
+                <a:ln w="0"/>
+                <a:solidFill>
+                  <a:schemeClr val="bg1">
+                    <a:lumMod val="50000"/>
+                  </a:schemeClr>
+                </a:solidFill>
+                <a:effectLst>
+                  <a:outerShdw blurRad="38100" dist="19050" dir="2700000" algn="tl" rotWithShape="0">
+                    <a:schemeClr val="dk1">
+                      <a:alpha val="40000"/>
+                    </a:schemeClr>
+                  </a:outerShdw>
+                </a:effectLst>
+                <a:latin typeface="Segoe UI Light" panose="020B0502040204020203" pitchFamily="34" charset="0"/>
+                <a:cs typeface="Segoe UI Light" panose="020B0502040204020203" pitchFamily="34" charset="0"/>
+              </a:rPr>
+              <a:t> </a:t>
+            </a:r>
+            <a:r>
+              <a:rPr lang="en-US" sz="2200" dirty="0" err="1">
+                <a:ln w="0"/>
+                <a:solidFill>
+                  <a:schemeClr val="bg1">
+                    <a:lumMod val="50000"/>
+                  </a:schemeClr>
+                </a:solidFill>
+                <a:effectLst>
+                  <a:outerShdw blurRad="38100" dist="19050" dir="2700000" algn="tl" rotWithShape="0">
+                    <a:schemeClr val="dk1">
+                      <a:alpha val="40000"/>
+                    </a:schemeClr>
+                  </a:outerShdw>
+                </a:effectLst>
+                <a:latin typeface="Segoe UI Light" panose="020B0502040204020203" pitchFamily="34" charset="0"/>
+                <a:cs typeface="Segoe UI Light" panose="020B0502040204020203" pitchFamily="34" charset="0"/>
+              </a:rPr>
+              <a:t>việc</a:t>
+            </a:r>
+            <a:r>
+              <a:rPr lang="en-US" sz="2200" dirty="0">
+                <a:ln w="0"/>
+                <a:solidFill>
+                  <a:schemeClr val="bg1">
+                    <a:lumMod val="50000"/>
+                  </a:schemeClr>
+                </a:solidFill>
+                <a:effectLst>
+                  <a:outerShdw blurRad="38100" dist="19050" dir="2700000" algn="tl" rotWithShape="0">
+                    <a:schemeClr val="dk1">
+                      <a:alpha val="40000"/>
+                    </a:schemeClr>
+                  </a:outerShdw>
+                </a:effectLst>
+                <a:latin typeface="Segoe UI Light" panose="020B0502040204020203" pitchFamily="34" charset="0"/>
+                <a:cs typeface="Segoe UI Light" panose="020B0502040204020203" pitchFamily="34" charset="0"/>
+              </a:rPr>
+              <a:t> </a:t>
+            </a:r>
+            <a:r>
+              <a:rPr lang="en-US" sz="2200" dirty="0" err="1">
+                <a:ln w="0"/>
+                <a:solidFill>
+                  <a:schemeClr val="bg1">
+                    <a:lumMod val="50000"/>
+                  </a:schemeClr>
+                </a:solidFill>
+                <a:effectLst>
+                  <a:outerShdw blurRad="38100" dist="19050" dir="2700000" algn="tl" rotWithShape="0">
+                    <a:schemeClr val="dk1">
+                      <a:alpha val="40000"/>
+                    </a:schemeClr>
+                  </a:outerShdw>
+                </a:effectLst>
+                <a:latin typeface="Segoe UI Light" panose="020B0502040204020203" pitchFamily="34" charset="0"/>
+                <a:cs typeface="Segoe UI Light" panose="020B0502040204020203" pitchFamily="34" charset="0"/>
+              </a:rPr>
+              <a:t>hướng</a:t>
+            </a:r>
+            <a:r>
+              <a:rPr lang="en-US" sz="2200" dirty="0">
+                <a:ln w="0"/>
+                <a:solidFill>
+                  <a:schemeClr val="bg1">
+                    <a:lumMod val="50000"/>
+                  </a:schemeClr>
+                </a:solidFill>
+                <a:effectLst>
+                  <a:outerShdw blurRad="38100" dist="19050" dir="2700000" algn="tl" rotWithShape="0">
+                    <a:schemeClr val="dk1">
+                      <a:alpha val="40000"/>
+                    </a:schemeClr>
+                  </a:outerShdw>
+                </a:effectLst>
+                <a:latin typeface="Segoe UI Light" panose="020B0502040204020203" pitchFamily="34" charset="0"/>
+                <a:cs typeface="Segoe UI Light" panose="020B0502040204020203" pitchFamily="34" charset="0"/>
+              </a:rPr>
+              <a:t> </a:t>
+            </a:r>
+            <a:r>
+              <a:rPr lang="en-US" sz="2200" dirty="0" err="1">
+                <a:ln w="0"/>
+                <a:solidFill>
+                  <a:schemeClr val="bg1">
+                    <a:lumMod val="50000"/>
+                  </a:schemeClr>
+                </a:solidFill>
+                <a:effectLst>
+                  <a:outerShdw blurRad="38100" dist="19050" dir="2700000" algn="tl" rotWithShape="0">
+                    <a:schemeClr val="dk1">
+                      <a:alpha val="40000"/>
+                    </a:schemeClr>
+                  </a:outerShdw>
+                </a:effectLst>
+                <a:latin typeface="Segoe UI Light" panose="020B0502040204020203" pitchFamily="34" charset="0"/>
+                <a:cs typeface="Segoe UI Light" panose="020B0502040204020203" pitchFamily="34" charset="0"/>
+              </a:rPr>
+              <a:t>đến</a:t>
+            </a:r>
+            <a:r>
+              <a:rPr lang="en-US" sz="2200" dirty="0">
+                <a:ln w="0"/>
+                <a:solidFill>
+                  <a:schemeClr val="bg1">
+                    <a:lumMod val="50000"/>
+                  </a:schemeClr>
+                </a:solidFill>
+                <a:effectLst>
+                  <a:outerShdw blurRad="38100" dist="19050" dir="2700000" algn="tl" rotWithShape="0">
+                    <a:schemeClr val="dk1">
+                      <a:alpha val="40000"/>
+                    </a:schemeClr>
+                  </a:outerShdw>
+                </a:effectLst>
+                <a:latin typeface="Segoe UI Light" panose="020B0502040204020203" pitchFamily="34" charset="0"/>
+                <a:cs typeface="Segoe UI Light" panose="020B0502040204020203" pitchFamily="34" charset="0"/>
+              </a:rPr>
+              <a:t> 1 </a:t>
+            </a:r>
+            <a:r>
+              <a:rPr lang="en-US" sz="2200" dirty="0" err="1">
+                <a:ln w="0"/>
+                <a:solidFill>
+                  <a:schemeClr val="bg1">
+                    <a:lumMod val="50000"/>
+                  </a:schemeClr>
+                </a:solidFill>
+                <a:effectLst>
+                  <a:outerShdw blurRad="38100" dist="19050" dir="2700000" algn="tl" rotWithShape="0">
+                    <a:schemeClr val="dk1">
+                      <a:alpha val="40000"/>
+                    </a:schemeClr>
+                  </a:outerShdw>
+                </a:effectLst>
+                <a:latin typeface="Segoe UI Light" panose="020B0502040204020203" pitchFamily="34" charset="0"/>
+                <a:cs typeface="Segoe UI Light" panose="020B0502040204020203" pitchFamily="34" charset="0"/>
+              </a:rPr>
+              <a:t>tầm</a:t>
+            </a:r>
+            <a:r>
+              <a:rPr lang="en-US" sz="2200" dirty="0">
+                <a:ln w="0"/>
+                <a:solidFill>
+                  <a:schemeClr val="bg1">
+                    <a:lumMod val="50000"/>
+                  </a:schemeClr>
+                </a:solidFill>
+                <a:effectLst>
+                  <a:outerShdw blurRad="38100" dist="19050" dir="2700000" algn="tl" rotWithShape="0">
+                    <a:schemeClr val="dk1">
+                      <a:alpha val="40000"/>
+                    </a:schemeClr>
+                  </a:outerShdw>
+                </a:effectLst>
+                <a:latin typeface="Segoe UI Light" panose="020B0502040204020203" pitchFamily="34" charset="0"/>
+                <a:cs typeface="Segoe UI Light" panose="020B0502040204020203" pitchFamily="34" charset="0"/>
+              </a:rPr>
+              <a:t> </a:t>
+            </a:r>
+            <a:r>
+              <a:rPr lang="en-US" sz="2200" dirty="0" err="1">
+                <a:ln w="0"/>
+                <a:solidFill>
+                  <a:schemeClr val="bg1">
+                    <a:lumMod val="50000"/>
+                  </a:schemeClr>
+                </a:solidFill>
+                <a:effectLst>
+                  <a:outerShdw blurRad="38100" dist="19050" dir="2700000" algn="tl" rotWithShape="0">
+                    <a:schemeClr val="dk1">
+                      <a:alpha val="40000"/>
+                    </a:schemeClr>
+                  </a:outerShdw>
+                </a:effectLst>
+                <a:latin typeface="Segoe UI Light" panose="020B0502040204020203" pitchFamily="34" charset="0"/>
+                <a:cs typeface="Segoe UI Light" panose="020B0502040204020203" pitchFamily="34" charset="0"/>
+              </a:rPr>
+              <a:t>nhìn</a:t>
+            </a:r>
+            <a:r>
+              <a:rPr lang="en-US" sz="2200" dirty="0">
+                <a:ln w="0"/>
+                <a:solidFill>
+                  <a:schemeClr val="bg1">
+                    <a:lumMod val="50000"/>
+                  </a:schemeClr>
+                </a:solidFill>
+                <a:effectLst>
+                  <a:outerShdw blurRad="38100" dist="19050" dir="2700000" algn="tl" rotWithShape="0">
+                    <a:schemeClr val="dk1">
+                      <a:alpha val="40000"/>
+                    </a:schemeClr>
+                  </a:outerShdw>
+                </a:effectLst>
+                <a:latin typeface="Segoe UI Light" panose="020B0502040204020203" pitchFamily="34" charset="0"/>
+                <a:cs typeface="Segoe UI Light" panose="020B0502040204020203" pitchFamily="34" charset="0"/>
+              </a:rPr>
+              <a:t> </a:t>
+            </a:r>
+            <a:r>
+              <a:rPr lang="en-US" sz="2200" dirty="0" err="1">
+                <a:ln w="0"/>
+                <a:solidFill>
+                  <a:schemeClr val="bg1">
+                    <a:lumMod val="50000"/>
+                  </a:schemeClr>
+                </a:solidFill>
+                <a:effectLst>
+                  <a:outerShdw blurRad="38100" dist="19050" dir="2700000" algn="tl" rotWithShape="0">
+                    <a:schemeClr val="dk1">
+                      <a:alpha val="40000"/>
+                    </a:schemeClr>
+                  </a:outerShdw>
+                </a:effectLst>
+                <a:latin typeface="Segoe UI Light" panose="020B0502040204020203" pitchFamily="34" charset="0"/>
+                <a:cs typeface="Segoe UI Light" panose="020B0502040204020203" pitchFamily="34" charset="0"/>
+              </a:rPr>
+              <a:t>chung</a:t>
+            </a:r>
+            <a:r>
+              <a:rPr lang="en-US" sz="2200" dirty="0">
+                <a:ln w="0"/>
+                <a:solidFill>
+                  <a:schemeClr val="bg1">
+                    <a:lumMod val="50000"/>
+                  </a:schemeClr>
+                </a:solidFill>
+                <a:effectLst>
+                  <a:outerShdw blurRad="38100" dist="19050" dir="2700000" algn="tl" rotWithShape="0">
+                    <a:schemeClr val="dk1">
+                      <a:alpha val="40000"/>
+                    </a:schemeClr>
+                  </a:outerShdw>
+                </a:effectLst>
+                <a:latin typeface="Segoe UI Light" panose="020B0502040204020203" pitchFamily="34" charset="0"/>
+                <a:cs typeface="Segoe UI Light" panose="020B0502040204020203" pitchFamily="34" charset="0"/>
+              </a:rPr>
+              <a:t>).</a:t>
+            </a:r>
+          </a:p>
+          <a:p>
+            <a:pPr lvl="1"/>
+            <a:r>
+              <a:rPr lang="en-US" sz="2200" b="1" dirty="0">
+                <a:ln w="0"/>
+                <a:solidFill>
+                  <a:schemeClr val="bg1">
+                    <a:lumMod val="50000"/>
+                  </a:schemeClr>
+                </a:solidFill>
+                <a:effectLst>
+                  <a:outerShdw blurRad="38100" dist="19050" dir="2700000" algn="tl" rotWithShape="0">
+                    <a:schemeClr val="dk1">
+                      <a:alpha val="40000"/>
+                    </a:schemeClr>
+                  </a:outerShdw>
+                </a:effectLst>
+                <a:latin typeface="Segoe UI Light" panose="020B0502040204020203" pitchFamily="34" charset="0"/>
+                <a:cs typeface="Segoe UI Light" panose="020B0502040204020203" pitchFamily="34" charset="0"/>
+              </a:rPr>
+              <a:t>+ </a:t>
+            </a:r>
+            <a:r>
+              <a:rPr lang="en-US" sz="2200" dirty="0">
+                <a:ln w="0"/>
+                <a:solidFill>
+                  <a:schemeClr val="bg1">
+                    <a:lumMod val="50000"/>
+                  </a:schemeClr>
+                </a:solidFill>
+                <a:effectLst>
+                  <a:outerShdw blurRad="38100" dist="19050" dir="2700000" algn="tl" rotWithShape="0">
+                    <a:schemeClr val="dk1">
+                      <a:alpha val="40000"/>
+                    </a:schemeClr>
+                  </a:outerShdw>
+                </a:effectLst>
+                <a:latin typeface="Segoe UI Light" panose="020B0502040204020203" pitchFamily="34" charset="0"/>
+                <a:cs typeface="Segoe UI Light" panose="020B0502040204020203" pitchFamily="34" charset="0"/>
+              </a:rPr>
+              <a:t>Empower team members( </a:t>
+            </a:r>
+            <a:r>
+              <a:rPr lang="en-US" sz="2200" dirty="0" err="1">
+                <a:ln w="0"/>
+                <a:solidFill>
+                  <a:schemeClr val="bg1">
+                    <a:lumMod val="50000"/>
+                  </a:schemeClr>
+                </a:solidFill>
+                <a:effectLst>
+                  <a:outerShdw blurRad="38100" dist="19050" dir="2700000" algn="tl" rotWithShape="0">
+                    <a:schemeClr val="dk1">
+                      <a:alpha val="40000"/>
+                    </a:schemeClr>
+                  </a:outerShdw>
+                </a:effectLst>
+                <a:latin typeface="Segoe UI Light" panose="020B0502040204020203" pitchFamily="34" charset="0"/>
+                <a:cs typeface="Segoe UI Light" panose="020B0502040204020203" pitchFamily="34" charset="0"/>
+              </a:rPr>
+              <a:t>Tra</a:t>
+            </a:r>
+            <a:r>
+              <a:rPr lang="en-US" sz="2200" dirty="0">
+                <a:ln w="0"/>
+                <a:solidFill>
+                  <a:schemeClr val="bg1">
+                    <a:lumMod val="50000"/>
+                  </a:schemeClr>
+                </a:solidFill>
+                <a:effectLst>
+                  <a:outerShdw blurRad="38100" dist="19050" dir="2700000" algn="tl" rotWithShape="0">
+                    <a:schemeClr val="dk1">
+                      <a:alpha val="40000"/>
+                    </a:schemeClr>
+                  </a:outerShdw>
+                </a:effectLst>
+                <a:latin typeface="Segoe UI Light" panose="020B0502040204020203" pitchFamily="34" charset="0"/>
+                <a:cs typeface="Segoe UI Light" panose="020B0502040204020203" pitchFamily="34" charset="0"/>
+              </a:rPr>
+              <a:t> </a:t>
+            </a:r>
+            <a:r>
+              <a:rPr lang="en-US" sz="2200" dirty="0" err="1">
+                <a:ln w="0"/>
+                <a:solidFill>
+                  <a:schemeClr val="bg1">
+                    <a:lumMod val="50000"/>
+                  </a:schemeClr>
+                </a:solidFill>
+                <a:effectLst>
+                  <a:outerShdw blurRad="38100" dist="19050" dir="2700000" algn="tl" rotWithShape="0">
+                    <a:schemeClr val="dk1">
+                      <a:alpha val="40000"/>
+                    </a:schemeClr>
+                  </a:outerShdw>
+                </a:effectLst>
+                <a:latin typeface="Segoe UI Light" panose="020B0502040204020203" pitchFamily="34" charset="0"/>
+                <a:cs typeface="Segoe UI Light" panose="020B0502040204020203" pitchFamily="34" charset="0"/>
+              </a:rPr>
+              <a:t>quyền</a:t>
+            </a:r>
+            <a:r>
+              <a:rPr lang="en-US" sz="2200" dirty="0">
+                <a:ln w="0"/>
+                <a:solidFill>
+                  <a:schemeClr val="bg1">
+                    <a:lumMod val="50000"/>
+                  </a:schemeClr>
+                </a:solidFill>
+                <a:effectLst>
+                  <a:outerShdw blurRad="38100" dist="19050" dir="2700000" algn="tl" rotWithShape="0">
+                    <a:schemeClr val="dk1">
+                      <a:alpha val="40000"/>
+                    </a:schemeClr>
+                  </a:outerShdw>
+                </a:effectLst>
+                <a:latin typeface="Segoe UI Light" panose="020B0502040204020203" pitchFamily="34" charset="0"/>
+                <a:cs typeface="Segoe UI Light" panose="020B0502040204020203" pitchFamily="34" charset="0"/>
+              </a:rPr>
+              <a:t> cho </a:t>
+            </a:r>
+            <a:r>
+              <a:rPr lang="en-US" sz="2200" dirty="0" err="1">
+                <a:ln w="0"/>
+                <a:solidFill>
+                  <a:schemeClr val="bg1">
+                    <a:lumMod val="50000"/>
+                  </a:schemeClr>
+                </a:solidFill>
+                <a:effectLst>
+                  <a:outerShdw blurRad="38100" dist="19050" dir="2700000" algn="tl" rotWithShape="0">
+                    <a:schemeClr val="dk1">
+                      <a:alpha val="40000"/>
+                    </a:schemeClr>
+                  </a:outerShdw>
+                </a:effectLst>
+                <a:latin typeface="Segoe UI Light" panose="020B0502040204020203" pitchFamily="34" charset="0"/>
+                <a:cs typeface="Segoe UI Light" panose="020B0502040204020203" pitchFamily="34" charset="0"/>
+              </a:rPr>
+              <a:t>các</a:t>
+            </a:r>
+            <a:r>
+              <a:rPr lang="en-US" sz="2200" dirty="0">
+                <a:ln w="0"/>
+                <a:solidFill>
+                  <a:schemeClr val="bg1">
+                    <a:lumMod val="50000"/>
+                  </a:schemeClr>
+                </a:solidFill>
+                <a:effectLst>
+                  <a:outerShdw blurRad="38100" dist="19050" dir="2700000" algn="tl" rotWithShape="0">
+                    <a:schemeClr val="dk1">
+                      <a:alpha val="40000"/>
+                    </a:schemeClr>
+                  </a:outerShdw>
+                </a:effectLst>
+                <a:latin typeface="Segoe UI Light" panose="020B0502040204020203" pitchFamily="34" charset="0"/>
+                <a:cs typeface="Segoe UI Light" panose="020B0502040204020203" pitchFamily="34" charset="0"/>
+              </a:rPr>
+              <a:t> </a:t>
+            </a:r>
+            <a:r>
+              <a:rPr lang="en-US" sz="2200" dirty="0" err="1">
+                <a:ln w="0"/>
+                <a:solidFill>
+                  <a:schemeClr val="bg1">
+                    <a:lumMod val="50000"/>
+                  </a:schemeClr>
+                </a:solidFill>
+                <a:effectLst>
+                  <a:outerShdw blurRad="38100" dist="19050" dir="2700000" algn="tl" rotWithShape="0">
+                    <a:schemeClr val="dk1">
+                      <a:alpha val="40000"/>
+                    </a:schemeClr>
+                  </a:outerShdw>
+                </a:effectLst>
+                <a:latin typeface="Segoe UI Light" panose="020B0502040204020203" pitchFamily="34" charset="0"/>
+                <a:cs typeface="Segoe UI Light" panose="020B0502040204020203" pitchFamily="34" charset="0"/>
+              </a:rPr>
+              <a:t>thành</a:t>
+            </a:r>
+            <a:r>
+              <a:rPr lang="en-US" sz="2200" dirty="0">
+                <a:ln w="0"/>
+                <a:solidFill>
+                  <a:schemeClr val="bg1">
+                    <a:lumMod val="50000"/>
+                  </a:schemeClr>
+                </a:solidFill>
+                <a:effectLst>
+                  <a:outerShdw blurRad="38100" dist="19050" dir="2700000" algn="tl" rotWithShape="0">
+                    <a:schemeClr val="dk1">
+                      <a:alpha val="40000"/>
+                    </a:schemeClr>
+                  </a:outerShdw>
+                </a:effectLst>
+                <a:latin typeface="Segoe UI Light" panose="020B0502040204020203" pitchFamily="34" charset="0"/>
+                <a:cs typeface="Segoe UI Light" panose="020B0502040204020203" pitchFamily="34" charset="0"/>
+              </a:rPr>
+              <a:t> </a:t>
+            </a:r>
+            <a:r>
+              <a:rPr lang="en-US" sz="2200" dirty="0" err="1">
+                <a:ln w="0"/>
+                <a:solidFill>
+                  <a:schemeClr val="bg1">
+                    <a:lumMod val="50000"/>
+                  </a:schemeClr>
+                </a:solidFill>
+                <a:effectLst>
+                  <a:outerShdw blurRad="38100" dist="19050" dir="2700000" algn="tl" rotWithShape="0">
+                    <a:schemeClr val="dk1">
+                      <a:alpha val="40000"/>
+                    </a:schemeClr>
+                  </a:outerShdw>
+                </a:effectLst>
+                <a:latin typeface="Segoe UI Light" panose="020B0502040204020203" pitchFamily="34" charset="0"/>
+                <a:cs typeface="Segoe UI Light" panose="020B0502040204020203" pitchFamily="34" charset="0"/>
+              </a:rPr>
+              <a:t>viên</a:t>
+            </a:r>
+            <a:r>
+              <a:rPr lang="en-US" sz="2200" dirty="0">
+                <a:ln w="0"/>
+                <a:solidFill>
+                  <a:schemeClr val="bg1">
+                    <a:lumMod val="50000"/>
+                  </a:schemeClr>
+                </a:solidFill>
+                <a:effectLst>
+                  <a:outerShdw blurRad="38100" dist="19050" dir="2700000" algn="tl" rotWithShape="0">
+                    <a:schemeClr val="dk1">
+                      <a:alpha val="40000"/>
+                    </a:schemeClr>
+                  </a:outerShdw>
+                </a:effectLst>
+                <a:latin typeface="Segoe UI Light" panose="020B0502040204020203" pitchFamily="34" charset="0"/>
+                <a:cs typeface="Segoe UI Light" panose="020B0502040204020203" pitchFamily="34" charset="0"/>
+              </a:rPr>
+              <a:t> </a:t>
+            </a:r>
+            <a:r>
+              <a:rPr lang="en-US" sz="2200" dirty="0" err="1">
+                <a:ln w="0"/>
+                <a:solidFill>
+                  <a:schemeClr val="bg1">
+                    <a:lumMod val="50000"/>
+                  </a:schemeClr>
+                </a:solidFill>
+                <a:effectLst>
+                  <a:outerShdw blurRad="38100" dist="19050" dir="2700000" algn="tl" rotWithShape="0">
+                    <a:schemeClr val="dk1">
+                      <a:alpha val="40000"/>
+                    </a:schemeClr>
+                  </a:outerShdw>
+                </a:effectLst>
+                <a:latin typeface="Segoe UI Light" panose="020B0502040204020203" pitchFamily="34" charset="0"/>
+                <a:cs typeface="Segoe UI Light" panose="020B0502040204020203" pitchFamily="34" charset="0"/>
+              </a:rPr>
+              <a:t>trong</a:t>
+            </a:r>
+            <a:r>
+              <a:rPr lang="en-US" sz="2200" dirty="0">
+                <a:ln w="0"/>
+                <a:solidFill>
+                  <a:schemeClr val="bg1">
+                    <a:lumMod val="50000"/>
+                  </a:schemeClr>
+                </a:solidFill>
+                <a:effectLst>
+                  <a:outerShdw blurRad="38100" dist="19050" dir="2700000" algn="tl" rotWithShape="0">
+                    <a:schemeClr val="dk1">
+                      <a:alpha val="40000"/>
+                    </a:schemeClr>
+                  </a:outerShdw>
+                </a:effectLst>
+                <a:latin typeface="Segoe UI Light" panose="020B0502040204020203" pitchFamily="34" charset="0"/>
+                <a:cs typeface="Segoe UI Light" panose="020B0502040204020203" pitchFamily="34" charset="0"/>
+              </a:rPr>
+              <a:t> </a:t>
+            </a:r>
+            <a:r>
+              <a:rPr lang="en-US" sz="2200" dirty="0" err="1">
+                <a:ln w="0"/>
+                <a:solidFill>
+                  <a:schemeClr val="bg1">
+                    <a:lumMod val="50000"/>
+                  </a:schemeClr>
+                </a:solidFill>
+                <a:effectLst>
+                  <a:outerShdw blurRad="38100" dist="19050" dir="2700000" algn="tl" rotWithShape="0">
+                    <a:schemeClr val="dk1">
+                      <a:alpha val="40000"/>
+                    </a:schemeClr>
+                  </a:outerShdw>
+                </a:effectLst>
+                <a:latin typeface="Segoe UI Light" panose="020B0502040204020203" pitchFamily="34" charset="0"/>
+                <a:cs typeface="Segoe UI Light" panose="020B0502040204020203" pitchFamily="34" charset="0"/>
+              </a:rPr>
+              <a:t>nhóm</a:t>
+            </a:r>
+            <a:r>
+              <a:rPr lang="en-US" sz="2200" dirty="0">
+                <a:ln w="0"/>
+                <a:solidFill>
+                  <a:schemeClr val="bg1">
+                    <a:lumMod val="50000"/>
+                  </a:schemeClr>
+                </a:solidFill>
+                <a:effectLst>
+                  <a:outerShdw blurRad="38100" dist="19050" dir="2700000" algn="tl" rotWithShape="0">
+                    <a:schemeClr val="dk1">
+                      <a:alpha val="40000"/>
+                    </a:schemeClr>
+                  </a:outerShdw>
+                </a:effectLst>
+                <a:latin typeface="Segoe UI Light" panose="020B0502040204020203" pitchFamily="34" charset="0"/>
+                <a:cs typeface="Segoe UI Light" panose="020B0502040204020203" pitchFamily="34" charset="0"/>
+              </a:rPr>
+              <a:t>)</a:t>
+            </a:r>
+            <a:r>
+              <a:rPr lang="en-US" sz="2200" dirty="0"/>
+              <a:t> </a:t>
+            </a:r>
+          </a:p>
+          <a:p>
+            <a:pPr lvl="1"/>
+            <a:r>
+              <a:rPr lang="en-US" sz="2200" dirty="0">
+                <a:ln w="0"/>
+                <a:solidFill>
+                  <a:schemeClr val="bg1">
+                    <a:lumMod val="50000"/>
+                  </a:schemeClr>
+                </a:solidFill>
+                <a:effectLst>
+                  <a:outerShdw blurRad="38100" dist="19050" dir="2700000" algn="tl" rotWithShape="0">
+                    <a:schemeClr val="dk1">
+                      <a:alpha val="40000"/>
+                    </a:schemeClr>
+                  </a:outerShdw>
+                </a:effectLst>
+                <a:latin typeface="Segoe UI Light" panose="020B0502040204020203" pitchFamily="34" charset="0"/>
+                <a:cs typeface="Segoe UI Light" panose="020B0502040204020203" pitchFamily="34" charset="0"/>
+              </a:rPr>
+              <a:t>+ Establish clear accountability and shared responsibility( </a:t>
+            </a:r>
+            <a:r>
+              <a:rPr lang="en-US" sz="2200" dirty="0" err="1">
+                <a:ln w="0"/>
+                <a:solidFill>
+                  <a:schemeClr val="bg1">
+                    <a:lumMod val="50000"/>
+                  </a:schemeClr>
+                </a:solidFill>
+                <a:effectLst>
+                  <a:outerShdw blurRad="38100" dist="19050" dir="2700000" algn="tl" rotWithShape="0">
+                    <a:schemeClr val="dk1">
+                      <a:alpha val="40000"/>
+                    </a:schemeClr>
+                  </a:outerShdw>
+                </a:effectLst>
+                <a:latin typeface="Segoe UI Light" panose="020B0502040204020203" pitchFamily="34" charset="0"/>
+                <a:cs typeface="Segoe UI Light" panose="020B0502040204020203" pitchFamily="34" charset="0"/>
+              </a:rPr>
+              <a:t>Thiết</a:t>
+            </a:r>
+            <a:r>
+              <a:rPr lang="en-US" sz="2200" dirty="0">
+                <a:ln w="0"/>
+                <a:solidFill>
+                  <a:schemeClr val="bg1">
+                    <a:lumMod val="50000"/>
+                  </a:schemeClr>
+                </a:solidFill>
+                <a:effectLst>
+                  <a:outerShdw blurRad="38100" dist="19050" dir="2700000" algn="tl" rotWithShape="0">
+                    <a:schemeClr val="dk1">
+                      <a:alpha val="40000"/>
+                    </a:schemeClr>
+                  </a:outerShdw>
+                </a:effectLst>
+                <a:latin typeface="Segoe UI Light" panose="020B0502040204020203" pitchFamily="34" charset="0"/>
+                <a:cs typeface="Segoe UI Light" panose="020B0502040204020203" pitchFamily="34" charset="0"/>
+              </a:rPr>
+              <a:t> </a:t>
+            </a:r>
+            <a:r>
+              <a:rPr lang="en-US" sz="2200" dirty="0" err="1">
+                <a:ln w="0"/>
+                <a:solidFill>
+                  <a:schemeClr val="bg1">
+                    <a:lumMod val="50000"/>
+                  </a:schemeClr>
+                </a:solidFill>
+                <a:effectLst>
+                  <a:outerShdw blurRad="38100" dist="19050" dir="2700000" algn="tl" rotWithShape="0">
+                    <a:schemeClr val="dk1">
+                      <a:alpha val="40000"/>
+                    </a:schemeClr>
+                  </a:outerShdw>
+                </a:effectLst>
+                <a:latin typeface="Segoe UI Light" panose="020B0502040204020203" pitchFamily="34" charset="0"/>
+                <a:cs typeface="Segoe UI Light" panose="020B0502040204020203" pitchFamily="34" charset="0"/>
+              </a:rPr>
+              <a:t>lập</a:t>
+            </a:r>
+            <a:r>
+              <a:rPr lang="en-US" sz="2200" dirty="0">
+                <a:ln w="0"/>
+                <a:solidFill>
+                  <a:schemeClr val="bg1">
+                    <a:lumMod val="50000"/>
+                  </a:schemeClr>
+                </a:solidFill>
+                <a:effectLst>
+                  <a:outerShdw blurRad="38100" dist="19050" dir="2700000" algn="tl" rotWithShape="0">
+                    <a:schemeClr val="dk1">
+                      <a:alpha val="40000"/>
+                    </a:schemeClr>
+                  </a:outerShdw>
+                </a:effectLst>
+                <a:latin typeface="Segoe UI Light" panose="020B0502040204020203" pitchFamily="34" charset="0"/>
+                <a:cs typeface="Segoe UI Light" panose="020B0502040204020203" pitchFamily="34" charset="0"/>
+              </a:rPr>
+              <a:t> </a:t>
+            </a:r>
+            <a:r>
+              <a:rPr lang="en-US" sz="2200" dirty="0" err="1">
+                <a:ln w="0"/>
+                <a:solidFill>
+                  <a:schemeClr val="bg1">
+                    <a:lumMod val="50000"/>
+                  </a:schemeClr>
+                </a:solidFill>
+                <a:effectLst>
+                  <a:outerShdw blurRad="38100" dist="19050" dir="2700000" algn="tl" rotWithShape="0">
+                    <a:schemeClr val="dk1">
+                      <a:alpha val="40000"/>
+                    </a:schemeClr>
+                  </a:outerShdw>
+                </a:effectLst>
+                <a:latin typeface="Segoe UI Light" panose="020B0502040204020203" pitchFamily="34" charset="0"/>
+                <a:cs typeface="Segoe UI Light" panose="020B0502040204020203" pitchFamily="34" charset="0"/>
+              </a:rPr>
+              <a:t>trách</a:t>
+            </a:r>
+            <a:r>
+              <a:rPr lang="en-US" sz="2200" dirty="0">
+                <a:ln w="0"/>
+                <a:solidFill>
+                  <a:schemeClr val="bg1">
+                    <a:lumMod val="50000"/>
+                  </a:schemeClr>
+                </a:solidFill>
+                <a:effectLst>
+                  <a:outerShdw blurRad="38100" dist="19050" dir="2700000" algn="tl" rotWithShape="0">
+                    <a:schemeClr val="dk1">
+                      <a:alpha val="40000"/>
+                    </a:schemeClr>
+                  </a:outerShdw>
+                </a:effectLst>
+                <a:latin typeface="Segoe UI Light" panose="020B0502040204020203" pitchFamily="34" charset="0"/>
+                <a:cs typeface="Segoe UI Light" panose="020B0502040204020203" pitchFamily="34" charset="0"/>
+              </a:rPr>
+              <a:t> </a:t>
+            </a:r>
+            <a:r>
+              <a:rPr lang="en-US" sz="2200" dirty="0" err="1">
+                <a:ln w="0"/>
+                <a:solidFill>
+                  <a:schemeClr val="bg1">
+                    <a:lumMod val="50000"/>
+                  </a:schemeClr>
+                </a:solidFill>
+                <a:effectLst>
+                  <a:outerShdw blurRad="38100" dist="19050" dir="2700000" algn="tl" rotWithShape="0">
+                    <a:schemeClr val="dk1">
+                      <a:alpha val="40000"/>
+                    </a:schemeClr>
+                  </a:outerShdw>
+                </a:effectLst>
+                <a:latin typeface="Segoe UI Light" panose="020B0502040204020203" pitchFamily="34" charset="0"/>
+                <a:cs typeface="Segoe UI Light" panose="020B0502040204020203" pitchFamily="34" charset="0"/>
+              </a:rPr>
+              <a:t>nhiệm</a:t>
+            </a:r>
+            <a:r>
+              <a:rPr lang="en-US" sz="2200" dirty="0">
+                <a:ln w="0"/>
+                <a:solidFill>
+                  <a:schemeClr val="bg1">
+                    <a:lumMod val="50000"/>
+                  </a:schemeClr>
+                </a:solidFill>
+                <a:effectLst>
+                  <a:outerShdw blurRad="38100" dist="19050" dir="2700000" algn="tl" rotWithShape="0">
+                    <a:schemeClr val="dk1">
+                      <a:alpha val="40000"/>
+                    </a:schemeClr>
+                  </a:outerShdw>
+                </a:effectLst>
+                <a:latin typeface="Segoe UI Light" panose="020B0502040204020203" pitchFamily="34" charset="0"/>
+                <a:cs typeface="Segoe UI Light" panose="020B0502040204020203" pitchFamily="34" charset="0"/>
+              </a:rPr>
+              <a:t> </a:t>
+            </a:r>
+            <a:r>
+              <a:rPr lang="en-US" sz="2200" dirty="0" err="1">
+                <a:ln w="0"/>
+                <a:solidFill>
+                  <a:schemeClr val="bg1">
+                    <a:lumMod val="50000"/>
+                  </a:schemeClr>
+                </a:solidFill>
+                <a:effectLst>
+                  <a:outerShdw blurRad="38100" dist="19050" dir="2700000" algn="tl" rotWithShape="0">
+                    <a:schemeClr val="dk1">
+                      <a:alpha val="40000"/>
+                    </a:schemeClr>
+                  </a:outerShdw>
+                </a:effectLst>
+                <a:latin typeface="Segoe UI Light" panose="020B0502040204020203" pitchFamily="34" charset="0"/>
+                <a:cs typeface="Segoe UI Light" panose="020B0502040204020203" pitchFamily="34" charset="0"/>
+              </a:rPr>
+              <a:t>rõ</a:t>
+            </a:r>
+            <a:r>
+              <a:rPr lang="en-US" sz="2200" dirty="0">
+                <a:ln w="0"/>
+                <a:solidFill>
+                  <a:schemeClr val="bg1">
+                    <a:lumMod val="50000"/>
+                  </a:schemeClr>
+                </a:solidFill>
+                <a:effectLst>
+                  <a:outerShdw blurRad="38100" dist="19050" dir="2700000" algn="tl" rotWithShape="0">
+                    <a:schemeClr val="dk1">
+                      <a:alpha val="40000"/>
+                    </a:schemeClr>
+                  </a:outerShdw>
+                </a:effectLst>
+                <a:latin typeface="Segoe UI Light" panose="020B0502040204020203" pitchFamily="34" charset="0"/>
+                <a:cs typeface="Segoe UI Light" panose="020B0502040204020203" pitchFamily="34" charset="0"/>
+              </a:rPr>
+              <a:t> rang </a:t>
+            </a:r>
+            <a:r>
+              <a:rPr lang="en-US" sz="2200" dirty="0" err="1">
+                <a:ln w="0"/>
+                <a:solidFill>
+                  <a:schemeClr val="bg1">
+                    <a:lumMod val="50000"/>
+                  </a:schemeClr>
+                </a:solidFill>
+                <a:effectLst>
+                  <a:outerShdw blurRad="38100" dist="19050" dir="2700000" algn="tl" rotWithShape="0">
+                    <a:schemeClr val="dk1">
+                      <a:alpha val="40000"/>
+                    </a:schemeClr>
+                  </a:outerShdw>
+                </a:effectLst>
+                <a:latin typeface="Segoe UI Light" panose="020B0502040204020203" pitchFamily="34" charset="0"/>
+                <a:cs typeface="Segoe UI Light" panose="020B0502040204020203" pitchFamily="34" charset="0"/>
+              </a:rPr>
+              <a:t>và</a:t>
+            </a:r>
+            <a:r>
+              <a:rPr lang="en-US" sz="2200" dirty="0">
+                <a:ln w="0"/>
+                <a:solidFill>
+                  <a:schemeClr val="bg1">
+                    <a:lumMod val="50000"/>
+                  </a:schemeClr>
+                </a:solidFill>
+                <a:effectLst>
+                  <a:outerShdw blurRad="38100" dist="19050" dir="2700000" algn="tl" rotWithShape="0">
+                    <a:schemeClr val="dk1">
+                      <a:alpha val="40000"/>
+                    </a:schemeClr>
+                  </a:outerShdw>
+                </a:effectLst>
+                <a:latin typeface="Segoe UI Light" panose="020B0502040204020203" pitchFamily="34" charset="0"/>
+                <a:cs typeface="Segoe UI Light" panose="020B0502040204020203" pitchFamily="34" charset="0"/>
+              </a:rPr>
+              <a:t> </a:t>
+            </a:r>
+            <a:r>
+              <a:rPr lang="en-US" sz="2200" dirty="0" err="1">
+                <a:ln w="0"/>
+                <a:solidFill>
+                  <a:schemeClr val="bg1">
+                    <a:lumMod val="50000"/>
+                  </a:schemeClr>
+                </a:solidFill>
+                <a:effectLst>
+                  <a:outerShdw blurRad="38100" dist="19050" dir="2700000" algn="tl" rotWithShape="0">
+                    <a:schemeClr val="dk1">
+                      <a:alpha val="40000"/>
+                    </a:schemeClr>
+                  </a:outerShdw>
+                </a:effectLst>
+                <a:latin typeface="Segoe UI Light" panose="020B0502040204020203" pitchFamily="34" charset="0"/>
+                <a:cs typeface="Segoe UI Light" panose="020B0502040204020203" pitchFamily="34" charset="0"/>
+              </a:rPr>
+              <a:t>trách</a:t>
+            </a:r>
+            <a:r>
+              <a:rPr lang="en-US" sz="2200" dirty="0">
+                <a:ln w="0"/>
+                <a:solidFill>
+                  <a:schemeClr val="bg1">
+                    <a:lumMod val="50000"/>
+                  </a:schemeClr>
+                </a:solidFill>
+                <a:effectLst>
+                  <a:outerShdw blurRad="38100" dist="19050" dir="2700000" algn="tl" rotWithShape="0">
+                    <a:schemeClr val="dk1">
+                      <a:alpha val="40000"/>
+                    </a:schemeClr>
+                  </a:outerShdw>
+                </a:effectLst>
+                <a:latin typeface="Segoe UI Light" panose="020B0502040204020203" pitchFamily="34" charset="0"/>
+                <a:cs typeface="Segoe UI Light" panose="020B0502040204020203" pitchFamily="34" charset="0"/>
+              </a:rPr>
+              <a:t> </a:t>
+            </a:r>
+            <a:r>
+              <a:rPr lang="en-US" sz="2200" dirty="0" err="1">
+                <a:ln w="0"/>
+                <a:solidFill>
+                  <a:schemeClr val="bg1">
+                    <a:lumMod val="50000"/>
+                  </a:schemeClr>
+                </a:solidFill>
+                <a:effectLst>
+                  <a:outerShdw blurRad="38100" dist="19050" dir="2700000" algn="tl" rotWithShape="0">
+                    <a:schemeClr val="dk1">
+                      <a:alpha val="40000"/>
+                    </a:schemeClr>
+                  </a:outerShdw>
+                </a:effectLst>
+                <a:latin typeface="Segoe UI Light" panose="020B0502040204020203" pitchFamily="34" charset="0"/>
+                <a:cs typeface="Segoe UI Light" panose="020B0502040204020203" pitchFamily="34" charset="0"/>
+              </a:rPr>
+              <a:t>nhiệm</a:t>
+            </a:r>
+            <a:r>
+              <a:rPr lang="en-US" sz="2200" dirty="0">
+                <a:ln w="0"/>
+                <a:solidFill>
+                  <a:schemeClr val="bg1">
+                    <a:lumMod val="50000"/>
+                  </a:schemeClr>
+                </a:solidFill>
+                <a:effectLst>
+                  <a:outerShdw blurRad="38100" dist="19050" dir="2700000" algn="tl" rotWithShape="0">
+                    <a:schemeClr val="dk1">
+                      <a:alpha val="40000"/>
+                    </a:schemeClr>
+                  </a:outerShdw>
+                </a:effectLst>
+                <a:latin typeface="Segoe UI Light" panose="020B0502040204020203" pitchFamily="34" charset="0"/>
+                <a:cs typeface="Segoe UI Light" panose="020B0502040204020203" pitchFamily="34" charset="0"/>
+              </a:rPr>
+              <a:t> </a:t>
+            </a:r>
+            <a:r>
+              <a:rPr lang="en-US" sz="2200" dirty="0" err="1">
+                <a:ln w="0"/>
+                <a:solidFill>
+                  <a:schemeClr val="bg1">
+                    <a:lumMod val="50000"/>
+                  </a:schemeClr>
+                </a:solidFill>
+                <a:effectLst>
+                  <a:outerShdw blurRad="38100" dist="19050" dir="2700000" algn="tl" rotWithShape="0">
+                    <a:schemeClr val="dk1">
+                      <a:alpha val="40000"/>
+                    </a:schemeClr>
+                  </a:outerShdw>
+                </a:effectLst>
+                <a:latin typeface="Segoe UI Light" panose="020B0502040204020203" pitchFamily="34" charset="0"/>
+                <a:cs typeface="Segoe UI Light" panose="020B0502040204020203" pitchFamily="34" charset="0"/>
+              </a:rPr>
+              <a:t>chung</a:t>
+            </a:r>
+            <a:r>
+              <a:rPr lang="en-US" sz="2200" dirty="0">
+                <a:ln w="0"/>
+                <a:solidFill>
+                  <a:schemeClr val="bg1">
+                    <a:lumMod val="50000"/>
+                  </a:schemeClr>
+                </a:solidFill>
+                <a:effectLst>
+                  <a:outerShdw blurRad="38100" dist="19050" dir="2700000" algn="tl" rotWithShape="0">
+                    <a:schemeClr val="dk1">
+                      <a:alpha val="40000"/>
+                    </a:schemeClr>
+                  </a:outerShdw>
+                </a:effectLst>
+                <a:latin typeface="Segoe UI Light" panose="020B0502040204020203" pitchFamily="34" charset="0"/>
+                <a:cs typeface="Segoe UI Light" panose="020B0502040204020203" pitchFamily="34" charset="0"/>
+              </a:rPr>
+              <a:t>).</a:t>
+            </a:r>
+          </a:p>
+          <a:p>
+            <a:pPr lvl="1"/>
+            <a:r>
+              <a:rPr lang="en-US" sz="2200" dirty="0">
+                <a:ln w="0"/>
+                <a:solidFill>
+                  <a:schemeClr val="bg1">
+                    <a:lumMod val="50000"/>
+                  </a:schemeClr>
+                </a:solidFill>
+                <a:effectLst>
+                  <a:outerShdw blurRad="38100" dist="19050" dir="2700000" algn="tl" rotWithShape="0">
+                    <a:schemeClr val="dk1">
+                      <a:alpha val="40000"/>
+                    </a:schemeClr>
+                  </a:outerShdw>
+                </a:effectLst>
+                <a:latin typeface="Segoe UI Light" panose="020B0502040204020203" pitchFamily="34" charset="0"/>
+                <a:cs typeface="Segoe UI Light" panose="020B0502040204020203" pitchFamily="34" charset="0"/>
+              </a:rPr>
+              <a:t>+ Focus on delivering business value( </a:t>
+            </a:r>
+            <a:r>
+              <a:rPr lang="en-US" sz="2200" dirty="0" err="1">
+                <a:ln w="0"/>
+                <a:solidFill>
+                  <a:schemeClr val="bg1">
+                    <a:lumMod val="50000"/>
+                  </a:schemeClr>
+                </a:solidFill>
+                <a:effectLst>
+                  <a:outerShdw blurRad="38100" dist="19050" dir="2700000" algn="tl" rotWithShape="0">
+                    <a:schemeClr val="dk1">
+                      <a:alpha val="40000"/>
+                    </a:schemeClr>
+                  </a:outerShdw>
+                </a:effectLst>
+                <a:latin typeface="Segoe UI Light" panose="020B0502040204020203" pitchFamily="34" charset="0"/>
+                <a:cs typeface="Segoe UI Light" panose="020B0502040204020203" pitchFamily="34" charset="0"/>
+              </a:rPr>
+              <a:t>Tập</a:t>
+            </a:r>
+            <a:r>
+              <a:rPr lang="en-US" sz="2200" dirty="0">
+                <a:ln w="0"/>
+                <a:solidFill>
+                  <a:schemeClr val="bg1">
+                    <a:lumMod val="50000"/>
+                  </a:schemeClr>
+                </a:solidFill>
+                <a:effectLst>
+                  <a:outerShdw blurRad="38100" dist="19050" dir="2700000" algn="tl" rotWithShape="0">
+                    <a:schemeClr val="dk1">
+                      <a:alpha val="40000"/>
+                    </a:schemeClr>
+                  </a:outerShdw>
+                </a:effectLst>
+                <a:latin typeface="Segoe UI Light" panose="020B0502040204020203" pitchFamily="34" charset="0"/>
+                <a:cs typeface="Segoe UI Light" panose="020B0502040204020203" pitchFamily="34" charset="0"/>
+              </a:rPr>
+              <a:t> </a:t>
+            </a:r>
+            <a:r>
+              <a:rPr lang="en-US" sz="2200" dirty="0" err="1">
+                <a:ln w="0"/>
+                <a:solidFill>
+                  <a:schemeClr val="bg1">
+                    <a:lumMod val="50000"/>
+                  </a:schemeClr>
+                </a:solidFill>
+                <a:effectLst>
+                  <a:outerShdw blurRad="38100" dist="19050" dir="2700000" algn="tl" rotWithShape="0">
+                    <a:schemeClr val="dk1">
+                      <a:alpha val="40000"/>
+                    </a:schemeClr>
+                  </a:outerShdw>
+                </a:effectLst>
+                <a:latin typeface="Segoe UI Light" panose="020B0502040204020203" pitchFamily="34" charset="0"/>
+                <a:cs typeface="Segoe UI Light" panose="020B0502040204020203" pitchFamily="34" charset="0"/>
+              </a:rPr>
+              <a:t>trung</a:t>
+            </a:r>
+            <a:r>
+              <a:rPr lang="en-US" sz="2200" dirty="0">
+                <a:ln w="0"/>
+                <a:solidFill>
+                  <a:schemeClr val="bg1">
+                    <a:lumMod val="50000"/>
+                  </a:schemeClr>
+                </a:solidFill>
+                <a:effectLst>
+                  <a:outerShdw blurRad="38100" dist="19050" dir="2700000" algn="tl" rotWithShape="0">
+                    <a:schemeClr val="dk1">
+                      <a:alpha val="40000"/>
+                    </a:schemeClr>
+                  </a:outerShdw>
+                </a:effectLst>
+                <a:latin typeface="Segoe UI Light" panose="020B0502040204020203" pitchFamily="34" charset="0"/>
+                <a:cs typeface="Segoe UI Light" panose="020B0502040204020203" pitchFamily="34" charset="0"/>
+              </a:rPr>
+              <a:t> </a:t>
+            </a:r>
+            <a:r>
+              <a:rPr lang="en-US" sz="2200" dirty="0" err="1">
+                <a:ln w="0"/>
+                <a:solidFill>
+                  <a:schemeClr val="bg1">
+                    <a:lumMod val="50000"/>
+                  </a:schemeClr>
+                </a:solidFill>
+                <a:effectLst>
+                  <a:outerShdw blurRad="38100" dist="19050" dir="2700000" algn="tl" rotWithShape="0">
+                    <a:schemeClr val="dk1">
+                      <a:alpha val="40000"/>
+                    </a:schemeClr>
+                  </a:outerShdw>
+                </a:effectLst>
+                <a:latin typeface="Segoe UI Light" panose="020B0502040204020203" pitchFamily="34" charset="0"/>
+                <a:cs typeface="Segoe UI Light" panose="020B0502040204020203" pitchFamily="34" charset="0"/>
+              </a:rPr>
+              <a:t>vào</a:t>
+            </a:r>
+            <a:r>
+              <a:rPr lang="en-US" sz="2200" dirty="0">
+                <a:ln w="0"/>
+                <a:solidFill>
+                  <a:schemeClr val="bg1">
+                    <a:lumMod val="50000"/>
+                  </a:schemeClr>
+                </a:solidFill>
+                <a:effectLst>
+                  <a:outerShdw blurRad="38100" dist="19050" dir="2700000" algn="tl" rotWithShape="0">
+                    <a:schemeClr val="dk1">
+                      <a:alpha val="40000"/>
+                    </a:schemeClr>
+                  </a:outerShdw>
+                </a:effectLst>
+                <a:latin typeface="Segoe UI Light" panose="020B0502040204020203" pitchFamily="34" charset="0"/>
+                <a:cs typeface="Segoe UI Light" panose="020B0502040204020203" pitchFamily="34" charset="0"/>
+              </a:rPr>
+              <a:t> </a:t>
+            </a:r>
+            <a:r>
+              <a:rPr lang="en-US" sz="2200" dirty="0" err="1">
+                <a:ln w="0"/>
+                <a:solidFill>
+                  <a:schemeClr val="bg1">
+                    <a:lumMod val="50000"/>
+                  </a:schemeClr>
+                </a:solidFill>
+                <a:effectLst>
+                  <a:outerShdw blurRad="38100" dist="19050" dir="2700000" algn="tl" rotWithShape="0">
+                    <a:schemeClr val="dk1">
+                      <a:alpha val="40000"/>
+                    </a:schemeClr>
+                  </a:outerShdw>
+                </a:effectLst>
+                <a:latin typeface="Segoe UI Light" panose="020B0502040204020203" pitchFamily="34" charset="0"/>
+                <a:cs typeface="Segoe UI Light" panose="020B0502040204020203" pitchFamily="34" charset="0"/>
+              </a:rPr>
+              <a:t>việc</a:t>
+            </a:r>
+            <a:r>
+              <a:rPr lang="en-US" sz="2200" dirty="0">
+                <a:ln w="0"/>
+                <a:solidFill>
+                  <a:schemeClr val="bg1">
+                    <a:lumMod val="50000"/>
+                  </a:schemeClr>
+                </a:solidFill>
+                <a:effectLst>
+                  <a:outerShdw blurRad="38100" dist="19050" dir="2700000" algn="tl" rotWithShape="0">
+                    <a:schemeClr val="dk1">
+                      <a:alpha val="40000"/>
+                    </a:schemeClr>
+                  </a:outerShdw>
+                </a:effectLst>
+                <a:latin typeface="Segoe UI Light" panose="020B0502040204020203" pitchFamily="34" charset="0"/>
+                <a:cs typeface="Segoe UI Light" panose="020B0502040204020203" pitchFamily="34" charset="0"/>
+              </a:rPr>
+              <a:t> </a:t>
+            </a:r>
+            <a:r>
+              <a:rPr lang="en-US" sz="2200" dirty="0" err="1">
+                <a:ln w="0"/>
+                <a:solidFill>
+                  <a:schemeClr val="bg1">
+                    <a:lumMod val="50000"/>
+                  </a:schemeClr>
+                </a:solidFill>
+                <a:effectLst>
+                  <a:outerShdw blurRad="38100" dist="19050" dir="2700000" algn="tl" rotWithShape="0">
+                    <a:schemeClr val="dk1">
+                      <a:alpha val="40000"/>
+                    </a:schemeClr>
+                  </a:outerShdw>
+                </a:effectLst>
+                <a:latin typeface="Segoe UI Light" panose="020B0502040204020203" pitchFamily="34" charset="0"/>
+                <a:cs typeface="Segoe UI Light" panose="020B0502040204020203" pitchFamily="34" charset="0"/>
+              </a:rPr>
+              <a:t>cung</a:t>
+            </a:r>
+            <a:r>
+              <a:rPr lang="en-US" sz="2200" dirty="0">
+                <a:ln w="0"/>
+                <a:solidFill>
+                  <a:schemeClr val="bg1">
+                    <a:lumMod val="50000"/>
+                  </a:schemeClr>
+                </a:solidFill>
+                <a:effectLst>
+                  <a:outerShdw blurRad="38100" dist="19050" dir="2700000" algn="tl" rotWithShape="0">
+                    <a:schemeClr val="dk1">
+                      <a:alpha val="40000"/>
+                    </a:schemeClr>
+                  </a:outerShdw>
+                </a:effectLst>
+                <a:latin typeface="Segoe UI Light" panose="020B0502040204020203" pitchFamily="34" charset="0"/>
+                <a:cs typeface="Segoe UI Light" panose="020B0502040204020203" pitchFamily="34" charset="0"/>
+              </a:rPr>
+              <a:t> </a:t>
+            </a:r>
+            <a:r>
+              <a:rPr lang="en-US" sz="2200" dirty="0" err="1">
+                <a:ln w="0"/>
+                <a:solidFill>
+                  <a:schemeClr val="bg1">
+                    <a:lumMod val="50000"/>
+                  </a:schemeClr>
+                </a:solidFill>
+                <a:effectLst>
+                  <a:outerShdw blurRad="38100" dist="19050" dir="2700000" algn="tl" rotWithShape="0">
+                    <a:schemeClr val="dk1">
+                      <a:alpha val="40000"/>
+                    </a:schemeClr>
+                  </a:outerShdw>
+                </a:effectLst>
+                <a:latin typeface="Segoe UI Light" panose="020B0502040204020203" pitchFamily="34" charset="0"/>
+                <a:cs typeface="Segoe UI Light" panose="020B0502040204020203" pitchFamily="34" charset="0"/>
+              </a:rPr>
+              <a:t>cấp</a:t>
+            </a:r>
+            <a:r>
+              <a:rPr lang="en-US" sz="2200" dirty="0">
+                <a:ln w="0"/>
+                <a:solidFill>
+                  <a:schemeClr val="bg1">
+                    <a:lumMod val="50000"/>
+                  </a:schemeClr>
+                </a:solidFill>
+                <a:effectLst>
+                  <a:outerShdw blurRad="38100" dist="19050" dir="2700000" algn="tl" rotWithShape="0">
+                    <a:schemeClr val="dk1">
+                      <a:alpha val="40000"/>
+                    </a:schemeClr>
+                  </a:outerShdw>
+                </a:effectLst>
+                <a:latin typeface="Segoe UI Light" panose="020B0502040204020203" pitchFamily="34" charset="0"/>
+                <a:cs typeface="Segoe UI Light" panose="020B0502040204020203" pitchFamily="34" charset="0"/>
+              </a:rPr>
+              <a:t> </a:t>
+            </a:r>
+            <a:r>
+              <a:rPr lang="en-US" sz="2200" dirty="0" err="1">
+                <a:ln w="0"/>
+                <a:solidFill>
+                  <a:schemeClr val="bg1">
+                    <a:lumMod val="50000"/>
+                  </a:schemeClr>
+                </a:solidFill>
+                <a:effectLst>
+                  <a:outerShdw blurRad="38100" dist="19050" dir="2700000" algn="tl" rotWithShape="0">
+                    <a:schemeClr val="dk1">
+                      <a:alpha val="40000"/>
+                    </a:schemeClr>
+                  </a:outerShdw>
+                </a:effectLst>
+                <a:latin typeface="Segoe UI Light" panose="020B0502040204020203" pitchFamily="34" charset="0"/>
+                <a:cs typeface="Segoe UI Light" panose="020B0502040204020203" pitchFamily="34" charset="0"/>
+              </a:rPr>
+              <a:t>các</a:t>
+            </a:r>
+            <a:r>
+              <a:rPr lang="en-US" sz="2200" dirty="0">
+                <a:ln w="0"/>
+                <a:solidFill>
+                  <a:schemeClr val="bg1">
+                    <a:lumMod val="50000"/>
+                  </a:schemeClr>
+                </a:solidFill>
+                <a:effectLst>
+                  <a:outerShdw blurRad="38100" dist="19050" dir="2700000" algn="tl" rotWithShape="0">
+                    <a:schemeClr val="dk1">
+                      <a:alpha val="40000"/>
+                    </a:schemeClr>
+                  </a:outerShdw>
+                </a:effectLst>
+                <a:latin typeface="Segoe UI Light" panose="020B0502040204020203" pitchFamily="34" charset="0"/>
+                <a:cs typeface="Segoe UI Light" panose="020B0502040204020203" pitchFamily="34" charset="0"/>
+              </a:rPr>
+              <a:t> </a:t>
+            </a:r>
+            <a:r>
+              <a:rPr lang="en-US" sz="2200" dirty="0" err="1">
+                <a:ln w="0"/>
+                <a:solidFill>
+                  <a:schemeClr val="bg1">
+                    <a:lumMod val="50000"/>
+                  </a:schemeClr>
+                </a:solidFill>
+                <a:effectLst>
+                  <a:outerShdw blurRad="38100" dist="19050" dir="2700000" algn="tl" rotWithShape="0">
+                    <a:schemeClr val="dk1">
+                      <a:alpha val="40000"/>
+                    </a:schemeClr>
+                  </a:outerShdw>
+                </a:effectLst>
+                <a:latin typeface="Segoe UI Light" panose="020B0502040204020203" pitchFamily="34" charset="0"/>
+                <a:cs typeface="Segoe UI Light" panose="020B0502040204020203" pitchFamily="34" charset="0"/>
+              </a:rPr>
+              <a:t>giá</a:t>
+            </a:r>
+            <a:r>
+              <a:rPr lang="en-US" sz="2200" dirty="0">
+                <a:ln w="0"/>
+                <a:solidFill>
+                  <a:schemeClr val="bg1">
+                    <a:lumMod val="50000"/>
+                  </a:schemeClr>
+                </a:solidFill>
+                <a:effectLst>
+                  <a:outerShdw blurRad="38100" dist="19050" dir="2700000" algn="tl" rotWithShape="0">
+                    <a:schemeClr val="dk1">
+                      <a:alpha val="40000"/>
+                    </a:schemeClr>
+                  </a:outerShdw>
+                </a:effectLst>
+                <a:latin typeface="Segoe UI Light" panose="020B0502040204020203" pitchFamily="34" charset="0"/>
+                <a:cs typeface="Segoe UI Light" panose="020B0502040204020203" pitchFamily="34" charset="0"/>
+              </a:rPr>
+              <a:t> </a:t>
+            </a:r>
+            <a:r>
+              <a:rPr lang="en-US" sz="2200" dirty="0" err="1">
+                <a:ln w="0"/>
+                <a:solidFill>
+                  <a:schemeClr val="bg1">
+                    <a:lumMod val="50000"/>
+                  </a:schemeClr>
+                </a:solidFill>
+                <a:effectLst>
+                  <a:outerShdw blurRad="38100" dist="19050" dir="2700000" algn="tl" rotWithShape="0">
+                    <a:schemeClr val="dk1">
+                      <a:alpha val="40000"/>
+                    </a:schemeClr>
+                  </a:outerShdw>
+                </a:effectLst>
+                <a:latin typeface="Segoe UI Light" panose="020B0502040204020203" pitchFamily="34" charset="0"/>
+                <a:cs typeface="Segoe UI Light" panose="020B0502040204020203" pitchFamily="34" charset="0"/>
+              </a:rPr>
+              <a:t>trị</a:t>
+            </a:r>
+            <a:r>
+              <a:rPr lang="en-US" sz="2200" dirty="0">
+                <a:ln w="0"/>
+                <a:solidFill>
+                  <a:schemeClr val="bg1">
+                    <a:lumMod val="50000"/>
+                  </a:schemeClr>
+                </a:solidFill>
+                <a:effectLst>
+                  <a:outerShdw blurRad="38100" dist="19050" dir="2700000" algn="tl" rotWithShape="0">
+                    <a:schemeClr val="dk1">
+                      <a:alpha val="40000"/>
+                    </a:schemeClr>
+                  </a:outerShdw>
+                </a:effectLst>
+                <a:latin typeface="Segoe UI Light" panose="020B0502040204020203" pitchFamily="34" charset="0"/>
+                <a:cs typeface="Segoe UI Light" panose="020B0502040204020203" pitchFamily="34" charset="0"/>
+              </a:rPr>
+              <a:t> </a:t>
+            </a:r>
+            <a:r>
+              <a:rPr lang="en-US" sz="2200" dirty="0" err="1">
+                <a:ln w="0"/>
+                <a:solidFill>
+                  <a:schemeClr val="bg1">
+                    <a:lumMod val="50000"/>
+                  </a:schemeClr>
+                </a:solidFill>
+                <a:effectLst>
+                  <a:outerShdw blurRad="38100" dist="19050" dir="2700000" algn="tl" rotWithShape="0">
+                    <a:schemeClr val="dk1">
+                      <a:alpha val="40000"/>
+                    </a:schemeClr>
+                  </a:outerShdw>
+                </a:effectLst>
+                <a:latin typeface="Segoe UI Light" panose="020B0502040204020203" pitchFamily="34" charset="0"/>
+                <a:cs typeface="Segoe UI Light" panose="020B0502040204020203" pitchFamily="34" charset="0"/>
+              </a:rPr>
+              <a:t>kinh</a:t>
+            </a:r>
+            <a:r>
+              <a:rPr lang="en-US" sz="2200" dirty="0">
+                <a:ln w="0"/>
+                <a:solidFill>
+                  <a:schemeClr val="bg1">
+                    <a:lumMod val="50000"/>
+                  </a:schemeClr>
+                </a:solidFill>
+                <a:effectLst>
+                  <a:outerShdw blurRad="38100" dist="19050" dir="2700000" algn="tl" rotWithShape="0">
+                    <a:schemeClr val="dk1">
+                      <a:alpha val="40000"/>
+                    </a:schemeClr>
+                  </a:outerShdw>
+                </a:effectLst>
+                <a:latin typeface="Segoe UI Light" panose="020B0502040204020203" pitchFamily="34" charset="0"/>
+                <a:cs typeface="Segoe UI Light" panose="020B0502040204020203" pitchFamily="34" charset="0"/>
+              </a:rPr>
+              <a:t> </a:t>
+            </a:r>
+            <a:r>
+              <a:rPr lang="en-US" sz="2200" dirty="0" err="1">
+                <a:ln w="0"/>
+                <a:solidFill>
+                  <a:schemeClr val="bg1">
+                    <a:lumMod val="50000"/>
+                  </a:schemeClr>
+                </a:solidFill>
+                <a:effectLst>
+                  <a:outerShdw blurRad="38100" dist="19050" dir="2700000" algn="tl" rotWithShape="0">
+                    <a:schemeClr val="dk1">
+                      <a:alpha val="40000"/>
+                    </a:schemeClr>
+                  </a:outerShdw>
+                </a:effectLst>
+                <a:latin typeface="Segoe UI Light" panose="020B0502040204020203" pitchFamily="34" charset="0"/>
+                <a:cs typeface="Segoe UI Light" panose="020B0502040204020203" pitchFamily="34" charset="0"/>
+              </a:rPr>
+              <a:t>doanh</a:t>
+            </a:r>
+            <a:r>
+              <a:rPr lang="en-US" sz="2200" dirty="0">
+                <a:ln w="0"/>
+                <a:solidFill>
+                  <a:schemeClr val="bg1">
+                    <a:lumMod val="50000"/>
+                  </a:schemeClr>
+                </a:solidFill>
+                <a:effectLst>
+                  <a:outerShdw blurRad="38100" dist="19050" dir="2700000" algn="tl" rotWithShape="0">
+                    <a:schemeClr val="dk1">
+                      <a:alpha val="40000"/>
+                    </a:schemeClr>
+                  </a:outerShdw>
+                </a:effectLst>
+                <a:latin typeface="Segoe UI Light" panose="020B0502040204020203" pitchFamily="34" charset="0"/>
+                <a:cs typeface="Segoe UI Light" panose="020B0502040204020203" pitchFamily="34" charset="0"/>
+              </a:rPr>
+              <a:t>).</a:t>
+            </a:r>
+          </a:p>
+          <a:p>
+            <a:pPr lvl="1"/>
+            <a:r>
+              <a:rPr lang="en-US" sz="2200" dirty="0">
+                <a:ln w="0"/>
+                <a:solidFill>
+                  <a:schemeClr val="bg1">
+                    <a:lumMod val="50000"/>
+                  </a:schemeClr>
+                </a:solidFill>
+                <a:effectLst>
+                  <a:outerShdw blurRad="38100" dist="19050" dir="2700000" algn="tl" rotWithShape="0">
+                    <a:schemeClr val="dk1">
+                      <a:alpha val="40000"/>
+                    </a:schemeClr>
+                  </a:outerShdw>
+                </a:effectLst>
+                <a:latin typeface="Segoe UI Light" panose="020B0502040204020203" pitchFamily="34" charset="0"/>
+                <a:cs typeface="Segoe UI Light" panose="020B0502040204020203" pitchFamily="34" charset="0"/>
+              </a:rPr>
+              <a:t>+ Stay agile, expect change.</a:t>
+            </a:r>
+          </a:p>
+          <a:p>
+            <a:pPr lvl="1"/>
+            <a:r>
+              <a:rPr lang="en-US" sz="2200" dirty="0">
+                <a:ln w="0"/>
+                <a:solidFill>
+                  <a:schemeClr val="bg1">
+                    <a:lumMod val="50000"/>
+                  </a:schemeClr>
+                </a:solidFill>
+                <a:effectLst>
+                  <a:outerShdw blurRad="38100" dist="19050" dir="2700000" algn="tl" rotWithShape="0">
+                    <a:schemeClr val="dk1">
+                      <a:alpha val="40000"/>
+                    </a:schemeClr>
+                  </a:outerShdw>
+                </a:effectLst>
+                <a:latin typeface="Segoe UI Light" panose="020B0502040204020203" pitchFamily="34" charset="0"/>
+                <a:cs typeface="Segoe UI Light" panose="020B0502040204020203" pitchFamily="34" charset="0"/>
+              </a:rPr>
+              <a:t>+ Invest in quality( </a:t>
+            </a:r>
+            <a:r>
+              <a:rPr lang="en-US" sz="2200" dirty="0" err="1">
+                <a:ln w="0"/>
+                <a:solidFill>
+                  <a:schemeClr val="bg1">
+                    <a:lumMod val="50000"/>
+                  </a:schemeClr>
+                </a:solidFill>
+                <a:effectLst>
+                  <a:outerShdw blurRad="38100" dist="19050" dir="2700000" algn="tl" rotWithShape="0">
+                    <a:schemeClr val="dk1">
+                      <a:alpha val="40000"/>
+                    </a:schemeClr>
+                  </a:outerShdw>
+                </a:effectLst>
+                <a:latin typeface="Segoe UI Light" panose="020B0502040204020203" pitchFamily="34" charset="0"/>
+                <a:cs typeface="Segoe UI Light" panose="020B0502040204020203" pitchFamily="34" charset="0"/>
+              </a:rPr>
+              <a:t>Đầu</a:t>
+            </a:r>
+            <a:r>
+              <a:rPr lang="en-US" sz="2200" dirty="0">
+                <a:ln w="0"/>
+                <a:solidFill>
+                  <a:schemeClr val="bg1">
+                    <a:lumMod val="50000"/>
+                  </a:schemeClr>
+                </a:solidFill>
+                <a:effectLst>
+                  <a:outerShdw blurRad="38100" dist="19050" dir="2700000" algn="tl" rotWithShape="0">
+                    <a:schemeClr val="dk1">
+                      <a:alpha val="40000"/>
+                    </a:schemeClr>
+                  </a:outerShdw>
+                </a:effectLst>
+                <a:latin typeface="Segoe UI Light" panose="020B0502040204020203" pitchFamily="34" charset="0"/>
+                <a:cs typeface="Segoe UI Light" panose="020B0502040204020203" pitchFamily="34" charset="0"/>
+              </a:rPr>
+              <a:t> </a:t>
+            </a:r>
+            <a:r>
+              <a:rPr lang="en-US" sz="2200" dirty="0" err="1">
+                <a:ln w="0"/>
+                <a:solidFill>
+                  <a:schemeClr val="bg1">
+                    <a:lumMod val="50000"/>
+                  </a:schemeClr>
+                </a:solidFill>
+                <a:effectLst>
+                  <a:outerShdw blurRad="38100" dist="19050" dir="2700000" algn="tl" rotWithShape="0">
+                    <a:schemeClr val="dk1">
+                      <a:alpha val="40000"/>
+                    </a:schemeClr>
+                  </a:outerShdw>
+                </a:effectLst>
+                <a:latin typeface="Segoe UI Light" panose="020B0502040204020203" pitchFamily="34" charset="0"/>
+                <a:cs typeface="Segoe UI Light" panose="020B0502040204020203" pitchFamily="34" charset="0"/>
+              </a:rPr>
+              <a:t>tư</a:t>
+            </a:r>
+            <a:r>
+              <a:rPr lang="en-US" sz="2200" dirty="0">
+                <a:ln w="0"/>
+                <a:solidFill>
+                  <a:schemeClr val="bg1">
+                    <a:lumMod val="50000"/>
+                  </a:schemeClr>
+                </a:solidFill>
+                <a:effectLst>
+                  <a:outerShdw blurRad="38100" dist="19050" dir="2700000" algn="tl" rotWithShape="0">
+                    <a:schemeClr val="dk1">
+                      <a:alpha val="40000"/>
+                    </a:schemeClr>
+                  </a:outerShdw>
+                </a:effectLst>
+                <a:latin typeface="Segoe UI Light" panose="020B0502040204020203" pitchFamily="34" charset="0"/>
+                <a:cs typeface="Segoe UI Light" panose="020B0502040204020203" pitchFamily="34" charset="0"/>
+              </a:rPr>
+              <a:t> </a:t>
+            </a:r>
+            <a:r>
+              <a:rPr lang="en-US" sz="2200" dirty="0" err="1">
+                <a:ln w="0"/>
+                <a:solidFill>
+                  <a:schemeClr val="bg1">
+                    <a:lumMod val="50000"/>
+                  </a:schemeClr>
+                </a:solidFill>
+                <a:effectLst>
+                  <a:outerShdw blurRad="38100" dist="19050" dir="2700000" algn="tl" rotWithShape="0">
+                    <a:schemeClr val="dk1">
+                      <a:alpha val="40000"/>
+                    </a:schemeClr>
+                  </a:outerShdw>
+                </a:effectLst>
+                <a:latin typeface="Segoe UI Light" panose="020B0502040204020203" pitchFamily="34" charset="0"/>
+                <a:cs typeface="Segoe UI Light" panose="020B0502040204020203" pitchFamily="34" charset="0"/>
+              </a:rPr>
+              <a:t>chất</a:t>
+            </a:r>
+            <a:r>
+              <a:rPr lang="en-US" sz="2200" dirty="0">
+                <a:ln w="0"/>
+                <a:solidFill>
+                  <a:schemeClr val="bg1">
+                    <a:lumMod val="50000"/>
+                  </a:schemeClr>
+                </a:solidFill>
+                <a:effectLst>
+                  <a:outerShdw blurRad="38100" dist="19050" dir="2700000" algn="tl" rotWithShape="0">
+                    <a:schemeClr val="dk1">
+                      <a:alpha val="40000"/>
+                    </a:schemeClr>
+                  </a:outerShdw>
+                </a:effectLst>
+                <a:latin typeface="Segoe UI Light" panose="020B0502040204020203" pitchFamily="34" charset="0"/>
+                <a:cs typeface="Segoe UI Light" panose="020B0502040204020203" pitchFamily="34" charset="0"/>
+              </a:rPr>
+              <a:t> </a:t>
+            </a:r>
+            <a:r>
+              <a:rPr lang="en-US" sz="2200" dirty="0" err="1">
+                <a:ln w="0"/>
+                <a:solidFill>
+                  <a:schemeClr val="bg1">
+                    <a:lumMod val="50000"/>
+                  </a:schemeClr>
+                </a:solidFill>
+                <a:effectLst>
+                  <a:outerShdw blurRad="38100" dist="19050" dir="2700000" algn="tl" rotWithShape="0">
+                    <a:schemeClr val="dk1">
+                      <a:alpha val="40000"/>
+                    </a:schemeClr>
+                  </a:outerShdw>
+                </a:effectLst>
+                <a:latin typeface="Segoe UI Light" panose="020B0502040204020203" pitchFamily="34" charset="0"/>
+                <a:cs typeface="Segoe UI Light" panose="020B0502040204020203" pitchFamily="34" charset="0"/>
+              </a:rPr>
+              <a:t>lượng</a:t>
+            </a:r>
+            <a:r>
+              <a:rPr lang="en-US" sz="2200" dirty="0">
+                <a:ln w="0"/>
+                <a:solidFill>
+                  <a:schemeClr val="bg1">
+                    <a:lumMod val="50000"/>
+                  </a:schemeClr>
+                </a:solidFill>
+                <a:effectLst>
+                  <a:outerShdw blurRad="38100" dist="19050" dir="2700000" algn="tl" rotWithShape="0">
+                    <a:schemeClr val="dk1">
+                      <a:alpha val="40000"/>
+                    </a:schemeClr>
+                  </a:outerShdw>
+                </a:effectLst>
+                <a:latin typeface="Segoe UI Light" panose="020B0502040204020203" pitchFamily="34" charset="0"/>
+                <a:cs typeface="Segoe UI Light" panose="020B0502040204020203" pitchFamily="34" charset="0"/>
+              </a:rPr>
+              <a:t>).</a:t>
+            </a:r>
+          </a:p>
+          <a:p>
+            <a:pPr lvl="1"/>
+            <a:r>
+              <a:rPr lang="en-US" sz="2200" dirty="0">
+                <a:ln w="0"/>
+                <a:solidFill>
+                  <a:schemeClr val="bg1">
+                    <a:lumMod val="50000"/>
+                  </a:schemeClr>
+                </a:solidFill>
+                <a:effectLst>
+                  <a:outerShdw blurRad="38100" dist="19050" dir="2700000" algn="tl" rotWithShape="0">
+                    <a:schemeClr val="dk1">
+                      <a:alpha val="40000"/>
+                    </a:schemeClr>
+                  </a:outerShdw>
+                </a:effectLst>
+                <a:latin typeface="Segoe UI Light" panose="020B0502040204020203" pitchFamily="34" charset="0"/>
+                <a:cs typeface="Segoe UI Light" panose="020B0502040204020203" pitchFamily="34" charset="0"/>
+              </a:rPr>
+              <a:t>+ Learn from all experiences.</a:t>
+            </a:r>
+          </a:p>
+          <a:p>
+            <a:pPr lvl="1"/>
+            <a:r>
+              <a:rPr lang="en-US" sz="2000" dirty="0">
+                <a:ln w="0"/>
+                <a:solidFill>
+                  <a:schemeClr val="bg1">
+                    <a:lumMod val="50000"/>
+                  </a:schemeClr>
+                </a:solidFill>
+                <a:effectLst>
+                  <a:outerShdw blurRad="38100" dist="19050" dir="2700000" algn="tl" rotWithShape="0">
+                    <a:schemeClr val="dk1">
+                      <a:alpha val="40000"/>
+                    </a:schemeClr>
+                  </a:outerShdw>
+                </a:effectLst>
+                <a:latin typeface="Segoe UI Light" panose="020B0502040204020203" pitchFamily="34" charset="0"/>
+                <a:cs typeface="Segoe UI Light" panose="020B0502040204020203" pitchFamily="34" charset="0"/>
+              </a:rPr>
+              <a:t> </a:t>
+            </a:r>
+          </a:p>
+          <a:p>
+            <a:pPr lvl="1"/>
+            <a:endParaRPr lang="en-US" sz="2400" dirty="0">
               <a:ln w="0"/>
               <a:solidFill>
                 <a:schemeClr val="bg1">
@@ -4964,7 +9234,7 @@
           <a:lstStyle/>
           <a:p>
             <a:r>
-              <a:rPr lang="en-US" sz="4000" dirty="0" smtClean="0">
+              <a:rPr lang="en-US" sz="4000" dirty="0">
                 <a:ln w="0"/>
                 <a:solidFill>
                   <a:schemeClr val="bg1"/>
@@ -4981,21 +9251,6 @@
               </a:rPr>
               <a:t>NỘI DUNG 2</a:t>
             </a:r>
-            <a:endParaRPr lang="en-US" sz="4000" dirty="0">
-              <a:ln w="0"/>
-              <a:solidFill>
-                <a:schemeClr val="bg1"/>
-              </a:solidFill>
-              <a:effectLst>
-                <a:outerShdw blurRad="38100" dist="19050" dir="2700000" algn="tl" rotWithShape="0">
-                  <a:schemeClr val="dk1">
-                    <a:alpha val="40000"/>
-                  </a:schemeClr>
-                </a:outerShdw>
-              </a:effectLst>
-              <a:latin typeface="Segoe UI Light" panose="020B0502040204020203" pitchFamily="34" charset="0"/>
-              <a:cs typeface="Segoe UI Light" panose="020B0502040204020203" pitchFamily="34" charset="0"/>
-            </a:endParaRPr>
           </a:p>
         </p:txBody>
       </p:sp>
@@ -5022,7 +9277,7 @@
           <a:lstStyle/>
           <a:p>
             <a:r>
-              <a:rPr lang="en-US" sz="4000" dirty="0" smtClean="0">
+              <a:rPr lang="en-US" sz="4000" dirty="0">
                 <a:ln w="0"/>
                 <a:solidFill>
                   <a:schemeClr val="bg1">
@@ -5041,23 +9296,6 @@
               </a:rPr>
               <a:t>Các ý chính</a:t>
             </a:r>
-            <a:endParaRPr lang="en-US" sz="4000" dirty="0">
-              <a:ln w="0"/>
-              <a:solidFill>
-                <a:schemeClr val="bg1">
-                  <a:lumMod val="50000"/>
-                </a:schemeClr>
-              </a:solidFill>
-              <a:effectLst>
-                <a:outerShdw blurRad="38100" dist="19050" dir="2700000" algn="tl" rotWithShape="0">
-                  <a:schemeClr val="dk1">
-                    <a:alpha val="40000"/>
-                  </a:schemeClr>
-                </a:outerShdw>
-              </a:effectLst>
-              <a:latin typeface="Segoe UI Light" panose="020B0502040204020203" pitchFamily="34" charset="0"/>
-              <a:cs typeface="Segoe UI Light" panose="020B0502040204020203" pitchFamily="34" charset="0"/>
-            </a:endParaRPr>
           </a:p>
         </p:txBody>
       </p:sp>
@@ -5322,41 +9560,8 @@
                 <a:latin typeface="Segoe UI Light" panose="020B0502040204020203" pitchFamily="34" charset="0"/>
                 <a:cs typeface="Segoe UI Light" panose="020B0502040204020203" pitchFamily="34" charset="0"/>
               </a:rPr>
-              <a:t>Cám ơn </a:t>
-            </a:r>
-            <a:r>
-              <a:rPr lang="en-US" sz="3200" dirty="0" smtClean="0">
-                <a:ln w="0"/>
-                <a:solidFill>
-                  <a:schemeClr val="bg1"/>
-                </a:solidFill>
-                <a:effectLst>
-                  <a:outerShdw blurRad="38100" dist="19050" dir="2700000" algn="tl" rotWithShape="0">
-                    <a:schemeClr val="dk1">
-                      <a:alpha val="40000"/>
-                    </a:schemeClr>
-                  </a:outerShdw>
-                </a:effectLst>
-                <a:latin typeface="Segoe UI Light" panose="020B0502040204020203" pitchFamily="34" charset="0"/>
-                <a:cs typeface="Segoe UI Light" panose="020B0502040204020203" pitchFamily="34" charset="0"/>
-              </a:rPr>
-              <a:t>thầy và các bạn đã lắng nghe.</a:t>
-            </a:r>
-            <a:endParaRPr lang="en-US" sz="3200" dirty="0">
-              <a:ln w="0"/>
-              <a:solidFill>
-                <a:schemeClr val="bg1"/>
-              </a:solidFill>
-              <a:effectLst>
-                <a:outerShdw blurRad="38100" dist="19050" dir="2700000" algn="tl" rotWithShape="0">
-                  <a:schemeClr val="dk1">
-                    <a:alpha val="40000"/>
-                  </a:schemeClr>
-                </a:outerShdw>
-              </a:effectLst>
-              <a:latin typeface="Segoe UI Light" panose="020B0502040204020203" pitchFamily="34" charset="0"/>
-              <a:cs typeface="Segoe UI Light" panose="020B0502040204020203" pitchFamily="34" charset="0"/>
-            </a:endParaRPr>
+              <a:t>Cám ơn thầy và các bạn đã lắng nghe.</a:t>
+            </a:r>
           </a:p>
         </p:txBody>
       </p:sp>
@@ -5437,13 +9642,6 @@
   <p:transition spd="slow">
     <p:push dir="u"/>
   </p:transition>
-  <p:timing>
-    <p:tnLst>
-      <p:par>
-        <p:cTn id="1" dur="indefinite" restart="never" nodeType="tmRoot"/>
-      </p:par>
-    </p:tnLst>
-  </p:timing>
 </p:sld>
 </file>
 

--- a/Serminar.pptx
+++ b/Serminar.pptx
@@ -5,16 +5,18 @@
     <p:sldMasterId id="2147483713" r:id="rId1"/>
   </p:sldMasterIdLst>
   <p:notesMasterIdLst>
-    <p:notesMasterId r:id="rId9"/>
+    <p:notesMasterId r:id="rId11"/>
   </p:notesMasterIdLst>
   <p:sldIdLst>
     <p:sldId id="256" r:id="rId2"/>
     <p:sldId id="262" r:id="rId3"/>
     <p:sldId id="264" r:id="rId4"/>
-    <p:sldId id="265" r:id="rId5"/>
-    <p:sldId id="266" r:id="rId6"/>
-    <p:sldId id="267" r:id="rId7"/>
-    <p:sldId id="263" r:id="rId8"/>
+    <p:sldId id="268" r:id="rId5"/>
+    <p:sldId id="265" r:id="rId6"/>
+    <p:sldId id="269" r:id="rId7"/>
+    <p:sldId id="266" r:id="rId8"/>
+    <p:sldId id="267" r:id="rId9"/>
+    <p:sldId id="263" r:id="rId10"/>
   </p:sldIdLst>
   <p:sldSz cx="12192000" cy="6858000"/>
   <p:notesSz cx="6858000" cy="9144000"/>
@@ -122,6 +124,1620 @@
 </file>
 
 <file path=ppt/diagrams/colors1.xml><?xml version="1.0" encoding="utf-8"?>
+<dgm:colorsDef xmlns:dgm="http://schemas.openxmlformats.org/drawingml/2006/diagram" xmlns:a="http://schemas.openxmlformats.org/drawingml/2006/main" uniqueId="urn:microsoft.com/office/officeart/2005/8/colors/accent0_1">
+  <dgm:title val=""/>
+  <dgm:desc val=""/>
+  <dgm:catLst>
+    <dgm:cat type="mainScheme" pri="10100"/>
+  </dgm:catLst>
+  <dgm:styleLbl name="node0">
+    <dgm:fillClrLst meth="repeat">
+      <a:schemeClr val="lt1"/>
+    </dgm:fillClrLst>
+    <dgm:linClrLst meth="repeat">
+      <a:schemeClr val="dk1">
+        <a:shade val="80000"/>
+      </a:schemeClr>
+    </dgm:linClrLst>
+    <dgm:effectClrLst/>
+    <dgm:txLinClrLst/>
+    <dgm:txFillClrLst meth="repeat">
+      <a:schemeClr val="dk1"/>
+    </dgm:txFillClrLst>
+    <dgm:txEffectClrLst/>
+  </dgm:styleLbl>
+  <dgm:styleLbl name="node1">
+    <dgm:fillClrLst meth="repeat">
+      <a:schemeClr val="lt1"/>
+    </dgm:fillClrLst>
+    <dgm:linClrLst meth="repeat">
+      <a:schemeClr val="dk1">
+        <a:shade val="80000"/>
+      </a:schemeClr>
+    </dgm:linClrLst>
+    <dgm:effectClrLst/>
+    <dgm:txLinClrLst/>
+    <dgm:txFillClrLst meth="repeat">
+      <a:schemeClr val="dk1"/>
+    </dgm:txFillClrLst>
+    <dgm:txEffectClrLst/>
+  </dgm:styleLbl>
+  <dgm:styleLbl name="alignNode1">
+    <dgm:fillClrLst meth="repeat">
+      <a:schemeClr val="lt1"/>
+    </dgm:fillClrLst>
+    <dgm:linClrLst meth="repeat">
+      <a:schemeClr val="dk1">
+        <a:shade val="80000"/>
+      </a:schemeClr>
+    </dgm:linClrLst>
+    <dgm:effectClrLst/>
+    <dgm:txLinClrLst/>
+    <dgm:txFillClrLst meth="repeat">
+      <a:schemeClr val="dk1"/>
+    </dgm:txFillClrLst>
+    <dgm:txEffectClrLst/>
+  </dgm:styleLbl>
+  <dgm:styleLbl name="lnNode1">
+    <dgm:fillClrLst meth="repeat">
+      <a:schemeClr val="lt1"/>
+    </dgm:fillClrLst>
+    <dgm:linClrLst meth="repeat">
+      <a:schemeClr val="dk1">
+        <a:shade val="80000"/>
+      </a:schemeClr>
+    </dgm:linClrLst>
+    <dgm:effectClrLst/>
+    <dgm:txLinClrLst/>
+    <dgm:txFillClrLst meth="repeat">
+      <a:schemeClr val="dk1"/>
+    </dgm:txFillClrLst>
+    <dgm:txEffectClrLst/>
+  </dgm:styleLbl>
+  <dgm:styleLbl name="vennNode1">
+    <dgm:fillClrLst meth="repeat">
+      <a:schemeClr val="lt1">
+        <a:alpha val="50000"/>
+      </a:schemeClr>
+    </dgm:fillClrLst>
+    <dgm:linClrLst meth="repeat">
+      <a:schemeClr val="dk1">
+        <a:shade val="80000"/>
+      </a:schemeClr>
+    </dgm:linClrLst>
+    <dgm:effectClrLst/>
+    <dgm:txLinClrLst/>
+    <dgm:txFillClrLst/>
+    <dgm:txEffectClrLst/>
+  </dgm:styleLbl>
+  <dgm:styleLbl name="node2">
+    <dgm:fillClrLst meth="repeat">
+      <a:schemeClr val="lt1"/>
+    </dgm:fillClrLst>
+    <dgm:linClrLst meth="repeat">
+      <a:schemeClr val="dk1">
+        <a:shade val="80000"/>
+      </a:schemeClr>
+    </dgm:linClrLst>
+    <dgm:effectClrLst/>
+    <dgm:txLinClrLst/>
+    <dgm:txFillClrLst meth="repeat">
+      <a:schemeClr val="dk1"/>
+    </dgm:txFillClrLst>
+    <dgm:txEffectClrLst/>
+  </dgm:styleLbl>
+  <dgm:styleLbl name="node3">
+    <dgm:fillClrLst meth="repeat">
+      <a:schemeClr val="lt1"/>
+    </dgm:fillClrLst>
+    <dgm:linClrLst meth="repeat">
+      <a:schemeClr val="dk1">
+        <a:shade val="80000"/>
+      </a:schemeClr>
+    </dgm:linClrLst>
+    <dgm:effectClrLst/>
+    <dgm:txLinClrLst/>
+    <dgm:txFillClrLst meth="repeat">
+      <a:schemeClr val="dk1"/>
+    </dgm:txFillClrLst>
+    <dgm:txEffectClrLst/>
+  </dgm:styleLbl>
+  <dgm:styleLbl name="node4">
+    <dgm:fillClrLst meth="repeat">
+      <a:schemeClr val="lt1"/>
+    </dgm:fillClrLst>
+    <dgm:linClrLst meth="repeat">
+      <a:schemeClr val="dk1">
+        <a:shade val="80000"/>
+      </a:schemeClr>
+    </dgm:linClrLst>
+    <dgm:effectClrLst/>
+    <dgm:txLinClrLst/>
+    <dgm:txFillClrLst meth="repeat">
+      <a:schemeClr val="dk1"/>
+    </dgm:txFillClrLst>
+    <dgm:txEffectClrLst/>
+  </dgm:styleLbl>
+  <dgm:styleLbl name="fgImgPlace1">
+    <dgm:fillClrLst meth="repeat">
+      <a:schemeClr val="dk1">
+        <a:tint val="40000"/>
+      </a:schemeClr>
+    </dgm:fillClrLst>
+    <dgm:linClrLst meth="repeat">
+      <a:schemeClr val="dk1">
+        <a:shade val="80000"/>
+      </a:schemeClr>
+    </dgm:linClrLst>
+    <dgm:effectClrLst/>
+    <dgm:txLinClrLst/>
+    <dgm:txFillClrLst meth="repeat">
+      <a:schemeClr val="lt1"/>
+    </dgm:txFillClrLst>
+    <dgm:txEffectClrLst/>
+  </dgm:styleLbl>
+  <dgm:styleLbl name="alignImgPlace1">
+    <dgm:fillClrLst meth="repeat">
+      <a:schemeClr val="dk1">
+        <a:tint val="40000"/>
+      </a:schemeClr>
+    </dgm:fillClrLst>
+    <dgm:linClrLst meth="repeat">
+      <a:schemeClr val="dk1">
+        <a:shade val="80000"/>
+      </a:schemeClr>
+    </dgm:linClrLst>
+    <dgm:effectClrLst/>
+    <dgm:txLinClrLst/>
+    <dgm:txFillClrLst meth="repeat">
+      <a:schemeClr val="lt1"/>
+    </dgm:txFillClrLst>
+    <dgm:txEffectClrLst/>
+  </dgm:styleLbl>
+  <dgm:styleLbl name="bgImgPlace1">
+    <dgm:fillClrLst meth="repeat">
+      <a:schemeClr val="dk1">
+        <a:tint val="40000"/>
+      </a:schemeClr>
+    </dgm:fillClrLst>
+    <dgm:linClrLst meth="repeat">
+      <a:schemeClr val="dk1">
+        <a:shade val="80000"/>
+      </a:schemeClr>
+    </dgm:linClrLst>
+    <dgm:effectClrLst/>
+    <dgm:txLinClrLst/>
+    <dgm:txFillClrLst meth="repeat">
+      <a:schemeClr val="lt1"/>
+    </dgm:txFillClrLst>
+    <dgm:txEffectClrLst/>
+  </dgm:styleLbl>
+  <dgm:styleLbl name="sibTrans2D1">
+    <dgm:fillClrLst meth="repeat">
+      <a:schemeClr val="dk1">
+        <a:tint val="60000"/>
+      </a:schemeClr>
+    </dgm:fillClrLst>
+    <dgm:linClrLst meth="repeat">
+      <a:schemeClr val="dk1">
+        <a:tint val="60000"/>
+      </a:schemeClr>
+    </dgm:linClrLst>
+    <dgm:effectClrLst/>
+    <dgm:txLinClrLst/>
+    <dgm:txFillClrLst meth="repeat">
+      <a:schemeClr val="dk1"/>
+    </dgm:txFillClrLst>
+    <dgm:txEffectClrLst/>
+  </dgm:styleLbl>
+  <dgm:styleLbl name="fgSibTrans2D1">
+    <dgm:fillClrLst meth="repeat">
+      <a:schemeClr val="dk1">
+        <a:tint val="60000"/>
+      </a:schemeClr>
+    </dgm:fillClrLst>
+    <dgm:linClrLst meth="repeat">
+      <a:schemeClr val="dk1">
+        <a:tint val="60000"/>
+      </a:schemeClr>
+    </dgm:linClrLst>
+    <dgm:effectClrLst/>
+    <dgm:txLinClrLst/>
+    <dgm:txFillClrLst meth="repeat">
+      <a:schemeClr val="dk1"/>
+    </dgm:txFillClrLst>
+    <dgm:txEffectClrLst/>
+  </dgm:styleLbl>
+  <dgm:styleLbl name="bgSibTrans2D1">
+    <dgm:fillClrLst meth="repeat">
+      <a:schemeClr val="dk1">
+        <a:tint val="60000"/>
+      </a:schemeClr>
+    </dgm:fillClrLst>
+    <dgm:linClrLst meth="repeat">
+      <a:schemeClr val="dk1">
+        <a:tint val="60000"/>
+      </a:schemeClr>
+    </dgm:linClrLst>
+    <dgm:effectClrLst/>
+    <dgm:txLinClrLst/>
+    <dgm:txFillClrLst meth="repeat">
+      <a:schemeClr val="dk1"/>
+    </dgm:txFillClrLst>
+    <dgm:txEffectClrLst/>
+  </dgm:styleLbl>
+  <dgm:styleLbl name="sibTrans1D1">
+    <dgm:fillClrLst meth="repeat">
+      <a:schemeClr val="dk1"/>
+    </dgm:fillClrLst>
+    <dgm:linClrLst meth="repeat">
+      <a:schemeClr val="dk1"/>
+    </dgm:linClrLst>
+    <dgm:effectClrLst/>
+    <dgm:txLinClrLst/>
+    <dgm:txFillClrLst meth="repeat">
+      <a:schemeClr val="tx1"/>
+    </dgm:txFillClrLst>
+    <dgm:txEffectClrLst/>
+  </dgm:styleLbl>
+  <dgm:styleLbl name="callout">
+    <dgm:fillClrLst meth="repeat">
+      <a:schemeClr val="dk1"/>
+    </dgm:fillClrLst>
+    <dgm:linClrLst meth="repeat">
+      <a:schemeClr val="dk1"/>
+    </dgm:linClrLst>
+    <dgm:effectClrLst/>
+    <dgm:txLinClrLst/>
+    <dgm:txFillClrLst meth="repeat">
+      <a:schemeClr val="tx1"/>
+    </dgm:txFillClrLst>
+    <dgm:txEffectClrLst/>
+  </dgm:styleLbl>
+  <dgm:styleLbl name="asst0">
+    <dgm:fillClrLst meth="repeat">
+      <a:schemeClr val="lt1"/>
+    </dgm:fillClrLst>
+    <dgm:linClrLst meth="repeat">
+      <a:schemeClr val="dk1">
+        <a:shade val="80000"/>
+      </a:schemeClr>
+    </dgm:linClrLst>
+    <dgm:effectClrLst/>
+    <dgm:txLinClrLst/>
+    <dgm:txFillClrLst meth="repeat">
+      <a:schemeClr val="dk1"/>
+    </dgm:txFillClrLst>
+    <dgm:txEffectClrLst/>
+  </dgm:styleLbl>
+  <dgm:styleLbl name="asst1">
+    <dgm:fillClrLst meth="repeat">
+      <a:schemeClr val="lt1"/>
+    </dgm:fillClrLst>
+    <dgm:linClrLst meth="repeat">
+      <a:schemeClr val="dk1">
+        <a:shade val="80000"/>
+      </a:schemeClr>
+    </dgm:linClrLst>
+    <dgm:effectClrLst/>
+    <dgm:txLinClrLst/>
+    <dgm:txFillClrLst meth="repeat">
+      <a:schemeClr val="dk1"/>
+    </dgm:txFillClrLst>
+    <dgm:txEffectClrLst/>
+  </dgm:styleLbl>
+  <dgm:styleLbl name="asst2">
+    <dgm:fillClrLst meth="repeat">
+      <a:schemeClr val="lt1"/>
+    </dgm:fillClrLst>
+    <dgm:linClrLst meth="repeat">
+      <a:schemeClr val="dk1">
+        <a:shade val="80000"/>
+      </a:schemeClr>
+    </dgm:linClrLst>
+    <dgm:effectClrLst/>
+    <dgm:txLinClrLst/>
+    <dgm:txFillClrLst meth="repeat">
+      <a:schemeClr val="dk1"/>
+    </dgm:txFillClrLst>
+    <dgm:txEffectClrLst/>
+  </dgm:styleLbl>
+  <dgm:styleLbl name="asst3">
+    <dgm:fillClrLst meth="repeat">
+      <a:schemeClr val="lt1"/>
+    </dgm:fillClrLst>
+    <dgm:linClrLst meth="repeat">
+      <a:schemeClr val="dk1">
+        <a:shade val="80000"/>
+      </a:schemeClr>
+    </dgm:linClrLst>
+    <dgm:effectClrLst/>
+    <dgm:txLinClrLst/>
+    <dgm:txFillClrLst meth="repeat">
+      <a:schemeClr val="dk1"/>
+    </dgm:txFillClrLst>
+    <dgm:txEffectClrLst/>
+  </dgm:styleLbl>
+  <dgm:styleLbl name="asst4">
+    <dgm:fillClrLst meth="repeat">
+      <a:schemeClr val="lt1"/>
+    </dgm:fillClrLst>
+    <dgm:linClrLst meth="repeat">
+      <a:schemeClr val="dk1">
+        <a:shade val="80000"/>
+      </a:schemeClr>
+    </dgm:linClrLst>
+    <dgm:effectClrLst/>
+    <dgm:txLinClrLst/>
+    <dgm:txFillClrLst meth="repeat">
+      <a:schemeClr val="dk1"/>
+    </dgm:txFillClrLst>
+    <dgm:txEffectClrLst/>
+  </dgm:styleLbl>
+  <dgm:styleLbl name="parChTrans2D1">
+    <dgm:fillClrLst meth="repeat">
+      <a:schemeClr val="dk1">
+        <a:tint val="60000"/>
+      </a:schemeClr>
+    </dgm:fillClrLst>
+    <dgm:linClrLst meth="repeat">
+      <a:schemeClr val="dk1">
+        <a:tint val="60000"/>
+      </a:schemeClr>
+    </dgm:linClrLst>
+    <dgm:effectClrLst/>
+    <dgm:txLinClrLst/>
+    <dgm:txFillClrLst/>
+    <dgm:txEffectClrLst/>
+  </dgm:styleLbl>
+  <dgm:styleLbl name="parChTrans2D2">
+    <dgm:fillClrLst meth="repeat">
+      <a:schemeClr val="dk1"/>
+    </dgm:fillClrLst>
+    <dgm:linClrLst meth="repeat">
+      <a:schemeClr val="dk1"/>
+    </dgm:linClrLst>
+    <dgm:effectClrLst/>
+    <dgm:txLinClrLst/>
+    <dgm:txFillClrLst/>
+    <dgm:txEffectClrLst/>
+  </dgm:styleLbl>
+  <dgm:styleLbl name="parChTrans2D3">
+    <dgm:fillClrLst meth="repeat">
+      <a:schemeClr val="dk1"/>
+    </dgm:fillClrLst>
+    <dgm:linClrLst meth="repeat">
+      <a:schemeClr val="dk1"/>
+    </dgm:linClrLst>
+    <dgm:effectClrLst/>
+    <dgm:txLinClrLst/>
+    <dgm:txFillClrLst/>
+    <dgm:txEffectClrLst/>
+  </dgm:styleLbl>
+  <dgm:styleLbl name="parChTrans2D4">
+    <dgm:fillClrLst meth="repeat">
+      <a:schemeClr val="dk1"/>
+    </dgm:fillClrLst>
+    <dgm:linClrLst meth="repeat">
+      <a:schemeClr val="dk1"/>
+    </dgm:linClrLst>
+    <dgm:effectClrLst/>
+    <dgm:txLinClrLst/>
+    <dgm:txFillClrLst meth="repeat">
+      <a:schemeClr val="lt1"/>
+    </dgm:txFillClrLst>
+    <dgm:txEffectClrLst/>
+  </dgm:styleLbl>
+  <dgm:styleLbl name="parChTrans1D1">
+    <dgm:fillClrLst meth="repeat">
+      <a:schemeClr val="dk1"/>
+    </dgm:fillClrLst>
+    <dgm:linClrLst meth="repeat">
+      <a:schemeClr val="dk1">
+        <a:shade val="60000"/>
+      </a:schemeClr>
+    </dgm:linClrLst>
+    <dgm:effectClrLst/>
+    <dgm:txLinClrLst/>
+    <dgm:txFillClrLst meth="repeat">
+      <a:schemeClr val="tx1"/>
+    </dgm:txFillClrLst>
+    <dgm:txEffectClrLst/>
+  </dgm:styleLbl>
+  <dgm:styleLbl name="parChTrans1D2">
+    <dgm:fillClrLst meth="repeat">
+      <a:schemeClr val="dk1"/>
+    </dgm:fillClrLst>
+    <dgm:linClrLst meth="repeat">
+      <a:schemeClr val="dk1">
+        <a:shade val="60000"/>
+      </a:schemeClr>
+    </dgm:linClrLst>
+    <dgm:effectClrLst/>
+    <dgm:txLinClrLst/>
+    <dgm:txFillClrLst meth="repeat">
+      <a:schemeClr val="tx1"/>
+    </dgm:txFillClrLst>
+    <dgm:txEffectClrLst/>
+  </dgm:styleLbl>
+  <dgm:styleLbl name="parChTrans1D3">
+    <dgm:fillClrLst meth="repeat">
+      <a:schemeClr val="dk1"/>
+    </dgm:fillClrLst>
+    <dgm:linClrLst meth="repeat">
+      <a:schemeClr val="dk1">
+        <a:shade val="80000"/>
+      </a:schemeClr>
+    </dgm:linClrLst>
+    <dgm:effectClrLst/>
+    <dgm:txLinClrLst/>
+    <dgm:txFillClrLst meth="repeat">
+      <a:schemeClr val="tx1"/>
+    </dgm:txFillClrLst>
+    <dgm:txEffectClrLst/>
+  </dgm:styleLbl>
+  <dgm:styleLbl name="parChTrans1D4">
+    <dgm:fillClrLst meth="repeat">
+      <a:schemeClr val="dk1"/>
+    </dgm:fillClrLst>
+    <dgm:linClrLst meth="repeat">
+      <a:schemeClr val="dk1">
+        <a:shade val="80000"/>
+      </a:schemeClr>
+    </dgm:linClrLst>
+    <dgm:effectClrLst/>
+    <dgm:txLinClrLst/>
+    <dgm:txFillClrLst meth="repeat">
+      <a:schemeClr val="tx1"/>
+    </dgm:txFillClrLst>
+    <dgm:txEffectClrLst/>
+  </dgm:styleLbl>
+  <dgm:styleLbl name="fgAcc1">
+    <dgm:fillClrLst meth="repeat">
+      <a:schemeClr val="dk1">
+        <a:alpha val="90000"/>
+        <a:tint val="40000"/>
+      </a:schemeClr>
+    </dgm:fillClrLst>
+    <dgm:linClrLst meth="repeat">
+      <a:schemeClr val="dk1"/>
+    </dgm:linClrLst>
+    <dgm:effectClrLst/>
+    <dgm:txLinClrLst/>
+    <dgm:txFillClrLst meth="repeat">
+      <a:schemeClr val="dk1"/>
+    </dgm:txFillClrLst>
+    <dgm:txEffectClrLst/>
+  </dgm:styleLbl>
+  <dgm:styleLbl name="conFgAcc1">
+    <dgm:fillClrLst meth="repeat">
+      <a:schemeClr val="dk1">
+        <a:alpha val="90000"/>
+        <a:tint val="40000"/>
+      </a:schemeClr>
+    </dgm:fillClrLst>
+    <dgm:linClrLst meth="repeat">
+      <a:schemeClr val="dk1"/>
+    </dgm:linClrLst>
+    <dgm:effectClrLst/>
+    <dgm:txLinClrLst/>
+    <dgm:txFillClrLst meth="repeat">
+      <a:schemeClr val="dk1"/>
+    </dgm:txFillClrLst>
+    <dgm:txEffectClrLst/>
+  </dgm:styleLbl>
+  <dgm:styleLbl name="alignAcc1">
+    <dgm:fillClrLst meth="repeat">
+      <a:schemeClr val="dk1">
+        <a:alpha val="90000"/>
+        <a:tint val="40000"/>
+      </a:schemeClr>
+    </dgm:fillClrLst>
+    <dgm:linClrLst meth="repeat">
+      <a:schemeClr val="dk1"/>
+    </dgm:linClrLst>
+    <dgm:effectClrLst/>
+    <dgm:txLinClrLst/>
+    <dgm:txFillClrLst meth="repeat">
+      <a:schemeClr val="dk1"/>
+    </dgm:txFillClrLst>
+    <dgm:txEffectClrLst/>
+  </dgm:styleLbl>
+  <dgm:styleLbl name="trAlignAcc1">
+    <dgm:fillClrLst meth="repeat">
+      <a:schemeClr val="dk1">
+        <a:alpha val="40000"/>
+        <a:tint val="40000"/>
+      </a:schemeClr>
+    </dgm:fillClrLst>
+    <dgm:linClrLst meth="repeat">
+      <a:schemeClr val="dk1"/>
+    </dgm:linClrLst>
+    <dgm:effectClrLst/>
+    <dgm:txLinClrLst/>
+    <dgm:txFillClrLst meth="repeat">
+      <a:schemeClr val="dk1"/>
+    </dgm:txFillClrLst>
+    <dgm:txEffectClrLst/>
+  </dgm:styleLbl>
+  <dgm:styleLbl name="bgAcc1">
+    <dgm:fillClrLst meth="repeat">
+      <a:schemeClr val="dk1">
+        <a:alpha val="90000"/>
+        <a:tint val="40000"/>
+      </a:schemeClr>
+    </dgm:fillClrLst>
+    <dgm:linClrLst meth="repeat">
+      <a:schemeClr val="dk1"/>
+    </dgm:linClrLst>
+    <dgm:effectClrLst/>
+    <dgm:txLinClrLst/>
+    <dgm:txFillClrLst meth="repeat">
+      <a:schemeClr val="dk1"/>
+    </dgm:txFillClrLst>
+    <dgm:txEffectClrLst/>
+  </dgm:styleLbl>
+  <dgm:styleLbl name="solidFgAcc1">
+    <dgm:fillClrLst meth="repeat">
+      <a:schemeClr val="lt1"/>
+    </dgm:fillClrLst>
+    <dgm:linClrLst meth="repeat">
+      <a:schemeClr val="dk1"/>
+    </dgm:linClrLst>
+    <dgm:effectClrLst/>
+    <dgm:txLinClrLst/>
+    <dgm:txFillClrLst meth="repeat">
+      <a:schemeClr val="dk1"/>
+    </dgm:txFillClrLst>
+    <dgm:txEffectClrLst/>
+  </dgm:styleLbl>
+  <dgm:styleLbl name="solidAlignAcc1">
+    <dgm:fillClrLst meth="repeat">
+      <a:schemeClr val="lt1"/>
+    </dgm:fillClrLst>
+    <dgm:linClrLst meth="repeat">
+      <a:schemeClr val="dk1"/>
+    </dgm:linClrLst>
+    <dgm:effectClrLst/>
+    <dgm:txLinClrLst/>
+    <dgm:txFillClrLst meth="repeat">
+      <a:schemeClr val="dk1"/>
+    </dgm:txFillClrLst>
+    <dgm:txEffectClrLst/>
+  </dgm:styleLbl>
+  <dgm:styleLbl name="solidBgAcc1">
+    <dgm:fillClrLst meth="repeat">
+      <a:schemeClr val="lt1"/>
+    </dgm:fillClrLst>
+    <dgm:linClrLst meth="repeat">
+      <a:schemeClr val="dk1"/>
+    </dgm:linClrLst>
+    <dgm:effectClrLst/>
+    <dgm:txLinClrLst/>
+    <dgm:txFillClrLst meth="repeat">
+      <a:schemeClr val="dk1"/>
+    </dgm:txFillClrLst>
+    <dgm:txEffectClrLst/>
+  </dgm:styleLbl>
+  <dgm:styleLbl name="fgAccFollowNode1">
+    <dgm:fillClrLst meth="repeat">
+      <a:schemeClr val="lt1">
+        <a:alpha val="90000"/>
+        <a:tint val="40000"/>
+      </a:schemeClr>
+    </dgm:fillClrLst>
+    <dgm:linClrLst meth="repeat">
+      <a:schemeClr val="dk1">
+        <a:alpha val="90000"/>
+      </a:schemeClr>
+    </dgm:linClrLst>
+    <dgm:effectClrLst/>
+    <dgm:txLinClrLst/>
+    <dgm:txFillClrLst meth="repeat">
+      <a:schemeClr val="dk1"/>
+    </dgm:txFillClrLst>
+    <dgm:txEffectClrLst/>
+  </dgm:styleLbl>
+  <dgm:styleLbl name="alignAccFollowNode1">
+    <dgm:fillClrLst meth="repeat">
+      <a:schemeClr val="lt1">
+        <a:alpha val="90000"/>
+        <a:tint val="40000"/>
+      </a:schemeClr>
+    </dgm:fillClrLst>
+    <dgm:linClrLst meth="repeat">
+      <a:schemeClr val="dk1">
+        <a:alpha val="90000"/>
+      </a:schemeClr>
+    </dgm:linClrLst>
+    <dgm:effectClrLst/>
+    <dgm:txLinClrLst/>
+    <dgm:txFillClrLst meth="repeat">
+      <a:schemeClr val="dk1"/>
+    </dgm:txFillClrLst>
+    <dgm:txEffectClrLst/>
+  </dgm:styleLbl>
+  <dgm:styleLbl name="bgAccFollowNode1">
+    <dgm:fillClrLst meth="repeat">
+      <a:schemeClr val="lt1">
+        <a:alpha val="90000"/>
+        <a:tint val="40000"/>
+      </a:schemeClr>
+    </dgm:fillClrLst>
+    <dgm:linClrLst meth="repeat">
+      <a:schemeClr val="dk1">
+        <a:alpha val="90000"/>
+      </a:schemeClr>
+    </dgm:linClrLst>
+    <dgm:effectClrLst/>
+    <dgm:txLinClrLst/>
+    <dgm:txFillClrLst meth="repeat">
+      <a:schemeClr val="dk1"/>
+    </dgm:txFillClrLst>
+    <dgm:txEffectClrLst/>
+  </dgm:styleLbl>
+  <dgm:styleLbl name="fgAcc0">
+    <dgm:fillClrLst meth="repeat">
+      <a:schemeClr val="dk1">
+        <a:alpha val="90000"/>
+        <a:tint val="40000"/>
+      </a:schemeClr>
+    </dgm:fillClrLst>
+    <dgm:linClrLst meth="repeat">
+      <a:schemeClr val="dk1"/>
+    </dgm:linClrLst>
+    <dgm:effectClrLst/>
+    <dgm:txLinClrLst/>
+    <dgm:txFillClrLst meth="repeat">
+      <a:schemeClr val="dk1"/>
+    </dgm:txFillClrLst>
+    <dgm:txEffectClrLst/>
+  </dgm:styleLbl>
+  <dgm:styleLbl name="fgAcc2">
+    <dgm:fillClrLst meth="repeat">
+      <a:schemeClr val="dk1">
+        <a:alpha val="90000"/>
+        <a:tint val="40000"/>
+      </a:schemeClr>
+    </dgm:fillClrLst>
+    <dgm:linClrLst meth="repeat">
+      <a:schemeClr val="dk1"/>
+    </dgm:linClrLst>
+    <dgm:effectClrLst/>
+    <dgm:txLinClrLst/>
+    <dgm:txFillClrLst meth="repeat">
+      <a:schemeClr val="dk1"/>
+    </dgm:txFillClrLst>
+    <dgm:txEffectClrLst/>
+  </dgm:styleLbl>
+  <dgm:styleLbl name="fgAcc3">
+    <dgm:fillClrLst meth="repeat">
+      <a:schemeClr val="dk1">
+        <a:alpha val="90000"/>
+        <a:tint val="40000"/>
+      </a:schemeClr>
+    </dgm:fillClrLst>
+    <dgm:linClrLst meth="repeat">
+      <a:schemeClr val="dk1"/>
+    </dgm:linClrLst>
+    <dgm:effectClrLst/>
+    <dgm:txLinClrLst/>
+    <dgm:txFillClrLst meth="repeat">
+      <a:schemeClr val="dk1"/>
+    </dgm:txFillClrLst>
+    <dgm:txEffectClrLst/>
+  </dgm:styleLbl>
+  <dgm:styleLbl name="fgAcc4">
+    <dgm:fillClrLst meth="repeat">
+      <a:schemeClr val="dk1">
+        <a:alpha val="90000"/>
+        <a:tint val="40000"/>
+      </a:schemeClr>
+    </dgm:fillClrLst>
+    <dgm:linClrLst meth="repeat">
+      <a:schemeClr val="dk1"/>
+    </dgm:linClrLst>
+    <dgm:effectClrLst/>
+    <dgm:txLinClrLst/>
+    <dgm:txFillClrLst meth="repeat">
+      <a:schemeClr val="dk1"/>
+    </dgm:txFillClrLst>
+    <dgm:txEffectClrLst/>
+  </dgm:styleLbl>
+  <dgm:styleLbl name="bgShp">
+    <dgm:fillClrLst meth="repeat">
+      <a:schemeClr val="dk1">
+        <a:tint val="40000"/>
+      </a:schemeClr>
+    </dgm:fillClrLst>
+    <dgm:linClrLst meth="repeat">
+      <a:schemeClr val="dk1"/>
+    </dgm:linClrLst>
+    <dgm:effectClrLst/>
+    <dgm:txLinClrLst/>
+    <dgm:txFillClrLst meth="repeat">
+      <a:schemeClr val="dk1"/>
+    </dgm:txFillClrLst>
+    <dgm:txEffectClrLst/>
+  </dgm:styleLbl>
+  <dgm:styleLbl name="dkBgShp">
+    <dgm:fillClrLst meth="repeat">
+      <a:schemeClr val="dk1">
+        <a:shade val="80000"/>
+      </a:schemeClr>
+    </dgm:fillClrLst>
+    <dgm:linClrLst meth="repeat">
+      <a:schemeClr val="dk1"/>
+    </dgm:linClrLst>
+    <dgm:effectClrLst/>
+    <dgm:txLinClrLst/>
+    <dgm:txFillClrLst meth="repeat">
+      <a:schemeClr val="lt1"/>
+    </dgm:txFillClrLst>
+    <dgm:txEffectClrLst/>
+  </dgm:styleLbl>
+  <dgm:styleLbl name="trBgShp">
+    <dgm:fillClrLst meth="repeat">
+      <a:schemeClr val="dk1">
+        <a:tint val="50000"/>
+        <a:alpha val="40000"/>
+      </a:schemeClr>
+    </dgm:fillClrLst>
+    <dgm:linClrLst meth="repeat">
+      <a:schemeClr val="dk1"/>
+    </dgm:linClrLst>
+    <dgm:effectClrLst/>
+    <dgm:txLinClrLst/>
+    <dgm:txFillClrLst meth="repeat">
+      <a:schemeClr val="lt1"/>
+    </dgm:txFillClrLst>
+    <dgm:txEffectClrLst/>
+  </dgm:styleLbl>
+  <dgm:styleLbl name="fgShp">
+    <dgm:fillClrLst meth="repeat">
+      <a:schemeClr val="dk1">
+        <a:tint val="60000"/>
+      </a:schemeClr>
+    </dgm:fillClrLst>
+    <dgm:linClrLst meth="repeat">
+      <a:schemeClr val="lt1"/>
+    </dgm:linClrLst>
+    <dgm:effectClrLst/>
+    <dgm:txLinClrLst/>
+    <dgm:txFillClrLst meth="repeat">
+      <a:schemeClr val="dk1"/>
+    </dgm:txFillClrLst>
+    <dgm:txEffectClrLst/>
+  </dgm:styleLbl>
+  <dgm:styleLbl name="revTx">
+    <dgm:fillClrLst meth="repeat">
+      <a:schemeClr val="lt1">
+        <a:alpha val="0"/>
+      </a:schemeClr>
+    </dgm:fillClrLst>
+    <dgm:linClrLst meth="repeat">
+      <a:schemeClr val="dk1">
+        <a:alpha val="0"/>
+      </a:schemeClr>
+    </dgm:linClrLst>
+    <dgm:effectClrLst/>
+    <dgm:txLinClrLst/>
+    <dgm:txFillClrLst meth="repeat">
+      <a:schemeClr val="tx1"/>
+    </dgm:txFillClrLst>
+    <dgm:txEffectClrLst/>
+  </dgm:styleLbl>
+</dgm:colorsDef>
+</file>
+
+<file path=ppt/diagrams/colors2.xml><?xml version="1.0" encoding="utf-8"?>
+<dgm:colorsDef xmlns:dgm="http://schemas.openxmlformats.org/drawingml/2006/diagram" xmlns:a="http://schemas.openxmlformats.org/drawingml/2006/main" uniqueId="urn:microsoft.com/office/officeart/2005/8/colors/accent0_1">
+  <dgm:title val=""/>
+  <dgm:desc val=""/>
+  <dgm:catLst>
+    <dgm:cat type="mainScheme" pri="10100"/>
+  </dgm:catLst>
+  <dgm:styleLbl name="node0">
+    <dgm:fillClrLst meth="repeat">
+      <a:schemeClr val="lt1"/>
+    </dgm:fillClrLst>
+    <dgm:linClrLst meth="repeat">
+      <a:schemeClr val="dk1">
+        <a:shade val="80000"/>
+      </a:schemeClr>
+    </dgm:linClrLst>
+    <dgm:effectClrLst/>
+    <dgm:txLinClrLst/>
+    <dgm:txFillClrLst meth="repeat">
+      <a:schemeClr val="dk1"/>
+    </dgm:txFillClrLst>
+    <dgm:txEffectClrLst/>
+  </dgm:styleLbl>
+  <dgm:styleLbl name="node1">
+    <dgm:fillClrLst meth="repeat">
+      <a:schemeClr val="lt1"/>
+    </dgm:fillClrLst>
+    <dgm:linClrLst meth="repeat">
+      <a:schemeClr val="dk1">
+        <a:shade val="80000"/>
+      </a:schemeClr>
+    </dgm:linClrLst>
+    <dgm:effectClrLst/>
+    <dgm:txLinClrLst/>
+    <dgm:txFillClrLst meth="repeat">
+      <a:schemeClr val="dk1"/>
+    </dgm:txFillClrLst>
+    <dgm:txEffectClrLst/>
+  </dgm:styleLbl>
+  <dgm:styleLbl name="alignNode1">
+    <dgm:fillClrLst meth="repeat">
+      <a:schemeClr val="lt1"/>
+    </dgm:fillClrLst>
+    <dgm:linClrLst meth="repeat">
+      <a:schemeClr val="dk1">
+        <a:shade val="80000"/>
+      </a:schemeClr>
+    </dgm:linClrLst>
+    <dgm:effectClrLst/>
+    <dgm:txLinClrLst/>
+    <dgm:txFillClrLst meth="repeat">
+      <a:schemeClr val="dk1"/>
+    </dgm:txFillClrLst>
+    <dgm:txEffectClrLst/>
+  </dgm:styleLbl>
+  <dgm:styleLbl name="lnNode1">
+    <dgm:fillClrLst meth="repeat">
+      <a:schemeClr val="lt1"/>
+    </dgm:fillClrLst>
+    <dgm:linClrLst meth="repeat">
+      <a:schemeClr val="dk1">
+        <a:shade val="80000"/>
+      </a:schemeClr>
+    </dgm:linClrLst>
+    <dgm:effectClrLst/>
+    <dgm:txLinClrLst/>
+    <dgm:txFillClrLst meth="repeat">
+      <a:schemeClr val="dk1"/>
+    </dgm:txFillClrLst>
+    <dgm:txEffectClrLst/>
+  </dgm:styleLbl>
+  <dgm:styleLbl name="vennNode1">
+    <dgm:fillClrLst meth="repeat">
+      <a:schemeClr val="lt1">
+        <a:alpha val="50000"/>
+      </a:schemeClr>
+    </dgm:fillClrLst>
+    <dgm:linClrLst meth="repeat">
+      <a:schemeClr val="dk1">
+        <a:shade val="80000"/>
+      </a:schemeClr>
+    </dgm:linClrLst>
+    <dgm:effectClrLst/>
+    <dgm:txLinClrLst/>
+    <dgm:txFillClrLst/>
+    <dgm:txEffectClrLst/>
+  </dgm:styleLbl>
+  <dgm:styleLbl name="node2">
+    <dgm:fillClrLst meth="repeat">
+      <a:schemeClr val="lt1"/>
+    </dgm:fillClrLst>
+    <dgm:linClrLst meth="repeat">
+      <a:schemeClr val="dk1">
+        <a:shade val="80000"/>
+      </a:schemeClr>
+    </dgm:linClrLst>
+    <dgm:effectClrLst/>
+    <dgm:txLinClrLst/>
+    <dgm:txFillClrLst meth="repeat">
+      <a:schemeClr val="dk1"/>
+    </dgm:txFillClrLst>
+    <dgm:txEffectClrLst/>
+  </dgm:styleLbl>
+  <dgm:styleLbl name="node3">
+    <dgm:fillClrLst meth="repeat">
+      <a:schemeClr val="lt1"/>
+    </dgm:fillClrLst>
+    <dgm:linClrLst meth="repeat">
+      <a:schemeClr val="dk1">
+        <a:shade val="80000"/>
+      </a:schemeClr>
+    </dgm:linClrLst>
+    <dgm:effectClrLst/>
+    <dgm:txLinClrLst/>
+    <dgm:txFillClrLst meth="repeat">
+      <a:schemeClr val="dk1"/>
+    </dgm:txFillClrLst>
+    <dgm:txEffectClrLst/>
+  </dgm:styleLbl>
+  <dgm:styleLbl name="node4">
+    <dgm:fillClrLst meth="repeat">
+      <a:schemeClr val="lt1"/>
+    </dgm:fillClrLst>
+    <dgm:linClrLst meth="repeat">
+      <a:schemeClr val="dk1">
+        <a:shade val="80000"/>
+      </a:schemeClr>
+    </dgm:linClrLst>
+    <dgm:effectClrLst/>
+    <dgm:txLinClrLst/>
+    <dgm:txFillClrLst meth="repeat">
+      <a:schemeClr val="dk1"/>
+    </dgm:txFillClrLst>
+    <dgm:txEffectClrLst/>
+  </dgm:styleLbl>
+  <dgm:styleLbl name="fgImgPlace1">
+    <dgm:fillClrLst meth="repeat">
+      <a:schemeClr val="dk1">
+        <a:tint val="40000"/>
+      </a:schemeClr>
+    </dgm:fillClrLst>
+    <dgm:linClrLst meth="repeat">
+      <a:schemeClr val="dk1">
+        <a:shade val="80000"/>
+      </a:schemeClr>
+    </dgm:linClrLst>
+    <dgm:effectClrLst/>
+    <dgm:txLinClrLst/>
+    <dgm:txFillClrLst meth="repeat">
+      <a:schemeClr val="lt1"/>
+    </dgm:txFillClrLst>
+    <dgm:txEffectClrLst/>
+  </dgm:styleLbl>
+  <dgm:styleLbl name="alignImgPlace1">
+    <dgm:fillClrLst meth="repeat">
+      <a:schemeClr val="dk1">
+        <a:tint val="40000"/>
+      </a:schemeClr>
+    </dgm:fillClrLst>
+    <dgm:linClrLst meth="repeat">
+      <a:schemeClr val="dk1">
+        <a:shade val="80000"/>
+      </a:schemeClr>
+    </dgm:linClrLst>
+    <dgm:effectClrLst/>
+    <dgm:txLinClrLst/>
+    <dgm:txFillClrLst meth="repeat">
+      <a:schemeClr val="lt1"/>
+    </dgm:txFillClrLst>
+    <dgm:txEffectClrLst/>
+  </dgm:styleLbl>
+  <dgm:styleLbl name="bgImgPlace1">
+    <dgm:fillClrLst meth="repeat">
+      <a:schemeClr val="dk1">
+        <a:tint val="40000"/>
+      </a:schemeClr>
+    </dgm:fillClrLst>
+    <dgm:linClrLst meth="repeat">
+      <a:schemeClr val="dk1">
+        <a:shade val="80000"/>
+      </a:schemeClr>
+    </dgm:linClrLst>
+    <dgm:effectClrLst/>
+    <dgm:txLinClrLst/>
+    <dgm:txFillClrLst meth="repeat">
+      <a:schemeClr val="lt1"/>
+    </dgm:txFillClrLst>
+    <dgm:txEffectClrLst/>
+  </dgm:styleLbl>
+  <dgm:styleLbl name="sibTrans2D1">
+    <dgm:fillClrLst meth="repeat">
+      <a:schemeClr val="dk1">
+        <a:tint val="60000"/>
+      </a:schemeClr>
+    </dgm:fillClrLst>
+    <dgm:linClrLst meth="repeat">
+      <a:schemeClr val="dk1">
+        <a:tint val="60000"/>
+      </a:schemeClr>
+    </dgm:linClrLst>
+    <dgm:effectClrLst/>
+    <dgm:txLinClrLst/>
+    <dgm:txFillClrLst meth="repeat">
+      <a:schemeClr val="dk1"/>
+    </dgm:txFillClrLst>
+    <dgm:txEffectClrLst/>
+  </dgm:styleLbl>
+  <dgm:styleLbl name="fgSibTrans2D1">
+    <dgm:fillClrLst meth="repeat">
+      <a:schemeClr val="dk1">
+        <a:tint val="60000"/>
+      </a:schemeClr>
+    </dgm:fillClrLst>
+    <dgm:linClrLst meth="repeat">
+      <a:schemeClr val="dk1">
+        <a:tint val="60000"/>
+      </a:schemeClr>
+    </dgm:linClrLst>
+    <dgm:effectClrLst/>
+    <dgm:txLinClrLst/>
+    <dgm:txFillClrLst meth="repeat">
+      <a:schemeClr val="dk1"/>
+    </dgm:txFillClrLst>
+    <dgm:txEffectClrLst/>
+  </dgm:styleLbl>
+  <dgm:styleLbl name="bgSibTrans2D1">
+    <dgm:fillClrLst meth="repeat">
+      <a:schemeClr val="dk1">
+        <a:tint val="60000"/>
+      </a:schemeClr>
+    </dgm:fillClrLst>
+    <dgm:linClrLst meth="repeat">
+      <a:schemeClr val="dk1">
+        <a:tint val="60000"/>
+      </a:schemeClr>
+    </dgm:linClrLst>
+    <dgm:effectClrLst/>
+    <dgm:txLinClrLst/>
+    <dgm:txFillClrLst meth="repeat">
+      <a:schemeClr val="dk1"/>
+    </dgm:txFillClrLst>
+    <dgm:txEffectClrLst/>
+  </dgm:styleLbl>
+  <dgm:styleLbl name="sibTrans1D1">
+    <dgm:fillClrLst meth="repeat">
+      <a:schemeClr val="dk1"/>
+    </dgm:fillClrLst>
+    <dgm:linClrLst meth="repeat">
+      <a:schemeClr val="dk1"/>
+    </dgm:linClrLst>
+    <dgm:effectClrLst/>
+    <dgm:txLinClrLst/>
+    <dgm:txFillClrLst meth="repeat">
+      <a:schemeClr val="tx1"/>
+    </dgm:txFillClrLst>
+    <dgm:txEffectClrLst/>
+  </dgm:styleLbl>
+  <dgm:styleLbl name="callout">
+    <dgm:fillClrLst meth="repeat">
+      <a:schemeClr val="dk1"/>
+    </dgm:fillClrLst>
+    <dgm:linClrLst meth="repeat">
+      <a:schemeClr val="dk1"/>
+    </dgm:linClrLst>
+    <dgm:effectClrLst/>
+    <dgm:txLinClrLst/>
+    <dgm:txFillClrLst meth="repeat">
+      <a:schemeClr val="tx1"/>
+    </dgm:txFillClrLst>
+    <dgm:txEffectClrLst/>
+  </dgm:styleLbl>
+  <dgm:styleLbl name="asst0">
+    <dgm:fillClrLst meth="repeat">
+      <a:schemeClr val="lt1"/>
+    </dgm:fillClrLst>
+    <dgm:linClrLst meth="repeat">
+      <a:schemeClr val="dk1">
+        <a:shade val="80000"/>
+      </a:schemeClr>
+    </dgm:linClrLst>
+    <dgm:effectClrLst/>
+    <dgm:txLinClrLst/>
+    <dgm:txFillClrLst meth="repeat">
+      <a:schemeClr val="dk1"/>
+    </dgm:txFillClrLst>
+    <dgm:txEffectClrLst/>
+  </dgm:styleLbl>
+  <dgm:styleLbl name="asst1">
+    <dgm:fillClrLst meth="repeat">
+      <a:schemeClr val="lt1"/>
+    </dgm:fillClrLst>
+    <dgm:linClrLst meth="repeat">
+      <a:schemeClr val="dk1">
+        <a:shade val="80000"/>
+      </a:schemeClr>
+    </dgm:linClrLst>
+    <dgm:effectClrLst/>
+    <dgm:txLinClrLst/>
+    <dgm:txFillClrLst meth="repeat">
+      <a:schemeClr val="dk1"/>
+    </dgm:txFillClrLst>
+    <dgm:txEffectClrLst/>
+  </dgm:styleLbl>
+  <dgm:styleLbl name="asst2">
+    <dgm:fillClrLst meth="repeat">
+      <a:schemeClr val="lt1"/>
+    </dgm:fillClrLst>
+    <dgm:linClrLst meth="repeat">
+      <a:schemeClr val="dk1">
+        <a:shade val="80000"/>
+      </a:schemeClr>
+    </dgm:linClrLst>
+    <dgm:effectClrLst/>
+    <dgm:txLinClrLst/>
+    <dgm:txFillClrLst meth="repeat">
+      <a:schemeClr val="dk1"/>
+    </dgm:txFillClrLst>
+    <dgm:txEffectClrLst/>
+  </dgm:styleLbl>
+  <dgm:styleLbl name="asst3">
+    <dgm:fillClrLst meth="repeat">
+      <a:schemeClr val="lt1"/>
+    </dgm:fillClrLst>
+    <dgm:linClrLst meth="repeat">
+      <a:schemeClr val="dk1">
+        <a:shade val="80000"/>
+      </a:schemeClr>
+    </dgm:linClrLst>
+    <dgm:effectClrLst/>
+    <dgm:txLinClrLst/>
+    <dgm:txFillClrLst meth="repeat">
+      <a:schemeClr val="dk1"/>
+    </dgm:txFillClrLst>
+    <dgm:txEffectClrLst/>
+  </dgm:styleLbl>
+  <dgm:styleLbl name="asst4">
+    <dgm:fillClrLst meth="repeat">
+      <a:schemeClr val="lt1"/>
+    </dgm:fillClrLst>
+    <dgm:linClrLst meth="repeat">
+      <a:schemeClr val="dk1">
+        <a:shade val="80000"/>
+      </a:schemeClr>
+    </dgm:linClrLst>
+    <dgm:effectClrLst/>
+    <dgm:txLinClrLst/>
+    <dgm:txFillClrLst meth="repeat">
+      <a:schemeClr val="dk1"/>
+    </dgm:txFillClrLst>
+    <dgm:txEffectClrLst/>
+  </dgm:styleLbl>
+  <dgm:styleLbl name="parChTrans2D1">
+    <dgm:fillClrLst meth="repeat">
+      <a:schemeClr val="dk1">
+        <a:tint val="60000"/>
+      </a:schemeClr>
+    </dgm:fillClrLst>
+    <dgm:linClrLst meth="repeat">
+      <a:schemeClr val="dk1">
+        <a:tint val="60000"/>
+      </a:schemeClr>
+    </dgm:linClrLst>
+    <dgm:effectClrLst/>
+    <dgm:txLinClrLst/>
+    <dgm:txFillClrLst/>
+    <dgm:txEffectClrLst/>
+  </dgm:styleLbl>
+  <dgm:styleLbl name="parChTrans2D2">
+    <dgm:fillClrLst meth="repeat">
+      <a:schemeClr val="dk1"/>
+    </dgm:fillClrLst>
+    <dgm:linClrLst meth="repeat">
+      <a:schemeClr val="dk1"/>
+    </dgm:linClrLst>
+    <dgm:effectClrLst/>
+    <dgm:txLinClrLst/>
+    <dgm:txFillClrLst/>
+    <dgm:txEffectClrLst/>
+  </dgm:styleLbl>
+  <dgm:styleLbl name="parChTrans2D3">
+    <dgm:fillClrLst meth="repeat">
+      <a:schemeClr val="dk1"/>
+    </dgm:fillClrLst>
+    <dgm:linClrLst meth="repeat">
+      <a:schemeClr val="dk1"/>
+    </dgm:linClrLst>
+    <dgm:effectClrLst/>
+    <dgm:txLinClrLst/>
+    <dgm:txFillClrLst/>
+    <dgm:txEffectClrLst/>
+  </dgm:styleLbl>
+  <dgm:styleLbl name="parChTrans2D4">
+    <dgm:fillClrLst meth="repeat">
+      <a:schemeClr val="dk1"/>
+    </dgm:fillClrLst>
+    <dgm:linClrLst meth="repeat">
+      <a:schemeClr val="dk1"/>
+    </dgm:linClrLst>
+    <dgm:effectClrLst/>
+    <dgm:txLinClrLst/>
+    <dgm:txFillClrLst meth="repeat">
+      <a:schemeClr val="lt1"/>
+    </dgm:txFillClrLst>
+    <dgm:txEffectClrLst/>
+  </dgm:styleLbl>
+  <dgm:styleLbl name="parChTrans1D1">
+    <dgm:fillClrLst meth="repeat">
+      <a:schemeClr val="dk1"/>
+    </dgm:fillClrLst>
+    <dgm:linClrLst meth="repeat">
+      <a:schemeClr val="dk1">
+        <a:shade val="60000"/>
+      </a:schemeClr>
+    </dgm:linClrLst>
+    <dgm:effectClrLst/>
+    <dgm:txLinClrLst/>
+    <dgm:txFillClrLst meth="repeat">
+      <a:schemeClr val="tx1"/>
+    </dgm:txFillClrLst>
+    <dgm:txEffectClrLst/>
+  </dgm:styleLbl>
+  <dgm:styleLbl name="parChTrans1D2">
+    <dgm:fillClrLst meth="repeat">
+      <a:schemeClr val="dk1"/>
+    </dgm:fillClrLst>
+    <dgm:linClrLst meth="repeat">
+      <a:schemeClr val="dk1">
+        <a:shade val="60000"/>
+      </a:schemeClr>
+    </dgm:linClrLst>
+    <dgm:effectClrLst/>
+    <dgm:txLinClrLst/>
+    <dgm:txFillClrLst meth="repeat">
+      <a:schemeClr val="tx1"/>
+    </dgm:txFillClrLst>
+    <dgm:txEffectClrLst/>
+  </dgm:styleLbl>
+  <dgm:styleLbl name="parChTrans1D3">
+    <dgm:fillClrLst meth="repeat">
+      <a:schemeClr val="dk1"/>
+    </dgm:fillClrLst>
+    <dgm:linClrLst meth="repeat">
+      <a:schemeClr val="dk1">
+        <a:shade val="80000"/>
+      </a:schemeClr>
+    </dgm:linClrLst>
+    <dgm:effectClrLst/>
+    <dgm:txLinClrLst/>
+    <dgm:txFillClrLst meth="repeat">
+      <a:schemeClr val="tx1"/>
+    </dgm:txFillClrLst>
+    <dgm:txEffectClrLst/>
+  </dgm:styleLbl>
+  <dgm:styleLbl name="parChTrans1D4">
+    <dgm:fillClrLst meth="repeat">
+      <a:schemeClr val="dk1"/>
+    </dgm:fillClrLst>
+    <dgm:linClrLst meth="repeat">
+      <a:schemeClr val="dk1">
+        <a:shade val="80000"/>
+      </a:schemeClr>
+    </dgm:linClrLst>
+    <dgm:effectClrLst/>
+    <dgm:txLinClrLst/>
+    <dgm:txFillClrLst meth="repeat">
+      <a:schemeClr val="tx1"/>
+    </dgm:txFillClrLst>
+    <dgm:txEffectClrLst/>
+  </dgm:styleLbl>
+  <dgm:styleLbl name="fgAcc1">
+    <dgm:fillClrLst meth="repeat">
+      <a:schemeClr val="dk1">
+        <a:alpha val="90000"/>
+        <a:tint val="40000"/>
+      </a:schemeClr>
+    </dgm:fillClrLst>
+    <dgm:linClrLst meth="repeat">
+      <a:schemeClr val="dk1"/>
+    </dgm:linClrLst>
+    <dgm:effectClrLst/>
+    <dgm:txLinClrLst/>
+    <dgm:txFillClrLst meth="repeat">
+      <a:schemeClr val="dk1"/>
+    </dgm:txFillClrLst>
+    <dgm:txEffectClrLst/>
+  </dgm:styleLbl>
+  <dgm:styleLbl name="conFgAcc1">
+    <dgm:fillClrLst meth="repeat">
+      <a:schemeClr val="dk1">
+        <a:alpha val="90000"/>
+        <a:tint val="40000"/>
+      </a:schemeClr>
+    </dgm:fillClrLst>
+    <dgm:linClrLst meth="repeat">
+      <a:schemeClr val="dk1"/>
+    </dgm:linClrLst>
+    <dgm:effectClrLst/>
+    <dgm:txLinClrLst/>
+    <dgm:txFillClrLst meth="repeat">
+      <a:schemeClr val="dk1"/>
+    </dgm:txFillClrLst>
+    <dgm:txEffectClrLst/>
+  </dgm:styleLbl>
+  <dgm:styleLbl name="alignAcc1">
+    <dgm:fillClrLst meth="repeat">
+      <a:schemeClr val="dk1">
+        <a:alpha val="90000"/>
+        <a:tint val="40000"/>
+      </a:schemeClr>
+    </dgm:fillClrLst>
+    <dgm:linClrLst meth="repeat">
+      <a:schemeClr val="dk1"/>
+    </dgm:linClrLst>
+    <dgm:effectClrLst/>
+    <dgm:txLinClrLst/>
+    <dgm:txFillClrLst meth="repeat">
+      <a:schemeClr val="dk1"/>
+    </dgm:txFillClrLst>
+    <dgm:txEffectClrLst/>
+  </dgm:styleLbl>
+  <dgm:styleLbl name="trAlignAcc1">
+    <dgm:fillClrLst meth="repeat">
+      <a:schemeClr val="dk1">
+        <a:alpha val="40000"/>
+        <a:tint val="40000"/>
+      </a:schemeClr>
+    </dgm:fillClrLst>
+    <dgm:linClrLst meth="repeat">
+      <a:schemeClr val="dk1"/>
+    </dgm:linClrLst>
+    <dgm:effectClrLst/>
+    <dgm:txLinClrLst/>
+    <dgm:txFillClrLst meth="repeat">
+      <a:schemeClr val="dk1"/>
+    </dgm:txFillClrLst>
+    <dgm:txEffectClrLst/>
+  </dgm:styleLbl>
+  <dgm:styleLbl name="bgAcc1">
+    <dgm:fillClrLst meth="repeat">
+      <a:schemeClr val="dk1">
+        <a:alpha val="90000"/>
+        <a:tint val="40000"/>
+      </a:schemeClr>
+    </dgm:fillClrLst>
+    <dgm:linClrLst meth="repeat">
+      <a:schemeClr val="dk1"/>
+    </dgm:linClrLst>
+    <dgm:effectClrLst/>
+    <dgm:txLinClrLst/>
+    <dgm:txFillClrLst meth="repeat">
+      <a:schemeClr val="dk1"/>
+    </dgm:txFillClrLst>
+    <dgm:txEffectClrLst/>
+  </dgm:styleLbl>
+  <dgm:styleLbl name="solidFgAcc1">
+    <dgm:fillClrLst meth="repeat">
+      <a:schemeClr val="lt1"/>
+    </dgm:fillClrLst>
+    <dgm:linClrLst meth="repeat">
+      <a:schemeClr val="dk1"/>
+    </dgm:linClrLst>
+    <dgm:effectClrLst/>
+    <dgm:txLinClrLst/>
+    <dgm:txFillClrLst meth="repeat">
+      <a:schemeClr val="dk1"/>
+    </dgm:txFillClrLst>
+    <dgm:txEffectClrLst/>
+  </dgm:styleLbl>
+  <dgm:styleLbl name="solidAlignAcc1">
+    <dgm:fillClrLst meth="repeat">
+      <a:schemeClr val="lt1"/>
+    </dgm:fillClrLst>
+    <dgm:linClrLst meth="repeat">
+      <a:schemeClr val="dk1"/>
+    </dgm:linClrLst>
+    <dgm:effectClrLst/>
+    <dgm:txLinClrLst/>
+    <dgm:txFillClrLst meth="repeat">
+      <a:schemeClr val="dk1"/>
+    </dgm:txFillClrLst>
+    <dgm:txEffectClrLst/>
+  </dgm:styleLbl>
+  <dgm:styleLbl name="solidBgAcc1">
+    <dgm:fillClrLst meth="repeat">
+      <a:schemeClr val="lt1"/>
+    </dgm:fillClrLst>
+    <dgm:linClrLst meth="repeat">
+      <a:schemeClr val="dk1"/>
+    </dgm:linClrLst>
+    <dgm:effectClrLst/>
+    <dgm:txLinClrLst/>
+    <dgm:txFillClrLst meth="repeat">
+      <a:schemeClr val="dk1"/>
+    </dgm:txFillClrLst>
+    <dgm:txEffectClrLst/>
+  </dgm:styleLbl>
+  <dgm:styleLbl name="fgAccFollowNode1">
+    <dgm:fillClrLst meth="repeat">
+      <a:schemeClr val="lt1">
+        <a:alpha val="90000"/>
+        <a:tint val="40000"/>
+      </a:schemeClr>
+    </dgm:fillClrLst>
+    <dgm:linClrLst meth="repeat">
+      <a:schemeClr val="dk1">
+        <a:alpha val="90000"/>
+      </a:schemeClr>
+    </dgm:linClrLst>
+    <dgm:effectClrLst/>
+    <dgm:txLinClrLst/>
+    <dgm:txFillClrLst meth="repeat">
+      <a:schemeClr val="dk1"/>
+    </dgm:txFillClrLst>
+    <dgm:txEffectClrLst/>
+  </dgm:styleLbl>
+  <dgm:styleLbl name="alignAccFollowNode1">
+    <dgm:fillClrLst meth="repeat">
+      <a:schemeClr val="lt1">
+        <a:alpha val="90000"/>
+        <a:tint val="40000"/>
+      </a:schemeClr>
+    </dgm:fillClrLst>
+    <dgm:linClrLst meth="repeat">
+      <a:schemeClr val="dk1">
+        <a:alpha val="90000"/>
+      </a:schemeClr>
+    </dgm:linClrLst>
+    <dgm:effectClrLst/>
+    <dgm:txLinClrLst/>
+    <dgm:txFillClrLst meth="repeat">
+      <a:schemeClr val="dk1"/>
+    </dgm:txFillClrLst>
+    <dgm:txEffectClrLst/>
+  </dgm:styleLbl>
+  <dgm:styleLbl name="bgAccFollowNode1">
+    <dgm:fillClrLst meth="repeat">
+      <a:schemeClr val="lt1">
+        <a:alpha val="90000"/>
+        <a:tint val="40000"/>
+      </a:schemeClr>
+    </dgm:fillClrLst>
+    <dgm:linClrLst meth="repeat">
+      <a:schemeClr val="dk1">
+        <a:alpha val="90000"/>
+      </a:schemeClr>
+    </dgm:linClrLst>
+    <dgm:effectClrLst/>
+    <dgm:txLinClrLst/>
+    <dgm:txFillClrLst meth="repeat">
+      <a:schemeClr val="dk1"/>
+    </dgm:txFillClrLst>
+    <dgm:txEffectClrLst/>
+  </dgm:styleLbl>
+  <dgm:styleLbl name="fgAcc0">
+    <dgm:fillClrLst meth="repeat">
+      <a:schemeClr val="dk1">
+        <a:alpha val="90000"/>
+        <a:tint val="40000"/>
+      </a:schemeClr>
+    </dgm:fillClrLst>
+    <dgm:linClrLst meth="repeat">
+      <a:schemeClr val="dk1"/>
+    </dgm:linClrLst>
+    <dgm:effectClrLst/>
+    <dgm:txLinClrLst/>
+    <dgm:txFillClrLst meth="repeat">
+      <a:schemeClr val="dk1"/>
+    </dgm:txFillClrLst>
+    <dgm:txEffectClrLst/>
+  </dgm:styleLbl>
+  <dgm:styleLbl name="fgAcc2">
+    <dgm:fillClrLst meth="repeat">
+      <a:schemeClr val="dk1">
+        <a:alpha val="90000"/>
+        <a:tint val="40000"/>
+      </a:schemeClr>
+    </dgm:fillClrLst>
+    <dgm:linClrLst meth="repeat">
+      <a:schemeClr val="dk1"/>
+    </dgm:linClrLst>
+    <dgm:effectClrLst/>
+    <dgm:txLinClrLst/>
+    <dgm:txFillClrLst meth="repeat">
+      <a:schemeClr val="dk1"/>
+    </dgm:txFillClrLst>
+    <dgm:txEffectClrLst/>
+  </dgm:styleLbl>
+  <dgm:styleLbl name="fgAcc3">
+    <dgm:fillClrLst meth="repeat">
+      <a:schemeClr val="dk1">
+        <a:alpha val="90000"/>
+        <a:tint val="40000"/>
+      </a:schemeClr>
+    </dgm:fillClrLst>
+    <dgm:linClrLst meth="repeat">
+      <a:schemeClr val="dk1"/>
+    </dgm:linClrLst>
+    <dgm:effectClrLst/>
+    <dgm:txLinClrLst/>
+    <dgm:txFillClrLst meth="repeat">
+      <a:schemeClr val="dk1"/>
+    </dgm:txFillClrLst>
+    <dgm:txEffectClrLst/>
+  </dgm:styleLbl>
+  <dgm:styleLbl name="fgAcc4">
+    <dgm:fillClrLst meth="repeat">
+      <a:schemeClr val="dk1">
+        <a:alpha val="90000"/>
+        <a:tint val="40000"/>
+      </a:schemeClr>
+    </dgm:fillClrLst>
+    <dgm:linClrLst meth="repeat">
+      <a:schemeClr val="dk1"/>
+    </dgm:linClrLst>
+    <dgm:effectClrLst/>
+    <dgm:txLinClrLst/>
+    <dgm:txFillClrLst meth="repeat">
+      <a:schemeClr val="dk1"/>
+    </dgm:txFillClrLst>
+    <dgm:txEffectClrLst/>
+  </dgm:styleLbl>
+  <dgm:styleLbl name="bgShp">
+    <dgm:fillClrLst meth="repeat">
+      <a:schemeClr val="dk1">
+        <a:tint val="40000"/>
+      </a:schemeClr>
+    </dgm:fillClrLst>
+    <dgm:linClrLst meth="repeat">
+      <a:schemeClr val="dk1"/>
+    </dgm:linClrLst>
+    <dgm:effectClrLst/>
+    <dgm:txLinClrLst/>
+    <dgm:txFillClrLst meth="repeat">
+      <a:schemeClr val="dk1"/>
+    </dgm:txFillClrLst>
+    <dgm:txEffectClrLst/>
+  </dgm:styleLbl>
+  <dgm:styleLbl name="dkBgShp">
+    <dgm:fillClrLst meth="repeat">
+      <a:schemeClr val="dk1">
+        <a:shade val="80000"/>
+      </a:schemeClr>
+    </dgm:fillClrLst>
+    <dgm:linClrLst meth="repeat">
+      <a:schemeClr val="dk1"/>
+    </dgm:linClrLst>
+    <dgm:effectClrLst/>
+    <dgm:txLinClrLst/>
+    <dgm:txFillClrLst meth="repeat">
+      <a:schemeClr val="lt1"/>
+    </dgm:txFillClrLst>
+    <dgm:txEffectClrLst/>
+  </dgm:styleLbl>
+  <dgm:styleLbl name="trBgShp">
+    <dgm:fillClrLst meth="repeat">
+      <a:schemeClr val="dk1">
+        <a:tint val="50000"/>
+        <a:alpha val="40000"/>
+      </a:schemeClr>
+    </dgm:fillClrLst>
+    <dgm:linClrLst meth="repeat">
+      <a:schemeClr val="dk1"/>
+    </dgm:linClrLst>
+    <dgm:effectClrLst/>
+    <dgm:txLinClrLst/>
+    <dgm:txFillClrLst meth="repeat">
+      <a:schemeClr val="lt1"/>
+    </dgm:txFillClrLst>
+    <dgm:txEffectClrLst/>
+  </dgm:styleLbl>
+  <dgm:styleLbl name="fgShp">
+    <dgm:fillClrLst meth="repeat">
+      <a:schemeClr val="dk1">
+        <a:tint val="60000"/>
+      </a:schemeClr>
+    </dgm:fillClrLst>
+    <dgm:linClrLst meth="repeat">
+      <a:schemeClr val="lt1"/>
+    </dgm:linClrLst>
+    <dgm:effectClrLst/>
+    <dgm:txLinClrLst/>
+    <dgm:txFillClrLst meth="repeat">
+      <a:schemeClr val="dk1"/>
+    </dgm:txFillClrLst>
+    <dgm:txEffectClrLst/>
+  </dgm:styleLbl>
+  <dgm:styleLbl name="revTx">
+    <dgm:fillClrLst meth="repeat">
+      <a:schemeClr val="lt1">
+        <a:alpha val="0"/>
+      </a:schemeClr>
+    </dgm:fillClrLst>
+    <dgm:linClrLst meth="repeat">
+      <a:schemeClr val="dk1">
+        <a:alpha val="0"/>
+      </a:schemeClr>
+    </dgm:linClrLst>
+    <dgm:effectClrLst/>
+    <dgm:txLinClrLst/>
+    <dgm:txFillClrLst meth="repeat">
+      <a:schemeClr val="tx1"/>
+    </dgm:txFillClrLst>
+    <dgm:txEffectClrLst/>
+  </dgm:styleLbl>
+</dgm:colorsDef>
+</file>
+
+<file path=ppt/diagrams/colors3.xml><?xml version="1.0" encoding="utf-8"?>
 <dgm:colorsDef xmlns:dgm="http://schemas.openxmlformats.org/drawingml/2006/diagram" xmlns:a="http://schemas.openxmlformats.org/drawingml/2006/main" uniqueId="urn:microsoft.com/office/officeart/2005/8/colors/accent0_1">
   <dgm:title val=""/>
   <dgm:desc val=""/>
@@ -1155,6 +2771,275 @@
     <dgm:cxn modelId="{0157B596-DE55-4193-879C-E440DE3E0AB0}" type="presParOf" srcId="{AA39B947-FFCC-42EA-B1B9-49D59515EE77}" destId="{46D65798-E685-4684-A1BD-C20690654388}" srcOrd="4" destOrd="0" presId="urn:microsoft.com/office/officeart/2005/8/layout/vList3"/>
     <dgm:cxn modelId="{DF37E907-CA7F-42F9-8F47-683B83AB5D05}" type="presParOf" srcId="{46D65798-E685-4684-A1BD-C20690654388}" destId="{F693F83A-CD6F-4CFA-B4CC-C190834F3FF8}" srcOrd="0" destOrd="0" presId="urn:microsoft.com/office/officeart/2005/8/layout/vList3"/>
     <dgm:cxn modelId="{E2798BDC-AE72-4728-ACE8-72067C5BC020}" type="presParOf" srcId="{46D65798-E685-4684-A1BD-C20690654388}" destId="{ABACBAA9-3DB2-4E10-B8BC-76EBD2476DC6}" srcOrd="1" destOrd="0" presId="urn:microsoft.com/office/officeart/2005/8/layout/vList3"/>
+  </dgm:cxnLst>
+  <dgm:bg/>
+  <dgm:whole/>
+  <dgm:extLst>
+    <a:ext uri="http://schemas.microsoft.com/office/drawing/2008/diagram">
+      <dsp:dataModelExt xmlns:dsp="http://schemas.microsoft.com/office/drawing/2008/diagram" relId="rId7" minVer="http://schemas.openxmlformats.org/drawingml/2006/diagram"/>
+    </a:ext>
+  </dgm:extLst>
+</dgm:dataModel>
+</file>
+
+<file path=ppt/diagrams/data2.xml><?xml version="1.0" encoding="utf-8"?>
+<dgm:dataModel xmlns:dgm="http://schemas.openxmlformats.org/drawingml/2006/diagram" xmlns:a="http://schemas.openxmlformats.org/drawingml/2006/main">
+  <dgm:ptLst>
+    <dgm:pt modelId="{D4E7E78C-A8C3-415B-ABAD-607FEF471487}" type="doc">
+      <dgm:prSet loTypeId="urn:microsoft.com/office/officeart/2005/8/layout/vList3" loCatId="list" qsTypeId="urn:microsoft.com/office/officeart/2005/8/quickstyle/simple1" qsCatId="simple" csTypeId="urn:microsoft.com/office/officeart/2005/8/colors/accent0_1" csCatId="mainScheme" phldr="1"/>
+      <dgm:spPr/>
+    </dgm:pt>
+    <dgm:pt modelId="{70DD002E-1A68-47CC-BFDB-7E6B468CACEB}">
+      <dgm:prSet phldrT="[Text]"/>
+      <dgm:spPr/>
+      <dgm:t>
+        <a:bodyPr/>
+        <a:lstStyle/>
+        <a:p>
+          <a:r>
+            <a:rPr lang="en-US" dirty="0" err="1"/>
+            <a:t>Thành</a:t>
+          </a:r>
+          <a:r>
+            <a:rPr lang="en-US" dirty="0"/>
+            <a:t> </a:t>
+          </a:r>
+          <a:r>
+            <a:rPr lang="en-US" dirty="0" err="1"/>
+            <a:t>phần</a:t>
+          </a:r>
+          <a:endParaRPr lang="en-US" dirty="0"/>
+        </a:p>
+      </dgm:t>
+    </dgm:pt>
+    <dgm:pt modelId="{C912D1F2-99B5-490D-865E-899C74E49F87}" type="parTrans" cxnId="{F6B6BE59-9DB6-490C-95D6-A9ABA8DE4419}">
+      <dgm:prSet/>
+      <dgm:spPr/>
+      <dgm:t>
+        <a:bodyPr/>
+        <a:lstStyle/>
+        <a:p>
+          <a:endParaRPr lang="en-US"/>
+        </a:p>
+      </dgm:t>
+    </dgm:pt>
+    <dgm:pt modelId="{EF0414B5-D050-42D7-B164-ABAC0D8BD92A}" type="sibTrans" cxnId="{F6B6BE59-9DB6-490C-95D6-A9ABA8DE4419}">
+      <dgm:prSet/>
+      <dgm:spPr/>
+      <dgm:t>
+        <a:bodyPr/>
+        <a:lstStyle/>
+        <a:p>
+          <a:endParaRPr lang="en-US"/>
+        </a:p>
+      </dgm:t>
+    </dgm:pt>
+    <dgm:pt modelId="{5FE7A017-B424-4A8A-A953-4C6343B72074}">
+      <dgm:prSet phldrT="[Text]"/>
+      <dgm:spPr/>
+      <dgm:t>
+        <a:bodyPr/>
+        <a:lstStyle/>
+        <a:p>
+          <a:endParaRPr lang="en-US" dirty="0"/>
+        </a:p>
+        <a:p>
+          <a:r>
+            <a:rPr lang="en-US" dirty="0" err="1"/>
+            <a:t>Mục</a:t>
+          </a:r>
+          <a:r>
+            <a:rPr lang="en-US" dirty="0"/>
+            <a:t> </a:t>
+          </a:r>
+          <a:r>
+            <a:rPr lang="en-US" dirty="0" err="1"/>
+            <a:t>đích</a:t>
+          </a:r>
+          <a:endParaRPr lang="en-US" dirty="0"/>
+        </a:p>
+      </dgm:t>
+    </dgm:pt>
+    <dgm:pt modelId="{8333938F-F42A-4AB8-8475-C86830F334F3}" type="sibTrans" cxnId="{1CE15091-4359-48FF-9EDF-A924C28E48E2}">
+      <dgm:prSet/>
+      <dgm:spPr/>
+      <dgm:t>
+        <a:bodyPr/>
+        <a:lstStyle/>
+        <a:p>
+          <a:endParaRPr lang="en-US"/>
+        </a:p>
+      </dgm:t>
+    </dgm:pt>
+    <dgm:pt modelId="{A81E2716-85FF-44FF-B642-23F616D97A2A}" type="parTrans" cxnId="{1CE15091-4359-48FF-9EDF-A924C28E48E2}">
+      <dgm:prSet/>
+      <dgm:spPr/>
+      <dgm:t>
+        <a:bodyPr/>
+        <a:lstStyle/>
+        <a:p>
+          <a:endParaRPr lang="en-US"/>
+        </a:p>
+      </dgm:t>
+    </dgm:pt>
+    <dgm:pt modelId="{AA39B947-FFCC-42EA-B1B9-49D59515EE77}" type="pres">
+      <dgm:prSet presAssocID="{D4E7E78C-A8C3-415B-ABAD-607FEF471487}" presName="linearFlow" presStyleCnt="0">
+        <dgm:presLayoutVars>
+          <dgm:dir/>
+          <dgm:resizeHandles val="exact"/>
+        </dgm:presLayoutVars>
+      </dgm:prSet>
+      <dgm:spPr/>
+    </dgm:pt>
+    <dgm:pt modelId="{6C83B1F8-649E-4942-9D0A-57EC27EF5FB9}" type="pres">
+      <dgm:prSet presAssocID="{5FE7A017-B424-4A8A-A953-4C6343B72074}" presName="composite" presStyleCnt="0"/>
+      <dgm:spPr/>
+    </dgm:pt>
+    <dgm:pt modelId="{06280315-EE35-47EC-BC4E-101B93603CD4}" type="pres">
+      <dgm:prSet presAssocID="{5FE7A017-B424-4A8A-A953-4C6343B72074}" presName="imgShp" presStyleLbl="fgImgPlace1" presStyleIdx="0" presStyleCnt="2"/>
+      <dgm:spPr/>
+    </dgm:pt>
+    <dgm:pt modelId="{4C436AA4-9B30-4BD6-8281-AFA7D5B18494}" type="pres">
+      <dgm:prSet presAssocID="{5FE7A017-B424-4A8A-A953-4C6343B72074}" presName="txShp" presStyleLbl="node1" presStyleIdx="0" presStyleCnt="2">
+        <dgm:presLayoutVars>
+          <dgm:bulletEnabled val="1"/>
+        </dgm:presLayoutVars>
+      </dgm:prSet>
+      <dgm:spPr/>
+    </dgm:pt>
+    <dgm:pt modelId="{3BBAAACC-5EC8-4F63-9C97-54B75356F4DC}" type="pres">
+      <dgm:prSet presAssocID="{8333938F-F42A-4AB8-8475-C86830F334F3}" presName="spacing" presStyleCnt="0"/>
+      <dgm:spPr/>
+    </dgm:pt>
+    <dgm:pt modelId="{46D65798-E685-4684-A1BD-C20690654388}" type="pres">
+      <dgm:prSet presAssocID="{70DD002E-1A68-47CC-BFDB-7E6B468CACEB}" presName="composite" presStyleCnt="0"/>
+      <dgm:spPr/>
+    </dgm:pt>
+    <dgm:pt modelId="{F693F83A-CD6F-4CFA-B4CC-C190834F3FF8}" type="pres">
+      <dgm:prSet presAssocID="{70DD002E-1A68-47CC-BFDB-7E6B468CACEB}" presName="imgShp" presStyleLbl="fgImgPlace1" presStyleIdx="1" presStyleCnt="2" custLinFactNeighborX="-7699" custLinFactNeighborY="5938"/>
+      <dgm:spPr/>
+    </dgm:pt>
+    <dgm:pt modelId="{ABACBAA9-3DB2-4E10-B8BC-76EBD2476DC6}" type="pres">
+      <dgm:prSet presAssocID="{70DD002E-1A68-47CC-BFDB-7E6B468CACEB}" presName="txShp" presStyleLbl="node1" presStyleIdx="1" presStyleCnt="2" custLinFactNeighborX="2793" custLinFactNeighborY="14851">
+        <dgm:presLayoutVars>
+          <dgm:bulletEnabled val="1"/>
+        </dgm:presLayoutVars>
+      </dgm:prSet>
+      <dgm:spPr/>
+    </dgm:pt>
+  </dgm:ptLst>
+  <dgm:cxnLst>
+    <dgm:cxn modelId="{A4A60126-F1E4-4BA0-9DBD-1CFBCBCC22AF}" type="presOf" srcId="{5FE7A017-B424-4A8A-A953-4C6343B72074}" destId="{4C436AA4-9B30-4BD6-8281-AFA7D5B18494}" srcOrd="0" destOrd="0" presId="urn:microsoft.com/office/officeart/2005/8/layout/vList3"/>
+    <dgm:cxn modelId="{7700F37C-F597-47BA-BB9B-C1AD63DE32D5}" type="presOf" srcId="{70DD002E-1A68-47CC-BFDB-7E6B468CACEB}" destId="{ABACBAA9-3DB2-4E10-B8BC-76EBD2476DC6}" srcOrd="0" destOrd="0" presId="urn:microsoft.com/office/officeart/2005/8/layout/vList3"/>
+    <dgm:cxn modelId="{1CE15091-4359-48FF-9EDF-A924C28E48E2}" srcId="{D4E7E78C-A8C3-415B-ABAD-607FEF471487}" destId="{5FE7A017-B424-4A8A-A953-4C6343B72074}" srcOrd="0" destOrd="0" parTransId="{A81E2716-85FF-44FF-B642-23F616D97A2A}" sibTransId="{8333938F-F42A-4AB8-8475-C86830F334F3}"/>
+    <dgm:cxn modelId="{F6B6BE59-9DB6-490C-95D6-A9ABA8DE4419}" srcId="{D4E7E78C-A8C3-415B-ABAD-607FEF471487}" destId="{70DD002E-1A68-47CC-BFDB-7E6B468CACEB}" srcOrd="1" destOrd="0" parTransId="{C912D1F2-99B5-490D-865E-899C74E49F87}" sibTransId="{EF0414B5-D050-42D7-B164-ABAC0D8BD92A}"/>
+    <dgm:cxn modelId="{F2179E9F-2838-4BD1-BAA1-163AEAE9C36B}" type="presOf" srcId="{D4E7E78C-A8C3-415B-ABAD-607FEF471487}" destId="{AA39B947-FFCC-42EA-B1B9-49D59515EE77}" srcOrd="0" destOrd="0" presId="urn:microsoft.com/office/officeart/2005/8/layout/vList3"/>
+    <dgm:cxn modelId="{E24AA8B7-F20E-4412-B3E9-C197B6046B75}" type="presParOf" srcId="{AA39B947-FFCC-42EA-B1B9-49D59515EE77}" destId="{6C83B1F8-649E-4942-9D0A-57EC27EF5FB9}" srcOrd="0" destOrd="0" presId="urn:microsoft.com/office/officeart/2005/8/layout/vList3"/>
+    <dgm:cxn modelId="{3B1581B5-C797-42F0-A075-F18101D0E82B}" type="presParOf" srcId="{6C83B1F8-649E-4942-9D0A-57EC27EF5FB9}" destId="{06280315-EE35-47EC-BC4E-101B93603CD4}" srcOrd="0" destOrd="0" presId="urn:microsoft.com/office/officeart/2005/8/layout/vList3"/>
+    <dgm:cxn modelId="{07ACE10C-7E78-4F7E-84E7-79346609ADD6}" type="presParOf" srcId="{6C83B1F8-649E-4942-9D0A-57EC27EF5FB9}" destId="{4C436AA4-9B30-4BD6-8281-AFA7D5B18494}" srcOrd="1" destOrd="0" presId="urn:microsoft.com/office/officeart/2005/8/layout/vList3"/>
+    <dgm:cxn modelId="{86C0D857-CCD8-4165-B639-54B95A5107C0}" type="presParOf" srcId="{AA39B947-FFCC-42EA-B1B9-49D59515EE77}" destId="{3BBAAACC-5EC8-4F63-9C97-54B75356F4DC}" srcOrd="1" destOrd="0" presId="urn:microsoft.com/office/officeart/2005/8/layout/vList3"/>
+    <dgm:cxn modelId="{0157B596-DE55-4193-879C-E440DE3E0AB0}" type="presParOf" srcId="{AA39B947-FFCC-42EA-B1B9-49D59515EE77}" destId="{46D65798-E685-4684-A1BD-C20690654388}" srcOrd="2" destOrd="0" presId="urn:microsoft.com/office/officeart/2005/8/layout/vList3"/>
+    <dgm:cxn modelId="{DF37E907-CA7F-42F9-8F47-683B83AB5D05}" type="presParOf" srcId="{46D65798-E685-4684-A1BD-C20690654388}" destId="{F693F83A-CD6F-4CFA-B4CC-C190834F3FF8}" srcOrd="0" destOrd="0" presId="urn:microsoft.com/office/officeart/2005/8/layout/vList3"/>
+    <dgm:cxn modelId="{E2798BDC-AE72-4728-ACE8-72067C5BC020}" type="presParOf" srcId="{46D65798-E685-4684-A1BD-C20690654388}" destId="{ABACBAA9-3DB2-4E10-B8BC-76EBD2476DC6}" srcOrd="1" destOrd="0" presId="urn:microsoft.com/office/officeart/2005/8/layout/vList3"/>
+  </dgm:cxnLst>
+  <dgm:bg/>
+  <dgm:whole/>
+  <dgm:extLst>
+    <a:ext uri="http://schemas.microsoft.com/office/drawing/2008/diagram">
+      <dsp:dataModelExt xmlns:dsp="http://schemas.microsoft.com/office/drawing/2008/diagram" relId="rId7" minVer="http://schemas.openxmlformats.org/drawingml/2006/diagram"/>
+    </a:ext>
+  </dgm:extLst>
+</dgm:dataModel>
+</file>
+
+<file path=ppt/diagrams/data3.xml><?xml version="1.0" encoding="utf-8"?>
+<dgm:dataModel xmlns:dgm="http://schemas.openxmlformats.org/drawingml/2006/diagram" xmlns:a="http://schemas.openxmlformats.org/drawingml/2006/main">
+  <dgm:ptLst>
+    <dgm:pt modelId="{D4E7E78C-A8C3-415B-ABAD-607FEF471487}" type="doc">
+      <dgm:prSet loTypeId="urn:microsoft.com/office/officeart/2005/8/layout/vList3" loCatId="list" qsTypeId="urn:microsoft.com/office/officeart/2005/8/quickstyle/simple1" qsCatId="simple" csTypeId="urn:microsoft.com/office/officeart/2005/8/colors/accent0_1" csCatId="mainScheme" phldr="1"/>
+      <dgm:spPr/>
+    </dgm:pt>
+    <dgm:pt modelId="{5FE7A017-B424-4A8A-A953-4C6343B72074}">
+      <dgm:prSet phldrT="[Text]"/>
+      <dgm:spPr/>
+      <dgm:t>
+        <a:bodyPr/>
+        <a:lstStyle/>
+        <a:p>
+          <a:endParaRPr lang="en-US" dirty="0"/>
+        </a:p>
+        <a:p>
+          <a:r>
+            <a:rPr lang="en-US" dirty="0" err="1"/>
+            <a:t>Mục</a:t>
+          </a:r>
+          <a:r>
+            <a:rPr lang="en-US" dirty="0"/>
+            <a:t> </a:t>
+          </a:r>
+          <a:r>
+            <a:rPr lang="en-US" dirty="0" err="1"/>
+            <a:t>đích</a:t>
+          </a:r>
+          <a:endParaRPr lang="en-US" dirty="0"/>
+        </a:p>
+      </dgm:t>
+    </dgm:pt>
+    <dgm:pt modelId="{8333938F-F42A-4AB8-8475-C86830F334F3}" type="sibTrans" cxnId="{1CE15091-4359-48FF-9EDF-A924C28E48E2}">
+      <dgm:prSet/>
+      <dgm:spPr/>
+      <dgm:t>
+        <a:bodyPr/>
+        <a:lstStyle/>
+        <a:p>
+          <a:endParaRPr lang="en-US"/>
+        </a:p>
+      </dgm:t>
+    </dgm:pt>
+    <dgm:pt modelId="{A81E2716-85FF-44FF-B642-23F616D97A2A}" type="parTrans" cxnId="{1CE15091-4359-48FF-9EDF-A924C28E48E2}">
+      <dgm:prSet/>
+      <dgm:spPr/>
+      <dgm:t>
+        <a:bodyPr/>
+        <a:lstStyle/>
+        <a:p>
+          <a:endParaRPr lang="en-US"/>
+        </a:p>
+      </dgm:t>
+    </dgm:pt>
+    <dgm:pt modelId="{AA39B947-FFCC-42EA-B1B9-49D59515EE77}" type="pres">
+      <dgm:prSet presAssocID="{D4E7E78C-A8C3-415B-ABAD-607FEF471487}" presName="linearFlow" presStyleCnt="0">
+        <dgm:presLayoutVars>
+          <dgm:dir/>
+          <dgm:resizeHandles val="exact"/>
+        </dgm:presLayoutVars>
+      </dgm:prSet>
+      <dgm:spPr/>
+    </dgm:pt>
+    <dgm:pt modelId="{6C83B1F8-649E-4942-9D0A-57EC27EF5FB9}" type="pres">
+      <dgm:prSet presAssocID="{5FE7A017-B424-4A8A-A953-4C6343B72074}" presName="composite" presStyleCnt="0"/>
+      <dgm:spPr/>
+    </dgm:pt>
+    <dgm:pt modelId="{06280315-EE35-47EC-BC4E-101B93603CD4}" type="pres">
+      <dgm:prSet presAssocID="{5FE7A017-B424-4A8A-A953-4C6343B72074}" presName="imgShp" presStyleLbl="fgImgPlace1" presStyleIdx="0" presStyleCnt="1" custLinFactNeighborX="-6166" custLinFactNeighborY="-28965"/>
+      <dgm:spPr/>
+    </dgm:pt>
+    <dgm:pt modelId="{4C436AA4-9B30-4BD6-8281-AFA7D5B18494}" type="pres">
+      <dgm:prSet presAssocID="{5FE7A017-B424-4A8A-A953-4C6343B72074}" presName="txShp" presStyleLbl="node1" presStyleIdx="0" presStyleCnt="1" custLinFactNeighborX="2441" custLinFactNeighborY="-28965">
+        <dgm:presLayoutVars>
+          <dgm:bulletEnabled val="1"/>
+        </dgm:presLayoutVars>
+      </dgm:prSet>
+      <dgm:spPr/>
+    </dgm:pt>
+  </dgm:ptLst>
+  <dgm:cxnLst>
+    <dgm:cxn modelId="{A4A60126-F1E4-4BA0-9DBD-1CFBCBCC22AF}" type="presOf" srcId="{5FE7A017-B424-4A8A-A953-4C6343B72074}" destId="{4C436AA4-9B30-4BD6-8281-AFA7D5B18494}" srcOrd="0" destOrd="0" presId="urn:microsoft.com/office/officeart/2005/8/layout/vList3"/>
+    <dgm:cxn modelId="{F2179E9F-2838-4BD1-BAA1-163AEAE9C36B}" type="presOf" srcId="{D4E7E78C-A8C3-415B-ABAD-607FEF471487}" destId="{AA39B947-FFCC-42EA-B1B9-49D59515EE77}" srcOrd="0" destOrd="0" presId="urn:microsoft.com/office/officeart/2005/8/layout/vList3"/>
+    <dgm:cxn modelId="{1CE15091-4359-48FF-9EDF-A924C28E48E2}" srcId="{D4E7E78C-A8C3-415B-ABAD-607FEF471487}" destId="{5FE7A017-B424-4A8A-A953-4C6343B72074}" srcOrd="0" destOrd="0" parTransId="{A81E2716-85FF-44FF-B642-23F616D97A2A}" sibTransId="{8333938F-F42A-4AB8-8475-C86830F334F3}"/>
+    <dgm:cxn modelId="{E24AA8B7-F20E-4412-B3E9-C197B6046B75}" type="presParOf" srcId="{AA39B947-FFCC-42EA-B1B9-49D59515EE77}" destId="{6C83B1F8-649E-4942-9D0A-57EC27EF5FB9}" srcOrd="0" destOrd="0" presId="urn:microsoft.com/office/officeart/2005/8/layout/vList3"/>
+    <dgm:cxn modelId="{3B1581B5-C797-42F0-A075-F18101D0E82B}" type="presParOf" srcId="{6C83B1F8-649E-4942-9D0A-57EC27EF5FB9}" destId="{06280315-EE35-47EC-BC4E-101B93603CD4}" srcOrd="0" destOrd="0" presId="urn:microsoft.com/office/officeart/2005/8/layout/vList3"/>
+    <dgm:cxn modelId="{07ACE10C-7E78-4F7E-84E7-79346609ADD6}" type="presParOf" srcId="{6C83B1F8-649E-4942-9D0A-57EC27EF5FB9}" destId="{4C436AA4-9B30-4BD6-8281-AFA7D5B18494}" srcOrd="1" destOrd="0" presId="urn:microsoft.com/office/officeart/2005/8/layout/vList3"/>
   </dgm:cxnLst>
   <dgm:bg/>
   <dgm:whole/>
@@ -1589,6 +3474,469 @@
 </dsp:drawing>
 </file>
 
+<file path=ppt/diagrams/drawing2.xml><?xml version="1.0" encoding="utf-8"?>
+<dsp:drawing xmlns:dgm="http://schemas.openxmlformats.org/drawingml/2006/diagram" xmlns:dsp="http://schemas.microsoft.com/office/drawing/2008/diagram" xmlns:a="http://schemas.openxmlformats.org/drawingml/2006/main">
+  <dsp:spTree>
+    <dsp:nvGrpSpPr>
+      <dsp:cNvPr id="0" name=""/>
+      <dsp:cNvGrpSpPr/>
+    </dsp:nvGrpSpPr>
+    <dsp:grpSpPr/>
+    <dsp:sp modelId="{4C436AA4-9B30-4BD6-8281-AFA7D5B18494}">
+      <dsp:nvSpPr>
+        <dsp:cNvPr id="0" name=""/>
+        <dsp:cNvSpPr/>
+      </dsp:nvSpPr>
+      <dsp:spPr>
+        <a:xfrm rot="10800000">
+          <a:off x="2285962" y="2236"/>
+          <a:ext cx="6756400" cy="2336651"/>
+        </a:xfrm>
+        <a:prstGeom prst="homePlate">
+          <a:avLst/>
+        </a:prstGeom>
+        <a:solidFill>
+          <a:schemeClr val="lt1">
+            <a:hueOff val="0"/>
+            <a:satOff val="0"/>
+            <a:lumOff val="0"/>
+            <a:alphaOff val="0"/>
+          </a:schemeClr>
+        </a:solidFill>
+        <a:ln w="12700" cap="flat" cmpd="sng" algn="ctr">
+          <a:solidFill>
+            <a:schemeClr val="dk1">
+              <a:shade val="80000"/>
+              <a:hueOff val="0"/>
+              <a:satOff val="0"/>
+              <a:lumOff val="0"/>
+              <a:alphaOff val="0"/>
+            </a:schemeClr>
+          </a:solidFill>
+          <a:prstDash val="solid"/>
+          <a:miter lim="800000"/>
+        </a:ln>
+        <a:effectLst/>
+      </dsp:spPr>
+      <dsp:style>
+        <a:lnRef idx="2">
+          <a:scrgbClr r="0" g="0" b="0"/>
+        </a:lnRef>
+        <a:fillRef idx="1">
+          <a:scrgbClr r="0" g="0" b="0"/>
+        </a:fillRef>
+        <a:effectRef idx="0">
+          <a:scrgbClr r="0" g="0" b="0"/>
+        </a:effectRef>
+        <a:fontRef idx="minor">
+          <a:schemeClr val="lt1"/>
+        </a:fontRef>
+      </dsp:style>
+      <dsp:txBody>
+        <a:bodyPr spcFirstLastPara="0" vert="horz" wrap="square" lIns="1030398" tIns="217170" rIns="405384" bIns="217170" numCol="1" spcCol="1270" anchor="ctr" anchorCtr="0">
+          <a:noAutofit/>
+        </a:bodyPr>
+        <a:lstStyle/>
+        <a:p>
+          <a:pPr lvl="0" algn="ctr" defTabSz="2533650">
+            <a:lnSpc>
+              <a:spcPct val="90000"/>
+            </a:lnSpc>
+            <a:spcBef>
+              <a:spcPct val="0"/>
+            </a:spcBef>
+            <a:spcAft>
+              <a:spcPct val="35000"/>
+            </a:spcAft>
+          </a:pPr>
+          <a:endParaRPr lang="en-US" sz="5700" kern="1200" dirty="0"/>
+        </a:p>
+        <a:p>
+          <a:pPr lvl="0" algn="ctr" defTabSz="2533650">
+            <a:lnSpc>
+              <a:spcPct val="90000"/>
+            </a:lnSpc>
+            <a:spcBef>
+              <a:spcPct val="0"/>
+            </a:spcBef>
+            <a:spcAft>
+              <a:spcPct val="35000"/>
+            </a:spcAft>
+          </a:pPr>
+          <a:r>
+            <a:rPr lang="en-US" sz="5700" kern="1200" dirty="0" err="1"/>
+            <a:t>Mục</a:t>
+          </a:r>
+          <a:r>
+            <a:rPr lang="en-US" sz="5700" kern="1200" dirty="0"/>
+            <a:t> </a:t>
+          </a:r>
+          <a:r>
+            <a:rPr lang="en-US" sz="5700" kern="1200" dirty="0" err="1"/>
+            <a:t>đích</a:t>
+          </a:r>
+          <a:endParaRPr lang="en-US" sz="5700" kern="1200" dirty="0"/>
+        </a:p>
+      </dsp:txBody>
+      <dsp:txXfrm rot="10800000">
+        <a:off x="2448830" y="562"/>
+        <a:ext cx="6382885" cy="1494060"/>
+      </dsp:txXfrm>
+    </dsp:sp>
+    <dsp:sp modelId="{06280315-EE35-47EC-BC4E-101B93603CD4}">
+      <dsp:nvSpPr>
+        <dsp:cNvPr id="0" name=""/>
+        <dsp:cNvSpPr/>
+      </dsp:nvSpPr>
+      <dsp:spPr>
+        <a:xfrm>
+          <a:off x="1117637" y="2236"/>
+          <a:ext cx="2336651" cy="2336651"/>
+        </a:xfrm>
+        <a:prstGeom prst="ellipse">
+          <a:avLst/>
+        </a:prstGeom>
+        <a:solidFill>
+          <a:schemeClr val="dk1">
+            <a:tint val="40000"/>
+            <a:hueOff val="0"/>
+            <a:satOff val="0"/>
+            <a:lumOff val="0"/>
+            <a:alphaOff val="0"/>
+          </a:schemeClr>
+        </a:solidFill>
+        <a:ln w="12700" cap="flat" cmpd="sng" algn="ctr">
+          <a:solidFill>
+            <a:schemeClr val="dk1">
+              <a:shade val="80000"/>
+              <a:hueOff val="0"/>
+              <a:satOff val="0"/>
+              <a:lumOff val="0"/>
+              <a:alphaOff val="0"/>
+            </a:schemeClr>
+          </a:solidFill>
+          <a:prstDash val="solid"/>
+          <a:miter lim="800000"/>
+        </a:ln>
+        <a:effectLst/>
+      </dsp:spPr>
+      <dsp:style>
+        <a:lnRef idx="2">
+          <a:scrgbClr r="0" g="0" b="0"/>
+        </a:lnRef>
+        <a:fillRef idx="1">
+          <a:scrgbClr r="0" g="0" b="0"/>
+        </a:fillRef>
+        <a:effectRef idx="0">
+          <a:scrgbClr r="0" g="0" b="0"/>
+        </a:effectRef>
+        <a:fontRef idx="minor"/>
+      </dsp:style>
+    </dsp:sp>
+    <dsp:sp modelId="{ABACBAA9-3DB2-4E10-B8BC-76EBD2476DC6}">
+      <dsp:nvSpPr>
+        <dsp:cNvPr id="0" name=""/>
+        <dsp:cNvSpPr/>
+      </dsp:nvSpPr>
+      <dsp:spPr>
+        <a:xfrm rot="10800000">
+          <a:off x="2474669" y="3038631"/>
+          <a:ext cx="6756400" cy="2336651"/>
+        </a:xfrm>
+        <a:prstGeom prst="homePlate">
+          <a:avLst/>
+        </a:prstGeom>
+        <a:solidFill>
+          <a:schemeClr val="lt1">
+            <a:hueOff val="0"/>
+            <a:satOff val="0"/>
+            <a:lumOff val="0"/>
+            <a:alphaOff val="0"/>
+          </a:schemeClr>
+        </a:solidFill>
+        <a:ln w="12700" cap="flat" cmpd="sng" algn="ctr">
+          <a:solidFill>
+            <a:schemeClr val="dk1">
+              <a:shade val="80000"/>
+              <a:hueOff val="0"/>
+              <a:satOff val="0"/>
+              <a:lumOff val="0"/>
+              <a:alphaOff val="0"/>
+            </a:schemeClr>
+          </a:solidFill>
+          <a:prstDash val="solid"/>
+          <a:miter lim="800000"/>
+        </a:ln>
+        <a:effectLst/>
+      </dsp:spPr>
+      <dsp:style>
+        <a:lnRef idx="2">
+          <a:scrgbClr r="0" g="0" b="0"/>
+        </a:lnRef>
+        <a:fillRef idx="1">
+          <a:scrgbClr r="0" g="0" b="0"/>
+        </a:fillRef>
+        <a:effectRef idx="0">
+          <a:scrgbClr r="0" g="0" b="0"/>
+        </a:effectRef>
+        <a:fontRef idx="minor">
+          <a:schemeClr val="lt1"/>
+        </a:fontRef>
+      </dsp:style>
+      <dsp:txBody>
+        <a:bodyPr spcFirstLastPara="0" vert="horz" wrap="square" lIns="1030398" tIns="217170" rIns="405384" bIns="217170" numCol="1" spcCol="1270" anchor="ctr" anchorCtr="0">
+          <a:noAutofit/>
+        </a:bodyPr>
+        <a:lstStyle/>
+        <a:p>
+          <a:pPr lvl="0" algn="ctr" defTabSz="2533650">
+            <a:lnSpc>
+              <a:spcPct val="90000"/>
+            </a:lnSpc>
+            <a:spcBef>
+              <a:spcPct val="0"/>
+            </a:spcBef>
+            <a:spcAft>
+              <a:spcPct val="35000"/>
+            </a:spcAft>
+          </a:pPr>
+          <a:r>
+            <a:rPr lang="en-US" sz="5700" kern="1200" dirty="0" err="1"/>
+            <a:t>Thành</a:t>
+          </a:r>
+          <a:r>
+            <a:rPr lang="en-US" sz="5700" kern="1200" dirty="0"/>
+            <a:t> </a:t>
+          </a:r>
+          <a:r>
+            <a:rPr lang="en-US" sz="5700" kern="1200" dirty="0" err="1"/>
+            <a:t>phần</a:t>
+          </a:r>
+          <a:endParaRPr lang="en-US" sz="5700" kern="1200" dirty="0"/>
+        </a:p>
+      </dsp:txBody>
+      <dsp:txXfrm rot="10800000">
+        <a:off x="2448830" y="3880660"/>
+        <a:ext cx="6382885" cy="1494060"/>
+      </dsp:txXfrm>
+    </dsp:sp>
+    <dsp:sp modelId="{F693F83A-CD6F-4CFA-B4CC-C190834F3FF8}">
+      <dsp:nvSpPr>
+        <dsp:cNvPr id="0" name=""/>
+        <dsp:cNvSpPr/>
+      </dsp:nvSpPr>
+      <dsp:spPr>
+        <a:xfrm>
+          <a:off x="937738" y="3038631"/>
+          <a:ext cx="2336651" cy="2336651"/>
+        </a:xfrm>
+        <a:prstGeom prst="ellipse">
+          <a:avLst/>
+        </a:prstGeom>
+        <a:solidFill>
+          <a:schemeClr val="dk1">
+            <a:tint val="40000"/>
+            <a:hueOff val="0"/>
+            <a:satOff val="0"/>
+            <a:lumOff val="0"/>
+            <a:alphaOff val="0"/>
+          </a:schemeClr>
+        </a:solidFill>
+        <a:ln w="12700" cap="flat" cmpd="sng" algn="ctr">
+          <a:solidFill>
+            <a:schemeClr val="dk1">
+              <a:shade val="80000"/>
+              <a:hueOff val="0"/>
+              <a:satOff val="0"/>
+              <a:lumOff val="0"/>
+              <a:alphaOff val="0"/>
+            </a:schemeClr>
+          </a:solidFill>
+          <a:prstDash val="solid"/>
+          <a:miter lim="800000"/>
+        </a:ln>
+        <a:effectLst/>
+      </dsp:spPr>
+      <dsp:style>
+        <a:lnRef idx="2">
+          <a:scrgbClr r="0" g="0" b="0"/>
+        </a:lnRef>
+        <a:fillRef idx="1">
+          <a:scrgbClr r="0" g="0" b="0"/>
+        </a:fillRef>
+        <a:effectRef idx="0">
+          <a:scrgbClr r="0" g="0" b="0"/>
+        </a:effectRef>
+        <a:fontRef idx="minor"/>
+      </dsp:style>
+    </dsp:sp>
+  </dsp:spTree>
+</dsp:drawing>
+</file>
+
+<file path=ppt/diagrams/drawing3.xml><?xml version="1.0" encoding="utf-8"?>
+<dsp:drawing xmlns:dgm="http://schemas.openxmlformats.org/drawingml/2006/diagram" xmlns:dsp="http://schemas.microsoft.com/office/drawing/2008/diagram" xmlns:a="http://schemas.openxmlformats.org/drawingml/2006/main">
+  <dsp:spTree>
+    <dsp:nvGrpSpPr>
+      <dsp:cNvPr id="0" name=""/>
+      <dsp:cNvGrpSpPr/>
+    </dsp:nvGrpSpPr>
+    <dsp:grpSpPr/>
+    <dsp:sp modelId="{4C436AA4-9B30-4BD6-8281-AFA7D5B18494}">
+      <dsp:nvSpPr>
+        <dsp:cNvPr id="0" name=""/>
+        <dsp:cNvSpPr/>
+      </dsp:nvSpPr>
+      <dsp:spPr>
+        <a:xfrm rot="10800000">
+          <a:off x="2717623" y="0"/>
+          <a:ext cx="6756400" cy="3403600"/>
+        </a:xfrm>
+        <a:prstGeom prst="homePlate">
+          <a:avLst/>
+        </a:prstGeom>
+        <a:solidFill>
+          <a:schemeClr val="lt1">
+            <a:hueOff val="0"/>
+            <a:satOff val="0"/>
+            <a:lumOff val="0"/>
+            <a:alphaOff val="0"/>
+          </a:schemeClr>
+        </a:solidFill>
+        <a:ln w="12700" cap="flat" cmpd="sng" algn="ctr">
+          <a:solidFill>
+            <a:schemeClr val="dk1">
+              <a:shade val="80000"/>
+              <a:hueOff val="0"/>
+              <a:satOff val="0"/>
+              <a:lumOff val="0"/>
+              <a:alphaOff val="0"/>
+            </a:schemeClr>
+          </a:solidFill>
+          <a:prstDash val="solid"/>
+          <a:miter lim="800000"/>
+        </a:ln>
+        <a:effectLst/>
+      </dsp:spPr>
+      <dsp:style>
+        <a:lnRef idx="2">
+          <a:scrgbClr r="0" g="0" b="0"/>
+        </a:lnRef>
+        <a:fillRef idx="1">
+          <a:scrgbClr r="0" g="0" b="0"/>
+        </a:fillRef>
+        <a:effectRef idx="0">
+          <a:scrgbClr r="0" g="0" b="0"/>
+        </a:effectRef>
+        <a:fontRef idx="minor">
+          <a:schemeClr val="lt1"/>
+        </a:fontRef>
+      </dsp:style>
+      <dsp:txBody>
+        <a:bodyPr spcFirstLastPara="0" vert="horz" wrap="square" lIns="1500893" tIns="247650" rIns="462280" bIns="247650" numCol="1" spcCol="1270" anchor="ctr" anchorCtr="0">
+          <a:noAutofit/>
+        </a:bodyPr>
+        <a:lstStyle/>
+        <a:p>
+          <a:pPr lvl="0" algn="ctr" defTabSz="2889250">
+            <a:lnSpc>
+              <a:spcPct val="90000"/>
+            </a:lnSpc>
+            <a:spcBef>
+              <a:spcPct val="0"/>
+            </a:spcBef>
+            <a:spcAft>
+              <a:spcPct val="35000"/>
+            </a:spcAft>
+          </a:pPr>
+          <a:endParaRPr lang="en-US" sz="6500" kern="1200" dirty="0"/>
+        </a:p>
+        <a:p>
+          <a:pPr lvl="0" algn="ctr" defTabSz="2889250">
+            <a:lnSpc>
+              <a:spcPct val="90000"/>
+            </a:lnSpc>
+            <a:spcBef>
+              <a:spcPct val="0"/>
+            </a:spcBef>
+            <a:spcAft>
+              <a:spcPct val="35000"/>
+            </a:spcAft>
+          </a:pPr>
+          <a:r>
+            <a:rPr lang="en-US" sz="6500" kern="1200" dirty="0" err="1"/>
+            <a:t>Mục</a:t>
+          </a:r>
+          <a:r>
+            <a:rPr lang="en-US" sz="6500" kern="1200" dirty="0"/>
+            <a:t> </a:t>
+          </a:r>
+          <a:r>
+            <a:rPr lang="en-US" sz="6500" kern="1200" dirty="0" err="1"/>
+            <a:t>đích</a:t>
+          </a:r>
+          <a:endParaRPr lang="en-US" sz="6500" kern="1200" dirty="0"/>
+        </a:p>
+      </dsp:txBody>
+      <dsp:txXfrm rot="10800000">
+        <a:off x="2448830" y="562"/>
+        <a:ext cx="6382885" cy="1494060"/>
+      </dsp:txXfrm>
+    </dsp:sp>
+    <dsp:sp modelId="{06280315-EE35-47EC-BC4E-101B93603CD4}">
+      <dsp:nvSpPr>
+        <dsp:cNvPr id="0" name=""/>
+        <dsp:cNvSpPr/>
+      </dsp:nvSpPr>
+      <dsp:spPr>
+        <a:xfrm>
+          <a:off x="641034" y="0"/>
+          <a:ext cx="3403600" cy="3403600"/>
+        </a:xfrm>
+        <a:prstGeom prst="ellipse">
+          <a:avLst/>
+        </a:prstGeom>
+        <a:solidFill>
+          <a:schemeClr val="dk1">
+            <a:tint val="40000"/>
+            <a:hueOff val="0"/>
+            <a:satOff val="0"/>
+            <a:lumOff val="0"/>
+            <a:alphaOff val="0"/>
+          </a:schemeClr>
+        </a:solidFill>
+        <a:ln w="12700" cap="flat" cmpd="sng" algn="ctr">
+          <a:solidFill>
+            <a:schemeClr val="dk1">
+              <a:shade val="80000"/>
+              <a:hueOff val="0"/>
+              <a:satOff val="0"/>
+              <a:lumOff val="0"/>
+              <a:alphaOff val="0"/>
+            </a:schemeClr>
+          </a:solidFill>
+          <a:prstDash val="solid"/>
+          <a:miter lim="800000"/>
+        </a:ln>
+        <a:effectLst/>
+      </dsp:spPr>
+      <dsp:style>
+        <a:lnRef idx="2">
+          <a:scrgbClr r="0" g="0" b="0"/>
+        </a:lnRef>
+        <a:fillRef idx="1">
+          <a:scrgbClr r="0" g="0" b="0"/>
+        </a:fillRef>
+        <a:effectRef idx="0">
+          <a:scrgbClr r="0" g="0" b="0"/>
+        </a:effectRef>
+        <a:fontRef idx="minor"/>
+      </dsp:style>
+    </dsp:sp>
+  </dsp:spTree>
+</dsp:drawing>
+</file>
+
 <file path=ppt/diagrams/layout1.xml><?xml version="1.0" encoding="utf-8"?>
 <dgm:layoutDef xmlns:dgm="http://schemas.openxmlformats.org/drawingml/2006/diagram" xmlns:a="http://schemas.openxmlformats.org/drawingml/2006/main" uniqueId="urn:microsoft.com/office/officeart/2005/8/layout/vList3">
   <dgm:title val=""/>
@@ -1752,7 +4100,2401 @@
 </dgm:layoutDef>
 </file>
 
+<file path=ppt/diagrams/layout2.xml><?xml version="1.0" encoding="utf-8"?>
+<dgm:layoutDef xmlns:dgm="http://schemas.openxmlformats.org/drawingml/2006/diagram" xmlns:a="http://schemas.openxmlformats.org/drawingml/2006/main" uniqueId="urn:microsoft.com/office/officeart/2005/8/layout/vList3">
+  <dgm:title val=""/>
+  <dgm:desc val=""/>
+  <dgm:catLst>
+    <dgm:cat type="list" pri="14000"/>
+    <dgm:cat type="convert" pri="3000"/>
+    <dgm:cat type="picture" pri="27000"/>
+    <dgm:cat type="pictureconvert" pri="27000"/>
+  </dgm:catLst>
+  <dgm:sampData useDef="1">
+    <dgm:dataModel>
+      <dgm:ptLst/>
+      <dgm:bg/>
+      <dgm:whole/>
+    </dgm:dataModel>
+  </dgm:sampData>
+  <dgm:styleData>
+    <dgm:dataModel>
+      <dgm:ptLst>
+        <dgm:pt modelId="0" type="doc"/>
+        <dgm:pt modelId="1"/>
+        <dgm:pt modelId="2"/>
+      </dgm:ptLst>
+      <dgm:cxnLst>
+        <dgm:cxn modelId="3" srcId="0" destId="1" srcOrd="0" destOrd="0"/>
+        <dgm:cxn modelId="4" srcId="0" destId="2" srcOrd="1" destOrd="0"/>
+      </dgm:cxnLst>
+      <dgm:bg/>
+      <dgm:whole/>
+    </dgm:dataModel>
+  </dgm:styleData>
+  <dgm:clrData>
+    <dgm:dataModel>
+      <dgm:ptLst>
+        <dgm:pt modelId="0" type="doc"/>
+        <dgm:pt modelId="1"/>
+        <dgm:pt modelId="2"/>
+        <dgm:pt modelId="3"/>
+        <dgm:pt modelId="4"/>
+      </dgm:ptLst>
+      <dgm:cxnLst>
+        <dgm:cxn modelId="5" srcId="0" destId="1" srcOrd="0" destOrd="0"/>
+        <dgm:cxn modelId="6" srcId="0" destId="2" srcOrd="1" destOrd="0"/>
+        <dgm:cxn modelId="7" srcId="0" destId="3" srcOrd="2" destOrd="0"/>
+        <dgm:cxn modelId="8" srcId="0" destId="4" srcOrd="3" destOrd="0"/>
+      </dgm:cxnLst>
+      <dgm:bg/>
+      <dgm:whole/>
+    </dgm:dataModel>
+  </dgm:clrData>
+  <dgm:layoutNode name="linearFlow">
+    <dgm:varLst>
+      <dgm:dir/>
+      <dgm:resizeHandles val="exact"/>
+    </dgm:varLst>
+    <dgm:alg type="lin">
+      <dgm:param type="linDir" val="fromT"/>
+      <dgm:param type="vertAlign" val="mid"/>
+      <dgm:param type="horzAlign" val="ctr"/>
+    </dgm:alg>
+    <dgm:shape xmlns:r="http://schemas.openxmlformats.org/officeDocument/2006/relationships" r:blip="">
+      <dgm:adjLst/>
+    </dgm:shape>
+    <dgm:presOf/>
+    <dgm:constrLst>
+      <dgm:constr type="w" for="ch" forName="composite" refType="w"/>
+      <dgm:constr type="h" for="ch" forName="composite" refType="h"/>
+      <dgm:constr type="h" for="ch" forName="spacing" refType="h" refFor="ch" refForName="composite" fact="0.25"/>
+      <dgm:constr type="h" for="ch" forName="spacing" refType="w" op="lte" fact="0.1"/>
+      <dgm:constr type="primFontSz" for="des" ptType="node" op="equ" val="65"/>
+    </dgm:constrLst>
+    <dgm:ruleLst/>
+    <dgm:forEach name="Name0" axis="ch" ptType="node">
+      <dgm:layoutNode name="composite">
+        <dgm:alg type="composite"/>
+        <dgm:shape xmlns:r="http://schemas.openxmlformats.org/officeDocument/2006/relationships" r:blip="">
+          <dgm:adjLst/>
+        </dgm:shape>
+        <dgm:presOf/>
+        <dgm:choose name="Name1">
+          <dgm:if name="Name2" func="var" arg="dir" op="equ" val="norm">
+            <dgm:constrLst>
+              <dgm:constr type="w" for="ch" forName="imgShp" refType="w" fact="0.335"/>
+              <dgm:constr type="h" for="ch" forName="imgShp" refType="w" refFor="ch" refForName="imgShp" op="equ"/>
+              <dgm:constr type="h" for="ch" forName="imgShp" refType="h" op="lte"/>
+              <dgm:constr type="ctrY" for="ch" forName="imgShp" refType="h" fact="0.5"/>
+              <dgm:constr type="l" for="ch" forName="imgShp"/>
+              <dgm:constr type="w" for="ch" forName="txShp" refType="w" op="equ" fact="0.665"/>
+              <dgm:constr type="h" for="ch" forName="txShp" refType="h" refFor="ch" refForName="imgShp" op="equ"/>
+              <dgm:constr type="ctrY" for="ch" forName="txShp" refType="h" fact="0.5"/>
+              <dgm:constr type="l" for="ch" forName="txShp" refType="w" refFor="ch" refForName="imgShp" fact="0.5"/>
+              <dgm:constr type="lMarg" for="ch" forName="txShp" refType="w" refFor="ch" refForName="imgShp" fact="1.25"/>
+            </dgm:constrLst>
+          </dgm:if>
+          <dgm:else name="Name3">
+            <dgm:constrLst>
+              <dgm:constr type="w" for="ch" forName="imgShp" refType="w" fact="0.335"/>
+              <dgm:constr type="h" for="ch" forName="imgShp" refType="w" refFor="ch" refForName="imgShp" op="equ"/>
+              <dgm:constr type="h" for="ch" forName="imgShp" refType="h" op="lte"/>
+              <dgm:constr type="ctrY" for="ch" forName="imgShp" refType="h" fact="0.5"/>
+              <dgm:constr type="r" for="ch" forName="imgShp" refType="w"/>
+              <dgm:constr type="w" for="ch" forName="txShp" refType="w" op="equ" fact="0.665"/>
+              <dgm:constr type="h" for="ch" forName="txShp" refType="h" refFor="ch" refForName="imgShp" op="equ"/>
+              <dgm:constr type="ctrY" for="ch" forName="txShp" refType="h" fact="0.5"/>
+              <dgm:constr type="r" for="ch" forName="txShp" refType="ctrX" refFor="ch" refForName="imgShp"/>
+              <dgm:constr type="rMarg" for="ch" forName="txShp" refType="w" refFor="ch" refForName="imgShp" fact="1.25"/>
+            </dgm:constrLst>
+          </dgm:else>
+        </dgm:choose>
+        <dgm:ruleLst/>
+        <dgm:layoutNode name="imgShp" styleLbl="fgImgPlace1">
+          <dgm:alg type="sp"/>
+          <dgm:shape xmlns:r="http://schemas.openxmlformats.org/officeDocument/2006/relationships" type="ellipse" r:blip="" blipPhldr="1">
+            <dgm:adjLst/>
+          </dgm:shape>
+          <dgm:presOf/>
+          <dgm:constrLst/>
+          <dgm:ruleLst/>
+        </dgm:layoutNode>
+        <dgm:layoutNode name="txShp">
+          <dgm:varLst>
+            <dgm:bulletEnabled val="1"/>
+          </dgm:varLst>
+          <dgm:alg type="tx"/>
+          <dgm:choose name="Name4">
+            <dgm:if name="Name5" func="var" arg="dir" op="equ" val="norm">
+              <dgm:shape xmlns:r="http://schemas.openxmlformats.org/officeDocument/2006/relationships" rot="180" type="homePlate" r:blip="" zOrderOff="-1">
+                <dgm:adjLst/>
+              </dgm:shape>
+            </dgm:if>
+            <dgm:else name="Name6">
+              <dgm:shape xmlns:r="http://schemas.openxmlformats.org/officeDocument/2006/relationships" type="homePlate" r:blip="" zOrderOff="-1">
+                <dgm:adjLst/>
+              </dgm:shape>
+            </dgm:else>
+          </dgm:choose>
+          <dgm:presOf axis="desOrSelf" ptType="node"/>
+          <dgm:constrLst>
+            <dgm:constr type="tMarg" refType="primFontSz" fact="0.3"/>
+            <dgm:constr type="bMarg" refType="primFontSz" fact="0.3"/>
+          </dgm:constrLst>
+          <dgm:ruleLst>
+            <dgm:rule type="primFontSz" val="5" fact="NaN" max="NaN"/>
+          </dgm:ruleLst>
+        </dgm:layoutNode>
+      </dgm:layoutNode>
+      <dgm:forEach name="Name7" axis="followSib" ptType="sibTrans" cnt="1">
+        <dgm:layoutNode name="spacing">
+          <dgm:alg type="sp"/>
+          <dgm:shape xmlns:r="http://schemas.openxmlformats.org/officeDocument/2006/relationships" r:blip="">
+            <dgm:adjLst/>
+          </dgm:shape>
+          <dgm:presOf axis="self"/>
+          <dgm:constrLst/>
+          <dgm:ruleLst/>
+        </dgm:layoutNode>
+      </dgm:forEach>
+    </dgm:forEach>
+  </dgm:layoutNode>
+</dgm:layoutDef>
+</file>
+
+<file path=ppt/diagrams/layout3.xml><?xml version="1.0" encoding="utf-8"?>
+<dgm:layoutDef xmlns:dgm="http://schemas.openxmlformats.org/drawingml/2006/diagram" xmlns:a="http://schemas.openxmlformats.org/drawingml/2006/main" uniqueId="urn:microsoft.com/office/officeart/2005/8/layout/vList3">
+  <dgm:title val=""/>
+  <dgm:desc val=""/>
+  <dgm:catLst>
+    <dgm:cat type="list" pri="14000"/>
+    <dgm:cat type="convert" pri="3000"/>
+    <dgm:cat type="picture" pri="27000"/>
+    <dgm:cat type="pictureconvert" pri="27000"/>
+  </dgm:catLst>
+  <dgm:sampData useDef="1">
+    <dgm:dataModel>
+      <dgm:ptLst/>
+      <dgm:bg/>
+      <dgm:whole/>
+    </dgm:dataModel>
+  </dgm:sampData>
+  <dgm:styleData>
+    <dgm:dataModel>
+      <dgm:ptLst>
+        <dgm:pt modelId="0" type="doc"/>
+        <dgm:pt modelId="1"/>
+        <dgm:pt modelId="2"/>
+      </dgm:ptLst>
+      <dgm:cxnLst>
+        <dgm:cxn modelId="3" srcId="0" destId="1" srcOrd="0" destOrd="0"/>
+        <dgm:cxn modelId="4" srcId="0" destId="2" srcOrd="1" destOrd="0"/>
+      </dgm:cxnLst>
+      <dgm:bg/>
+      <dgm:whole/>
+    </dgm:dataModel>
+  </dgm:styleData>
+  <dgm:clrData>
+    <dgm:dataModel>
+      <dgm:ptLst>
+        <dgm:pt modelId="0" type="doc"/>
+        <dgm:pt modelId="1"/>
+        <dgm:pt modelId="2"/>
+        <dgm:pt modelId="3"/>
+        <dgm:pt modelId="4"/>
+      </dgm:ptLst>
+      <dgm:cxnLst>
+        <dgm:cxn modelId="5" srcId="0" destId="1" srcOrd="0" destOrd="0"/>
+        <dgm:cxn modelId="6" srcId="0" destId="2" srcOrd="1" destOrd="0"/>
+        <dgm:cxn modelId="7" srcId="0" destId="3" srcOrd="2" destOrd="0"/>
+        <dgm:cxn modelId="8" srcId="0" destId="4" srcOrd="3" destOrd="0"/>
+      </dgm:cxnLst>
+      <dgm:bg/>
+      <dgm:whole/>
+    </dgm:dataModel>
+  </dgm:clrData>
+  <dgm:layoutNode name="linearFlow">
+    <dgm:varLst>
+      <dgm:dir/>
+      <dgm:resizeHandles val="exact"/>
+    </dgm:varLst>
+    <dgm:alg type="lin">
+      <dgm:param type="linDir" val="fromT"/>
+      <dgm:param type="vertAlign" val="mid"/>
+      <dgm:param type="horzAlign" val="ctr"/>
+    </dgm:alg>
+    <dgm:shape xmlns:r="http://schemas.openxmlformats.org/officeDocument/2006/relationships" r:blip="">
+      <dgm:adjLst/>
+    </dgm:shape>
+    <dgm:presOf/>
+    <dgm:constrLst>
+      <dgm:constr type="w" for="ch" forName="composite" refType="w"/>
+      <dgm:constr type="h" for="ch" forName="composite" refType="h"/>
+      <dgm:constr type="h" for="ch" forName="spacing" refType="h" refFor="ch" refForName="composite" fact="0.25"/>
+      <dgm:constr type="h" for="ch" forName="spacing" refType="w" op="lte" fact="0.1"/>
+      <dgm:constr type="primFontSz" for="des" ptType="node" op="equ" val="65"/>
+    </dgm:constrLst>
+    <dgm:ruleLst/>
+    <dgm:forEach name="Name0" axis="ch" ptType="node">
+      <dgm:layoutNode name="composite">
+        <dgm:alg type="composite"/>
+        <dgm:shape xmlns:r="http://schemas.openxmlformats.org/officeDocument/2006/relationships" r:blip="">
+          <dgm:adjLst/>
+        </dgm:shape>
+        <dgm:presOf/>
+        <dgm:choose name="Name1">
+          <dgm:if name="Name2" func="var" arg="dir" op="equ" val="norm">
+            <dgm:constrLst>
+              <dgm:constr type="w" for="ch" forName="imgShp" refType="w" fact="0.335"/>
+              <dgm:constr type="h" for="ch" forName="imgShp" refType="w" refFor="ch" refForName="imgShp" op="equ"/>
+              <dgm:constr type="h" for="ch" forName="imgShp" refType="h" op="lte"/>
+              <dgm:constr type="ctrY" for="ch" forName="imgShp" refType="h" fact="0.5"/>
+              <dgm:constr type="l" for="ch" forName="imgShp"/>
+              <dgm:constr type="w" for="ch" forName="txShp" refType="w" op="equ" fact="0.665"/>
+              <dgm:constr type="h" for="ch" forName="txShp" refType="h" refFor="ch" refForName="imgShp" op="equ"/>
+              <dgm:constr type="ctrY" for="ch" forName="txShp" refType="h" fact="0.5"/>
+              <dgm:constr type="l" for="ch" forName="txShp" refType="w" refFor="ch" refForName="imgShp" fact="0.5"/>
+              <dgm:constr type="lMarg" for="ch" forName="txShp" refType="w" refFor="ch" refForName="imgShp" fact="1.25"/>
+            </dgm:constrLst>
+          </dgm:if>
+          <dgm:else name="Name3">
+            <dgm:constrLst>
+              <dgm:constr type="w" for="ch" forName="imgShp" refType="w" fact="0.335"/>
+              <dgm:constr type="h" for="ch" forName="imgShp" refType="w" refFor="ch" refForName="imgShp" op="equ"/>
+              <dgm:constr type="h" for="ch" forName="imgShp" refType="h" op="lte"/>
+              <dgm:constr type="ctrY" for="ch" forName="imgShp" refType="h" fact="0.5"/>
+              <dgm:constr type="r" for="ch" forName="imgShp" refType="w"/>
+              <dgm:constr type="w" for="ch" forName="txShp" refType="w" op="equ" fact="0.665"/>
+              <dgm:constr type="h" for="ch" forName="txShp" refType="h" refFor="ch" refForName="imgShp" op="equ"/>
+              <dgm:constr type="ctrY" for="ch" forName="txShp" refType="h" fact="0.5"/>
+              <dgm:constr type="r" for="ch" forName="txShp" refType="ctrX" refFor="ch" refForName="imgShp"/>
+              <dgm:constr type="rMarg" for="ch" forName="txShp" refType="w" refFor="ch" refForName="imgShp" fact="1.25"/>
+            </dgm:constrLst>
+          </dgm:else>
+        </dgm:choose>
+        <dgm:ruleLst/>
+        <dgm:layoutNode name="imgShp" styleLbl="fgImgPlace1">
+          <dgm:alg type="sp"/>
+          <dgm:shape xmlns:r="http://schemas.openxmlformats.org/officeDocument/2006/relationships" type="ellipse" r:blip="" blipPhldr="1">
+            <dgm:adjLst/>
+          </dgm:shape>
+          <dgm:presOf/>
+          <dgm:constrLst/>
+          <dgm:ruleLst/>
+        </dgm:layoutNode>
+        <dgm:layoutNode name="txShp">
+          <dgm:varLst>
+            <dgm:bulletEnabled val="1"/>
+          </dgm:varLst>
+          <dgm:alg type="tx"/>
+          <dgm:choose name="Name4">
+            <dgm:if name="Name5" func="var" arg="dir" op="equ" val="norm">
+              <dgm:shape xmlns:r="http://schemas.openxmlformats.org/officeDocument/2006/relationships" rot="180" type="homePlate" r:blip="" zOrderOff="-1">
+                <dgm:adjLst/>
+              </dgm:shape>
+            </dgm:if>
+            <dgm:else name="Name6">
+              <dgm:shape xmlns:r="http://schemas.openxmlformats.org/officeDocument/2006/relationships" type="homePlate" r:blip="" zOrderOff="-1">
+                <dgm:adjLst/>
+              </dgm:shape>
+            </dgm:else>
+          </dgm:choose>
+          <dgm:presOf axis="desOrSelf" ptType="node"/>
+          <dgm:constrLst>
+            <dgm:constr type="tMarg" refType="primFontSz" fact="0.3"/>
+            <dgm:constr type="bMarg" refType="primFontSz" fact="0.3"/>
+          </dgm:constrLst>
+          <dgm:ruleLst>
+            <dgm:rule type="primFontSz" val="5" fact="NaN" max="NaN"/>
+          </dgm:ruleLst>
+        </dgm:layoutNode>
+      </dgm:layoutNode>
+      <dgm:forEach name="Name7" axis="followSib" ptType="sibTrans" cnt="1">
+        <dgm:layoutNode name="spacing">
+          <dgm:alg type="sp"/>
+          <dgm:shape xmlns:r="http://schemas.openxmlformats.org/officeDocument/2006/relationships" r:blip="">
+            <dgm:adjLst/>
+          </dgm:shape>
+          <dgm:presOf axis="self"/>
+          <dgm:constrLst/>
+          <dgm:ruleLst/>
+        </dgm:layoutNode>
+      </dgm:forEach>
+    </dgm:forEach>
+  </dgm:layoutNode>
+</dgm:layoutDef>
+</file>
+
 <file path=ppt/diagrams/quickStyle1.xml><?xml version="1.0" encoding="utf-8"?>
+<dgm:styleDef xmlns:dgm="http://schemas.openxmlformats.org/drawingml/2006/diagram" xmlns:a="http://schemas.openxmlformats.org/drawingml/2006/main" uniqueId="urn:microsoft.com/office/officeart/2005/8/quickstyle/simple1">
+  <dgm:title val=""/>
+  <dgm:desc val=""/>
+  <dgm:catLst>
+    <dgm:cat type="simple" pri="10100"/>
+  </dgm:catLst>
+  <dgm:scene3d>
+    <a:camera prst="orthographicFront"/>
+    <a:lightRig rig="threePt" dir="t"/>
+  </dgm:scene3d>
+  <dgm:styleLbl name="node0">
+    <dgm:scene3d>
+      <a:camera prst="orthographicFront"/>
+      <a:lightRig rig="threePt" dir="t"/>
+    </dgm:scene3d>
+    <dgm:sp3d/>
+    <dgm:txPr/>
+    <dgm:style>
+      <a:lnRef idx="2">
+        <a:scrgbClr r="0" g="0" b="0"/>
+      </a:lnRef>
+      <a:fillRef idx="1">
+        <a:scrgbClr r="0" g="0" b="0"/>
+      </a:fillRef>
+      <a:effectRef idx="0">
+        <a:scrgbClr r="0" g="0" b="0"/>
+      </a:effectRef>
+      <a:fontRef idx="minor">
+        <a:schemeClr val="lt1"/>
+      </a:fontRef>
+    </dgm:style>
+  </dgm:styleLbl>
+  <dgm:styleLbl name="lnNode1">
+    <dgm:scene3d>
+      <a:camera prst="orthographicFront"/>
+      <a:lightRig rig="threePt" dir="t"/>
+    </dgm:scene3d>
+    <dgm:sp3d/>
+    <dgm:txPr/>
+    <dgm:style>
+      <a:lnRef idx="2">
+        <a:scrgbClr r="0" g="0" b="0"/>
+      </a:lnRef>
+      <a:fillRef idx="1">
+        <a:scrgbClr r="0" g="0" b="0"/>
+      </a:fillRef>
+      <a:effectRef idx="0">
+        <a:scrgbClr r="0" g="0" b="0"/>
+      </a:effectRef>
+      <a:fontRef idx="minor">
+        <a:schemeClr val="lt1"/>
+      </a:fontRef>
+    </dgm:style>
+  </dgm:styleLbl>
+  <dgm:styleLbl name="vennNode1">
+    <dgm:scene3d>
+      <a:camera prst="orthographicFront"/>
+      <a:lightRig rig="threePt" dir="t"/>
+    </dgm:scene3d>
+    <dgm:sp3d/>
+    <dgm:txPr/>
+    <dgm:style>
+      <a:lnRef idx="2">
+        <a:scrgbClr r="0" g="0" b="0"/>
+      </a:lnRef>
+      <a:fillRef idx="1">
+        <a:scrgbClr r="0" g="0" b="0"/>
+      </a:fillRef>
+      <a:effectRef idx="0">
+        <a:scrgbClr r="0" g="0" b="0"/>
+      </a:effectRef>
+      <a:fontRef idx="minor">
+        <a:schemeClr val="tx1"/>
+      </a:fontRef>
+    </dgm:style>
+  </dgm:styleLbl>
+  <dgm:styleLbl name="alignNode1">
+    <dgm:scene3d>
+      <a:camera prst="orthographicFront"/>
+      <a:lightRig rig="threePt" dir="t"/>
+    </dgm:scene3d>
+    <dgm:sp3d/>
+    <dgm:txPr/>
+    <dgm:style>
+      <a:lnRef idx="2">
+        <a:scrgbClr r="0" g="0" b="0"/>
+      </a:lnRef>
+      <a:fillRef idx="1">
+        <a:scrgbClr r="0" g="0" b="0"/>
+      </a:fillRef>
+      <a:effectRef idx="0">
+        <a:scrgbClr r="0" g="0" b="0"/>
+      </a:effectRef>
+      <a:fontRef idx="minor">
+        <a:schemeClr val="lt1"/>
+      </a:fontRef>
+    </dgm:style>
+  </dgm:styleLbl>
+  <dgm:styleLbl name="node1">
+    <dgm:scene3d>
+      <a:camera prst="orthographicFront"/>
+      <a:lightRig rig="threePt" dir="t"/>
+    </dgm:scene3d>
+    <dgm:sp3d/>
+    <dgm:txPr/>
+    <dgm:style>
+      <a:lnRef idx="2">
+        <a:scrgbClr r="0" g="0" b="0"/>
+      </a:lnRef>
+      <a:fillRef idx="1">
+        <a:scrgbClr r="0" g="0" b="0"/>
+      </a:fillRef>
+      <a:effectRef idx="0">
+        <a:scrgbClr r="0" g="0" b="0"/>
+      </a:effectRef>
+      <a:fontRef idx="minor">
+        <a:schemeClr val="lt1"/>
+      </a:fontRef>
+    </dgm:style>
+  </dgm:styleLbl>
+  <dgm:styleLbl name="node2">
+    <dgm:scene3d>
+      <a:camera prst="orthographicFront"/>
+      <a:lightRig rig="threePt" dir="t"/>
+    </dgm:scene3d>
+    <dgm:sp3d/>
+    <dgm:txPr/>
+    <dgm:style>
+      <a:lnRef idx="2">
+        <a:scrgbClr r="0" g="0" b="0"/>
+      </a:lnRef>
+      <a:fillRef idx="1">
+        <a:scrgbClr r="0" g="0" b="0"/>
+      </a:fillRef>
+      <a:effectRef idx="0">
+        <a:scrgbClr r="0" g="0" b="0"/>
+      </a:effectRef>
+      <a:fontRef idx="minor">
+        <a:schemeClr val="lt1"/>
+      </a:fontRef>
+    </dgm:style>
+  </dgm:styleLbl>
+  <dgm:styleLbl name="node3">
+    <dgm:scene3d>
+      <a:camera prst="orthographicFront"/>
+      <a:lightRig rig="threePt" dir="t"/>
+    </dgm:scene3d>
+    <dgm:sp3d/>
+    <dgm:txPr/>
+    <dgm:style>
+      <a:lnRef idx="2">
+        <a:scrgbClr r="0" g="0" b="0"/>
+      </a:lnRef>
+      <a:fillRef idx="1">
+        <a:scrgbClr r="0" g="0" b="0"/>
+      </a:fillRef>
+      <a:effectRef idx="0">
+        <a:scrgbClr r="0" g="0" b="0"/>
+      </a:effectRef>
+      <a:fontRef idx="minor">
+        <a:schemeClr val="lt1"/>
+      </a:fontRef>
+    </dgm:style>
+  </dgm:styleLbl>
+  <dgm:styleLbl name="node4">
+    <dgm:scene3d>
+      <a:camera prst="orthographicFront"/>
+      <a:lightRig rig="threePt" dir="t"/>
+    </dgm:scene3d>
+    <dgm:sp3d/>
+    <dgm:txPr/>
+    <dgm:style>
+      <a:lnRef idx="2">
+        <a:scrgbClr r="0" g="0" b="0"/>
+      </a:lnRef>
+      <a:fillRef idx="1">
+        <a:scrgbClr r="0" g="0" b="0"/>
+      </a:fillRef>
+      <a:effectRef idx="0">
+        <a:scrgbClr r="0" g="0" b="0"/>
+      </a:effectRef>
+      <a:fontRef idx="minor">
+        <a:schemeClr val="lt1"/>
+      </a:fontRef>
+    </dgm:style>
+  </dgm:styleLbl>
+  <dgm:styleLbl name="fgImgPlace1">
+    <dgm:scene3d>
+      <a:camera prst="orthographicFront"/>
+      <a:lightRig rig="threePt" dir="t"/>
+    </dgm:scene3d>
+    <dgm:sp3d/>
+    <dgm:txPr/>
+    <dgm:style>
+      <a:lnRef idx="2">
+        <a:scrgbClr r="0" g="0" b="0"/>
+      </a:lnRef>
+      <a:fillRef idx="1">
+        <a:scrgbClr r="0" g="0" b="0"/>
+      </a:fillRef>
+      <a:effectRef idx="0">
+        <a:scrgbClr r="0" g="0" b="0"/>
+      </a:effectRef>
+      <a:fontRef idx="minor"/>
+    </dgm:style>
+  </dgm:styleLbl>
+  <dgm:styleLbl name="alignImgPlace1">
+    <dgm:scene3d>
+      <a:camera prst="orthographicFront"/>
+      <a:lightRig rig="threePt" dir="t"/>
+    </dgm:scene3d>
+    <dgm:sp3d/>
+    <dgm:txPr/>
+    <dgm:style>
+      <a:lnRef idx="2">
+        <a:scrgbClr r="0" g="0" b="0"/>
+      </a:lnRef>
+      <a:fillRef idx="1">
+        <a:scrgbClr r="0" g="0" b="0"/>
+      </a:fillRef>
+      <a:effectRef idx="0">
+        <a:scrgbClr r="0" g="0" b="0"/>
+      </a:effectRef>
+      <a:fontRef idx="minor"/>
+    </dgm:style>
+  </dgm:styleLbl>
+  <dgm:styleLbl name="bgImgPlace1">
+    <dgm:scene3d>
+      <a:camera prst="orthographicFront"/>
+      <a:lightRig rig="threePt" dir="t"/>
+    </dgm:scene3d>
+    <dgm:sp3d/>
+    <dgm:txPr/>
+    <dgm:style>
+      <a:lnRef idx="2">
+        <a:scrgbClr r="0" g="0" b="0"/>
+      </a:lnRef>
+      <a:fillRef idx="1">
+        <a:scrgbClr r="0" g="0" b="0"/>
+      </a:fillRef>
+      <a:effectRef idx="0">
+        <a:scrgbClr r="0" g="0" b="0"/>
+      </a:effectRef>
+      <a:fontRef idx="minor"/>
+    </dgm:style>
+  </dgm:styleLbl>
+  <dgm:styleLbl name="sibTrans2D1">
+    <dgm:scene3d>
+      <a:camera prst="orthographicFront"/>
+      <a:lightRig rig="threePt" dir="t"/>
+    </dgm:scene3d>
+    <dgm:sp3d/>
+    <dgm:txPr/>
+    <dgm:style>
+      <a:lnRef idx="0">
+        <a:scrgbClr r="0" g="0" b="0"/>
+      </a:lnRef>
+      <a:fillRef idx="1">
+        <a:scrgbClr r="0" g="0" b="0"/>
+      </a:fillRef>
+      <a:effectRef idx="0">
+        <a:scrgbClr r="0" g="0" b="0"/>
+      </a:effectRef>
+      <a:fontRef idx="minor">
+        <a:schemeClr val="lt1"/>
+      </a:fontRef>
+    </dgm:style>
+  </dgm:styleLbl>
+  <dgm:styleLbl name="fgSibTrans2D1">
+    <dgm:scene3d>
+      <a:camera prst="orthographicFront"/>
+      <a:lightRig rig="threePt" dir="t"/>
+    </dgm:scene3d>
+    <dgm:sp3d/>
+    <dgm:txPr/>
+    <dgm:style>
+      <a:lnRef idx="0">
+        <a:scrgbClr r="0" g="0" b="0"/>
+      </a:lnRef>
+      <a:fillRef idx="1">
+        <a:scrgbClr r="0" g="0" b="0"/>
+      </a:fillRef>
+      <a:effectRef idx="0">
+        <a:scrgbClr r="0" g="0" b="0"/>
+      </a:effectRef>
+      <a:fontRef idx="minor">
+        <a:schemeClr val="lt1"/>
+      </a:fontRef>
+    </dgm:style>
+  </dgm:styleLbl>
+  <dgm:styleLbl name="bgSibTrans2D1">
+    <dgm:scene3d>
+      <a:camera prst="orthographicFront"/>
+      <a:lightRig rig="threePt" dir="t"/>
+    </dgm:scene3d>
+    <dgm:sp3d/>
+    <dgm:txPr/>
+    <dgm:style>
+      <a:lnRef idx="0">
+        <a:scrgbClr r="0" g="0" b="0"/>
+      </a:lnRef>
+      <a:fillRef idx="1">
+        <a:scrgbClr r="0" g="0" b="0"/>
+      </a:fillRef>
+      <a:effectRef idx="0">
+        <a:scrgbClr r="0" g="0" b="0"/>
+      </a:effectRef>
+      <a:fontRef idx="minor">
+        <a:schemeClr val="lt1"/>
+      </a:fontRef>
+    </dgm:style>
+  </dgm:styleLbl>
+  <dgm:styleLbl name="sibTrans1D1">
+    <dgm:scene3d>
+      <a:camera prst="orthographicFront"/>
+      <a:lightRig rig="threePt" dir="t"/>
+    </dgm:scene3d>
+    <dgm:sp3d/>
+    <dgm:txPr/>
+    <dgm:style>
+      <a:lnRef idx="1">
+        <a:scrgbClr r="0" g="0" b="0"/>
+      </a:lnRef>
+      <a:fillRef idx="0">
+        <a:scrgbClr r="0" g="0" b="0"/>
+      </a:fillRef>
+      <a:effectRef idx="0">
+        <a:scrgbClr r="0" g="0" b="0"/>
+      </a:effectRef>
+      <a:fontRef idx="minor"/>
+    </dgm:style>
+  </dgm:styleLbl>
+  <dgm:styleLbl name="callout">
+    <dgm:scene3d>
+      <a:camera prst="orthographicFront"/>
+      <a:lightRig rig="threePt" dir="t"/>
+    </dgm:scene3d>
+    <dgm:sp3d/>
+    <dgm:txPr/>
+    <dgm:style>
+      <a:lnRef idx="2">
+        <a:scrgbClr r="0" g="0" b="0"/>
+      </a:lnRef>
+      <a:fillRef idx="1">
+        <a:scrgbClr r="0" g="0" b="0"/>
+      </a:fillRef>
+      <a:effectRef idx="0">
+        <a:scrgbClr r="0" g="0" b="0"/>
+      </a:effectRef>
+      <a:fontRef idx="minor"/>
+    </dgm:style>
+  </dgm:styleLbl>
+  <dgm:styleLbl name="asst0">
+    <dgm:scene3d>
+      <a:camera prst="orthographicFront"/>
+      <a:lightRig rig="threePt" dir="t"/>
+    </dgm:scene3d>
+    <dgm:sp3d/>
+    <dgm:txPr/>
+    <dgm:style>
+      <a:lnRef idx="2">
+        <a:scrgbClr r="0" g="0" b="0"/>
+      </a:lnRef>
+      <a:fillRef idx="1">
+        <a:scrgbClr r="0" g="0" b="0"/>
+      </a:fillRef>
+      <a:effectRef idx="0">
+        <a:scrgbClr r="0" g="0" b="0"/>
+      </a:effectRef>
+      <a:fontRef idx="minor">
+        <a:schemeClr val="lt1"/>
+      </a:fontRef>
+    </dgm:style>
+  </dgm:styleLbl>
+  <dgm:styleLbl name="asst1">
+    <dgm:scene3d>
+      <a:camera prst="orthographicFront"/>
+      <a:lightRig rig="threePt" dir="t"/>
+    </dgm:scene3d>
+    <dgm:sp3d/>
+    <dgm:txPr/>
+    <dgm:style>
+      <a:lnRef idx="2">
+        <a:scrgbClr r="0" g="0" b="0"/>
+      </a:lnRef>
+      <a:fillRef idx="1">
+        <a:scrgbClr r="0" g="0" b="0"/>
+      </a:fillRef>
+      <a:effectRef idx="0">
+        <a:scrgbClr r="0" g="0" b="0"/>
+      </a:effectRef>
+      <a:fontRef idx="minor">
+        <a:schemeClr val="lt1"/>
+      </a:fontRef>
+    </dgm:style>
+  </dgm:styleLbl>
+  <dgm:styleLbl name="asst2">
+    <dgm:scene3d>
+      <a:camera prst="orthographicFront"/>
+      <a:lightRig rig="threePt" dir="t"/>
+    </dgm:scene3d>
+    <dgm:sp3d/>
+    <dgm:txPr/>
+    <dgm:style>
+      <a:lnRef idx="2">
+        <a:scrgbClr r="0" g="0" b="0"/>
+      </a:lnRef>
+      <a:fillRef idx="1">
+        <a:scrgbClr r="0" g="0" b="0"/>
+      </a:fillRef>
+      <a:effectRef idx="0">
+        <a:scrgbClr r="0" g="0" b="0"/>
+      </a:effectRef>
+      <a:fontRef idx="minor">
+        <a:schemeClr val="lt1"/>
+      </a:fontRef>
+    </dgm:style>
+  </dgm:styleLbl>
+  <dgm:styleLbl name="asst3">
+    <dgm:scene3d>
+      <a:camera prst="orthographicFront"/>
+      <a:lightRig rig="threePt" dir="t"/>
+    </dgm:scene3d>
+    <dgm:sp3d/>
+    <dgm:txPr/>
+    <dgm:style>
+      <a:lnRef idx="2">
+        <a:scrgbClr r="0" g="0" b="0"/>
+      </a:lnRef>
+      <a:fillRef idx="1">
+        <a:scrgbClr r="0" g="0" b="0"/>
+      </a:fillRef>
+      <a:effectRef idx="0">
+        <a:scrgbClr r="0" g="0" b="0"/>
+      </a:effectRef>
+      <a:fontRef idx="minor">
+        <a:schemeClr val="lt1"/>
+      </a:fontRef>
+    </dgm:style>
+  </dgm:styleLbl>
+  <dgm:styleLbl name="asst4">
+    <dgm:scene3d>
+      <a:camera prst="orthographicFront"/>
+      <a:lightRig rig="threePt" dir="t"/>
+    </dgm:scene3d>
+    <dgm:sp3d/>
+    <dgm:txPr/>
+    <dgm:style>
+      <a:lnRef idx="2">
+        <a:scrgbClr r="0" g="0" b="0"/>
+      </a:lnRef>
+      <a:fillRef idx="1">
+        <a:scrgbClr r="0" g="0" b="0"/>
+      </a:fillRef>
+      <a:effectRef idx="0">
+        <a:scrgbClr r="0" g="0" b="0"/>
+      </a:effectRef>
+      <a:fontRef idx="minor">
+        <a:schemeClr val="lt1"/>
+      </a:fontRef>
+    </dgm:style>
+  </dgm:styleLbl>
+  <dgm:styleLbl name="parChTrans2D1">
+    <dgm:scene3d>
+      <a:camera prst="orthographicFront"/>
+      <a:lightRig rig="threePt" dir="t"/>
+    </dgm:scene3d>
+    <dgm:sp3d/>
+    <dgm:txPr/>
+    <dgm:style>
+      <a:lnRef idx="2">
+        <a:scrgbClr r="0" g="0" b="0"/>
+      </a:lnRef>
+      <a:fillRef idx="1">
+        <a:scrgbClr r="0" g="0" b="0"/>
+      </a:fillRef>
+      <a:effectRef idx="0">
+        <a:scrgbClr r="0" g="0" b="0"/>
+      </a:effectRef>
+      <a:fontRef idx="minor">
+        <a:schemeClr val="lt1"/>
+      </a:fontRef>
+    </dgm:style>
+  </dgm:styleLbl>
+  <dgm:styleLbl name="parChTrans2D2">
+    <dgm:scene3d>
+      <a:camera prst="orthographicFront"/>
+      <a:lightRig rig="threePt" dir="t"/>
+    </dgm:scene3d>
+    <dgm:sp3d/>
+    <dgm:txPr/>
+    <dgm:style>
+      <a:lnRef idx="2">
+        <a:scrgbClr r="0" g="0" b="0"/>
+      </a:lnRef>
+      <a:fillRef idx="1">
+        <a:scrgbClr r="0" g="0" b="0"/>
+      </a:fillRef>
+      <a:effectRef idx="0">
+        <a:scrgbClr r="0" g="0" b="0"/>
+      </a:effectRef>
+      <a:fontRef idx="minor">
+        <a:schemeClr val="lt1"/>
+      </a:fontRef>
+    </dgm:style>
+  </dgm:styleLbl>
+  <dgm:styleLbl name="parChTrans2D3">
+    <dgm:scene3d>
+      <a:camera prst="orthographicFront"/>
+      <a:lightRig rig="threePt" dir="t"/>
+    </dgm:scene3d>
+    <dgm:sp3d/>
+    <dgm:txPr/>
+    <dgm:style>
+      <a:lnRef idx="2">
+        <a:scrgbClr r="0" g="0" b="0"/>
+      </a:lnRef>
+      <a:fillRef idx="1">
+        <a:scrgbClr r="0" g="0" b="0"/>
+      </a:fillRef>
+      <a:effectRef idx="0">
+        <a:scrgbClr r="0" g="0" b="0"/>
+      </a:effectRef>
+      <a:fontRef idx="minor">
+        <a:schemeClr val="lt1"/>
+      </a:fontRef>
+    </dgm:style>
+  </dgm:styleLbl>
+  <dgm:styleLbl name="parChTrans2D4">
+    <dgm:scene3d>
+      <a:camera prst="orthographicFront"/>
+      <a:lightRig rig="threePt" dir="t"/>
+    </dgm:scene3d>
+    <dgm:sp3d/>
+    <dgm:txPr/>
+    <dgm:style>
+      <a:lnRef idx="2">
+        <a:scrgbClr r="0" g="0" b="0"/>
+      </a:lnRef>
+      <a:fillRef idx="1">
+        <a:scrgbClr r="0" g="0" b="0"/>
+      </a:fillRef>
+      <a:effectRef idx="0">
+        <a:scrgbClr r="0" g="0" b="0"/>
+      </a:effectRef>
+      <a:fontRef idx="minor">
+        <a:schemeClr val="lt1"/>
+      </a:fontRef>
+    </dgm:style>
+  </dgm:styleLbl>
+  <dgm:styleLbl name="parChTrans1D1">
+    <dgm:scene3d>
+      <a:camera prst="orthographicFront"/>
+      <a:lightRig rig="threePt" dir="t"/>
+    </dgm:scene3d>
+    <dgm:sp3d/>
+    <dgm:txPr/>
+    <dgm:style>
+      <a:lnRef idx="2">
+        <a:scrgbClr r="0" g="0" b="0"/>
+      </a:lnRef>
+      <a:fillRef idx="0">
+        <a:scrgbClr r="0" g="0" b="0"/>
+      </a:fillRef>
+      <a:effectRef idx="0">
+        <a:scrgbClr r="0" g="0" b="0"/>
+      </a:effectRef>
+      <a:fontRef idx="minor"/>
+    </dgm:style>
+  </dgm:styleLbl>
+  <dgm:styleLbl name="parChTrans1D2">
+    <dgm:scene3d>
+      <a:camera prst="orthographicFront"/>
+      <a:lightRig rig="threePt" dir="t"/>
+    </dgm:scene3d>
+    <dgm:sp3d/>
+    <dgm:txPr/>
+    <dgm:style>
+      <a:lnRef idx="2">
+        <a:scrgbClr r="0" g="0" b="0"/>
+      </a:lnRef>
+      <a:fillRef idx="0">
+        <a:scrgbClr r="0" g="0" b="0"/>
+      </a:fillRef>
+      <a:effectRef idx="0">
+        <a:scrgbClr r="0" g="0" b="0"/>
+      </a:effectRef>
+      <a:fontRef idx="minor"/>
+    </dgm:style>
+  </dgm:styleLbl>
+  <dgm:styleLbl name="parChTrans1D3">
+    <dgm:scene3d>
+      <a:camera prst="orthographicFront"/>
+      <a:lightRig rig="threePt" dir="t"/>
+    </dgm:scene3d>
+    <dgm:sp3d/>
+    <dgm:txPr/>
+    <dgm:style>
+      <a:lnRef idx="2">
+        <a:scrgbClr r="0" g="0" b="0"/>
+      </a:lnRef>
+      <a:fillRef idx="0">
+        <a:scrgbClr r="0" g="0" b="0"/>
+      </a:fillRef>
+      <a:effectRef idx="0">
+        <a:scrgbClr r="0" g="0" b="0"/>
+      </a:effectRef>
+      <a:fontRef idx="minor"/>
+    </dgm:style>
+  </dgm:styleLbl>
+  <dgm:styleLbl name="parChTrans1D4">
+    <dgm:scene3d>
+      <a:camera prst="orthographicFront"/>
+      <a:lightRig rig="threePt" dir="t"/>
+    </dgm:scene3d>
+    <dgm:sp3d/>
+    <dgm:txPr/>
+    <dgm:style>
+      <a:lnRef idx="2">
+        <a:scrgbClr r="0" g="0" b="0"/>
+      </a:lnRef>
+      <a:fillRef idx="0">
+        <a:scrgbClr r="0" g="0" b="0"/>
+      </a:fillRef>
+      <a:effectRef idx="0">
+        <a:scrgbClr r="0" g="0" b="0"/>
+      </a:effectRef>
+      <a:fontRef idx="minor"/>
+    </dgm:style>
+  </dgm:styleLbl>
+  <dgm:styleLbl name="fgAcc1">
+    <dgm:scene3d>
+      <a:camera prst="orthographicFront"/>
+      <a:lightRig rig="threePt" dir="t"/>
+    </dgm:scene3d>
+    <dgm:sp3d/>
+    <dgm:txPr/>
+    <dgm:style>
+      <a:lnRef idx="2">
+        <a:scrgbClr r="0" g="0" b="0"/>
+      </a:lnRef>
+      <a:fillRef idx="1">
+        <a:scrgbClr r="0" g="0" b="0"/>
+      </a:fillRef>
+      <a:effectRef idx="0">
+        <a:scrgbClr r="0" g="0" b="0"/>
+      </a:effectRef>
+      <a:fontRef idx="minor"/>
+    </dgm:style>
+  </dgm:styleLbl>
+  <dgm:styleLbl name="conFgAcc1">
+    <dgm:scene3d>
+      <a:camera prst="orthographicFront"/>
+      <a:lightRig rig="threePt" dir="t"/>
+    </dgm:scene3d>
+    <dgm:sp3d/>
+    <dgm:txPr/>
+    <dgm:style>
+      <a:lnRef idx="2">
+        <a:scrgbClr r="0" g="0" b="0"/>
+      </a:lnRef>
+      <a:fillRef idx="1">
+        <a:scrgbClr r="0" g="0" b="0"/>
+      </a:fillRef>
+      <a:effectRef idx="0">
+        <a:scrgbClr r="0" g="0" b="0"/>
+      </a:effectRef>
+      <a:fontRef idx="minor"/>
+    </dgm:style>
+  </dgm:styleLbl>
+  <dgm:styleLbl name="alignAcc1">
+    <dgm:scene3d>
+      <a:camera prst="orthographicFront"/>
+      <a:lightRig rig="threePt" dir="t"/>
+    </dgm:scene3d>
+    <dgm:sp3d/>
+    <dgm:txPr/>
+    <dgm:style>
+      <a:lnRef idx="2">
+        <a:scrgbClr r="0" g="0" b="0"/>
+      </a:lnRef>
+      <a:fillRef idx="1">
+        <a:scrgbClr r="0" g="0" b="0"/>
+      </a:fillRef>
+      <a:effectRef idx="0">
+        <a:scrgbClr r="0" g="0" b="0"/>
+      </a:effectRef>
+      <a:fontRef idx="minor"/>
+    </dgm:style>
+  </dgm:styleLbl>
+  <dgm:styleLbl name="trAlignAcc1">
+    <dgm:scene3d>
+      <a:camera prst="orthographicFront"/>
+      <a:lightRig rig="threePt" dir="t"/>
+    </dgm:scene3d>
+    <dgm:sp3d/>
+    <dgm:txPr/>
+    <dgm:style>
+      <a:lnRef idx="1">
+        <a:scrgbClr r="0" g="0" b="0"/>
+      </a:lnRef>
+      <a:fillRef idx="1">
+        <a:scrgbClr r="0" g="0" b="0"/>
+      </a:fillRef>
+      <a:effectRef idx="0">
+        <a:scrgbClr r="0" g="0" b="0"/>
+      </a:effectRef>
+      <a:fontRef idx="minor"/>
+    </dgm:style>
+  </dgm:styleLbl>
+  <dgm:styleLbl name="bgAcc1">
+    <dgm:scene3d>
+      <a:camera prst="orthographicFront"/>
+      <a:lightRig rig="threePt" dir="t"/>
+    </dgm:scene3d>
+    <dgm:sp3d/>
+    <dgm:txPr/>
+    <dgm:style>
+      <a:lnRef idx="2">
+        <a:scrgbClr r="0" g="0" b="0"/>
+      </a:lnRef>
+      <a:fillRef idx="1">
+        <a:scrgbClr r="0" g="0" b="0"/>
+      </a:fillRef>
+      <a:effectRef idx="0">
+        <a:scrgbClr r="0" g="0" b="0"/>
+      </a:effectRef>
+      <a:fontRef idx="minor"/>
+    </dgm:style>
+  </dgm:styleLbl>
+  <dgm:styleLbl name="solidFgAcc1">
+    <dgm:scene3d>
+      <a:camera prst="orthographicFront"/>
+      <a:lightRig rig="threePt" dir="t"/>
+    </dgm:scene3d>
+    <dgm:sp3d/>
+    <dgm:txPr/>
+    <dgm:style>
+      <a:lnRef idx="2">
+        <a:scrgbClr r="0" g="0" b="0"/>
+      </a:lnRef>
+      <a:fillRef idx="1">
+        <a:scrgbClr r="0" g="0" b="0"/>
+      </a:fillRef>
+      <a:effectRef idx="0">
+        <a:scrgbClr r="0" g="0" b="0"/>
+      </a:effectRef>
+      <a:fontRef idx="minor"/>
+    </dgm:style>
+  </dgm:styleLbl>
+  <dgm:styleLbl name="solidAlignAcc1">
+    <dgm:scene3d>
+      <a:camera prst="orthographicFront"/>
+      <a:lightRig rig="threePt" dir="t"/>
+    </dgm:scene3d>
+    <dgm:sp3d/>
+    <dgm:txPr/>
+    <dgm:style>
+      <a:lnRef idx="2">
+        <a:scrgbClr r="0" g="0" b="0"/>
+      </a:lnRef>
+      <a:fillRef idx="1">
+        <a:scrgbClr r="0" g="0" b="0"/>
+      </a:fillRef>
+      <a:effectRef idx="0">
+        <a:scrgbClr r="0" g="0" b="0"/>
+      </a:effectRef>
+      <a:fontRef idx="minor"/>
+    </dgm:style>
+  </dgm:styleLbl>
+  <dgm:styleLbl name="solidBgAcc1">
+    <dgm:scene3d>
+      <a:camera prst="orthographicFront"/>
+      <a:lightRig rig="threePt" dir="t"/>
+    </dgm:scene3d>
+    <dgm:sp3d/>
+    <dgm:txPr/>
+    <dgm:style>
+      <a:lnRef idx="2">
+        <a:scrgbClr r="0" g="0" b="0"/>
+      </a:lnRef>
+      <a:fillRef idx="1">
+        <a:scrgbClr r="0" g="0" b="0"/>
+      </a:fillRef>
+      <a:effectRef idx="0">
+        <a:scrgbClr r="0" g="0" b="0"/>
+      </a:effectRef>
+      <a:fontRef idx="minor"/>
+    </dgm:style>
+  </dgm:styleLbl>
+  <dgm:styleLbl name="fgAccFollowNode1">
+    <dgm:scene3d>
+      <a:camera prst="orthographicFront"/>
+      <a:lightRig rig="threePt" dir="t"/>
+    </dgm:scene3d>
+    <dgm:sp3d/>
+    <dgm:txPr/>
+    <dgm:style>
+      <a:lnRef idx="2">
+        <a:scrgbClr r="0" g="0" b="0"/>
+      </a:lnRef>
+      <a:fillRef idx="1">
+        <a:scrgbClr r="0" g="0" b="0"/>
+      </a:fillRef>
+      <a:effectRef idx="0">
+        <a:scrgbClr r="0" g="0" b="0"/>
+      </a:effectRef>
+      <a:fontRef idx="minor"/>
+    </dgm:style>
+  </dgm:styleLbl>
+  <dgm:styleLbl name="alignAccFollowNode1">
+    <dgm:scene3d>
+      <a:camera prst="orthographicFront"/>
+      <a:lightRig rig="threePt" dir="t"/>
+    </dgm:scene3d>
+    <dgm:sp3d/>
+    <dgm:txPr/>
+    <dgm:style>
+      <a:lnRef idx="2">
+        <a:scrgbClr r="0" g="0" b="0"/>
+      </a:lnRef>
+      <a:fillRef idx="1">
+        <a:scrgbClr r="0" g="0" b="0"/>
+      </a:fillRef>
+      <a:effectRef idx="0">
+        <a:scrgbClr r="0" g="0" b="0"/>
+      </a:effectRef>
+      <a:fontRef idx="minor"/>
+    </dgm:style>
+  </dgm:styleLbl>
+  <dgm:styleLbl name="bgAccFollowNode1">
+    <dgm:scene3d>
+      <a:camera prst="orthographicFront"/>
+      <a:lightRig rig="threePt" dir="t"/>
+    </dgm:scene3d>
+    <dgm:sp3d/>
+    <dgm:txPr/>
+    <dgm:style>
+      <a:lnRef idx="2">
+        <a:scrgbClr r="0" g="0" b="0"/>
+      </a:lnRef>
+      <a:fillRef idx="1">
+        <a:scrgbClr r="0" g="0" b="0"/>
+      </a:fillRef>
+      <a:effectRef idx="0">
+        <a:scrgbClr r="0" g="0" b="0"/>
+      </a:effectRef>
+      <a:fontRef idx="minor"/>
+    </dgm:style>
+  </dgm:styleLbl>
+  <dgm:styleLbl name="fgAcc0">
+    <dgm:scene3d>
+      <a:camera prst="orthographicFront"/>
+      <a:lightRig rig="threePt" dir="t"/>
+    </dgm:scene3d>
+    <dgm:sp3d/>
+    <dgm:txPr/>
+    <dgm:style>
+      <a:lnRef idx="2">
+        <a:scrgbClr r="0" g="0" b="0"/>
+      </a:lnRef>
+      <a:fillRef idx="1">
+        <a:scrgbClr r="0" g="0" b="0"/>
+      </a:fillRef>
+      <a:effectRef idx="0">
+        <a:scrgbClr r="0" g="0" b="0"/>
+      </a:effectRef>
+      <a:fontRef idx="minor"/>
+    </dgm:style>
+  </dgm:styleLbl>
+  <dgm:styleLbl name="fgAcc2">
+    <dgm:scene3d>
+      <a:camera prst="orthographicFront"/>
+      <a:lightRig rig="threePt" dir="t"/>
+    </dgm:scene3d>
+    <dgm:sp3d/>
+    <dgm:txPr/>
+    <dgm:style>
+      <a:lnRef idx="2">
+        <a:scrgbClr r="0" g="0" b="0"/>
+      </a:lnRef>
+      <a:fillRef idx="1">
+        <a:scrgbClr r="0" g="0" b="0"/>
+      </a:fillRef>
+      <a:effectRef idx="0">
+        <a:scrgbClr r="0" g="0" b="0"/>
+      </a:effectRef>
+      <a:fontRef idx="minor"/>
+    </dgm:style>
+  </dgm:styleLbl>
+  <dgm:styleLbl name="fgAcc3">
+    <dgm:scene3d>
+      <a:camera prst="orthographicFront"/>
+      <a:lightRig rig="threePt" dir="t"/>
+    </dgm:scene3d>
+    <dgm:sp3d/>
+    <dgm:txPr/>
+    <dgm:style>
+      <a:lnRef idx="2">
+        <a:scrgbClr r="0" g="0" b="0"/>
+      </a:lnRef>
+      <a:fillRef idx="1">
+        <a:scrgbClr r="0" g="0" b="0"/>
+      </a:fillRef>
+      <a:effectRef idx="0">
+        <a:scrgbClr r="0" g="0" b="0"/>
+      </a:effectRef>
+      <a:fontRef idx="minor"/>
+    </dgm:style>
+  </dgm:styleLbl>
+  <dgm:styleLbl name="fgAcc4">
+    <dgm:scene3d>
+      <a:camera prst="orthographicFront"/>
+      <a:lightRig rig="threePt" dir="t"/>
+    </dgm:scene3d>
+    <dgm:sp3d/>
+    <dgm:txPr/>
+    <dgm:style>
+      <a:lnRef idx="2">
+        <a:scrgbClr r="0" g="0" b="0"/>
+      </a:lnRef>
+      <a:fillRef idx="1">
+        <a:scrgbClr r="0" g="0" b="0"/>
+      </a:fillRef>
+      <a:effectRef idx="0">
+        <a:scrgbClr r="0" g="0" b="0"/>
+      </a:effectRef>
+      <a:fontRef idx="minor"/>
+    </dgm:style>
+  </dgm:styleLbl>
+  <dgm:styleLbl name="bgShp">
+    <dgm:scene3d>
+      <a:camera prst="orthographicFront"/>
+      <a:lightRig rig="threePt" dir="t"/>
+    </dgm:scene3d>
+    <dgm:sp3d/>
+    <dgm:txPr/>
+    <dgm:style>
+      <a:lnRef idx="0">
+        <a:scrgbClr r="0" g="0" b="0"/>
+      </a:lnRef>
+      <a:fillRef idx="1">
+        <a:scrgbClr r="0" g="0" b="0"/>
+      </a:fillRef>
+      <a:effectRef idx="0">
+        <a:scrgbClr r="0" g="0" b="0"/>
+      </a:effectRef>
+      <a:fontRef idx="minor"/>
+    </dgm:style>
+  </dgm:styleLbl>
+  <dgm:styleLbl name="dkBgShp">
+    <dgm:scene3d>
+      <a:camera prst="orthographicFront"/>
+      <a:lightRig rig="threePt" dir="t"/>
+    </dgm:scene3d>
+    <dgm:sp3d/>
+    <dgm:txPr/>
+    <dgm:style>
+      <a:lnRef idx="0">
+        <a:scrgbClr r="0" g="0" b="0"/>
+      </a:lnRef>
+      <a:fillRef idx="1">
+        <a:scrgbClr r="0" g="0" b="0"/>
+      </a:fillRef>
+      <a:effectRef idx="0">
+        <a:scrgbClr r="0" g="0" b="0"/>
+      </a:effectRef>
+      <a:fontRef idx="minor"/>
+    </dgm:style>
+  </dgm:styleLbl>
+  <dgm:styleLbl name="trBgShp">
+    <dgm:scene3d>
+      <a:camera prst="orthographicFront"/>
+      <a:lightRig rig="threePt" dir="t"/>
+    </dgm:scene3d>
+    <dgm:sp3d/>
+    <dgm:txPr/>
+    <dgm:style>
+      <a:lnRef idx="0">
+        <a:scrgbClr r="0" g="0" b="0"/>
+      </a:lnRef>
+      <a:fillRef idx="1">
+        <a:scrgbClr r="0" g="0" b="0"/>
+      </a:fillRef>
+      <a:effectRef idx="0">
+        <a:scrgbClr r="0" g="0" b="0"/>
+      </a:effectRef>
+      <a:fontRef idx="minor"/>
+    </dgm:style>
+  </dgm:styleLbl>
+  <dgm:styleLbl name="fgShp">
+    <dgm:scene3d>
+      <a:camera prst="orthographicFront"/>
+      <a:lightRig rig="threePt" dir="t"/>
+    </dgm:scene3d>
+    <dgm:sp3d/>
+    <dgm:txPr/>
+    <dgm:style>
+      <a:lnRef idx="2">
+        <a:scrgbClr r="0" g="0" b="0"/>
+      </a:lnRef>
+      <a:fillRef idx="1">
+        <a:scrgbClr r="0" g="0" b="0"/>
+      </a:fillRef>
+      <a:effectRef idx="0">
+        <a:scrgbClr r="0" g="0" b="0"/>
+      </a:effectRef>
+      <a:fontRef idx="minor"/>
+    </dgm:style>
+  </dgm:styleLbl>
+  <dgm:styleLbl name="revTx">
+    <dgm:scene3d>
+      <a:camera prst="orthographicFront"/>
+      <a:lightRig rig="threePt" dir="t"/>
+    </dgm:scene3d>
+    <dgm:sp3d/>
+    <dgm:txPr/>
+    <dgm:style>
+      <a:lnRef idx="0">
+        <a:scrgbClr r="0" g="0" b="0"/>
+      </a:lnRef>
+      <a:fillRef idx="0">
+        <a:scrgbClr r="0" g="0" b="0"/>
+      </a:fillRef>
+      <a:effectRef idx="0">
+        <a:scrgbClr r="0" g="0" b="0"/>
+      </a:effectRef>
+      <a:fontRef idx="minor"/>
+    </dgm:style>
+  </dgm:styleLbl>
+</dgm:styleDef>
+</file>
+
+<file path=ppt/diagrams/quickStyle2.xml><?xml version="1.0" encoding="utf-8"?>
+<dgm:styleDef xmlns:dgm="http://schemas.openxmlformats.org/drawingml/2006/diagram" xmlns:a="http://schemas.openxmlformats.org/drawingml/2006/main" uniqueId="urn:microsoft.com/office/officeart/2005/8/quickstyle/simple1">
+  <dgm:title val=""/>
+  <dgm:desc val=""/>
+  <dgm:catLst>
+    <dgm:cat type="simple" pri="10100"/>
+  </dgm:catLst>
+  <dgm:scene3d>
+    <a:camera prst="orthographicFront"/>
+    <a:lightRig rig="threePt" dir="t"/>
+  </dgm:scene3d>
+  <dgm:styleLbl name="node0">
+    <dgm:scene3d>
+      <a:camera prst="orthographicFront"/>
+      <a:lightRig rig="threePt" dir="t"/>
+    </dgm:scene3d>
+    <dgm:sp3d/>
+    <dgm:txPr/>
+    <dgm:style>
+      <a:lnRef idx="2">
+        <a:scrgbClr r="0" g="0" b="0"/>
+      </a:lnRef>
+      <a:fillRef idx="1">
+        <a:scrgbClr r="0" g="0" b="0"/>
+      </a:fillRef>
+      <a:effectRef idx="0">
+        <a:scrgbClr r="0" g="0" b="0"/>
+      </a:effectRef>
+      <a:fontRef idx="minor">
+        <a:schemeClr val="lt1"/>
+      </a:fontRef>
+    </dgm:style>
+  </dgm:styleLbl>
+  <dgm:styleLbl name="lnNode1">
+    <dgm:scene3d>
+      <a:camera prst="orthographicFront"/>
+      <a:lightRig rig="threePt" dir="t"/>
+    </dgm:scene3d>
+    <dgm:sp3d/>
+    <dgm:txPr/>
+    <dgm:style>
+      <a:lnRef idx="2">
+        <a:scrgbClr r="0" g="0" b="0"/>
+      </a:lnRef>
+      <a:fillRef idx="1">
+        <a:scrgbClr r="0" g="0" b="0"/>
+      </a:fillRef>
+      <a:effectRef idx="0">
+        <a:scrgbClr r="0" g="0" b="0"/>
+      </a:effectRef>
+      <a:fontRef idx="minor">
+        <a:schemeClr val="lt1"/>
+      </a:fontRef>
+    </dgm:style>
+  </dgm:styleLbl>
+  <dgm:styleLbl name="vennNode1">
+    <dgm:scene3d>
+      <a:camera prst="orthographicFront"/>
+      <a:lightRig rig="threePt" dir="t"/>
+    </dgm:scene3d>
+    <dgm:sp3d/>
+    <dgm:txPr/>
+    <dgm:style>
+      <a:lnRef idx="2">
+        <a:scrgbClr r="0" g="0" b="0"/>
+      </a:lnRef>
+      <a:fillRef idx="1">
+        <a:scrgbClr r="0" g="0" b="0"/>
+      </a:fillRef>
+      <a:effectRef idx="0">
+        <a:scrgbClr r="0" g="0" b="0"/>
+      </a:effectRef>
+      <a:fontRef idx="minor">
+        <a:schemeClr val="tx1"/>
+      </a:fontRef>
+    </dgm:style>
+  </dgm:styleLbl>
+  <dgm:styleLbl name="alignNode1">
+    <dgm:scene3d>
+      <a:camera prst="orthographicFront"/>
+      <a:lightRig rig="threePt" dir="t"/>
+    </dgm:scene3d>
+    <dgm:sp3d/>
+    <dgm:txPr/>
+    <dgm:style>
+      <a:lnRef idx="2">
+        <a:scrgbClr r="0" g="0" b="0"/>
+      </a:lnRef>
+      <a:fillRef idx="1">
+        <a:scrgbClr r="0" g="0" b="0"/>
+      </a:fillRef>
+      <a:effectRef idx="0">
+        <a:scrgbClr r="0" g="0" b="0"/>
+      </a:effectRef>
+      <a:fontRef idx="minor">
+        <a:schemeClr val="lt1"/>
+      </a:fontRef>
+    </dgm:style>
+  </dgm:styleLbl>
+  <dgm:styleLbl name="node1">
+    <dgm:scene3d>
+      <a:camera prst="orthographicFront"/>
+      <a:lightRig rig="threePt" dir="t"/>
+    </dgm:scene3d>
+    <dgm:sp3d/>
+    <dgm:txPr/>
+    <dgm:style>
+      <a:lnRef idx="2">
+        <a:scrgbClr r="0" g="0" b="0"/>
+      </a:lnRef>
+      <a:fillRef idx="1">
+        <a:scrgbClr r="0" g="0" b="0"/>
+      </a:fillRef>
+      <a:effectRef idx="0">
+        <a:scrgbClr r="0" g="0" b="0"/>
+      </a:effectRef>
+      <a:fontRef idx="minor">
+        <a:schemeClr val="lt1"/>
+      </a:fontRef>
+    </dgm:style>
+  </dgm:styleLbl>
+  <dgm:styleLbl name="node2">
+    <dgm:scene3d>
+      <a:camera prst="orthographicFront"/>
+      <a:lightRig rig="threePt" dir="t"/>
+    </dgm:scene3d>
+    <dgm:sp3d/>
+    <dgm:txPr/>
+    <dgm:style>
+      <a:lnRef idx="2">
+        <a:scrgbClr r="0" g="0" b="0"/>
+      </a:lnRef>
+      <a:fillRef idx="1">
+        <a:scrgbClr r="0" g="0" b="0"/>
+      </a:fillRef>
+      <a:effectRef idx="0">
+        <a:scrgbClr r="0" g="0" b="0"/>
+      </a:effectRef>
+      <a:fontRef idx="minor">
+        <a:schemeClr val="lt1"/>
+      </a:fontRef>
+    </dgm:style>
+  </dgm:styleLbl>
+  <dgm:styleLbl name="node3">
+    <dgm:scene3d>
+      <a:camera prst="orthographicFront"/>
+      <a:lightRig rig="threePt" dir="t"/>
+    </dgm:scene3d>
+    <dgm:sp3d/>
+    <dgm:txPr/>
+    <dgm:style>
+      <a:lnRef idx="2">
+        <a:scrgbClr r="0" g="0" b="0"/>
+      </a:lnRef>
+      <a:fillRef idx="1">
+        <a:scrgbClr r="0" g="0" b="0"/>
+      </a:fillRef>
+      <a:effectRef idx="0">
+        <a:scrgbClr r="0" g="0" b="0"/>
+      </a:effectRef>
+      <a:fontRef idx="minor">
+        <a:schemeClr val="lt1"/>
+      </a:fontRef>
+    </dgm:style>
+  </dgm:styleLbl>
+  <dgm:styleLbl name="node4">
+    <dgm:scene3d>
+      <a:camera prst="orthographicFront"/>
+      <a:lightRig rig="threePt" dir="t"/>
+    </dgm:scene3d>
+    <dgm:sp3d/>
+    <dgm:txPr/>
+    <dgm:style>
+      <a:lnRef idx="2">
+        <a:scrgbClr r="0" g="0" b="0"/>
+      </a:lnRef>
+      <a:fillRef idx="1">
+        <a:scrgbClr r="0" g="0" b="0"/>
+      </a:fillRef>
+      <a:effectRef idx="0">
+        <a:scrgbClr r="0" g="0" b="0"/>
+      </a:effectRef>
+      <a:fontRef idx="minor">
+        <a:schemeClr val="lt1"/>
+      </a:fontRef>
+    </dgm:style>
+  </dgm:styleLbl>
+  <dgm:styleLbl name="fgImgPlace1">
+    <dgm:scene3d>
+      <a:camera prst="orthographicFront"/>
+      <a:lightRig rig="threePt" dir="t"/>
+    </dgm:scene3d>
+    <dgm:sp3d/>
+    <dgm:txPr/>
+    <dgm:style>
+      <a:lnRef idx="2">
+        <a:scrgbClr r="0" g="0" b="0"/>
+      </a:lnRef>
+      <a:fillRef idx="1">
+        <a:scrgbClr r="0" g="0" b="0"/>
+      </a:fillRef>
+      <a:effectRef idx="0">
+        <a:scrgbClr r="0" g="0" b="0"/>
+      </a:effectRef>
+      <a:fontRef idx="minor"/>
+    </dgm:style>
+  </dgm:styleLbl>
+  <dgm:styleLbl name="alignImgPlace1">
+    <dgm:scene3d>
+      <a:camera prst="orthographicFront"/>
+      <a:lightRig rig="threePt" dir="t"/>
+    </dgm:scene3d>
+    <dgm:sp3d/>
+    <dgm:txPr/>
+    <dgm:style>
+      <a:lnRef idx="2">
+        <a:scrgbClr r="0" g="0" b="0"/>
+      </a:lnRef>
+      <a:fillRef idx="1">
+        <a:scrgbClr r="0" g="0" b="0"/>
+      </a:fillRef>
+      <a:effectRef idx="0">
+        <a:scrgbClr r="0" g="0" b="0"/>
+      </a:effectRef>
+      <a:fontRef idx="minor"/>
+    </dgm:style>
+  </dgm:styleLbl>
+  <dgm:styleLbl name="bgImgPlace1">
+    <dgm:scene3d>
+      <a:camera prst="orthographicFront"/>
+      <a:lightRig rig="threePt" dir="t"/>
+    </dgm:scene3d>
+    <dgm:sp3d/>
+    <dgm:txPr/>
+    <dgm:style>
+      <a:lnRef idx="2">
+        <a:scrgbClr r="0" g="0" b="0"/>
+      </a:lnRef>
+      <a:fillRef idx="1">
+        <a:scrgbClr r="0" g="0" b="0"/>
+      </a:fillRef>
+      <a:effectRef idx="0">
+        <a:scrgbClr r="0" g="0" b="0"/>
+      </a:effectRef>
+      <a:fontRef idx="minor"/>
+    </dgm:style>
+  </dgm:styleLbl>
+  <dgm:styleLbl name="sibTrans2D1">
+    <dgm:scene3d>
+      <a:camera prst="orthographicFront"/>
+      <a:lightRig rig="threePt" dir="t"/>
+    </dgm:scene3d>
+    <dgm:sp3d/>
+    <dgm:txPr/>
+    <dgm:style>
+      <a:lnRef idx="0">
+        <a:scrgbClr r="0" g="0" b="0"/>
+      </a:lnRef>
+      <a:fillRef idx="1">
+        <a:scrgbClr r="0" g="0" b="0"/>
+      </a:fillRef>
+      <a:effectRef idx="0">
+        <a:scrgbClr r="0" g="0" b="0"/>
+      </a:effectRef>
+      <a:fontRef idx="minor">
+        <a:schemeClr val="lt1"/>
+      </a:fontRef>
+    </dgm:style>
+  </dgm:styleLbl>
+  <dgm:styleLbl name="fgSibTrans2D1">
+    <dgm:scene3d>
+      <a:camera prst="orthographicFront"/>
+      <a:lightRig rig="threePt" dir="t"/>
+    </dgm:scene3d>
+    <dgm:sp3d/>
+    <dgm:txPr/>
+    <dgm:style>
+      <a:lnRef idx="0">
+        <a:scrgbClr r="0" g="0" b="0"/>
+      </a:lnRef>
+      <a:fillRef idx="1">
+        <a:scrgbClr r="0" g="0" b="0"/>
+      </a:fillRef>
+      <a:effectRef idx="0">
+        <a:scrgbClr r="0" g="0" b="0"/>
+      </a:effectRef>
+      <a:fontRef idx="minor">
+        <a:schemeClr val="lt1"/>
+      </a:fontRef>
+    </dgm:style>
+  </dgm:styleLbl>
+  <dgm:styleLbl name="bgSibTrans2D1">
+    <dgm:scene3d>
+      <a:camera prst="orthographicFront"/>
+      <a:lightRig rig="threePt" dir="t"/>
+    </dgm:scene3d>
+    <dgm:sp3d/>
+    <dgm:txPr/>
+    <dgm:style>
+      <a:lnRef idx="0">
+        <a:scrgbClr r="0" g="0" b="0"/>
+      </a:lnRef>
+      <a:fillRef idx="1">
+        <a:scrgbClr r="0" g="0" b="0"/>
+      </a:fillRef>
+      <a:effectRef idx="0">
+        <a:scrgbClr r="0" g="0" b="0"/>
+      </a:effectRef>
+      <a:fontRef idx="minor">
+        <a:schemeClr val="lt1"/>
+      </a:fontRef>
+    </dgm:style>
+  </dgm:styleLbl>
+  <dgm:styleLbl name="sibTrans1D1">
+    <dgm:scene3d>
+      <a:camera prst="orthographicFront"/>
+      <a:lightRig rig="threePt" dir="t"/>
+    </dgm:scene3d>
+    <dgm:sp3d/>
+    <dgm:txPr/>
+    <dgm:style>
+      <a:lnRef idx="1">
+        <a:scrgbClr r="0" g="0" b="0"/>
+      </a:lnRef>
+      <a:fillRef idx="0">
+        <a:scrgbClr r="0" g="0" b="0"/>
+      </a:fillRef>
+      <a:effectRef idx="0">
+        <a:scrgbClr r="0" g="0" b="0"/>
+      </a:effectRef>
+      <a:fontRef idx="minor"/>
+    </dgm:style>
+  </dgm:styleLbl>
+  <dgm:styleLbl name="callout">
+    <dgm:scene3d>
+      <a:camera prst="orthographicFront"/>
+      <a:lightRig rig="threePt" dir="t"/>
+    </dgm:scene3d>
+    <dgm:sp3d/>
+    <dgm:txPr/>
+    <dgm:style>
+      <a:lnRef idx="2">
+        <a:scrgbClr r="0" g="0" b="0"/>
+      </a:lnRef>
+      <a:fillRef idx="1">
+        <a:scrgbClr r="0" g="0" b="0"/>
+      </a:fillRef>
+      <a:effectRef idx="0">
+        <a:scrgbClr r="0" g="0" b="0"/>
+      </a:effectRef>
+      <a:fontRef idx="minor"/>
+    </dgm:style>
+  </dgm:styleLbl>
+  <dgm:styleLbl name="asst0">
+    <dgm:scene3d>
+      <a:camera prst="orthographicFront"/>
+      <a:lightRig rig="threePt" dir="t"/>
+    </dgm:scene3d>
+    <dgm:sp3d/>
+    <dgm:txPr/>
+    <dgm:style>
+      <a:lnRef idx="2">
+        <a:scrgbClr r="0" g="0" b="0"/>
+      </a:lnRef>
+      <a:fillRef idx="1">
+        <a:scrgbClr r="0" g="0" b="0"/>
+      </a:fillRef>
+      <a:effectRef idx="0">
+        <a:scrgbClr r="0" g="0" b="0"/>
+      </a:effectRef>
+      <a:fontRef idx="minor">
+        <a:schemeClr val="lt1"/>
+      </a:fontRef>
+    </dgm:style>
+  </dgm:styleLbl>
+  <dgm:styleLbl name="asst1">
+    <dgm:scene3d>
+      <a:camera prst="orthographicFront"/>
+      <a:lightRig rig="threePt" dir="t"/>
+    </dgm:scene3d>
+    <dgm:sp3d/>
+    <dgm:txPr/>
+    <dgm:style>
+      <a:lnRef idx="2">
+        <a:scrgbClr r="0" g="0" b="0"/>
+      </a:lnRef>
+      <a:fillRef idx="1">
+        <a:scrgbClr r="0" g="0" b="0"/>
+      </a:fillRef>
+      <a:effectRef idx="0">
+        <a:scrgbClr r="0" g="0" b="0"/>
+      </a:effectRef>
+      <a:fontRef idx="minor">
+        <a:schemeClr val="lt1"/>
+      </a:fontRef>
+    </dgm:style>
+  </dgm:styleLbl>
+  <dgm:styleLbl name="asst2">
+    <dgm:scene3d>
+      <a:camera prst="orthographicFront"/>
+      <a:lightRig rig="threePt" dir="t"/>
+    </dgm:scene3d>
+    <dgm:sp3d/>
+    <dgm:txPr/>
+    <dgm:style>
+      <a:lnRef idx="2">
+        <a:scrgbClr r="0" g="0" b="0"/>
+      </a:lnRef>
+      <a:fillRef idx="1">
+        <a:scrgbClr r="0" g="0" b="0"/>
+      </a:fillRef>
+      <a:effectRef idx="0">
+        <a:scrgbClr r="0" g="0" b="0"/>
+      </a:effectRef>
+      <a:fontRef idx="minor">
+        <a:schemeClr val="lt1"/>
+      </a:fontRef>
+    </dgm:style>
+  </dgm:styleLbl>
+  <dgm:styleLbl name="asst3">
+    <dgm:scene3d>
+      <a:camera prst="orthographicFront"/>
+      <a:lightRig rig="threePt" dir="t"/>
+    </dgm:scene3d>
+    <dgm:sp3d/>
+    <dgm:txPr/>
+    <dgm:style>
+      <a:lnRef idx="2">
+        <a:scrgbClr r="0" g="0" b="0"/>
+      </a:lnRef>
+      <a:fillRef idx="1">
+        <a:scrgbClr r="0" g="0" b="0"/>
+      </a:fillRef>
+      <a:effectRef idx="0">
+        <a:scrgbClr r="0" g="0" b="0"/>
+      </a:effectRef>
+      <a:fontRef idx="minor">
+        <a:schemeClr val="lt1"/>
+      </a:fontRef>
+    </dgm:style>
+  </dgm:styleLbl>
+  <dgm:styleLbl name="asst4">
+    <dgm:scene3d>
+      <a:camera prst="orthographicFront"/>
+      <a:lightRig rig="threePt" dir="t"/>
+    </dgm:scene3d>
+    <dgm:sp3d/>
+    <dgm:txPr/>
+    <dgm:style>
+      <a:lnRef idx="2">
+        <a:scrgbClr r="0" g="0" b="0"/>
+      </a:lnRef>
+      <a:fillRef idx="1">
+        <a:scrgbClr r="0" g="0" b="0"/>
+      </a:fillRef>
+      <a:effectRef idx="0">
+        <a:scrgbClr r="0" g="0" b="0"/>
+      </a:effectRef>
+      <a:fontRef idx="minor">
+        <a:schemeClr val="lt1"/>
+      </a:fontRef>
+    </dgm:style>
+  </dgm:styleLbl>
+  <dgm:styleLbl name="parChTrans2D1">
+    <dgm:scene3d>
+      <a:camera prst="orthographicFront"/>
+      <a:lightRig rig="threePt" dir="t"/>
+    </dgm:scene3d>
+    <dgm:sp3d/>
+    <dgm:txPr/>
+    <dgm:style>
+      <a:lnRef idx="2">
+        <a:scrgbClr r="0" g="0" b="0"/>
+      </a:lnRef>
+      <a:fillRef idx="1">
+        <a:scrgbClr r="0" g="0" b="0"/>
+      </a:fillRef>
+      <a:effectRef idx="0">
+        <a:scrgbClr r="0" g="0" b="0"/>
+      </a:effectRef>
+      <a:fontRef idx="minor">
+        <a:schemeClr val="lt1"/>
+      </a:fontRef>
+    </dgm:style>
+  </dgm:styleLbl>
+  <dgm:styleLbl name="parChTrans2D2">
+    <dgm:scene3d>
+      <a:camera prst="orthographicFront"/>
+      <a:lightRig rig="threePt" dir="t"/>
+    </dgm:scene3d>
+    <dgm:sp3d/>
+    <dgm:txPr/>
+    <dgm:style>
+      <a:lnRef idx="2">
+        <a:scrgbClr r="0" g="0" b="0"/>
+      </a:lnRef>
+      <a:fillRef idx="1">
+        <a:scrgbClr r="0" g="0" b="0"/>
+      </a:fillRef>
+      <a:effectRef idx="0">
+        <a:scrgbClr r="0" g="0" b="0"/>
+      </a:effectRef>
+      <a:fontRef idx="minor">
+        <a:schemeClr val="lt1"/>
+      </a:fontRef>
+    </dgm:style>
+  </dgm:styleLbl>
+  <dgm:styleLbl name="parChTrans2D3">
+    <dgm:scene3d>
+      <a:camera prst="orthographicFront"/>
+      <a:lightRig rig="threePt" dir="t"/>
+    </dgm:scene3d>
+    <dgm:sp3d/>
+    <dgm:txPr/>
+    <dgm:style>
+      <a:lnRef idx="2">
+        <a:scrgbClr r="0" g="0" b="0"/>
+      </a:lnRef>
+      <a:fillRef idx="1">
+        <a:scrgbClr r="0" g="0" b="0"/>
+      </a:fillRef>
+      <a:effectRef idx="0">
+        <a:scrgbClr r="0" g="0" b="0"/>
+      </a:effectRef>
+      <a:fontRef idx="minor">
+        <a:schemeClr val="lt1"/>
+      </a:fontRef>
+    </dgm:style>
+  </dgm:styleLbl>
+  <dgm:styleLbl name="parChTrans2D4">
+    <dgm:scene3d>
+      <a:camera prst="orthographicFront"/>
+      <a:lightRig rig="threePt" dir="t"/>
+    </dgm:scene3d>
+    <dgm:sp3d/>
+    <dgm:txPr/>
+    <dgm:style>
+      <a:lnRef idx="2">
+        <a:scrgbClr r="0" g="0" b="0"/>
+      </a:lnRef>
+      <a:fillRef idx="1">
+        <a:scrgbClr r="0" g="0" b="0"/>
+      </a:fillRef>
+      <a:effectRef idx="0">
+        <a:scrgbClr r="0" g="0" b="0"/>
+      </a:effectRef>
+      <a:fontRef idx="minor">
+        <a:schemeClr val="lt1"/>
+      </a:fontRef>
+    </dgm:style>
+  </dgm:styleLbl>
+  <dgm:styleLbl name="parChTrans1D1">
+    <dgm:scene3d>
+      <a:camera prst="orthographicFront"/>
+      <a:lightRig rig="threePt" dir="t"/>
+    </dgm:scene3d>
+    <dgm:sp3d/>
+    <dgm:txPr/>
+    <dgm:style>
+      <a:lnRef idx="2">
+        <a:scrgbClr r="0" g="0" b="0"/>
+      </a:lnRef>
+      <a:fillRef idx="0">
+        <a:scrgbClr r="0" g="0" b="0"/>
+      </a:fillRef>
+      <a:effectRef idx="0">
+        <a:scrgbClr r="0" g="0" b="0"/>
+      </a:effectRef>
+      <a:fontRef idx="minor"/>
+    </dgm:style>
+  </dgm:styleLbl>
+  <dgm:styleLbl name="parChTrans1D2">
+    <dgm:scene3d>
+      <a:camera prst="orthographicFront"/>
+      <a:lightRig rig="threePt" dir="t"/>
+    </dgm:scene3d>
+    <dgm:sp3d/>
+    <dgm:txPr/>
+    <dgm:style>
+      <a:lnRef idx="2">
+        <a:scrgbClr r="0" g="0" b="0"/>
+      </a:lnRef>
+      <a:fillRef idx="0">
+        <a:scrgbClr r="0" g="0" b="0"/>
+      </a:fillRef>
+      <a:effectRef idx="0">
+        <a:scrgbClr r="0" g="0" b="0"/>
+      </a:effectRef>
+      <a:fontRef idx="minor"/>
+    </dgm:style>
+  </dgm:styleLbl>
+  <dgm:styleLbl name="parChTrans1D3">
+    <dgm:scene3d>
+      <a:camera prst="orthographicFront"/>
+      <a:lightRig rig="threePt" dir="t"/>
+    </dgm:scene3d>
+    <dgm:sp3d/>
+    <dgm:txPr/>
+    <dgm:style>
+      <a:lnRef idx="2">
+        <a:scrgbClr r="0" g="0" b="0"/>
+      </a:lnRef>
+      <a:fillRef idx="0">
+        <a:scrgbClr r="0" g="0" b="0"/>
+      </a:fillRef>
+      <a:effectRef idx="0">
+        <a:scrgbClr r="0" g="0" b="0"/>
+      </a:effectRef>
+      <a:fontRef idx="minor"/>
+    </dgm:style>
+  </dgm:styleLbl>
+  <dgm:styleLbl name="parChTrans1D4">
+    <dgm:scene3d>
+      <a:camera prst="orthographicFront"/>
+      <a:lightRig rig="threePt" dir="t"/>
+    </dgm:scene3d>
+    <dgm:sp3d/>
+    <dgm:txPr/>
+    <dgm:style>
+      <a:lnRef idx="2">
+        <a:scrgbClr r="0" g="0" b="0"/>
+      </a:lnRef>
+      <a:fillRef idx="0">
+        <a:scrgbClr r="0" g="0" b="0"/>
+      </a:fillRef>
+      <a:effectRef idx="0">
+        <a:scrgbClr r="0" g="0" b="0"/>
+      </a:effectRef>
+      <a:fontRef idx="minor"/>
+    </dgm:style>
+  </dgm:styleLbl>
+  <dgm:styleLbl name="fgAcc1">
+    <dgm:scene3d>
+      <a:camera prst="orthographicFront"/>
+      <a:lightRig rig="threePt" dir="t"/>
+    </dgm:scene3d>
+    <dgm:sp3d/>
+    <dgm:txPr/>
+    <dgm:style>
+      <a:lnRef idx="2">
+        <a:scrgbClr r="0" g="0" b="0"/>
+      </a:lnRef>
+      <a:fillRef idx="1">
+        <a:scrgbClr r="0" g="0" b="0"/>
+      </a:fillRef>
+      <a:effectRef idx="0">
+        <a:scrgbClr r="0" g="0" b="0"/>
+      </a:effectRef>
+      <a:fontRef idx="minor"/>
+    </dgm:style>
+  </dgm:styleLbl>
+  <dgm:styleLbl name="conFgAcc1">
+    <dgm:scene3d>
+      <a:camera prst="orthographicFront"/>
+      <a:lightRig rig="threePt" dir="t"/>
+    </dgm:scene3d>
+    <dgm:sp3d/>
+    <dgm:txPr/>
+    <dgm:style>
+      <a:lnRef idx="2">
+        <a:scrgbClr r="0" g="0" b="0"/>
+      </a:lnRef>
+      <a:fillRef idx="1">
+        <a:scrgbClr r="0" g="0" b="0"/>
+      </a:fillRef>
+      <a:effectRef idx="0">
+        <a:scrgbClr r="0" g="0" b="0"/>
+      </a:effectRef>
+      <a:fontRef idx="minor"/>
+    </dgm:style>
+  </dgm:styleLbl>
+  <dgm:styleLbl name="alignAcc1">
+    <dgm:scene3d>
+      <a:camera prst="orthographicFront"/>
+      <a:lightRig rig="threePt" dir="t"/>
+    </dgm:scene3d>
+    <dgm:sp3d/>
+    <dgm:txPr/>
+    <dgm:style>
+      <a:lnRef idx="2">
+        <a:scrgbClr r="0" g="0" b="0"/>
+      </a:lnRef>
+      <a:fillRef idx="1">
+        <a:scrgbClr r="0" g="0" b="0"/>
+      </a:fillRef>
+      <a:effectRef idx="0">
+        <a:scrgbClr r="0" g="0" b="0"/>
+      </a:effectRef>
+      <a:fontRef idx="minor"/>
+    </dgm:style>
+  </dgm:styleLbl>
+  <dgm:styleLbl name="trAlignAcc1">
+    <dgm:scene3d>
+      <a:camera prst="orthographicFront"/>
+      <a:lightRig rig="threePt" dir="t"/>
+    </dgm:scene3d>
+    <dgm:sp3d/>
+    <dgm:txPr/>
+    <dgm:style>
+      <a:lnRef idx="1">
+        <a:scrgbClr r="0" g="0" b="0"/>
+      </a:lnRef>
+      <a:fillRef idx="1">
+        <a:scrgbClr r="0" g="0" b="0"/>
+      </a:fillRef>
+      <a:effectRef idx="0">
+        <a:scrgbClr r="0" g="0" b="0"/>
+      </a:effectRef>
+      <a:fontRef idx="minor"/>
+    </dgm:style>
+  </dgm:styleLbl>
+  <dgm:styleLbl name="bgAcc1">
+    <dgm:scene3d>
+      <a:camera prst="orthographicFront"/>
+      <a:lightRig rig="threePt" dir="t"/>
+    </dgm:scene3d>
+    <dgm:sp3d/>
+    <dgm:txPr/>
+    <dgm:style>
+      <a:lnRef idx="2">
+        <a:scrgbClr r="0" g="0" b="0"/>
+      </a:lnRef>
+      <a:fillRef idx="1">
+        <a:scrgbClr r="0" g="0" b="0"/>
+      </a:fillRef>
+      <a:effectRef idx="0">
+        <a:scrgbClr r="0" g="0" b="0"/>
+      </a:effectRef>
+      <a:fontRef idx="minor"/>
+    </dgm:style>
+  </dgm:styleLbl>
+  <dgm:styleLbl name="solidFgAcc1">
+    <dgm:scene3d>
+      <a:camera prst="orthographicFront"/>
+      <a:lightRig rig="threePt" dir="t"/>
+    </dgm:scene3d>
+    <dgm:sp3d/>
+    <dgm:txPr/>
+    <dgm:style>
+      <a:lnRef idx="2">
+        <a:scrgbClr r="0" g="0" b="0"/>
+      </a:lnRef>
+      <a:fillRef idx="1">
+        <a:scrgbClr r="0" g="0" b="0"/>
+      </a:fillRef>
+      <a:effectRef idx="0">
+        <a:scrgbClr r="0" g="0" b="0"/>
+      </a:effectRef>
+      <a:fontRef idx="minor"/>
+    </dgm:style>
+  </dgm:styleLbl>
+  <dgm:styleLbl name="solidAlignAcc1">
+    <dgm:scene3d>
+      <a:camera prst="orthographicFront"/>
+      <a:lightRig rig="threePt" dir="t"/>
+    </dgm:scene3d>
+    <dgm:sp3d/>
+    <dgm:txPr/>
+    <dgm:style>
+      <a:lnRef idx="2">
+        <a:scrgbClr r="0" g="0" b="0"/>
+      </a:lnRef>
+      <a:fillRef idx="1">
+        <a:scrgbClr r="0" g="0" b="0"/>
+      </a:fillRef>
+      <a:effectRef idx="0">
+        <a:scrgbClr r="0" g="0" b="0"/>
+      </a:effectRef>
+      <a:fontRef idx="minor"/>
+    </dgm:style>
+  </dgm:styleLbl>
+  <dgm:styleLbl name="solidBgAcc1">
+    <dgm:scene3d>
+      <a:camera prst="orthographicFront"/>
+      <a:lightRig rig="threePt" dir="t"/>
+    </dgm:scene3d>
+    <dgm:sp3d/>
+    <dgm:txPr/>
+    <dgm:style>
+      <a:lnRef idx="2">
+        <a:scrgbClr r="0" g="0" b="0"/>
+      </a:lnRef>
+      <a:fillRef idx="1">
+        <a:scrgbClr r="0" g="0" b="0"/>
+      </a:fillRef>
+      <a:effectRef idx="0">
+        <a:scrgbClr r="0" g="0" b="0"/>
+      </a:effectRef>
+      <a:fontRef idx="minor"/>
+    </dgm:style>
+  </dgm:styleLbl>
+  <dgm:styleLbl name="fgAccFollowNode1">
+    <dgm:scene3d>
+      <a:camera prst="orthographicFront"/>
+      <a:lightRig rig="threePt" dir="t"/>
+    </dgm:scene3d>
+    <dgm:sp3d/>
+    <dgm:txPr/>
+    <dgm:style>
+      <a:lnRef idx="2">
+        <a:scrgbClr r="0" g="0" b="0"/>
+      </a:lnRef>
+      <a:fillRef idx="1">
+        <a:scrgbClr r="0" g="0" b="0"/>
+      </a:fillRef>
+      <a:effectRef idx="0">
+        <a:scrgbClr r="0" g="0" b="0"/>
+      </a:effectRef>
+      <a:fontRef idx="minor"/>
+    </dgm:style>
+  </dgm:styleLbl>
+  <dgm:styleLbl name="alignAccFollowNode1">
+    <dgm:scene3d>
+      <a:camera prst="orthographicFront"/>
+      <a:lightRig rig="threePt" dir="t"/>
+    </dgm:scene3d>
+    <dgm:sp3d/>
+    <dgm:txPr/>
+    <dgm:style>
+      <a:lnRef idx="2">
+        <a:scrgbClr r="0" g="0" b="0"/>
+      </a:lnRef>
+      <a:fillRef idx="1">
+        <a:scrgbClr r="0" g="0" b="0"/>
+      </a:fillRef>
+      <a:effectRef idx="0">
+        <a:scrgbClr r="0" g="0" b="0"/>
+      </a:effectRef>
+      <a:fontRef idx="minor"/>
+    </dgm:style>
+  </dgm:styleLbl>
+  <dgm:styleLbl name="bgAccFollowNode1">
+    <dgm:scene3d>
+      <a:camera prst="orthographicFront"/>
+      <a:lightRig rig="threePt" dir="t"/>
+    </dgm:scene3d>
+    <dgm:sp3d/>
+    <dgm:txPr/>
+    <dgm:style>
+      <a:lnRef idx="2">
+        <a:scrgbClr r="0" g="0" b="0"/>
+      </a:lnRef>
+      <a:fillRef idx="1">
+        <a:scrgbClr r="0" g="0" b="0"/>
+      </a:fillRef>
+      <a:effectRef idx="0">
+        <a:scrgbClr r="0" g="0" b="0"/>
+      </a:effectRef>
+      <a:fontRef idx="minor"/>
+    </dgm:style>
+  </dgm:styleLbl>
+  <dgm:styleLbl name="fgAcc0">
+    <dgm:scene3d>
+      <a:camera prst="orthographicFront"/>
+      <a:lightRig rig="threePt" dir="t"/>
+    </dgm:scene3d>
+    <dgm:sp3d/>
+    <dgm:txPr/>
+    <dgm:style>
+      <a:lnRef idx="2">
+        <a:scrgbClr r="0" g="0" b="0"/>
+      </a:lnRef>
+      <a:fillRef idx="1">
+        <a:scrgbClr r="0" g="0" b="0"/>
+      </a:fillRef>
+      <a:effectRef idx="0">
+        <a:scrgbClr r="0" g="0" b="0"/>
+      </a:effectRef>
+      <a:fontRef idx="minor"/>
+    </dgm:style>
+  </dgm:styleLbl>
+  <dgm:styleLbl name="fgAcc2">
+    <dgm:scene3d>
+      <a:camera prst="orthographicFront"/>
+      <a:lightRig rig="threePt" dir="t"/>
+    </dgm:scene3d>
+    <dgm:sp3d/>
+    <dgm:txPr/>
+    <dgm:style>
+      <a:lnRef idx="2">
+        <a:scrgbClr r="0" g="0" b="0"/>
+      </a:lnRef>
+      <a:fillRef idx="1">
+        <a:scrgbClr r="0" g="0" b="0"/>
+      </a:fillRef>
+      <a:effectRef idx="0">
+        <a:scrgbClr r="0" g="0" b="0"/>
+      </a:effectRef>
+      <a:fontRef idx="minor"/>
+    </dgm:style>
+  </dgm:styleLbl>
+  <dgm:styleLbl name="fgAcc3">
+    <dgm:scene3d>
+      <a:camera prst="orthographicFront"/>
+      <a:lightRig rig="threePt" dir="t"/>
+    </dgm:scene3d>
+    <dgm:sp3d/>
+    <dgm:txPr/>
+    <dgm:style>
+      <a:lnRef idx="2">
+        <a:scrgbClr r="0" g="0" b="0"/>
+      </a:lnRef>
+      <a:fillRef idx="1">
+        <a:scrgbClr r="0" g="0" b="0"/>
+      </a:fillRef>
+      <a:effectRef idx="0">
+        <a:scrgbClr r="0" g="0" b="0"/>
+      </a:effectRef>
+      <a:fontRef idx="minor"/>
+    </dgm:style>
+  </dgm:styleLbl>
+  <dgm:styleLbl name="fgAcc4">
+    <dgm:scene3d>
+      <a:camera prst="orthographicFront"/>
+      <a:lightRig rig="threePt" dir="t"/>
+    </dgm:scene3d>
+    <dgm:sp3d/>
+    <dgm:txPr/>
+    <dgm:style>
+      <a:lnRef idx="2">
+        <a:scrgbClr r="0" g="0" b="0"/>
+      </a:lnRef>
+      <a:fillRef idx="1">
+        <a:scrgbClr r="0" g="0" b="0"/>
+      </a:fillRef>
+      <a:effectRef idx="0">
+        <a:scrgbClr r="0" g="0" b="0"/>
+      </a:effectRef>
+      <a:fontRef idx="minor"/>
+    </dgm:style>
+  </dgm:styleLbl>
+  <dgm:styleLbl name="bgShp">
+    <dgm:scene3d>
+      <a:camera prst="orthographicFront"/>
+      <a:lightRig rig="threePt" dir="t"/>
+    </dgm:scene3d>
+    <dgm:sp3d/>
+    <dgm:txPr/>
+    <dgm:style>
+      <a:lnRef idx="0">
+        <a:scrgbClr r="0" g="0" b="0"/>
+      </a:lnRef>
+      <a:fillRef idx="1">
+        <a:scrgbClr r="0" g="0" b="0"/>
+      </a:fillRef>
+      <a:effectRef idx="0">
+        <a:scrgbClr r="0" g="0" b="0"/>
+      </a:effectRef>
+      <a:fontRef idx="minor"/>
+    </dgm:style>
+  </dgm:styleLbl>
+  <dgm:styleLbl name="dkBgShp">
+    <dgm:scene3d>
+      <a:camera prst="orthographicFront"/>
+      <a:lightRig rig="threePt" dir="t"/>
+    </dgm:scene3d>
+    <dgm:sp3d/>
+    <dgm:txPr/>
+    <dgm:style>
+      <a:lnRef idx="0">
+        <a:scrgbClr r="0" g="0" b="0"/>
+      </a:lnRef>
+      <a:fillRef idx="1">
+        <a:scrgbClr r="0" g="0" b="0"/>
+      </a:fillRef>
+      <a:effectRef idx="0">
+        <a:scrgbClr r="0" g="0" b="0"/>
+      </a:effectRef>
+      <a:fontRef idx="minor"/>
+    </dgm:style>
+  </dgm:styleLbl>
+  <dgm:styleLbl name="trBgShp">
+    <dgm:scene3d>
+      <a:camera prst="orthographicFront"/>
+      <a:lightRig rig="threePt" dir="t"/>
+    </dgm:scene3d>
+    <dgm:sp3d/>
+    <dgm:txPr/>
+    <dgm:style>
+      <a:lnRef idx="0">
+        <a:scrgbClr r="0" g="0" b="0"/>
+      </a:lnRef>
+      <a:fillRef idx="1">
+        <a:scrgbClr r="0" g="0" b="0"/>
+      </a:fillRef>
+      <a:effectRef idx="0">
+        <a:scrgbClr r="0" g="0" b="0"/>
+      </a:effectRef>
+      <a:fontRef idx="minor"/>
+    </dgm:style>
+  </dgm:styleLbl>
+  <dgm:styleLbl name="fgShp">
+    <dgm:scene3d>
+      <a:camera prst="orthographicFront"/>
+      <a:lightRig rig="threePt" dir="t"/>
+    </dgm:scene3d>
+    <dgm:sp3d/>
+    <dgm:txPr/>
+    <dgm:style>
+      <a:lnRef idx="2">
+        <a:scrgbClr r="0" g="0" b="0"/>
+      </a:lnRef>
+      <a:fillRef idx="1">
+        <a:scrgbClr r="0" g="0" b="0"/>
+      </a:fillRef>
+      <a:effectRef idx="0">
+        <a:scrgbClr r="0" g="0" b="0"/>
+      </a:effectRef>
+      <a:fontRef idx="minor"/>
+    </dgm:style>
+  </dgm:styleLbl>
+  <dgm:styleLbl name="revTx">
+    <dgm:scene3d>
+      <a:camera prst="orthographicFront"/>
+      <a:lightRig rig="threePt" dir="t"/>
+    </dgm:scene3d>
+    <dgm:sp3d/>
+    <dgm:txPr/>
+    <dgm:style>
+      <a:lnRef idx="0">
+        <a:scrgbClr r="0" g="0" b="0"/>
+      </a:lnRef>
+      <a:fillRef idx="0">
+        <a:scrgbClr r="0" g="0" b="0"/>
+      </a:fillRef>
+      <a:effectRef idx="0">
+        <a:scrgbClr r="0" g="0" b="0"/>
+      </a:effectRef>
+      <a:fontRef idx="minor"/>
+    </dgm:style>
+  </dgm:styleLbl>
+</dgm:styleDef>
+</file>
+
+<file path=ppt/diagrams/quickStyle3.xml><?xml version="1.0" encoding="utf-8"?>
 <dgm:styleDef xmlns:dgm="http://schemas.openxmlformats.org/drawingml/2006/diagram" xmlns:a="http://schemas.openxmlformats.org/drawingml/2006/main" uniqueId="urn:microsoft.com/office/officeart/2005/8/quickstyle/simple1">
   <dgm:title val=""/>
   <dgm:desc val=""/>
@@ -3395,6 +8137,174 @@
 </p:notes>
 </file>
 
+<file path=ppt/notesSlides/notesSlide4.xml><?xml version="1.0" encoding="utf-8"?>
+<p:notes xmlns:a="http://schemas.openxmlformats.org/drawingml/2006/main" xmlns:r="http://schemas.openxmlformats.org/officeDocument/2006/relationships" xmlns:p="http://schemas.openxmlformats.org/presentationml/2006/main">
+  <p:cSld>
+    <p:spTree>
+      <p:nvGrpSpPr>
+        <p:cNvPr id="1" name=""/>
+        <p:cNvGrpSpPr/>
+        <p:nvPr/>
+      </p:nvGrpSpPr>
+      <p:grpSpPr>
+        <a:xfrm>
+          <a:off x="0" y="0"/>
+          <a:ext cx="0" cy="0"/>
+          <a:chOff x="0" y="0"/>
+          <a:chExt cx="0" cy="0"/>
+        </a:xfrm>
+      </p:grpSpPr>
+      <p:sp>
+        <p:nvSpPr>
+          <p:cNvPr id="2" name="Slide Image Placeholder 1"/>
+          <p:cNvSpPr>
+            <a:spLocks noGrp="1" noRot="1" noChangeAspect="1"/>
+          </p:cNvSpPr>
+          <p:nvPr>
+            <p:ph type="sldImg"/>
+          </p:nvPr>
+        </p:nvSpPr>
+        <p:spPr/>
+      </p:sp>
+      <p:sp>
+        <p:nvSpPr>
+          <p:cNvPr id="3" name="Notes Placeholder 2"/>
+          <p:cNvSpPr>
+            <a:spLocks noGrp="1"/>
+          </p:cNvSpPr>
+          <p:nvPr>
+            <p:ph type="body" idx="1"/>
+          </p:nvPr>
+        </p:nvSpPr>
+        <p:spPr/>
+        <p:txBody>
+          <a:bodyPr/>
+          <a:lstStyle/>
+          <a:p>
+            <a:endParaRPr lang="en-US" dirty="0"/>
+          </a:p>
+        </p:txBody>
+      </p:sp>
+      <p:sp>
+        <p:nvSpPr>
+          <p:cNvPr id="4" name="Slide Number Placeholder 3"/>
+          <p:cNvSpPr>
+            <a:spLocks noGrp="1"/>
+          </p:cNvSpPr>
+          <p:nvPr>
+            <p:ph type="sldNum" sz="quarter" idx="10"/>
+          </p:nvPr>
+        </p:nvSpPr>
+        <p:spPr/>
+        <p:txBody>
+          <a:bodyPr/>
+          <a:lstStyle/>
+          <a:p>
+            <a:fld id="{13049A14-D55A-4A33-918A-45FD40AE09C9}" type="slidenum">
+              <a:rPr lang="en-US" smtClean="0"/>
+              <a:t>4</a:t>
+            </a:fld>
+            <a:endParaRPr lang="en-US"/>
+          </a:p>
+        </p:txBody>
+      </p:sp>
+    </p:spTree>
+    <p:extLst>
+      <p:ext uri="{BB962C8B-B14F-4D97-AF65-F5344CB8AC3E}">
+        <p14:creationId xmlns:p14="http://schemas.microsoft.com/office/powerpoint/2010/main" val="2240947071"/>
+      </p:ext>
+    </p:extLst>
+  </p:cSld>
+  <p:clrMapOvr>
+    <a:masterClrMapping/>
+  </p:clrMapOvr>
+</p:notes>
+</file>
+
+<file path=ppt/notesSlides/notesSlide5.xml><?xml version="1.0" encoding="utf-8"?>
+<p:notes xmlns:a="http://schemas.openxmlformats.org/drawingml/2006/main" xmlns:r="http://schemas.openxmlformats.org/officeDocument/2006/relationships" xmlns:p="http://schemas.openxmlformats.org/presentationml/2006/main">
+  <p:cSld>
+    <p:spTree>
+      <p:nvGrpSpPr>
+        <p:cNvPr id="1" name=""/>
+        <p:cNvGrpSpPr/>
+        <p:nvPr/>
+      </p:nvGrpSpPr>
+      <p:grpSpPr>
+        <a:xfrm>
+          <a:off x="0" y="0"/>
+          <a:ext cx="0" cy="0"/>
+          <a:chOff x="0" y="0"/>
+          <a:chExt cx="0" cy="0"/>
+        </a:xfrm>
+      </p:grpSpPr>
+      <p:sp>
+        <p:nvSpPr>
+          <p:cNvPr id="2" name="Slide Image Placeholder 1"/>
+          <p:cNvSpPr>
+            <a:spLocks noGrp="1" noRot="1" noChangeAspect="1"/>
+          </p:cNvSpPr>
+          <p:nvPr>
+            <p:ph type="sldImg"/>
+          </p:nvPr>
+        </p:nvSpPr>
+        <p:spPr/>
+      </p:sp>
+      <p:sp>
+        <p:nvSpPr>
+          <p:cNvPr id="3" name="Notes Placeholder 2"/>
+          <p:cNvSpPr>
+            <a:spLocks noGrp="1"/>
+          </p:cNvSpPr>
+          <p:nvPr>
+            <p:ph type="body" idx="1"/>
+          </p:nvPr>
+        </p:nvSpPr>
+        <p:spPr/>
+        <p:txBody>
+          <a:bodyPr/>
+          <a:lstStyle/>
+          <a:p>
+            <a:endParaRPr lang="en-US" dirty="0"/>
+          </a:p>
+        </p:txBody>
+      </p:sp>
+      <p:sp>
+        <p:nvSpPr>
+          <p:cNvPr id="4" name="Slide Number Placeholder 3"/>
+          <p:cNvSpPr>
+            <a:spLocks noGrp="1"/>
+          </p:cNvSpPr>
+          <p:nvPr>
+            <p:ph type="sldNum" sz="quarter" idx="10"/>
+          </p:nvPr>
+        </p:nvSpPr>
+        <p:spPr/>
+        <p:txBody>
+          <a:bodyPr/>
+          <a:lstStyle/>
+          <a:p>
+            <a:fld id="{13049A14-D55A-4A33-918A-45FD40AE09C9}" type="slidenum">
+              <a:rPr lang="en-US" smtClean="0"/>
+              <a:t>6</a:t>
+            </a:fld>
+            <a:endParaRPr lang="en-US"/>
+          </a:p>
+        </p:txBody>
+      </p:sp>
+    </p:spTree>
+    <p:extLst>
+      <p:ext uri="{BB962C8B-B14F-4D97-AF65-F5344CB8AC3E}">
+        <p14:creationId xmlns:p14="http://schemas.microsoft.com/office/powerpoint/2010/main" val="2254238330"/>
+      </p:ext>
+    </p:extLst>
+  </p:cSld>
+  <p:clrMapOvr>
+    <a:masterClrMapping/>
+  </p:clrMapOvr>
+</p:notes>
+</file>
+
 <file path=ppt/slideLayouts/slideLayout1.xml><?xml version="1.0" encoding="utf-8"?>
 <p:sldLayout xmlns:a="http://schemas.openxmlformats.org/drawingml/2006/main" xmlns:r="http://schemas.openxmlformats.org/officeDocument/2006/relationships" xmlns:p="http://schemas.openxmlformats.org/presentationml/2006/main" type="title" preserve="1">
   <p:cSld name="Title Slide">
@@ -7146,9 +12056,175 @@
   <p:clrMapOvr>
     <a:masterClrMapping/>
   </p:clrMapOvr>
-  <p:transition spd="slow">
-    <p:push dir="u"/>
-  </p:transition>
+  <mc:AlternateContent xmlns:mc="http://schemas.openxmlformats.org/markup-compatibility/2006">
+    <mc:Choice xmlns:p14="http://schemas.microsoft.com/office/powerpoint/2010/main" Requires="p14">
+      <p:transition spd="med" p14:dur="700">
+        <p:fade/>
+      </p:transition>
+    </mc:Choice>
+    <mc:Fallback>
+      <p:transition spd="med">
+        <p:fade/>
+      </p:transition>
+    </mc:Fallback>
+  </mc:AlternateContent>
+  <p:timing>
+    <p:tnLst>
+      <p:par>
+        <p:cTn id="1" dur="indefinite" restart="never" nodeType="tmRoot">
+          <p:childTnLst>
+            <p:seq concurrent="1" nextAc="seek">
+              <p:cTn id="2" dur="indefinite" nodeType="mainSeq">
+                <p:childTnLst>
+                  <p:par>
+                    <p:cTn id="3" fill="hold">
+                      <p:stCondLst>
+                        <p:cond delay="indefinite"/>
+                      </p:stCondLst>
+                      <p:childTnLst>
+                        <p:par>
+                          <p:cTn id="4" fill="hold">
+                            <p:stCondLst>
+                              <p:cond delay="0"/>
+                            </p:stCondLst>
+                            <p:childTnLst>
+                              <p:par>
+                                <p:cTn id="5" presetID="31" presetClass="entr" presetSubtype="0" fill="hold" grpId="0" nodeType="clickEffect">
+                                  <p:stCondLst>
+                                    <p:cond delay="0"/>
+                                  </p:stCondLst>
+                                  <p:childTnLst>
+                                    <p:set>
+                                      <p:cBhvr>
+                                        <p:cTn id="6" dur="1" fill="hold">
+                                          <p:stCondLst>
+                                            <p:cond delay="0"/>
+                                          </p:stCondLst>
+                                        </p:cTn>
+                                        <p:tgtEl>
+                                          <p:spTgt spid="5"/>
+                                        </p:tgtEl>
+                                        <p:attrNameLst>
+                                          <p:attrName>style.visibility</p:attrName>
+                                        </p:attrNameLst>
+                                      </p:cBhvr>
+                                      <p:to>
+                                        <p:strVal val="visible"/>
+                                      </p:to>
+                                    </p:set>
+                                    <p:anim calcmode="lin" valueType="num">
+                                      <p:cBhvr>
+                                        <p:cTn id="7" dur="1000" fill="hold"/>
+                                        <p:tgtEl>
+                                          <p:spTgt spid="5"/>
+                                        </p:tgtEl>
+                                        <p:attrNameLst>
+                                          <p:attrName>ppt_w</p:attrName>
+                                        </p:attrNameLst>
+                                      </p:cBhvr>
+                                      <p:tavLst>
+                                        <p:tav tm="0">
+                                          <p:val>
+                                            <p:fltVal val="0"/>
+                                          </p:val>
+                                        </p:tav>
+                                        <p:tav tm="100000">
+                                          <p:val>
+                                            <p:strVal val="#ppt_w"/>
+                                          </p:val>
+                                        </p:tav>
+                                      </p:tavLst>
+                                    </p:anim>
+                                    <p:anim calcmode="lin" valueType="num">
+                                      <p:cBhvr>
+                                        <p:cTn id="8" dur="1000" fill="hold"/>
+                                        <p:tgtEl>
+                                          <p:spTgt spid="5"/>
+                                        </p:tgtEl>
+                                        <p:attrNameLst>
+                                          <p:attrName>ppt_h</p:attrName>
+                                        </p:attrNameLst>
+                                      </p:cBhvr>
+                                      <p:tavLst>
+                                        <p:tav tm="0">
+                                          <p:val>
+                                            <p:fltVal val="0"/>
+                                          </p:val>
+                                        </p:tav>
+                                        <p:tav tm="100000">
+                                          <p:val>
+                                            <p:strVal val="#ppt_h"/>
+                                          </p:val>
+                                        </p:tav>
+                                      </p:tavLst>
+                                    </p:anim>
+                                    <p:anim calcmode="lin" valueType="num">
+                                      <p:cBhvr>
+                                        <p:cTn id="9" dur="1000" fill="hold"/>
+                                        <p:tgtEl>
+                                          <p:spTgt spid="5"/>
+                                        </p:tgtEl>
+                                        <p:attrNameLst>
+                                          <p:attrName>style.rotation</p:attrName>
+                                        </p:attrNameLst>
+                                      </p:cBhvr>
+                                      <p:tavLst>
+                                        <p:tav tm="0">
+                                          <p:val>
+                                            <p:fltVal val="90"/>
+                                          </p:val>
+                                        </p:tav>
+                                        <p:tav tm="100000">
+                                          <p:val>
+                                            <p:fltVal val="0"/>
+                                          </p:val>
+                                        </p:tav>
+                                      </p:tavLst>
+                                    </p:anim>
+                                    <p:animEffect transition="in" filter="fade">
+                                      <p:cBhvr>
+                                        <p:cTn id="10" dur="1000"/>
+                                        <p:tgtEl>
+                                          <p:spTgt spid="5"/>
+                                        </p:tgtEl>
+                                      </p:cBhvr>
+                                    </p:animEffect>
+                                  </p:childTnLst>
+                                </p:cTn>
+                              </p:par>
+                            </p:childTnLst>
+                          </p:cTn>
+                        </p:par>
+                      </p:childTnLst>
+                    </p:cTn>
+                  </p:par>
+                </p:childTnLst>
+              </p:cTn>
+              <p:prevCondLst>
+                <p:cond evt="onPrev" delay="0">
+                  <p:tgtEl>
+                    <p:sldTgt/>
+                  </p:tgtEl>
+                </p:cond>
+              </p:prevCondLst>
+              <p:nextCondLst>
+                <p:cond evt="onNext" delay="0">
+                  <p:tgtEl>
+                    <p:sldTgt/>
+                  </p:tgtEl>
+                </p:cond>
+              </p:nextCondLst>
+            </p:seq>
+          </p:childTnLst>
+        </p:cTn>
+      </p:par>
+    </p:tnLst>
+    <p:bldLst>
+      <p:bldGraphic spid="5" grpId="0">
+        <p:bldAsOne/>
+      </p:bldGraphic>
+    </p:bldLst>
+  </p:timing>
 </p:sld>
 </file>
 
@@ -8650,9 +13726,18 @@
   <p:clrMapOvr>
     <a:masterClrMapping/>
   </p:clrMapOvr>
-  <p:transition spd="slow">
-    <p:push dir="u"/>
-  </p:transition>
+  <mc:AlternateContent xmlns:mc="http://schemas.openxmlformats.org/markup-compatibility/2006">
+    <mc:Choice xmlns:p14="http://schemas.microsoft.com/office/powerpoint/2010/main" Requires="p14">
+      <p:transition spd="slow" p14:dur="1500">
+        <p:split orient="vert"/>
+      </p:transition>
+    </mc:Choice>
+    <mc:Fallback>
+      <p:transition spd="slow">
+        <p:split orient="vert"/>
+      </p:transition>
+    </mc:Fallback>
+  </mc:AlternateContent>
   <p:timing>
     <p:tnLst>
       <p:par>
@@ -8752,6 +13837,721 @@
                       </p:childTnLst>
                     </p:cTn>
                   </p:par>
+                  <p:par>
+                    <p:cTn id="9" fill="hold">
+                      <p:stCondLst>
+                        <p:cond delay="indefinite"/>
+                      </p:stCondLst>
+                      <p:childTnLst>
+                        <p:par>
+                          <p:cTn id="10" fill="hold">
+                            <p:stCondLst>
+                              <p:cond delay="0"/>
+                            </p:stCondLst>
+                            <p:childTnLst>
+                              <p:par>
+                                <p:cTn id="11" presetID="42" presetClass="entr" presetSubtype="0" fill="hold" nodeType="clickEffect">
+                                  <p:stCondLst>
+                                    <p:cond delay="0"/>
+                                  </p:stCondLst>
+                                  <p:childTnLst>
+                                    <p:set>
+                                      <p:cBhvr>
+                                        <p:cTn id="12" dur="1" fill="hold">
+                                          <p:stCondLst>
+                                            <p:cond delay="0"/>
+                                          </p:stCondLst>
+                                        </p:cTn>
+                                        <p:tgtEl>
+                                          <p:spTgt spid="6">
+                                            <p:txEl>
+                                              <p:pRg st="0" end="0"/>
+                                            </p:txEl>
+                                          </p:spTgt>
+                                        </p:tgtEl>
+                                        <p:attrNameLst>
+                                          <p:attrName>style.visibility</p:attrName>
+                                        </p:attrNameLst>
+                                      </p:cBhvr>
+                                      <p:to>
+                                        <p:strVal val="visible"/>
+                                      </p:to>
+                                    </p:set>
+                                    <p:animEffect transition="in" filter="fade">
+                                      <p:cBhvr>
+                                        <p:cTn id="13" dur="1000"/>
+                                        <p:tgtEl>
+                                          <p:spTgt spid="6">
+                                            <p:txEl>
+                                              <p:pRg st="0" end="0"/>
+                                            </p:txEl>
+                                          </p:spTgt>
+                                        </p:tgtEl>
+                                      </p:cBhvr>
+                                    </p:animEffect>
+                                    <p:anim calcmode="lin" valueType="num">
+                                      <p:cBhvr>
+                                        <p:cTn id="14" dur="1000" fill="hold"/>
+                                        <p:tgtEl>
+                                          <p:spTgt spid="6">
+                                            <p:txEl>
+                                              <p:pRg st="0" end="0"/>
+                                            </p:txEl>
+                                          </p:spTgt>
+                                        </p:tgtEl>
+                                        <p:attrNameLst>
+                                          <p:attrName>ppt_x</p:attrName>
+                                        </p:attrNameLst>
+                                      </p:cBhvr>
+                                      <p:tavLst>
+                                        <p:tav tm="0">
+                                          <p:val>
+                                            <p:strVal val="#ppt_x"/>
+                                          </p:val>
+                                        </p:tav>
+                                        <p:tav tm="100000">
+                                          <p:val>
+                                            <p:strVal val="#ppt_x"/>
+                                          </p:val>
+                                        </p:tav>
+                                      </p:tavLst>
+                                    </p:anim>
+                                    <p:anim calcmode="lin" valueType="num">
+                                      <p:cBhvr>
+                                        <p:cTn id="15" dur="1000" fill="hold"/>
+                                        <p:tgtEl>
+                                          <p:spTgt spid="6">
+                                            <p:txEl>
+                                              <p:pRg st="0" end="0"/>
+                                            </p:txEl>
+                                          </p:spTgt>
+                                        </p:tgtEl>
+                                        <p:attrNameLst>
+                                          <p:attrName>ppt_y</p:attrName>
+                                        </p:attrNameLst>
+                                      </p:cBhvr>
+                                      <p:tavLst>
+                                        <p:tav tm="0">
+                                          <p:val>
+                                            <p:strVal val="#ppt_y+.1"/>
+                                          </p:val>
+                                        </p:tav>
+                                        <p:tav tm="100000">
+                                          <p:val>
+                                            <p:strVal val="#ppt_y"/>
+                                          </p:val>
+                                        </p:tav>
+                                      </p:tavLst>
+                                    </p:anim>
+                                  </p:childTnLst>
+                                </p:cTn>
+                              </p:par>
+                            </p:childTnLst>
+                          </p:cTn>
+                        </p:par>
+                      </p:childTnLst>
+                    </p:cTn>
+                  </p:par>
+                  <p:par>
+                    <p:cTn id="16" fill="hold">
+                      <p:stCondLst>
+                        <p:cond delay="indefinite"/>
+                      </p:stCondLst>
+                      <p:childTnLst>
+                        <p:par>
+                          <p:cTn id="17" fill="hold">
+                            <p:stCondLst>
+                              <p:cond delay="0"/>
+                            </p:stCondLst>
+                            <p:childTnLst>
+                              <p:par>
+                                <p:cTn id="18" presetID="42" presetClass="entr" presetSubtype="0" fill="hold" nodeType="clickEffect">
+                                  <p:stCondLst>
+                                    <p:cond delay="0"/>
+                                  </p:stCondLst>
+                                  <p:childTnLst>
+                                    <p:set>
+                                      <p:cBhvr>
+                                        <p:cTn id="19" dur="1" fill="hold">
+                                          <p:stCondLst>
+                                            <p:cond delay="0"/>
+                                          </p:stCondLst>
+                                        </p:cTn>
+                                        <p:tgtEl>
+                                          <p:spTgt spid="6">
+                                            <p:txEl>
+                                              <p:pRg st="1" end="1"/>
+                                            </p:txEl>
+                                          </p:spTgt>
+                                        </p:tgtEl>
+                                        <p:attrNameLst>
+                                          <p:attrName>style.visibility</p:attrName>
+                                        </p:attrNameLst>
+                                      </p:cBhvr>
+                                      <p:to>
+                                        <p:strVal val="visible"/>
+                                      </p:to>
+                                    </p:set>
+                                    <p:animEffect transition="in" filter="fade">
+                                      <p:cBhvr>
+                                        <p:cTn id="20" dur="1000"/>
+                                        <p:tgtEl>
+                                          <p:spTgt spid="6">
+                                            <p:txEl>
+                                              <p:pRg st="1" end="1"/>
+                                            </p:txEl>
+                                          </p:spTgt>
+                                        </p:tgtEl>
+                                      </p:cBhvr>
+                                    </p:animEffect>
+                                    <p:anim calcmode="lin" valueType="num">
+                                      <p:cBhvr>
+                                        <p:cTn id="21" dur="1000" fill="hold"/>
+                                        <p:tgtEl>
+                                          <p:spTgt spid="6">
+                                            <p:txEl>
+                                              <p:pRg st="1" end="1"/>
+                                            </p:txEl>
+                                          </p:spTgt>
+                                        </p:tgtEl>
+                                        <p:attrNameLst>
+                                          <p:attrName>ppt_x</p:attrName>
+                                        </p:attrNameLst>
+                                      </p:cBhvr>
+                                      <p:tavLst>
+                                        <p:tav tm="0">
+                                          <p:val>
+                                            <p:strVal val="#ppt_x"/>
+                                          </p:val>
+                                        </p:tav>
+                                        <p:tav tm="100000">
+                                          <p:val>
+                                            <p:strVal val="#ppt_x"/>
+                                          </p:val>
+                                        </p:tav>
+                                      </p:tavLst>
+                                    </p:anim>
+                                    <p:anim calcmode="lin" valueType="num">
+                                      <p:cBhvr>
+                                        <p:cTn id="22" dur="1000" fill="hold"/>
+                                        <p:tgtEl>
+                                          <p:spTgt spid="6">
+                                            <p:txEl>
+                                              <p:pRg st="1" end="1"/>
+                                            </p:txEl>
+                                          </p:spTgt>
+                                        </p:tgtEl>
+                                        <p:attrNameLst>
+                                          <p:attrName>ppt_y</p:attrName>
+                                        </p:attrNameLst>
+                                      </p:cBhvr>
+                                      <p:tavLst>
+                                        <p:tav tm="0">
+                                          <p:val>
+                                            <p:strVal val="#ppt_y+.1"/>
+                                          </p:val>
+                                        </p:tav>
+                                        <p:tav tm="100000">
+                                          <p:val>
+                                            <p:strVal val="#ppt_y"/>
+                                          </p:val>
+                                        </p:tav>
+                                      </p:tavLst>
+                                    </p:anim>
+                                  </p:childTnLst>
+                                </p:cTn>
+                              </p:par>
+                              <p:par>
+                                <p:cTn id="23" presetID="42" presetClass="entr" presetSubtype="0" fill="hold" nodeType="withEffect">
+                                  <p:stCondLst>
+                                    <p:cond delay="0"/>
+                                  </p:stCondLst>
+                                  <p:childTnLst>
+                                    <p:set>
+                                      <p:cBhvr>
+                                        <p:cTn id="24" dur="1" fill="hold">
+                                          <p:stCondLst>
+                                            <p:cond delay="0"/>
+                                          </p:stCondLst>
+                                        </p:cTn>
+                                        <p:tgtEl>
+                                          <p:spTgt spid="6">
+                                            <p:txEl>
+                                              <p:pRg st="2" end="2"/>
+                                            </p:txEl>
+                                          </p:spTgt>
+                                        </p:tgtEl>
+                                        <p:attrNameLst>
+                                          <p:attrName>style.visibility</p:attrName>
+                                        </p:attrNameLst>
+                                      </p:cBhvr>
+                                      <p:to>
+                                        <p:strVal val="visible"/>
+                                      </p:to>
+                                    </p:set>
+                                    <p:animEffect transition="in" filter="fade">
+                                      <p:cBhvr>
+                                        <p:cTn id="25" dur="1000"/>
+                                        <p:tgtEl>
+                                          <p:spTgt spid="6">
+                                            <p:txEl>
+                                              <p:pRg st="2" end="2"/>
+                                            </p:txEl>
+                                          </p:spTgt>
+                                        </p:tgtEl>
+                                      </p:cBhvr>
+                                    </p:animEffect>
+                                    <p:anim calcmode="lin" valueType="num">
+                                      <p:cBhvr>
+                                        <p:cTn id="26" dur="1000" fill="hold"/>
+                                        <p:tgtEl>
+                                          <p:spTgt spid="6">
+                                            <p:txEl>
+                                              <p:pRg st="2" end="2"/>
+                                            </p:txEl>
+                                          </p:spTgt>
+                                        </p:tgtEl>
+                                        <p:attrNameLst>
+                                          <p:attrName>ppt_x</p:attrName>
+                                        </p:attrNameLst>
+                                      </p:cBhvr>
+                                      <p:tavLst>
+                                        <p:tav tm="0">
+                                          <p:val>
+                                            <p:strVal val="#ppt_x"/>
+                                          </p:val>
+                                        </p:tav>
+                                        <p:tav tm="100000">
+                                          <p:val>
+                                            <p:strVal val="#ppt_x"/>
+                                          </p:val>
+                                        </p:tav>
+                                      </p:tavLst>
+                                    </p:anim>
+                                    <p:anim calcmode="lin" valueType="num">
+                                      <p:cBhvr>
+                                        <p:cTn id="27" dur="1000" fill="hold"/>
+                                        <p:tgtEl>
+                                          <p:spTgt spid="6">
+                                            <p:txEl>
+                                              <p:pRg st="2" end="2"/>
+                                            </p:txEl>
+                                          </p:spTgt>
+                                        </p:tgtEl>
+                                        <p:attrNameLst>
+                                          <p:attrName>ppt_y</p:attrName>
+                                        </p:attrNameLst>
+                                      </p:cBhvr>
+                                      <p:tavLst>
+                                        <p:tav tm="0">
+                                          <p:val>
+                                            <p:strVal val="#ppt_y+.1"/>
+                                          </p:val>
+                                        </p:tav>
+                                        <p:tav tm="100000">
+                                          <p:val>
+                                            <p:strVal val="#ppt_y"/>
+                                          </p:val>
+                                        </p:tav>
+                                      </p:tavLst>
+                                    </p:anim>
+                                  </p:childTnLst>
+                                </p:cTn>
+                              </p:par>
+                              <p:par>
+                                <p:cTn id="28" presetID="42" presetClass="entr" presetSubtype="0" fill="hold" nodeType="withEffect">
+                                  <p:stCondLst>
+                                    <p:cond delay="0"/>
+                                  </p:stCondLst>
+                                  <p:childTnLst>
+                                    <p:set>
+                                      <p:cBhvr>
+                                        <p:cTn id="29" dur="1" fill="hold">
+                                          <p:stCondLst>
+                                            <p:cond delay="0"/>
+                                          </p:stCondLst>
+                                        </p:cTn>
+                                        <p:tgtEl>
+                                          <p:spTgt spid="6">
+                                            <p:txEl>
+                                              <p:pRg st="3" end="3"/>
+                                            </p:txEl>
+                                          </p:spTgt>
+                                        </p:tgtEl>
+                                        <p:attrNameLst>
+                                          <p:attrName>style.visibility</p:attrName>
+                                        </p:attrNameLst>
+                                      </p:cBhvr>
+                                      <p:to>
+                                        <p:strVal val="visible"/>
+                                      </p:to>
+                                    </p:set>
+                                    <p:animEffect transition="in" filter="fade">
+                                      <p:cBhvr>
+                                        <p:cTn id="30" dur="1000"/>
+                                        <p:tgtEl>
+                                          <p:spTgt spid="6">
+                                            <p:txEl>
+                                              <p:pRg st="3" end="3"/>
+                                            </p:txEl>
+                                          </p:spTgt>
+                                        </p:tgtEl>
+                                      </p:cBhvr>
+                                    </p:animEffect>
+                                    <p:anim calcmode="lin" valueType="num">
+                                      <p:cBhvr>
+                                        <p:cTn id="31" dur="1000" fill="hold"/>
+                                        <p:tgtEl>
+                                          <p:spTgt spid="6">
+                                            <p:txEl>
+                                              <p:pRg st="3" end="3"/>
+                                            </p:txEl>
+                                          </p:spTgt>
+                                        </p:tgtEl>
+                                        <p:attrNameLst>
+                                          <p:attrName>ppt_x</p:attrName>
+                                        </p:attrNameLst>
+                                      </p:cBhvr>
+                                      <p:tavLst>
+                                        <p:tav tm="0">
+                                          <p:val>
+                                            <p:strVal val="#ppt_x"/>
+                                          </p:val>
+                                        </p:tav>
+                                        <p:tav tm="100000">
+                                          <p:val>
+                                            <p:strVal val="#ppt_x"/>
+                                          </p:val>
+                                        </p:tav>
+                                      </p:tavLst>
+                                    </p:anim>
+                                    <p:anim calcmode="lin" valueType="num">
+                                      <p:cBhvr>
+                                        <p:cTn id="32" dur="1000" fill="hold"/>
+                                        <p:tgtEl>
+                                          <p:spTgt spid="6">
+                                            <p:txEl>
+                                              <p:pRg st="3" end="3"/>
+                                            </p:txEl>
+                                          </p:spTgt>
+                                        </p:tgtEl>
+                                        <p:attrNameLst>
+                                          <p:attrName>ppt_y</p:attrName>
+                                        </p:attrNameLst>
+                                      </p:cBhvr>
+                                      <p:tavLst>
+                                        <p:tav tm="0">
+                                          <p:val>
+                                            <p:strVal val="#ppt_y+.1"/>
+                                          </p:val>
+                                        </p:tav>
+                                        <p:tav tm="100000">
+                                          <p:val>
+                                            <p:strVal val="#ppt_y"/>
+                                          </p:val>
+                                        </p:tav>
+                                      </p:tavLst>
+                                    </p:anim>
+                                  </p:childTnLst>
+                                </p:cTn>
+                              </p:par>
+                              <p:par>
+                                <p:cTn id="33" presetID="42" presetClass="entr" presetSubtype="0" fill="hold" nodeType="withEffect">
+                                  <p:stCondLst>
+                                    <p:cond delay="0"/>
+                                  </p:stCondLst>
+                                  <p:childTnLst>
+                                    <p:set>
+                                      <p:cBhvr>
+                                        <p:cTn id="34" dur="1" fill="hold">
+                                          <p:stCondLst>
+                                            <p:cond delay="0"/>
+                                          </p:stCondLst>
+                                        </p:cTn>
+                                        <p:tgtEl>
+                                          <p:spTgt spid="6">
+                                            <p:txEl>
+                                              <p:pRg st="4" end="4"/>
+                                            </p:txEl>
+                                          </p:spTgt>
+                                        </p:tgtEl>
+                                        <p:attrNameLst>
+                                          <p:attrName>style.visibility</p:attrName>
+                                        </p:attrNameLst>
+                                      </p:cBhvr>
+                                      <p:to>
+                                        <p:strVal val="visible"/>
+                                      </p:to>
+                                    </p:set>
+                                    <p:animEffect transition="in" filter="fade">
+                                      <p:cBhvr>
+                                        <p:cTn id="35" dur="1000"/>
+                                        <p:tgtEl>
+                                          <p:spTgt spid="6">
+                                            <p:txEl>
+                                              <p:pRg st="4" end="4"/>
+                                            </p:txEl>
+                                          </p:spTgt>
+                                        </p:tgtEl>
+                                      </p:cBhvr>
+                                    </p:animEffect>
+                                    <p:anim calcmode="lin" valueType="num">
+                                      <p:cBhvr>
+                                        <p:cTn id="36" dur="1000" fill="hold"/>
+                                        <p:tgtEl>
+                                          <p:spTgt spid="6">
+                                            <p:txEl>
+                                              <p:pRg st="4" end="4"/>
+                                            </p:txEl>
+                                          </p:spTgt>
+                                        </p:tgtEl>
+                                        <p:attrNameLst>
+                                          <p:attrName>ppt_x</p:attrName>
+                                        </p:attrNameLst>
+                                      </p:cBhvr>
+                                      <p:tavLst>
+                                        <p:tav tm="0">
+                                          <p:val>
+                                            <p:strVal val="#ppt_x"/>
+                                          </p:val>
+                                        </p:tav>
+                                        <p:tav tm="100000">
+                                          <p:val>
+                                            <p:strVal val="#ppt_x"/>
+                                          </p:val>
+                                        </p:tav>
+                                      </p:tavLst>
+                                    </p:anim>
+                                    <p:anim calcmode="lin" valueType="num">
+                                      <p:cBhvr>
+                                        <p:cTn id="37" dur="1000" fill="hold"/>
+                                        <p:tgtEl>
+                                          <p:spTgt spid="6">
+                                            <p:txEl>
+                                              <p:pRg st="4" end="4"/>
+                                            </p:txEl>
+                                          </p:spTgt>
+                                        </p:tgtEl>
+                                        <p:attrNameLst>
+                                          <p:attrName>ppt_y</p:attrName>
+                                        </p:attrNameLst>
+                                      </p:cBhvr>
+                                      <p:tavLst>
+                                        <p:tav tm="0">
+                                          <p:val>
+                                            <p:strVal val="#ppt_y+.1"/>
+                                          </p:val>
+                                        </p:tav>
+                                        <p:tav tm="100000">
+                                          <p:val>
+                                            <p:strVal val="#ppt_y"/>
+                                          </p:val>
+                                        </p:tav>
+                                      </p:tavLst>
+                                    </p:anim>
+                                  </p:childTnLst>
+                                </p:cTn>
+                              </p:par>
+                              <p:par>
+                                <p:cTn id="38" presetID="42" presetClass="entr" presetSubtype="0" fill="hold" nodeType="withEffect">
+                                  <p:stCondLst>
+                                    <p:cond delay="0"/>
+                                  </p:stCondLst>
+                                  <p:childTnLst>
+                                    <p:set>
+                                      <p:cBhvr>
+                                        <p:cTn id="39" dur="1" fill="hold">
+                                          <p:stCondLst>
+                                            <p:cond delay="0"/>
+                                          </p:stCondLst>
+                                        </p:cTn>
+                                        <p:tgtEl>
+                                          <p:spTgt spid="6">
+                                            <p:txEl>
+                                              <p:pRg st="5" end="5"/>
+                                            </p:txEl>
+                                          </p:spTgt>
+                                        </p:tgtEl>
+                                        <p:attrNameLst>
+                                          <p:attrName>style.visibility</p:attrName>
+                                        </p:attrNameLst>
+                                      </p:cBhvr>
+                                      <p:to>
+                                        <p:strVal val="visible"/>
+                                      </p:to>
+                                    </p:set>
+                                    <p:animEffect transition="in" filter="fade">
+                                      <p:cBhvr>
+                                        <p:cTn id="40" dur="1000"/>
+                                        <p:tgtEl>
+                                          <p:spTgt spid="6">
+                                            <p:txEl>
+                                              <p:pRg st="5" end="5"/>
+                                            </p:txEl>
+                                          </p:spTgt>
+                                        </p:tgtEl>
+                                      </p:cBhvr>
+                                    </p:animEffect>
+                                    <p:anim calcmode="lin" valueType="num">
+                                      <p:cBhvr>
+                                        <p:cTn id="41" dur="1000" fill="hold"/>
+                                        <p:tgtEl>
+                                          <p:spTgt spid="6">
+                                            <p:txEl>
+                                              <p:pRg st="5" end="5"/>
+                                            </p:txEl>
+                                          </p:spTgt>
+                                        </p:tgtEl>
+                                        <p:attrNameLst>
+                                          <p:attrName>ppt_x</p:attrName>
+                                        </p:attrNameLst>
+                                      </p:cBhvr>
+                                      <p:tavLst>
+                                        <p:tav tm="0">
+                                          <p:val>
+                                            <p:strVal val="#ppt_x"/>
+                                          </p:val>
+                                        </p:tav>
+                                        <p:tav tm="100000">
+                                          <p:val>
+                                            <p:strVal val="#ppt_x"/>
+                                          </p:val>
+                                        </p:tav>
+                                      </p:tavLst>
+                                    </p:anim>
+                                    <p:anim calcmode="lin" valueType="num">
+                                      <p:cBhvr>
+                                        <p:cTn id="42" dur="1000" fill="hold"/>
+                                        <p:tgtEl>
+                                          <p:spTgt spid="6">
+                                            <p:txEl>
+                                              <p:pRg st="5" end="5"/>
+                                            </p:txEl>
+                                          </p:spTgt>
+                                        </p:tgtEl>
+                                        <p:attrNameLst>
+                                          <p:attrName>ppt_y</p:attrName>
+                                        </p:attrNameLst>
+                                      </p:cBhvr>
+                                      <p:tavLst>
+                                        <p:tav tm="0">
+                                          <p:val>
+                                            <p:strVal val="#ppt_y+.1"/>
+                                          </p:val>
+                                        </p:tav>
+                                        <p:tav tm="100000">
+                                          <p:val>
+                                            <p:strVal val="#ppt_y"/>
+                                          </p:val>
+                                        </p:tav>
+                                      </p:tavLst>
+                                    </p:anim>
+                                  </p:childTnLst>
+                                </p:cTn>
+                              </p:par>
+                              <p:par>
+                                <p:cTn id="43" presetID="42" presetClass="entr" presetSubtype="0" fill="hold" nodeType="withEffect">
+                                  <p:stCondLst>
+                                    <p:cond delay="0"/>
+                                  </p:stCondLst>
+                                  <p:childTnLst>
+                                    <p:set>
+                                      <p:cBhvr>
+                                        <p:cTn id="44" dur="1" fill="hold">
+                                          <p:stCondLst>
+                                            <p:cond delay="0"/>
+                                          </p:stCondLst>
+                                        </p:cTn>
+                                        <p:tgtEl>
+                                          <p:spTgt spid="6">
+                                            <p:txEl>
+                                              <p:pRg st="6" end="6"/>
+                                            </p:txEl>
+                                          </p:spTgt>
+                                        </p:tgtEl>
+                                        <p:attrNameLst>
+                                          <p:attrName>style.visibility</p:attrName>
+                                        </p:attrNameLst>
+                                      </p:cBhvr>
+                                      <p:to>
+                                        <p:strVal val="visible"/>
+                                      </p:to>
+                                    </p:set>
+                                    <p:animEffect transition="in" filter="fade">
+                                      <p:cBhvr>
+                                        <p:cTn id="45" dur="1000"/>
+                                        <p:tgtEl>
+                                          <p:spTgt spid="6">
+                                            <p:txEl>
+                                              <p:pRg st="6" end="6"/>
+                                            </p:txEl>
+                                          </p:spTgt>
+                                        </p:tgtEl>
+                                      </p:cBhvr>
+                                    </p:animEffect>
+                                    <p:anim calcmode="lin" valueType="num">
+                                      <p:cBhvr>
+                                        <p:cTn id="46" dur="1000" fill="hold"/>
+                                        <p:tgtEl>
+                                          <p:spTgt spid="6">
+                                            <p:txEl>
+                                              <p:pRg st="6" end="6"/>
+                                            </p:txEl>
+                                          </p:spTgt>
+                                        </p:tgtEl>
+                                        <p:attrNameLst>
+                                          <p:attrName>ppt_x</p:attrName>
+                                        </p:attrNameLst>
+                                      </p:cBhvr>
+                                      <p:tavLst>
+                                        <p:tav tm="0">
+                                          <p:val>
+                                            <p:strVal val="#ppt_x"/>
+                                          </p:val>
+                                        </p:tav>
+                                        <p:tav tm="100000">
+                                          <p:val>
+                                            <p:strVal val="#ppt_x"/>
+                                          </p:val>
+                                        </p:tav>
+                                      </p:tavLst>
+                                    </p:anim>
+                                    <p:anim calcmode="lin" valueType="num">
+                                      <p:cBhvr>
+                                        <p:cTn id="47" dur="1000" fill="hold"/>
+                                        <p:tgtEl>
+                                          <p:spTgt spid="6">
+                                            <p:txEl>
+                                              <p:pRg st="6" end="6"/>
+                                            </p:txEl>
+                                          </p:spTgt>
+                                        </p:tgtEl>
+                                        <p:attrNameLst>
+                                          <p:attrName>ppt_y</p:attrName>
+                                        </p:attrNameLst>
+                                      </p:cBhvr>
+                                      <p:tavLst>
+                                        <p:tav tm="0">
+                                          <p:val>
+                                            <p:strVal val="#ppt_y+.1"/>
+                                          </p:val>
+                                        </p:tav>
+                                        <p:tav tm="100000">
+                                          <p:val>
+                                            <p:strVal val="#ppt_y"/>
+                                          </p:val>
+                                        </p:tav>
+                                      </p:tavLst>
+                                    </p:anim>
+                                  </p:childTnLst>
+                                </p:cTn>
+                              </p:par>
+                            </p:childTnLst>
+                          </p:cTn>
+                        </p:par>
+                      </p:childTnLst>
+                    </p:cTn>
+                  </p:par>
                 </p:childTnLst>
               </p:cTn>
               <p:prevCondLst>
@@ -8799,6 +14599,258 @@
       </p:grpSpPr>
       <p:sp>
         <p:nvSpPr>
+          <p:cNvPr id="4" name="Rectangle 3"/>
+          <p:cNvSpPr/>
+          <p:nvPr/>
+        </p:nvSpPr>
+        <p:spPr>
+          <a:xfrm>
+            <a:off x="0" y="0"/>
+            <a:ext cx="12192000" cy="1346200"/>
+          </a:xfrm>
+          <a:prstGeom prst="rect">
+            <a:avLst/>
+          </a:prstGeom>
+          <a:ln>
+            <a:noFill/>
+          </a:ln>
+        </p:spPr>
+        <p:style>
+          <a:lnRef idx="2">
+            <a:schemeClr val="accent1">
+              <a:shade val="50000"/>
+            </a:schemeClr>
+          </a:lnRef>
+          <a:fillRef idx="1">
+            <a:schemeClr val="accent1"/>
+          </a:fillRef>
+          <a:effectRef idx="0">
+            <a:schemeClr val="accent1"/>
+          </a:effectRef>
+          <a:fontRef idx="minor">
+            <a:schemeClr val="lt1"/>
+          </a:fontRef>
+        </p:style>
+        <p:txBody>
+          <a:bodyPr rtlCol="0" anchor="ctr"/>
+          <a:lstStyle/>
+          <a:p>
+            <a:pPr algn="ctr"/>
+            <a:endParaRPr lang="en-US"/>
+          </a:p>
+        </p:txBody>
+      </p:sp>
+      <p:sp>
+        <p:nvSpPr>
+          <p:cNvPr id="7" name="Rectangle 6"/>
+          <p:cNvSpPr/>
+          <p:nvPr/>
+        </p:nvSpPr>
+        <p:spPr>
+          <a:xfrm>
+            <a:off x="296912" y="319157"/>
+            <a:ext cx="11598175" cy="707886"/>
+          </a:xfrm>
+          <a:prstGeom prst="rect">
+            <a:avLst/>
+          </a:prstGeom>
+          <a:noFill/>
+        </p:spPr>
+        <p:txBody>
+          <a:bodyPr wrap="none" lIns="91440" tIns="45720" rIns="91440" bIns="45720">
+            <a:spAutoFit/>
+          </a:bodyPr>
+          <a:lstStyle/>
+          <a:p>
+            <a:r>
+              <a:rPr lang="en-US" sz="4000" dirty="0">
+                <a:ln w="0"/>
+                <a:solidFill>
+                  <a:schemeClr val="bg1"/>
+                </a:solidFill>
+                <a:effectLst>
+                  <a:outerShdw blurRad="38100" dist="19050" dir="2700000" algn="tl" rotWithShape="0">
+                    <a:schemeClr val="dk1">
+                      <a:alpha val="40000"/>
+                    </a:schemeClr>
+                  </a:outerShdw>
+                </a:effectLst>
+                <a:latin typeface="Segoe UI Light" panose="020B0502040204020203" pitchFamily="34" charset="0"/>
+                <a:cs typeface="Segoe UI Light" panose="020B0502040204020203" pitchFamily="34" charset="0"/>
+              </a:rPr>
+              <a:t>QUY TRÌNH : MICROSOFT SOLUTIONS FRAMEWORK</a:t>
+            </a:r>
+          </a:p>
+        </p:txBody>
+      </p:sp>
+      <p:sp>
+        <p:nvSpPr>
+          <p:cNvPr id="3" name="Slide Number Placeholder 2"/>
+          <p:cNvSpPr>
+            <a:spLocks noGrp="1"/>
+          </p:cNvSpPr>
+          <p:nvPr>
+            <p:ph type="sldNum" sz="quarter" idx="12"/>
+          </p:nvPr>
+        </p:nvSpPr>
+        <p:spPr/>
+        <p:txBody>
+          <a:bodyPr/>
+          <a:lstStyle/>
+          <a:p>
+            <a:fld id="{99959F36-308A-4199-A466-0213DD5D8CCA}" type="slidenum">
+              <a:rPr lang="en-US" smtClean="0"/>
+              <a:t>4</a:t>
+            </a:fld>
+            <a:endParaRPr lang="en-US"/>
+          </a:p>
+        </p:txBody>
+      </p:sp>
+      <p:graphicFrame>
+        <p:nvGraphicFramePr>
+          <p:cNvPr id="5" name="Diagram 4"/>
+          <p:cNvGraphicFramePr/>
+          <p:nvPr>
+            <p:extLst>
+              <p:ext uri="{D42A27DB-BD31-4B8C-83A1-F6EECF244321}">
+                <p14:modId xmlns:p14="http://schemas.microsoft.com/office/powerpoint/2010/main" val="2462831701"/>
+              </p:ext>
+            </p:extLst>
+          </p:nvPr>
+        </p:nvGraphicFramePr>
+        <p:xfrm>
+          <a:off x="1015999" y="1346200"/>
+          <a:ext cx="10160000" cy="5375283"/>
+        </p:xfrm>
+        <a:graphic>
+          <a:graphicData uri="http://schemas.openxmlformats.org/drawingml/2006/diagram">
+            <dgm:relIds xmlns:dgm="http://schemas.openxmlformats.org/drawingml/2006/diagram" xmlns:r="http://schemas.openxmlformats.org/officeDocument/2006/relationships" r:dm="rId3" r:lo="rId4" r:qs="rId5" r:cs="rId6"/>
+          </a:graphicData>
+        </a:graphic>
+      </p:graphicFrame>
+    </p:spTree>
+    <p:extLst>
+      <p:ext uri="{BB962C8B-B14F-4D97-AF65-F5344CB8AC3E}">
+        <p14:creationId xmlns:p14="http://schemas.microsoft.com/office/powerpoint/2010/main" val="721127756"/>
+      </p:ext>
+    </p:extLst>
+  </p:cSld>
+  <p:clrMapOvr>
+    <a:masterClrMapping/>
+  </p:clrMapOvr>
+  <p:transition spd="slow">
+    <p:randomBar dir="vert"/>
+  </p:transition>
+  <p:timing>
+    <p:tnLst>
+      <p:par>
+        <p:cTn id="1" dur="indefinite" restart="never" nodeType="tmRoot">
+          <p:childTnLst>
+            <p:seq concurrent="1" nextAc="seek">
+              <p:cTn id="2" dur="indefinite" nodeType="mainSeq">
+                <p:childTnLst>
+                  <p:par>
+                    <p:cTn id="3" fill="hold">
+                      <p:stCondLst>
+                        <p:cond delay="indefinite"/>
+                      </p:stCondLst>
+                      <p:childTnLst>
+                        <p:par>
+                          <p:cTn id="4" fill="hold">
+                            <p:stCondLst>
+                              <p:cond delay="0"/>
+                            </p:stCondLst>
+                            <p:childTnLst>
+                              <p:par>
+                                <p:cTn id="5" presetID="10" presetClass="entr" presetSubtype="0" fill="hold" grpId="0" nodeType="clickEffect">
+                                  <p:stCondLst>
+                                    <p:cond delay="0"/>
+                                  </p:stCondLst>
+                                  <p:childTnLst>
+                                    <p:set>
+                                      <p:cBhvr>
+                                        <p:cTn id="6" dur="1" fill="hold">
+                                          <p:stCondLst>
+                                            <p:cond delay="0"/>
+                                          </p:stCondLst>
+                                        </p:cTn>
+                                        <p:tgtEl>
+                                          <p:spTgt spid="5"/>
+                                        </p:tgtEl>
+                                        <p:attrNameLst>
+                                          <p:attrName>style.visibility</p:attrName>
+                                        </p:attrNameLst>
+                                      </p:cBhvr>
+                                      <p:to>
+                                        <p:strVal val="visible"/>
+                                      </p:to>
+                                    </p:set>
+                                    <p:animEffect transition="in" filter="fade">
+                                      <p:cBhvr>
+                                        <p:cTn id="7" dur="500"/>
+                                        <p:tgtEl>
+                                          <p:spTgt spid="5"/>
+                                        </p:tgtEl>
+                                      </p:cBhvr>
+                                    </p:animEffect>
+                                  </p:childTnLst>
+                                </p:cTn>
+                              </p:par>
+                            </p:childTnLst>
+                          </p:cTn>
+                        </p:par>
+                      </p:childTnLst>
+                    </p:cTn>
+                  </p:par>
+                </p:childTnLst>
+              </p:cTn>
+              <p:prevCondLst>
+                <p:cond evt="onPrev" delay="0">
+                  <p:tgtEl>
+                    <p:sldTgt/>
+                  </p:tgtEl>
+                </p:cond>
+              </p:prevCondLst>
+              <p:nextCondLst>
+                <p:cond evt="onNext" delay="0">
+                  <p:tgtEl>
+                    <p:sldTgt/>
+                  </p:tgtEl>
+                </p:cond>
+              </p:nextCondLst>
+            </p:seq>
+          </p:childTnLst>
+        </p:cTn>
+      </p:par>
+    </p:tnLst>
+    <p:bldLst>
+      <p:bldGraphic spid="5" grpId="0">
+        <p:bldAsOne/>
+      </p:bldGraphic>
+    </p:bldLst>
+  </p:timing>
+</p:sld>
+</file>
+
+<file path=ppt/slides/slide5.xml><?xml version="1.0" encoding="utf-8"?>
+<p:sld xmlns:a="http://schemas.openxmlformats.org/drawingml/2006/main" xmlns:r="http://schemas.openxmlformats.org/officeDocument/2006/relationships" xmlns:p="http://schemas.openxmlformats.org/presentationml/2006/main">
+  <p:cSld>
+    <p:spTree>
+      <p:nvGrpSpPr>
+        <p:cNvPr id="1" name=""/>
+        <p:cNvGrpSpPr/>
+        <p:nvPr/>
+      </p:nvGrpSpPr>
+      <p:grpSpPr>
+        <a:xfrm>
+          <a:off x="0" y="0"/>
+          <a:ext cx="0" cy="0"/>
+          <a:chOff x="0" y="0"/>
+          <a:chExt cx="0" cy="0"/>
+        </a:xfrm>
+      </p:grpSpPr>
+      <p:sp>
+        <p:nvSpPr>
           <p:cNvPr id="4" name="Slide Number Placeholder 3"/>
           <p:cNvSpPr>
             <a:spLocks noGrp="1"/>
@@ -8814,7 +14866,7 @@
           <a:p>
             <a:fld id="{99959F36-308A-4199-A466-0213DD5D8CCA}" type="slidenum">
               <a:rPr lang="en-US" smtClean="0"/>
-              <a:t>4</a:t>
+              <a:t>5</a:t>
             </a:fld>
             <a:endParaRPr lang="en-US"/>
           </a:p>
@@ -11791,6 +17843,18 @@
   <p:clrMapOvr>
     <a:masterClrMapping/>
   </p:clrMapOvr>
+  <mc:AlternateContent xmlns:mc="http://schemas.openxmlformats.org/markup-compatibility/2006">
+    <mc:Choice xmlns:p14="http://schemas.microsoft.com/office/powerpoint/2010/main" Requires="p14">
+      <p:transition spd="slow" p14:dur="800">
+        <p:circle/>
+      </p:transition>
+    </mc:Choice>
+    <mc:Fallback>
+      <p:transition spd="slow">
+        <p:circle/>
+      </p:transition>
+    </mc:Fallback>
+  </mc:AlternateContent>
   <p:timing>
     <p:tnLst>
       <p:par>
@@ -11890,6 +17954,128 @@
                       </p:childTnLst>
                     </p:cTn>
                   </p:par>
+                  <p:par>
+                    <p:cTn id="9" fill="hold">
+                      <p:stCondLst>
+                        <p:cond delay="indefinite"/>
+                      </p:stCondLst>
+                      <p:childTnLst>
+                        <p:par>
+                          <p:cTn id="10" fill="hold">
+                            <p:stCondLst>
+                              <p:cond delay="0"/>
+                            </p:stCondLst>
+                            <p:childTnLst>
+                              <p:par>
+                                <p:cTn id="11" presetID="6" presetClass="entr" presetSubtype="16" fill="hold" nodeType="clickEffect">
+                                  <p:stCondLst>
+                                    <p:cond delay="0"/>
+                                  </p:stCondLst>
+                                  <p:childTnLst>
+                                    <p:set>
+                                      <p:cBhvr>
+                                        <p:cTn id="12" dur="1" fill="hold">
+                                          <p:stCondLst>
+                                            <p:cond delay="0"/>
+                                          </p:stCondLst>
+                                        </p:cTn>
+                                        <p:tgtEl>
+                                          <p:spTgt spid="10">
+                                            <p:txEl>
+                                              <p:pRg st="0" end="0"/>
+                                            </p:txEl>
+                                          </p:spTgt>
+                                        </p:tgtEl>
+                                        <p:attrNameLst>
+                                          <p:attrName>style.visibility</p:attrName>
+                                        </p:attrNameLst>
+                                      </p:cBhvr>
+                                      <p:to>
+                                        <p:strVal val="visible"/>
+                                      </p:to>
+                                    </p:set>
+                                    <p:animEffect transition="in" filter="circle(in)">
+                                      <p:cBhvr>
+                                        <p:cTn id="13" dur="2000"/>
+                                        <p:tgtEl>
+                                          <p:spTgt spid="10">
+                                            <p:txEl>
+                                              <p:pRg st="0" end="0"/>
+                                            </p:txEl>
+                                          </p:spTgt>
+                                        </p:tgtEl>
+                                      </p:cBhvr>
+                                    </p:animEffect>
+                                  </p:childTnLst>
+                                </p:cTn>
+                              </p:par>
+                            </p:childTnLst>
+                          </p:cTn>
+                        </p:par>
+                      </p:childTnLst>
+                    </p:cTn>
+                  </p:par>
+                  <p:par>
+                    <p:cTn id="14" fill="hold">
+                      <p:stCondLst>
+                        <p:cond delay="indefinite"/>
+                      </p:stCondLst>
+                      <p:childTnLst>
+                        <p:par>
+                          <p:cTn id="15" fill="hold">
+                            <p:stCondLst>
+                              <p:cond delay="0"/>
+                            </p:stCondLst>
+                            <p:childTnLst>
+                              <p:par>
+                                <p:cTn id="16" presetID="16" presetClass="entr" presetSubtype="21" fill="hold" nodeType="clickEffect">
+                                  <p:stCondLst>
+                                    <p:cond delay="0"/>
+                                  </p:stCondLst>
+                                  <p:childTnLst>
+                                    <p:set>
+                                      <p:cBhvr>
+                                        <p:cTn id="17" dur="1" fill="hold">
+                                          <p:stCondLst>
+                                            <p:cond delay="0"/>
+                                          </p:stCondLst>
+                                        </p:cTn>
+                                        <p:tgtEl>
+                                          <p:spTgt spid="10">
+                                            <p:txEl>
+                                              <p:pRg st="1" end="1"/>
+                                            </p:txEl>
+                                          </p:spTgt>
+                                        </p:tgtEl>
+                                        <p:attrNameLst>
+                                          <p:attrName>style.visibility</p:attrName>
+                                        </p:attrNameLst>
+                                      </p:cBhvr>
+                                      <p:to>
+                                        <p:strVal val="visible"/>
+                                      </p:to>
+                                    </p:set>
+                                    <p:animEffect transition="in" filter="barn(inVertical)">
+                                      <p:cBhvr>
+                                        <p:cTn id="18" dur="500"/>
+                                        <p:tgtEl>
+                                          <p:spTgt spid="10">
+                                            <p:txEl>
+                                              <p:pRg st="1" end="1"/>
+                                            </p:txEl>
+                                          </p:spTgt>
+                                        </p:tgtEl>
+                                      </p:cBhvr>
+                                    </p:animEffect>
+                                  </p:childTnLst>
+                                </p:cTn>
+                              </p:par>
+                            </p:childTnLst>
+                          </p:cTn>
+                        </p:par>
+                      </p:childTnLst>
+                    </p:cTn>
+                  </p:par>
                 </p:childTnLst>
               </p:cTn>
               <p:prevCondLst>
@@ -11918,7 +18104,168 @@
 </p:sld>
 </file>
 
-<file path=ppt/slides/slide5.xml><?xml version="1.0" encoding="utf-8"?>
+<file path=ppt/slides/slide6.xml><?xml version="1.0" encoding="utf-8"?>
+<p:sld xmlns:a="http://schemas.openxmlformats.org/drawingml/2006/main" xmlns:r="http://schemas.openxmlformats.org/officeDocument/2006/relationships" xmlns:p="http://schemas.openxmlformats.org/presentationml/2006/main">
+  <p:cSld>
+    <p:spTree>
+      <p:nvGrpSpPr>
+        <p:cNvPr id="1" name=""/>
+        <p:cNvGrpSpPr/>
+        <p:nvPr/>
+      </p:nvGrpSpPr>
+      <p:grpSpPr>
+        <a:xfrm>
+          <a:off x="0" y="0"/>
+          <a:ext cx="0" cy="0"/>
+          <a:chOff x="0" y="0"/>
+          <a:chExt cx="0" cy="0"/>
+        </a:xfrm>
+      </p:grpSpPr>
+      <p:sp>
+        <p:nvSpPr>
+          <p:cNvPr id="4" name="Rectangle 3"/>
+          <p:cNvSpPr/>
+          <p:nvPr/>
+        </p:nvSpPr>
+        <p:spPr>
+          <a:xfrm>
+            <a:off x="0" y="0"/>
+            <a:ext cx="12192000" cy="1346200"/>
+          </a:xfrm>
+          <a:prstGeom prst="rect">
+            <a:avLst/>
+          </a:prstGeom>
+          <a:ln>
+            <a:noFill/>
+          </a:ln>
+        </p:spPr>
+        <p:style>
+          <a:lnRef idx="2">
+            <a:schemeClr val="accent1">
+              <a:shade val="50000"/>
+            </a:schemeClr>
+          </a:lnRef>
+          <a:fillRef idx="1">
+            <a:schemeClr val="accent1"/>
+          </a:fillRef>
+          <a:effectRef idx="0">
+            <a:schemeClr val="accent1"/>
+          </a:effectRef>
+          <a:fontRef idx="minor">
+            <a:schemeClr val="lt1"/>
+          </a:fontRef>
+        </p:style>
+        <p:txBody>
+          <a:bodyPr rtlCol="0" anchor="ctr"/>
+          <a:lstStyle/>
+          <a:p>
+            <a:pPr algn="ctr"/>
+            <a:endParaRPr lang="en-US"/>
+          </a:p>
+        </p:txBody>
+      </p:sp>
+      <p:sp>
+        <p:nvSpPr>
+          <p:cNvPr id="7" name="Rectangle 6"/>
+          <p:cNvSpPr/>
+          <p:nvPr/>
+        </p:nvSpPr>
+        <p:spPr>
+          <a:xfrm>
+            <a:off x="296912" y="319157"/>
+            <a:ext cx="11598175" cy="707886"/>
+          </a:xfrm>
+          <a:prstGeom prst="rect">
+            <a:avLst/>
+          </a:prstGeom>
+          <a:noFill/>
+        </p:spPr>
+        <p:txBody>
+          <a:bodyPr wrap="none" lIns="91440" tIns="45720" rIns="91440" bIns="45720">
+            <a:spAutoFit/>
+          </a:bodyPr>
+          <a:lstStyle/>
+          <a:p>
+            <a:r>
+              <a:rPr lang="en-US" sz="4000" dirty="0">
+                <a:ln w="0"/>
+                <a:solidFill>
+                  <a:schemeClr val="bg1"/>
+                </a:solidFill>
+                <a:effectLst>
+                  <a:outerShdw blurRad="38100" dist="19050" dir="2700000" algn="tl" rotWithShape="0">
+                    <a:schemeClr val="dk1">
+                      <a:alpha val="40000"/>
+                    </a:schemeClr>
+                  </a:outerShdw>
+                </a:effectLst>
+                <a:latin typeface="Segoe UI Light" panose="020B0502040204020203" pitchFamily="34" charset="0"/>
+                <a:cs typeface="Segoe UI Light" panose="020B0502040204020203" pitchFamily="34" charset="0"/>
+              </a:rPr>
+              <a:t>QUY TRÌNH : MICROSOFT SOLUTIONS FRAMEWORK</a:t>
+            </a:r>
+          </a:p>
+        </p:txBody>
+      </p:sp>
+      <p:sp>
+        <p:nvSpPr>
+          <p:cNvPr id="3" name="Slide Number Placeholder 2"/>
+          <p:cNvSpPr>
+            <a:spLocks noGrp="1"/>
+          </p:cNvSpPr>
+          <p:nvPr>
+            <p:ph type="sldNum" sz="quarter" idx="12"/>
+          </p:nvPr>
+        </p:nvSpPr>
+        <p:spPr/>
+        <p:txBody>
+          <a:bodyPr/>
+          <a:lstStyle/>
+          <a:p>
+            <a:fld id="{99959F36-308A-4199-A466-0213DD5D8CCA}" type="slidenum">
+              <a:rPr lang="en-US" smtClean="0"/>
+              <a:t>6</a:t>
+            </a:fld>
+            <a:endParaRPr lang="en-US"/>
+          </a:p>
+        </p:txBody>
+      </p:sp>
+      <p:graphicFrame>
+        <p:nvGraphicFramePr>
+          <p:cNvPr id="5" name="Diagram 4"/>
+          <p:cNvGraphicFramePr/>
+          <p:nvPr>
+            <p:extLst>
+              <p:ext uri="{D42A27DB-BD31-4B8C-83A1-F6EECF244321}">
+                <p14:modId xmlns:p14="http://schemas.microsoft.com/office/powerpoint/2010/main" val="925539721"/>
+              </p:ext>
+            </p:extLst>
+          </p:nvPr>
+        </p:nvGraphicFramePr>
+        <p:xfrm>
+          <a:off x="1015999" y="1346200"/>
+          <a:ext cx="10160000" cy="5375283"/>
+        </p:xfrm>
+        <a:graphic>
+          <a:graphicData uri="http://schemas.openxmlformats.org/drawingml/2006/diagram">
+            <dgm:relIds xmlns:dgm="http://schemas.openxmlformats.org/drawingml/2006/diagram" xmlns:r="http://schemas.openxmlformats.org/officeDocument/2006/relationships" r:dm="rId3" r:lo="rId4" r:qs="rId5" r:cs="rId6"/>
+          </a:graphicData>
+        </a:graphic>
+      </p:graphicFrame>
+    </p:spTree>
+    <p:extLst>
+      <p:ext uri="{BB962C8B-B14F-4D97-AF65-F5344CB8AC3E}">
+        <p14:creationId xmlns:p14="http://schemas.microsoft.com/office/powerpoint/2010/main" val="3251617955"/>
+      </p:ext>
+    </p:extLst>
+  </p:cSld>
+  <p:clrMapOvr>
+    <a:masterClrMapping/>
+  </p:clrMapOvr>
+</p:sld>
+</file>
+
+<file path=ppt/slides/slide7.xml><?xml version="1.0" encoding="utf-8"?>
 <p:sld xmlns:a="http://schemas.openxmlformats.org/drawingml/2006/main" xmlns:r="http://schemas.openxmlformats.org/officeDocument/2006/relationships" xmlns:p="http://schemas.openxmlformats.org/presentationml/2006/main">
   <p:cSld>
     <p:spTree>
@@ -11952,7 +18299,7 @@
           <a:p>
             <a:fld id="{99959F36-308A-4199-A466-0213DD5D8CCA}" type="slidenum">
               <a:rPr lang="en-US" smtClean="0"/>
-              <a:t>5</a:t>
+              <a:t>7</a:t>
             </a:fld>
             <a:endParaRPr lang="en-US"/>
           </a:p>
@@ -14344,10 +20691,113 @@
   <p:clrMapOvr>
     <a:masterClrMapping/>
   </p:clrMapOvr>
+  <mc:AlternateContent xmlns:mc="http://schemas.openxmlformats.org/markup-compatibility/2006">
+    <mc:Choice xmlns:p159="http://schemas.microsoft.com/office/powerpoint/2015/09/main" Requires="p159">
+      <p:transition xmlns:p14="http://schemas.microsoft.com/office/powerpoint/2010/main" spd="slow" p14:dur="2000">
+        <p159:morph option="byObject"/>
+      </p:transition>
+    </mc:Choice>
+    <mc:Fallback>
+      <p:transition spd="slow">
+        <p:fade/>
+      </p:transition>
+    </mc:Fallback>
+  </mc:AlternateContent>
+  <p:timing>
+    <p:tnLst>
+      <p:par>
+        <p:cTn id="1" dur="indefinite" restart="never" nodeType="tmRoot">
+          <p:childTnLst>
+            <p:seq concurrent="1" nextAc="seek">
+              <p:cTn id="2" dur="indefinite" nodeType="mainSeq">
+                <p:childTnLst>
+                  <p:par>
+                    <p:cTn id="3" fill="hold">
+                      <p:stCondLst>
+                        <p:cond delay="indefinite"/>
+                      </p:stCondLst>
+                      <p:childTnLst>
+                        <p:par>
+                          <p:cTn id="4" fill="hold">
+                            <p:stCondLst>
+                              <p:cond delay="0"/>
+                            </p:stCondLst>
+                            <p:childTnLst>
+                              <p:par>
+                                <p:cTn id="5" presetID="6" presetClass="entr" presetSubtype="16" fill="hold" nodeType="clickEffect">
+                                  <p:stCondLst>
+                                    <p:cond delay="0"/>
+                                  </p:stCondLst>
+                                  <p:childTnLst>
+                                    <p:set>
+                                      <p:cBhvr>
+                                        <p:cTn id="6" dur="1" fill="hold">
+                                          <p:stCondLst>
+                                            <p:cond delay="0"/>
+                                          </p:stCondLst>
+                                        </p:cTn>
+                                        <p:tgtEl>
+                                          <p:spTgt spid="8">
+                                            <p:txEl>
+                                              <p:pRg st="0" end="0"/>
+                                            </p:txEl>
+                                          </p:spTgt>
+                                        </p:tgtEl>
+                                        <p:attrNameLst>
+                                          <p:attrName>style.visibility</p:attrName>
+                                        </p:attrNameLst>
+                                      </p:cBhvr>
+                                      <p:to>
+                                        <p:strVal val="visible"/>
+                                      </p:to>
+                                    </p:set>
+                                    <p:animEffect transition="in" filter="circle(in)">
+                                      <p:cBhvr>
+                                        <p:cTn id="7" dur="2000"/>
+                                        <p:tgtEl>
+                                          <p:spTgt spid="8">
+                                            <p:txEl>
+                                              <p:pRg st="0" end="0"/>
+                                            </p:txEl>
+                                          </p:spTgt>
+                                        </p:tgtEl>
+                                      </p:cBhvr>
+                                    </p:animEffect>
+                                  </p:childTnLst>
+                                </p:cTn>
+                              </p:par>
+                            </p:childTnLst>
+                          </p:cTn>
+                        </p:par>
+                      </p:childTnLst>
+                    </p:cTn>
+                  </p:par>
+                </p:childTnLst>
+              </p:cTn>
+              <p:prevCondLst>
+                <p:cond evt="onPrev" delay="0">
+                  <p:tgtEl>
+                    <p:sldTgt/>
+                  </p:tgtEl>
+                </p:cond>
+              </p:prevCondLst>
+              <p:nextCondLst>
+                <p:cond evt="onNext" delay="0">
+                  <p:tgtEl>
+                    <p:sldTgt/>
+                  </p:tgtEl>
+                </p:cond>
+              </p:nextCondLst>
+            </p:seq>
+          </p:childTnLst>
+        </p:cTn>
+      </p:par>
+    </p:tnLst>
+  </p:timing>
 </p:sld>
 </file>
 
-<file path=ppt/slides/slide6.xml><?xml version="1.0" encoding="utf-8"?>
+<file path=ppt/slides/slide8.xml><?xml version="1.0" encoding="utf-8"?>
 <p:sld xmlns:a="http://schemas.openxmlformats.org/drawingml/2006/main" xmlns:r="http://schemas.openxmlformats.org/officeDocument/2006/relationships" xmlns:p="http://schemas.openxmlformats.org/presentationml/2006/main">
   <p:cSld>
     <p:spTree>
@@ -14381,7 +20831,7 @@
           <a:p>
             <a:fld id="{99959F36-308A-4199-A466-0213DD5D8CCA}" type="slidenum">
               <a:rPr lang="en-US" smtClean="0"/>
-              <a:t>6</a:t>
+              <a:t>8</a:t>
             </a:fld>
             <a:endParaRPr lang="en-US"/>
           </a:p>
@@ -17238,10 +23688,414 @@
   <p:clrMapOvr>
     <a:masterClrMapping/>
   </p:clrMapOvr>
+  <mc:AlternateContent xmlns:mc="http://schemas.openxmlformats.org/markup-compatibility/2006">
+    <mc:Choice xmlns:p14="http://schemas.microsoft.com/office/powerpoint/2010/main" Requires="p14">
+      <p:transition spd="med" p14:dur="700">
+        <p:fade/>
+      </p:transition>
+    </mc:Choice>
+    <mc:Fallback>
+      <p:transition spd="med">
+        <p:fade/>
+      </p:transition>
+    </mc:Fallback>
+  </mc:AlternateContent>
+  <p:timing>
+    <p:tnLst>
+      <p:par>
+        <p:cTn id="1" dur="indefinite" restart="never" nodeType="tmRoot">
+          <p:childTnLst>
+            <p:seq concurrent="1" nextAc="seek">
+              <p:cTn id="2" dur="indefinite" nodeType="mainSeq">
+                <p:childTnLst>
+                  <p:par>
+                    <p:cTn id="3" fill="hold">
+                      <p:stCondLst>
+                        <p:cond delay="indefinite"/>
+                      </p:stCondLst>
+                      <p:childTnLst>
+                        <p:par>
+                          <p:cTn id="4" fill="hold">
+                            <p:stCondLst>
+                              <p:cond delay="0"/>
+                            </p:stCondLst>
+                            <p:childTnLst>
+                              <p:par>
+                                <p:cTn id="5" presetID="16" presetClass="entr" presetSubtype="21" fill="hold" nodeType="clickEffect">
+                                  <p:stCondLst>
+                                    <p:cond delay="0"/>
+                                  </p:stCondLst>
+                                  <p:childTnLst>
+                                    <p:set>
+                                      <p:cBhvr>
+                                        <p:cTn id="6" dur="1" fill="hold">
+                                          <p:stCondLst>
+                                            <p:cond delay="0"/>
+                                          </p:stCondLst>
+                                        </p:cTn>
+                                        <p:tgtEl>
+                                          <p:spTgt spid="7">
+                                            <p:txEl>
+                                              <p:pRg st="1" end="1"/>
+                                            </p:txEl>
+                                          </p:spTgt>
+                                        </p:tgtEl>
+                                        <p:attrNameLst>
+                                          <p:attrName>style.visibility</p:attrName>
+                                        </p:attrNameLst>
+                                      </p:cBhvr>
+                                      <p:to>
+                                        <p:strVal val="visible"/>
+                                      </p:to>
+                                    </p:set>
+                                    <p:animEffect transition="in" filter="barn(inVertical)">
+                                      <p:cBhvr>
+                                        <p:cTn id="7" dur="500"/>
+                                        <p:tgtEl>
+                                          <p:spTgt spid="7">
+                                            <p:txEl>
+                                              <p:pRg st="1" end="1"/>
+                                            </p:txEl>
+                                          </p:spTgt>
+                                        </p:tgtEl>
+                                      </p:cBhvr>
+                                    </p:animEffect>
+                                  </p:childTnLst>
+                                </p:cTn>
+                              </p:par>
+                              <p:par>
+                                <p:cTn id="8" presetID="16" presetClass="entr" presetSubtype="21" fill="hold" nodeType="withEffect">
+                                  <p:stCondLst>
+                                    <p:cond delay="0"/>
+                                  </p:stCondLst>
+                                  <p:childTnLst>
+                                    <p:set>
+                                      <p:cBhvr>
+                                        <p:cTn id="9" dur="1" fill="hold">
+                                          <p:stCondLst>
+                                            <p:cond delay="0"/>
+                                          </p:stCondLst>
+                                        </p:cTn>
+                                        <p:tgtEl>
+                                          <p:spTgt spid="7">
+                                            <p:txEl>
+                                              <p:pRg st="2" end="2"/>
+                                            </p:txEl>
+                                          </p:spTgt>
+                                        </p:tgtEl>
+                                        <p:attrNameLst>
+                                          <p:attrName>style.visibility</p:attrName>
+                                        </p:attrNameLst>
+                                      </p:cBhvr>
+                                      <p:to>
+                                        <p:strVal val="visible"/>
+                                      </p:to>
+                                    </p:set>
+                                    <p:animEffect transition="in" filter="barn(inVertical)">
+                                      <p:cBhvr>
+                                        <p:cTn id="10" dur="500"/>
+                                        <p:tgtEl>
+                                          <p:spTgt spid="7">
+                                            <p:txEl>
+                                              <p:pRg st="2" end="2"/>
+                                            </p:txEl>
+                                          </p:spTgt>
+                                        </p:tgtEl>
+                                      </p:cBhvr>
+                                    </p:animEffect>
+                                  </p:childTnLst>
+                                </p:cTn>
+                              </p:par>
+                              <p:par>
+                                <p:cTn id="11" presetID="16" presetClass="entr" presetSubtype="21" fill="hold" nodeType="withEffect">
+                                  <p:stCondLst>
+                                    <p:cond delay="0"/>
+                                  </p:stCondLst>
+                                  <p:childTnLst>
+                                    <p:set>
+                                      <p:cBhvr>
+                                        <p:cTn id="12" dur="1" fill="hold">
+                                          <p:stCondLst>
+                                            <p:cond delay="0"/>
+                                          </p:stCondLst>
+                                        </p:cTn>
+                                        <p:tgtEl>
+                                          <p:spTgt spid="7">
+                                            <p:txEl>
+                                              <p:pRg st="3" end="3"/>
+                                            </p:txEl>
+                                          </p:spTgt>
+                                        </p:tgtEl>
+                                        <p:attrNameLst>
+                                          <p:attrName>style.visibility</p:attrName>
+                                        </p:attrNameLst>
+                                      </p:cBhvr>
+                                      <p:to>
+                                        <p:strVal val="visible"/>
+                                      </p:to>
+                                    </p:set>
+                                    <p:animEffect transition="in" filter="barn(inVertical)">
+                                      <p:cBhvr>
+                                        <p:cTn id="13" dur="500"/>
+                                        <p:tgtEl>
+                                          <p:spTgt spid="7">
+                                            <p:txEl>
+                                              <p:pRg st="3" end="3"/>
+                                            </p:txEl>
+                                          </p:spTgt>
+                                        </p:tgtEl>
+                                      </p:cBhvr>
+                                    </p:animEffect>
+                                  </p:childTnLst>
+                                </p:cTn>
+                              </p:par>
+                              <p:par>
+                                <p:cTn id="14" presetID="16" presetClass="entr" presetSubtype="21" fill="hold" nodeType="withEffect">
+                                  <p:stCondLst>
+                                    <p:cond delay="0"/>
+                                  </p:stCondLst>
+                                  <p:childTnLst>
+                                    <p:set>
+                                      <p:cBhvr>
+                                        <p:cTn id="15" dur="1" fill="hold">
+                                          <p:stCondLst>
+                                            <p:cond delay="0"/>
+                                          </p:stCondLst>
+                                        </p:cTn>
+                                        <p:tgtEl>
+                                          <p:spTgt spid="7">
+                                            <p:txEl>
+                                              <p:pRg st="4" end="4"/>
+                                            </p:txEl>
+                                          </p:spTgt>
+                                        </p:tgtEl>
+                                        <p:attrNameLst>
+                                          <p:attrName>style.visibility</p:attrName>
+                                        </p:attrNameLst>
+                                      </p:cBhvr>
+                                      <p:to>
+                                        <p:strVal val="visible"/>
+                                      </p:to>
+                                    </p:set>
+                                    <p:animEffect transition="in" filter="barn(inVertical)">
+                                      <p:cBhvr>
+                                        <p:cTn id="16" dur="500"/>
+                                        <p:tgtEl>
+                                          <p:spTgt spid="7">
+                                            <p:txEl>
+                                              <p:pRg st="4" end="4"/>
+                                            </p:txEl>
+                                          </p:spTgt>
+                                        </p:tgtEl>
+                                      </p:cBhvr>
+                                    </p:animEffect>
+                                  </p:childTnLst>
+                                </p:cTn>
+                              </p:par>
+                              <p:par>
+                                <p:cTn id="17" presetID="16" presetClass="entr" presetSubtype="21" fill="hold" nodeType="withEffect">
+                                  <p:stCondLst>
+                                    <p:cond delay="0"/>
+                                  </p:stCondLst>
+                                  <p:childTnLst>
+                                    <p:set>
+                                      <p:cBhvr>
+                                        <p:cTn id="18" dur="1" fill="hold">
+                                          <p:stCondLst>
+                                            <p:cond delay="0"/>
+                                          </p:stCondLst>
+                                        </p:cTn>
+                                        <p:tgtEl>
+                                          <p:spTgt spid="7">
+                                            <p:txEl>
+                                              <p:pRg st="5" end="5"/>
+                                            </p:txEl>
+                                          </p:spTgt>
+                                        </p:tgtEl>
+                                        <p:attrNameLst>
+                                          <p:attrName>style.visibility</p:attrName>
+                                        </p:attrNameLst>
+                                      </p:cBhvr>
+                                      <p:to>
+                                        <p:strVal val="visible"/>
+                                      </p:to>
+                                    </p:set>
+                                    <p:animEffect transition="in" filter="barn(inVertical)">
+                                      <p:cBhvr>
+                                        <p:cTn id="19" dur="500"/>
+                                        <p:tgtEl>
+                                          <p:spTgt spid="7">
+                                            <p:txEl>
+                                              <p:pRg st="5" end="5"/>
+                                            </p:txEl>
+                                          </p:spTgt>
+                                        </p:tgtEl>
+                                      </p:cBhvr>
+                                    </p:animEffect>
+                                  </p:childTnLst>
+                                </p:cTn>
+                              </p:par>
+                              <p:par>
+                                <p:cTn id="20" presetID="16" presetClass="entr" presetSubtype="21" fill="hold" nodeType="withEffect">
+                                  <p:stCondLst>
+                                    <p:cond delay="0"/>
+                                  </p:stCondLst>
+                                  <p:childTnLst>
+                                    <p:set>
+                                      <p:cBhvr>
+                                        <p:cTn id="21" dur="1" fill="hold">
+                                          <p:stCondLst>
+                                            <p:cond delay="0"/>
+                                          </p:stCondLst>
+                                        </p:cTn>
+                                        <p:tgtEl>
+                                          <p:spTgt spid="7">
+                                            <p:txEl>
+                                              <p:pRg st="6" end="6"/>
+                                            </p:txEl>
+                                          </p:spTgt>
+                                        </p:tgtEl>
+                                        <p:attrNameLst>
+                                          <p:attrName>style.visibility</p:attrName>
+                                        </p:attrNameLst>
+                                      </p:cBhvr>
+                                      <p:to>
+                                        <p:strVal val="visible"/>
+                                      </p:to>
+                                    </p:set>
+                                    <p:animEffect transition="in" filter="barn(inVertical)">
+                                      <p:cBhvr>
+                                        <p:cTn id="22" dur="500"/>
+                                        <p:tgtEl>
+                                          <p:spTgt spid="7">
+                                            <p:txEl>
+                                              <p:pRg st="6" end="6"/>
+                                            </p:txEl>
+                                          </p:spTgt>
+                                        </p:tgtEl>
+                                      </p:cBhvr>
+                                    </p:animEffect>
+                                  </p:childTnLst>
+                                </p:cTn>
+                              </p:par>
+                              <p:par>
+                                <p:cTn id="23" presetID="16" presetClass="entr" presetSubtype="21" fill="hold" nodeType="withEffect">
+                                  <p:stCondLst>
+                                    <p:cond delay="0"/>
+                                  </p:stCondLst>
+                                  <p:childTnLst>
+                                    <p:set>
+                                      <p:cBhvr>
+                                        <p:cTn id="24" dur="1" fill="hold">
+                                          <p:stCondLst>
+                                            <p:cond delay="0"/>
+                                          </p:stCondLst>
+                                        </p:cTn>
+                                        <p:tgtEl>
+                                          <p:spTgt spid="7">
+                                            <p:txEl>
+                                              <p:pRg st="7" end="7"/>
+                                            </p:txEl>
+                                          </p:spTgt>
+                                        </p:tgtEl>
+                                        <p:attrNameLst>
+                                          <p:attrName>style.visibility</p:attrName>
+                                        </p:attrNameLst>
+                                      </p:cBhvr>
+                                      <p:to>
+                                        <p:strVal val="visible"/>
+                                      </p:to>
+                                    </p:set>
+                                    <p:animEffect transition="in" filter="barn(inVertical)">
+                                      <p:cBhvr>
+                                        <p:cTn id="25" dur="500"/>
+                                        <p:tgtEl>
+                                          <p:spTgt spid="7">
+                                            <p:txEl>
+                                              <p:pRg st="7" end="7"/>
+                                            </p:txEl>
+                                          </p:spTgt>
+                                        </p:tgtEl>
+                                      </p:cBhvr>
+                                    </p:animEffect>
+                                  </p:childTnLst>
+                                </p:cTn>
+                              </p:par>
+                              <p:par>
+                                <p:cTn id="26" presetID="16" presetClass="entr" presetSubtype="21" fill="hold" nodeType="withEffect">
+                                  <p:stCondLst>
+                                    <p:cond delay="0"/>
+                                  </p:stCondLst>
+                                  <p:childTnLst>
+                                    <p:set>
+                                      <p:cBhvr>
+                                        <p:cTn id="27" dur="1" fill="hold">
+                                          <p:stCondLst>
+                                            <p:cond delay="0"/>
+                                          </p:stCondLst>
+                                        </p:cTn>
+                                        <p:tgtEl>
+                                          <p:spTgt spid="7">
+                                            <p:txEl>
+                                              <p:pRg st="8" end="8"/>
+                                            </p:txEl>
+                                          </p:spTgt>
+                                        </p:tgtEl>
+                                        <p:attrNameLst>
+                                          <p:attrName>style.visibility</p:attrName>
+                                        </p:attrNameLst>
+                                      </p:cBhvr>
+                                      <p:to>
+                                        <p:strVal val="visible"/>
+                                      </p:to>
+                                    </p:set>
+                                    <p:animEffect transition="in" filter="barn(inVertical)">
+                                      <p:cBhvr>
+                                        <p:cTn id="28" dur="500"/>
+                                        <p:tgtEl>
+                                          <p:spTgt spid="7">
+                                            <p:txEl>
+                                              <p:pRg st="8" end="8"/>
+                                            </p:txEl>
+                                          </p:spTgt>
+                                        </p:tgtEl>
+                                      </p:cBhvr>
+                                    </p:animEffect>
+                                  </p:childTnLst>
+                                </p:cTn>
+                              </p:par>
+                            </p:childTnLst>
+                          </p:cTn>
+                        </p:par>
+                      </p:childTnLst>
+                    </p:cTn>
+                  </p:par>
+                </p:childTnLst>
+              </p:cTn>
+              <p:prevCondLst>
+                <p:cond evt="onPrev" delay="0">
+                  <p:tgtEl>
+                    <p:sldTgt/>
+                  </p:tgtEl>
+                </p:cond>
+              </p:prevCondLst>
+              <p:nextCondLst>
+                <p:cond evt="onNext" delay="0">
+                  <p:tgtEl>
+                    <p:sldTgt/>
+                  </p:tgtEl>
+                </p:cond>
+              </p:nextCondLst>
+            </p:seq>
+          </p:childTnLst>
+        </p:cTn>
+      </p:par>
+    </p:tnLst>
+  </p:timing>
 </p:sld>
 </file>
 
-<file path=ppt/slides/slide7.xml><?xml version="1.0" encoding="utf-8"?>
+<file path=ppt/slides/slide9.xml><?xml version="1.0" encoding="utf-8"?>
 <p:sld xmlns:a="http://schemas.openxmlformats.org/drawingml/2006/main" xmlns:r="http://schemas.openxmlformats.org/officeDocument/2006/relationships" xmlns:p="http://schemas.openxmlformats.org/presentationml/2006/main">
   <p:cSld>
     <p:spTree>
@@ -17361,7 +24215,7 @@
           <a:p>
             <a:fld id="{99959F36-308A-4199-A466-0213DD5D8CCA}" type="slidenum">
               <a:rPr lang="en-US" smtClean="0"/>
-              <a:t>7</a:t>
+              <a:t>9</a:t>
             </a:fld>
             <a:endParaRPr lang="en-US"/>
           </a:p>
